--- a/slides/introduction_to_linux.pptx
+++ b/slides/introduction_to_linux.pptx
@@ -5,7 +5,7 @@
     <p:sldMasterId id="2147483660" r:id="rId1"/>
   </p:sldMasterIdLst>
   <p:notesMasterIdLst>
-    <p:notesMasterId r:id="rId38"/>
+    <p:notesMasterId r:id="rId48"/>
   </p:notesMasterIdLst>
   <p:sldIdLst>
     <p:sldId id="256" r:id="rId2"/>
@@ -40,10 +40,20 @@
     <p:sldId id="329" r:id="rId31"/>
     <p:sldId id="330" r:id="rId32"/>
     <p:sldId id="331" r:id="rId33"/>
-    <p:sldId id="332" r:id="rId34"/>
-    <p:sldId id="300" r:id="rId35"/>
-    <p:sldId id="304" r:id="rId36"/>
-    <p:sldId id="299" r:id="rId37"/>
+    <p:sldId id="333" r:id="rId34"/>
+    <p:sldId id="334" r:id="rId35"/>
+    <p:sldId id="336" r:id="rId36"/>
+    <p:sldId id="335" r:id="rId37"/>
+    <p:sldId id="337" r:id="rId38"/>
+    <p:sldId id="338" r:id="rId39"/>
+    <p:sldId id="339" r:id="rId40"/>
+    <p:sldId id="340" r:id="rId41"/>
+    <p:sldId id="341" r:id="rId42"/>
+    <p:sldId id="342" r:id="rId43"/>
+    <p:sldId id="332" r:id="rId44"/>
+    <p:sldId id="300" r:id="rId45"/>
+    <p:sldId id="304" r:id="rId46"/>
+    <p:sldId id="299" r:id="rId47"/>
   </p:sldIdLst>
   <p:sldSz cx="9144000" cy="6858000" type="screen4x3"/>
   <p:notesSz cx="7099300" cy="10234613"/>
@@ -12665,7 +12675,7 @@
           <a:p>
             <a:r>
               <a:rPr lang="en-US" dirty="0" smtClean="0"/>
-              <a:t>Linux Permissions</a:t>
+              <a:t>Linux Permissions and Ownership</a:t>
             </a:r>
             <a:endParaRPr lang="en-US" dirty="0"/>
           </a:p>
@@ -12731,6 +12741,47 @@
           </a:p>
         </p:txBody>
       </p:sp>
+      <p:pic>
+        <p:nvPicPr>
+          <p:cNvPr id="1026" name="Picture 2" descr="http://cdn.meme.am/instances/400x/53655060.jpg"/>
+          <p:cNvPicPr>
+            <a:picLocks noChangeAspect="1" noChangeArrowheads="1"/>
+          </p:cNvPicPr>
+          <p:nvPr/>
+        </p:nvPicPr>
+        <p:blipFill>
+          <a:blip r:embed="rId2">
+            <a:extLst>
+              <a:ext uri="{28A0092B-C50C-407E-A947-70E740481C1C}">
+                <a14:useLocalDpi xmlns:a14="http://schemas.microsoft.com/office/drawing/2010/main" val="0"/>
+              </a:ext>
+            </a:extLst>
+          </a:blip>
+          <a:srcRect/>
+          <a:stretch>
+            <a:fillRect/>
+          </a:stretch>
+        </p:blipFill>
+        <p:spPr bwMode="auto">
+          <a:xfrm>
+            <a:off x="5325214" y="323276"/>
+            <a:ext cx="3562924" cy="3562924"/>
+          </a:xfrm>
+          <a:prstGeom prst="rect">
+            <a:avLst/>
+          </a:prstGeom>
+          <a:noFill/>
+          <a:extLst>
+            <a:ext uri="{909E8E84-426E-40DD-AFC4-6F175D3DCCD1}">
+              <a14:hiddenFill xmlns:a14="http://schemas.microsoft.com/office/drawing/2010/main">
+                <a:solidFill>
+                  <a:srgbClr val="FFFFFF"/>
+                </a:solidFill>
+              </a14:hiddenFill>
+            </a:ext>
+          </a:extLst>
+        </p:spPr>
+      </p:pic>
     </p:spTree>
     <p:extLst>
       <p:ext uri="{BB962C8B-B14F-4D97-AF65-F5344CB8AC3E}">
@@ -12768,7 +12819,7 @@
             <a:spLocks noGrp="1"/>
           </p:cNvSpPr>
           <p:nvPr>
-            <p:ph type="ctrTitle"/>
+            <p:ph type="title"/>
           </p:nvPr>
         </p:nvSpPr>
         <p:spPr/>
@@ -12778,7 +12829,7 @@
           <a:p>
             <a:r>
               <a:rPr lang="en-US" dirty="0" smtClean="0"/>
-              <a:t>Linux Basics</a:t>
+              <a:t>Users</a:t>
             </a:r>
             <a:endParaRPr lang="en-US" dirty="0"/>
           </a:p>
@@ -12786,26 +12837,228 @@
       </p:sp>
       <p:sp>
         <p:nvSpPr>
-          <p:cNvPr id="6" name="Subtitle 5"/>
-          <p:cNvSpPr>
-            <a:spLocks noGrp="1"/>
-          </p:cNvSpPr>
-          <p:nvPr>
-            <p:ph type="subTitle" idx="1"/>
+          <p:cNvPr id="6" name="Content Placeholder 5"/>
+          <p:cNvSpPr>
+            <a:spLocks noGrp="1"/>
+          </p:cNvSpPr>
+          <p:nvPr>
+            <p:ph idx="1"/>
           </p:nvPr>
         </p:nvSpPr>
         <p:spPr/>
         <p:txBody>
-          <a:bodyPr/>
-          <a:lstStyle/>
-          <a:p>
-            <a:r>
-              <a:rPr lang="en-US" dirty="0" err="1" smtClean="0"/>
-              <a:t>Debian</a:t>
-            </a:r>
-            <a:r>
-              <a:rPr lang="en-US" dirty="0" smtClean="0"/>
-              <a:t> Package Manager</a:t>
+          <a:bodyPr>
+            <a:normAutofit/>
+          </a:bodyPr>
+          <a:lstStyle/>
+          <a:p>
+            <a:r>
+              <a:rPr lang="en-US" dirty="0"/>
+              <a:t>Linux is a multi-user </a:t>
+            </a:r>
+            <a:r>
+              <a:rPr lang="en-US" dirty="0" smtClean="0"/>
+              <a:t>system.</a:t>
+            </a:r>
+          </a:p>
+          <a:p>
+            <a:r>
+              <a:rPr lang="en-US" dirty="0" smtClean="0"/>
+              <a:t>Basic </a:t>
+            </a:r>
+            <a:r>
+              <a:rPr lang="en-US" dirty="0"/>
+              <a:t>understanding of users and groups is required before ownership and permissions can be </a:t>
+            </a:r>
+            <a:r>
+              <a:rPr lang="en-US" dirty="0" smtClean="0"/>
+              <a:t>discussed</a:t>
+            </a:r>
+          </a:p>
+          <a:p>
+            <a:pPr lvl="1"/>
+            <a:r>
+              <a:rPr lang="en-US" dirty="0"/>
+              <a:t>T</a:t>
+            </a:r>
+            <a:r>
+              <a:rPr lang="en-US" dirty="0" smtClean="0"/>
+              <a:t>hey </a:t>
+            </a:r>
+            <a:r>
+              <a:rPr lang="en-US" dirty="0"/>
+              <a:t>are the entities that the ownership and permissions apply to.</a:t>
+            </a:r>
+          </a:p>
+          <a:p>
+            <a:endParaRPr lang="en-US" dirty="0"/>
+          </a:p>
+          <a:p>
+            <a:r>
+              <a:rPr lang="en-US" dirty="0" smtClean="0"/>
+              <a:t>There </a:t>
+            </a:r>
+            <a:r>
+              <a:rPr lang="en-US" dirty="0"/>
+              <a:t>are two types of </a:t>
+            </a:r>
+            <a:r>
+              <a:rPr lang="en-US" dirty="0" smtClean="0"/>
+              <a:t>users</a:t>
+            </a:r>
+          </a:p>
+          <a:p>
+            <a:pPr lvl="1"/>
+            <a:r>
+              <a:rPr lang="en-US" b="1" dirty="0" smtClean="0"/>
+              <a:t>system </a:t>
+            </a:r>
+            <a:r>
+              <a:rPr lang="en-US" b="1" dirty="0"/>
+              <a:t>users </a:t>
+            </a:r>
+            <a:r>
+              <a:rPr lang="en-US" dirty="0" smtClean="0"/>
+              <a:t>- which are </a:t>
+            </a:r>
+            <a:r>
+              <a:rPr lang="en-US" dirty="0"/>
+              <a:t>used to run non-interactive or </a:t>
+            </a:r>
+            <a:r>
+              <a:rPr lang="en-US" dirty="0">
+                <a:solidFill>
+                  <a:srgbClr val="00B050"/>
+                </a:solidFill>
+              </a:rPr>
+              <a:t>background</a:t>
+            </a:r>
+            <a:r>
+              <a:rPr lang="en-US" dirty="0"/>
+              <a:t> </a:t>
+            </a:r>
+            <a:r>
+              <a:rPr lang="en-US" dirty="0">
+                <a:solidFill>
+                  <a:srgbClr val="00B050"/>
+                </a:solidFill>
+              </a:rPr>
+              <a:t>processes</a:t>
+            </a:r>
+            <a:r>
+              <a:rPr lang="en-US" dirty="0"/>
+              <a:t> on a </a:t>
+            </a:r>
+            <a:r>
+              <a:rPr lang="en-US" dirty="0" smtClean="0"/>
+              <a:t>system</a:t>
+            </a:r>
+          </a:p>
+          <a:p>
+            <a:pPr lvl="1"/>
+            <a:r>
+              <a:rPr lang="en-US" b="1" dirty="0" smtClean="0"/>
+              <a:t>regular </a:t>
+            </a:r>
+            <a:r>
+              <a:rPr lang="en-US" b="1" dirty="0"/>
+              <a:t>users </a:t>
+            </a:r>
+            <a:r>
+              <a:rPr lang="en-US" dirty="0" smtClean="0"/>
+              <a:t>- which are used </a:t>
+            </a:r>
+            <a:r>
+              <a:rPr lang="en-US" dirty="0"/>
+              <a:t>for </a:t>
+            </a:r>
+            <a:r>
+              <a:rPr lang="en-US" dirty="0">
+                <a:solidFill>
+                  <a:srgbClr val="00B050"/>
+                </a:solidFill>
+              </a:rPr>
+              <a:t>logging</a:t>
+            </a:r>
+            <a:r>
+              <a:rPr lang="en-US" dirty="0"/>
+              <a:t> </a:t>
+            </a:r>
+            <a:r>
+              <a:rPr lang="en-US" dirty="0">
+                <a:solidFill>
+                  <a:srgbClr val="00B050"/>
+                </a:solidFill>
+              </a:rPr>
+              <a:t>in</a:t>
+            </a:r>
+            <a:r>
+              <a:rPr lang="en-US" dirty="0"/>
+              <a:t> and running processes interactively. </a:t>
+            </a:r>
+          </a:p>
+          <a:p>
+            <a:endParaRPr lang="en-US" dirty="0"/>
+          </a:p>
+          <a:p>
+            <a:r>
+              <a:rPr lang="en-US" dirty="0"/>
+              <a:t>An easy way to view all of the users on a system is to look at the contents of the "</a:t>
+            </a:r>
+            <a:r>
+              <a:rPr lang="en-US" dirty="0">
+                <a:solidFill>
+                  <a:srgbClr val="0070C0"/>
+                </a:solidFill>
+              </a:rPr>
+              <a:t>/</a:t>
+            </a:r>
+            <a:r>
+              <a:rPr lang="en-US" dirty="0" err="1">
+                <a:solidFill>
+                  <a:srgbClr val="0070C0"/>
+                </a:solidFill>
+              </a:rPr>
+              <a:t>etc</a:t>
+            </a:r>
+            <a:r>
+              <a:rPr lang="en-US" dirty="0">
+                <a:solidFill>
+                  <a:srgbClr val="0070C0"/>
+                </a:solidFill>
+              </a:rPr>
+              <a:t>/</a:t>
+            </a:r>
+            <a:r>
+              <a:rPr lang="en-US" dirty="0" err="1">
+                <a:solidFill>
+                  <a:srgbClr val="0070C0"/>
+                </a:solidFill>
+              </a:rPr>
+              <a:t>passwd</a:t>
+            </a:r>
+            <a:r>
+              <a:rPr lang="en-US" dirty="0"/>
+              <a:t>" </a:t>
+            </a:r>
+            <a:r>
+              <a:rPr lang="en-US" dirty="0" smtClean="0"/>
+              <a:t>file.</a:t>
+            </a:r>
+          </a:p>
+          <a:p>
+            <a:pPr lvl="1"/>
+            <a:r>
+              <a:rPr lang="en-US" dirty="0" smtClean="0"/>
+              <a:t>Each </a:t>
+            </a:r>
+            <a:r>
+              <a:rPr lang="en-US" dirty="0"/>
+              <a:t>line in this file contains information about a single user, starting with its user name (the name before the first </a:t>
+            </a:r>
+            <a:r>
+              <a:rPr lang="en-US" dirty="0" smtClean="0"/>
+              <a:t>:).</a:t>
             </a:r>
             <a:endParaRPr lang="en-US" dirty="0"/>
           </a:p>
@@ -12834,47 +13087,10 @@
           </a:p>
         </p:txBody>
       </p:sp>
-      <p:sp>
-        <p:nvSpPr>
-          <p:cNvPr id="9" name="TextBox 8"/>
-          <p:cNvSpPr txBox="1"/>
-          <p:nvPr/>
-        </p:nvSpPr>
-        <p:spPr>
-          <a:xfrm>
-            <a:off x="1865716" y="5259431"/>
-            <a:ext cx="5412568" cy="461665"/>
-          </a:xfrm>
-          <a:prstGeom prst="rect">
-            <a:avLst/>
-          </a:prstGeom>
-          <a:noFill/>
-        </p:spPr>
-        <p:txBody>
-          <a:bodyPr wrap="square" rtlCol="0">
-            <a:spAutoFit/>
-          </a:bodyPr>
-          <a:lstStyle/>
-          <a:p>
-            <a:r>
-              <a:rPr lang="en-US" sz="1200" dirty="0"/>
-              <a:t>While the information and examples presented here will be valid for most Linux distro’s, some information and commands may only work for </a:t>
-            </a:r>
-            <a:r>
-              <a:rPr lang="en-US" sz="1200" dirty="0" err="1"/>
-              <a:t>Debian</a:t>
-            </a:r>
-            <a:r>
-              <a:rPr lang="en-US" sz="1200" dirty="0"/>
-              <a:t> based distro’s.</a:t>
-            </a:r>
-          </a:p>
-        </p:txBody>
-      </p:sp>
     </p:spTree>
     <p:extLst>
       <p:ext uri="{BB962C8B-B14F-4D97-AF65-F5344CB8AC3E}">
-        <p14:creationId xmlns:p14="http://schemas.microsoft.com/office/powerpoint/2010/main" val="1895619887"/>
+        <p14:creationId xmlns:p14="http://schemas.microsoft.com/office/powerpoint/2010/main" val="2132082647"/>
       </p:ext>
     </p:extLst>
   </p:cSld>
@@ -12885,7 +13101,7 @@
 </file>
 
 <file path=ppt/slides/slide34.xml><?xml version="1.0" encoding="utf-8"?>
-<p:sld xmlns:a="http://schemas.openxmlformats.org/drawingml/2006/main" xmlns:r="http://schemas.openxmlformats.org/officeDocument/2006/relationships" xmlns:p="http://schemas.openxmlformats.org/presentationml/2006/main" show="0">
+<p:sld xmlns:a="http://schemas.openxmlformats.org/drawingml/2006/main" xmlns:r="http://schemas.openxmlformats.org/officeDocument/2006/relationships" xmlns:p="http://schemas.openxmlformats.org/presentationml/2006/main">
   <p:cSld>
     <p:spTree>
       <p:nvGrpSpPr>
@@ -12903,12 +13119,12 @@
       </p:grpSpPr>
       <p:sp>
         <p:nvSpPr>
-          <p:cNvPr id="4" name="Title 3"/>
-          <p:cNvSpPr>
-            <a:spLocks noGrp="1"/>
-          </p:cNvSpPr>
-          <p:nvPr>
-            <p:ph type="ctrTitle"/>
+          <p:cNvPr id="2" name="Title 1"/>
+          <p:cNvSpPr>
+            <a:spLocks noGrp="1"/>
+          </p:cNvSpPr>
+          <p:nvPr>
+            <p:ph type="title"/>
           </p:nvPr>
         </p:nvSpPr>
         <p:spPr/>
@@ -12918,33 +13134,14 @@
           <a:p>
             <a:r>
               <a:rPr lang="en-US" dirty="0"/>
-              <a:t>Booting the Raspberry Pi</a:t>
-            </a:r>
-          </a:p>
-        </p:txBody>
-      </p:sp>
-      <p:sp>
-        <p:nvSpPr>
-          <p:cNvPr id="5" name="Subtitle 4"/>
-          <p:cNvSpPr>
-            <a:spLocks noGrp="1"/>
-          </p:cNvSpPr>
-          <p:nvPr>
-            <p:ph type="subTitle" idx="1"/>
-          </p:nvPr>
-        </p:nvSpPr>
-        <p:spPr/>
-        <p:txBody>
-          <a:bodyPr/>
-          <a:lstStyle/>
-          <a:p>
-            <a:endParaRPr lang="en-US"/>
-          </a:p>
-        </p:txBody>
-      </p:sp>
-      <p:sp>
-        <p:nvSpPr>
-          <p:cNvPr id="6" name="Slide Number Placeholder 5"/>
+              <a:t>Users</a:t>
+            </a:r>
+          </a:p>
+        </p:txBody>
+      </p:sp>
+      <p:sp>
+        <p:nvSpPr>
+          <p:cNvPr id="4" name="Slide Number Placeholder 3"/>
           <p:cNvSpPr>
             <a:spLocks noGrp="1"/>
           </p:cNvSpPr>
@@ -12965,29 +13162,739 @@
           </a:p>
         </p:txBody>
       </p:sp>
+      <p:sp>
+        <p:nvSpPr>
+          <p:cNvPr id="5" name="TextBox 4"/>
+          <p:cNvSpPr txBox="1"/>
+          <p:nvPr/>
+        </p:nvSpPr>
+        <p:spPr>
+          <a:xfrm>
+            <a:off x="551573" y="1674359"/>
+            <a:ext cx="8040854" cy="3693319"/>
+          </a:xfrm>
+          <a:prstGeom prst="rect">
+            <a:avLst/>
+          </a:prstGeom>
+        </p:spPr>
+        <p:style>
+          <a:lnRef idx="1">
+            <a:schemeClr val="dk1"/>
+          </a:lnRef>
+          <a:fillRef idx="2">
+            <a:schemeClr val="dk1"/>
+          </a:fillRef>
+          <a:effectRef idx="1">
+            <a:schemeClr val="dk1"/>
+          </a:effectRef>
+          <a:fontRef idx="minor">
+            <a:schemeClr val="dk1"/>
+          </a:fontRef>
+        </p:style>
+        <p:txBody>
+          <a:bodyPr wrap="square" rtlCol="0">
+            <a:spAutoFit/>
+          </a:bodyPr>
+          <a:lstStyle/>
+          <a:p>
+            <a:r>
+              <a:rPr lang="en-US" dirty="0" err="1" smtClean="0">
+                <a:solidFill>
+                  <a:srgbClr val="C00000"/>
+                </a:solidFill>
+                <a:latin typeface="Consolas" panose="020B0609020204030204" pitchFamily="49" charset="0"/>
+                <a:cs typeface="Consolas" panose="020B0609020204030204" pitchFamily="49" charset="0"/>
+              </a:rPr>
+              <a:t>bioboost@NDWMINT</a:t>
+            </a:r>
+            <a:r>
+              <a:rPr lang="en-US" dirty="0" smtClean="0">
+                <a:solidFill>
+                  <a:srgbClr val="C00000"/>
+                </a:solidFill>
+                <a:latin typeface="Consolas" panose="020B0609020204030204" pitchFamily="49" charset="0"/>
+                <a:cs typeface="Consolas" panose="020B0609020204030204" pitchFamily="49" charset="0"/>
+              </a:rPr>
+              <a:t> </a:t>
+            </a:r>
+            <a:r>
+              <a:rPr lang="en-US" dirty="0">
+                <a:solidFill>
+                  <a:srgbClr val="C00000"/>
+                </a:solidFill>
+                <a:latin typeface="Consolas" panose="020B0609020204030204" pitchFamily="49" charset="0"/>
+                <a:cs typeface="Consolas" panose="020B0609020204030204" pitchFamily="49" charset="0"/>
+              </a:rPr>
+              <a:t>~ $ </a:t>
+            </a:r>
+            <a:r>
+              <a:rPr lang="en-US" dirty="0" smtClean="0">
+                <a:solidFill>
+                  <a:srgbClr val="00B050"/>
+                </a:solidFill>
+                <a:latin typeface="Consolas" panose="020B0609020204030204" pitchFamily="49" charset="0"/>
+                <a:cs typeface="Consolas" panose="020B0609020204030204" pitchFamily="49" charset="0"/>
+              </a:rPr>
+              <a:t>cat /</a:t>
+            </a:r>
+            <a:r>
+              <a:rPr lang="en-US" dirty="0" err="1" smtClean="0">
+                <a:solidFill>
+                  <a:srgbClr val="00B050"/>
+                </a:solidFill>
+                <a:latin typeface="Consolas" panose="020B0609020204030204" pitchFamily="49" charset="0"/>
+                <a:cs typeface="Consolas" panose="020B0609020204030204" pitchFamily="49" charset="0"/>
+              </a:rPr>
+              <a:t>etc</a:t>
+            </a:r>
+            <a:r>
+              <a:rPr lang="en-US" dirty="0" smtClean="0">
+                <a:solidFill>
+                  <a:srgbClr val="00B050"/>
+                </a:solidFill>
+                <a:latin typeface="Consolas" panose="020B0609020204030204" pitchFamily="49" charset="0"/>
+                <a:cs typeface="Consolas" panose="020B0609020204030204" pitchFamily="49" charset="0"/>
+              </a:rPr>
+              <a:t>/</a:t>
+            </a:r>
+            <a:r>
+              <a:rPr lang="en-US" dirty="0" err="1" smtClean="0">
+                <a:solidFill>
+                  <a:srgbClr val="00B050"/>
+                </a:solidFill>
+                <a:latin typeface="Consolas" panose="020B0609020204030204" pitchFamily="49" charset="0"/>
+                <a:cs typeface="Consolas" panose="020B0609020204030204" pitchFamily="49" charset="0"/>
+              </a:rPr>
+              <a:t>passwd</a:t>
+            </a:r>
+            <a:endParaRPr lang="en-US" dirty="0" smtClean="0">
+              <a:solidFill>
+                <a:srgbClr val="00B050"/>
+              </a:solidFill>
+              <a:latin typeface="Consolas" panose="020B0609020204030204" pitchFamily="49" charset="0"/>
+              <a:cs typeface="Consolas" panose="020B0609020204030204" pitchFamily="49" charset="0"/>
+            </a:endParaRPr>
+          </a:p>
+          <a:p>
+            <a:r>
+              <a:rPr lang="en-US" dirty="0">
+                <a:solidFill>
+                  <a:srgbClr val="0070C0"/>
+                </a:solidFill>
+                <a:latin typeface="Consolas" panose="020B0609020204030204" pitchFamily="49" charset="0"/>
+                <a:cs typeface="Consolas" panose="020B0609020204030204" pitchFamily="49" charset="0"/>
+              </a:rPr>
+              <a:t>root:x:0:0:root:/root:/bin/bash</a:t>
+            </a:r>
+          </a:p>
+          <a:p>
+            <a:r>
+              <a:rPr lang="en-US" dirty="0">
+                <a:solidFill>
+                  <a:srgbClr val="0070C0"/>
+                </a:solidFill>
+                <a:latin typeface="Consolas" panose="020B0609020204030204" pitchFamily="49" charset="0"/>
+                <a:cs typeface="Consolas" panose="020B0609020204030204" pitchFamily="49" charset="0"/>
+              </a:rPr>
+              <a:t>daemon:x:1:1:daemon:/</a:t>
+            </a:r>
+            <a:r>
+              <a:rPr lang="en-US" dirty="0" err="1">
+                <a:solidFill>
+                  <a:srgbClr val="0070C0"/>
+                </a:solidFill>
+                <a:latin typeface="Consolas" panose="020B0609020204030204" pitchFamily="49" charset="0"/>
+                <a:cs typeface="Consolas" panose="020B0609020204030204" pitchFamily="49" charset="0"/>
+              </a:rPr>
+              <a:t>usr</a:t>
+            </a:r>
+            <a:r>
+              <a:rPr lang="en-US" dirty="0">
+                <a:solidFill>
+                  <a:srgbClr val="0070C0"/>
+                </a:solidFill>
+                <a:latin typeface="Consolas" panose="020B0609020204030204" pitchFamily="49" charset="0"/>
+                <a:cs typeface="Consolas" panose="020B0609020204030204" pitchFamily="49" charset="0"/>
+              </a:rPr>
+              <a:t>/</a:t>
+            </a:r>
+            <a:r>
+              <a:rPr lang="en-US" dirty="0" err="1">
+                <a:solidFill>
+                  <a:srgbClr val="0070C0"/>
+                </a:solidFill>
+                <a:latin typeface="Consolas" panose="020B0609020204030204" pitchFamily="49" charset="0"/>
+                <a:cs typeface="Consolas" panose="020B0609020204030204" pitchFamily="49" charset="0"/>
+              </a:rPr>
+              <a:t>sbin</a:t>
+            </a:r>
+            <a:r>
+              <a:rPr lang="en-US" dirty="0">
+                <a:solidFill>
+                  <a:srgbClr val="0070C0"/>
+                </a:solidFill>
+                <a:latin typeface="Consolas" panose="020B0609020204030204" pitchFamily="49" charset="0"/>
+                <a:cs typeface="Consolas" panose="020B0609020204030204" pitchFamily="49" charset="0"/>
+              </a:rPr>
+              <a:t>:/</a:t>
+            </a:r>
+            <a:r>
+              <a:rPr lang="en-US" dirty="0" err="1">
+                <a:solidFill>
+                  <a:srgbClr val="0070C0"/>
+                </a:solidFill>
+                <a:latin typeface="Consolas" panose="020B0609020204030204" pitchFamily="49" charset="0"/>
+                <a:cs typeface="Consolas" panose="020B0609020204030204" pitchFamily="49" charset="0"/>
+              </a:rPr>
+              <a:t>usr</a:t>
+            </a:r>
+            <a:r>
+              <a:rPr lang="en-US" dirty="0">
+                <a:solidFill>
+                  <a:srgbClr val="0070C0"/>
+                </a:solidFill>
+                <a:latin typeface="Consolas" panose="020B0609020204030204" pitchFamily="49" charset="0"/>
+                <a:cs typeface="Consolas" panose="020B0609020204030204" pitchFamily="49" charset="0"/>
+              </a:rPr>
+              <a:t>/</a:t>
+            </a:r>
+            <a:r>
+              <a:rPr lang="en-US" dirty="0" err="1">
+                <a:solidFill>
+                  <a:srgbClr val="0070C0"/>
+                </a:solidFill>
+                <a:latin typeface="Consolas" panose="020B0609020204030204" pitchFamily="49" charset="0"/>
+                <a:cs typeface="Consolas" panose="020B0609020204030204" pitchFamily="49" charset="0"/>
+              </a:rPr>
+              <a:t>sbin</a:t>
+            </a:r>
+            <a:r>
+              <a:rPr lang="en-US" dirty="0">
+                <a:solidFill>
+                  <a:srgbClr val="0070C0"/>
+                </a:solidFill>
+                <a:latin typeface="Consolas" panose="020B0609020204030204" pitchFamily="49" charset="0"/>
+                <a:cs typeface="Consolas" panose="020B0609020204030204" pitchFamily="49" charset="0"/>
+              </a:rPr>
+              <a:t>/</a:t>
+            </a:r>
+            <a:r>
+              <a:rPr lang="en-US" dirty="0" err="1">
+                <a:solidFill>
+                  <a:srgbClr val="0070C0"/>
+                </a:solidFill>
+                <a:latin typeface="Consolas" panose="020B0609020204030204" pitchFamily="49" charset="0"/>
+                <a:cs typeface="Consolas" panose="020B0609020204030204" pitchFamily="49" charset="0"/>
+              </a:rPr>
+              <a:t>nologin</a:t>
+            </a:r>
+            <a:endParaRPr lang="en-US" dirty="0">
+              <a:solidFill>
+                <a:srgbClr val="0070C0"/>
+              </a:solidFill>
+              <a:latin typeface="Consolas" panose="020B0609020204030204" pitchFamily="49" charset="0"/>
+              <a:cs typeface="Consolas" panose="020B0609020204030204" pitchFamily="49" charset="0"/>
+            </a:endParaRPr>
+          </a:p>
+          <a:p>
+            <a:r>
+              <a:rPr lang="en-US" dirty="0">
+                <a:solidFill>
+                  <a:srgbClr val="0070C0"/>
+                </a:solidFill>
+                <a:latin typeface="Consolas" panose="020B0609020204030204" pitchFamily="49" charset="0"/>
+                <a:cs typeface="Consolas" panose="020B0609020204030204" pitchFamily="49" charset="0"/>
+              </a:rPr>
+              <a:t>bin:x:2:2:bin:/bin:/</a:t>
+            </a:r>
+            <a:r>
+              <a:rPr lang="en-US" dirty="0" err="1" smtClean="0">
+                <a:solidFill>
+                  <a:srgbClr val="0070C0"/>
+                </a:solidFill>
+                <a:latin typeface="Consolas" panose="020B0609020204030204" pitchFamily="49" charset="0"/>
+                <a:cs typeface="Consolas" panose="020B0609020204030204" pitchFamily="49" charset="0"/>
+              </a:rPr>
+              <a:t>usr</a:t>
+            </a:r>
+            <a:r>
+              <a:rPr lang="en-US" dirty="0" smtClean="0">
+                <a:solidFill>
+                  <a:srgbClr val="0070C0"/>
+                </a:solidFill>
+                <a:latin typeface="Consolas" panose="020B0609020204030204" pitchFamily="49" charset="0"/>
+                <a:cs typeface="Consolas" panose="020B0609020204030204" pitchFamily="49" charset="0"/>
+              </a:rPr>
+              <a:t>/</a:t>
+            </a:r>
+            <a:r>
+              <a:rPr lang="en-US" dirty="0" err="1" smtClean="0">
+                <a:solidFill>
+                  <a:srgbClr val="0070C0"/>
+                </a:solidFill>
+                <a:latin typeface="Consolas" panose="020B0609020204030204" pitchFamily="49" charset="0"/>
+                <a:cs typeface="Consolas" panose="020B0609020204030204" pitchFamily="49" charset="0"/>
+              </a:rPr>
+              <a:t>sbin</a:t>
+            </a:r>
+            <a:r>
+              <a:rPr lang="en-US" dirty="0" smtClean="0">
+                <a:solidFill>
+                  <a:srgbClr val="0070C0"/>
+                </a:solidFill>
+                <a:latin typeface="Consolas" panose="020B0609020204030204" pitchFamily="49" charset="0"/>
+                <a:cs typeface="Consolas" panose="020B0609020204030204" pitchFamily="49" charset="0"/>
+              </a:rPr>
+              <a:t>/</a:t>
+            </a:r>
+            <a:r>
+              <a:rPr lang="en-US" dirty="0" err="1" smtClean="0">
+                <a:solidFill>
+                  <a:srgbClr val="0070C0"/>
+                </a:solidFill>
+                <a:latin typeface="Consolas" panose="020B0609020204030204" pitchFamily="49" charset="0"/>
+                <a:cs typeface="Consolas" panose="020B0609020204030204" pitchFamily="49" charset="0"/>
+              </a:rPr>
+              <a:t>nologin</a:t>
+            </a:r>
+            <a:endParaRPr lang="en-US" dirty="0" smtClean="0">
+              <a:solidFill>
+                <a:srgbClr val="0070C0"/>
+              </a:solidFill>
+              <a:latin typeface="Consolas" panose="020B0609020204030204" pitchFamily="49" charset="0"/>
+              <a:cs typeface="Consolas" panose="020B0609020204030204" pitchFamily="49" charset="0"/>
+            </a:endParaRPr>
+          </a:p>
+          <a:p>
+            <a:r>
+              <a:rPr lang="en-US" dirty="0" smtClean="0">
+                <a:solidFill>
+                  <a:srgbClr val="0070C0"/>
+                </a:solidFill>
+                <a:latin typeface="Consolas" panose="020B0609020204030204" pitchFamily="49" charset="0"/>
+                <a:cs typeface="Consolas" panose="020B0609020204030204" pitchFamily="49" charset="0"/>
+              </a:rPr>
+              <a:t>...</a:t>
+            </a:r>
+            <a:endParaRPr lang="en-US" dirty="0">
+              <a:solidFill>
+                <a:srgbClr val="0070C0"/>
+              </a:solidFill>
+              <a:latin typeface="Consolas" panose="020B0609020204030204" pitchFamily="49" charset="0"/>
+              <a:cs typeface="Consolas" panose="020B0609020204030204" pitchFamily="49" charset="0"/>
+            </a:endParaRPr>
+          </a:p>
+          <a:p>
+            <a:r>
+              <a:rPr lang="en-US" dirty="0" smtClean="0">
+                <a:solidFill>
+                  <a:srgbClr val="0070C0"/>
+                </a:solidFill>
+                <a:latin typeface="Consolas" panose="020B0609020204030204" pitchFamily="49" charset="0"/>
+                <a:cs typeface="Consolas" panose="020B0609020204030204" pitchFamily="49" charset="0"/>
+              </a:rPr>
+              <a:t>www-data:x:33:33:www-data</a:t>
+            </a:r>
+            <a:r>
+              <a:rPr lang="en-US" dirty="0">
+                <a:solidFill>
+                  <a:srgbClr val="0070C0"/>
+                </a:solidFill>
+                <a:latin typeface="Consolas" panose="020B0609020204030204" pitchFamily="49" charset="0"/>
+                <a:cs typeface="Consolas" panose="020B0609020204030204" pitchFamily="49" charset="0"/>
+              </a:rPr>
+              <a:t>:/</a:t>
+            </a:r>
+            <a:r>
+              <a:rPr lang="en-US" dirty="0" err="1">
+                <a:solidFill>
+                  <a:srgbClr val="0070C0"/>
+                </a:solidFill>
+                <a:latin typeface="Consolas" panose="020B0609020204030204" pitchFamily="49" charset="0"/>
+                <a:cs typeface="Consolas" panose="020B0609020204030204" pitchFamily="49" charset="0"/>
+              </a:rPr>
+              <a:t>var</a:t>
+            </a:r>
+            <a:r>
+              <a:rPr lang="en-US" dirty="0">
+                <a:solidFill>
+                  <a:srgbClr val="0070C0"/>
+                </a:solidFill>
+                <a:latin typeface="Consolas" panose="020B0609020204030204" pitchFamily="49" charset="0"/>
+                <a:cs typeface="Consolas" panose="020B0609020204030204" pitchFamily="49" charset="0"/>
+              </a:rPr>
+              <a:t>/www:/</a:t>
+            </a:r>
+            <a:r>
+              <a:rPr lang="en-US" dirty="0" err="1">
+                <a:solidFill>
+                  <a:srgbClr val="0070C0"/>
+                </a:solidFill>
+                <a:latin typeface="Consolas" panose="020B0609020204030204" pitchFamily="49" charset="0"/>
+                <a:cs typeface="Consolas" panose="020B0609020204030204" pitchFamily="49" charset="0"/>
+              </a:rPr>
+              <a:t>usr</a:t>
+            </a:r>
+            <a:r>
+              <a:rPr lang="en-US" dirty="0">
+                <a:solidFill>
+                  <a:srgbClr val="0070C0"/>
+                </a:solidFill>
+                <a:latin typeface="Consolas" panose="020B0609020204030204" pitchFamily="49" charset="0"/>
+                <a:cs typeface="Consolas" panose="020B0609020204030204" pitchFamily="49" charset="0"/>
+              </a:rPr>
+              <a:t>/</a:t>
+            </a:r>
+            <a:r>
+              <a:rPr lang="en-US" dirty="0" err="1">
+                <a:solidFill>
+                  <a:srgbClr val="0070C0"/>
+                </a:solidFill>
+                <a:latin typeface="Consolas" panose="020B0609020204030204" pitchFamily="49" charset="0"/>
+                <a:cs typeface="Consolas" panose="020B0609020204030204" pitchFamily="49" charset="0"/>
+              </a:rPr>
+              <a:t>sbin</a:t>
+            </a:r>
+            <a:r>
+              <a:rPr lang="en-US" dirty="0">
+                <a:solidFill>
+                  <a:srgbClr val="0070C0"/>
+                </a:solidFill>
+                <a:latin typeface="Consolas" panose="020B0609020204030204" pitchFamily="49" charset="0"/>
+                <a:cs typeface="Consolas" panose="020B0609020204030204" pitchFamily="49" charset="0"/>
+              </a:rPr>
+              <a:t>/</a:t>
+            </a:r>
+            <a:r>
+              <a:rPr lang="en-US" dirty="0" err="1">
+                <a:solidFill>
+                  <a:srgbClr val="0070C0"/>
+                </a:solidFill>
+                <a:latin typeface="Consolas" panose="020B0609020204030204" pitchFamily="49" charset="0"/>
+                <a:cs typeface="Consolas" panose="020B0609020204030204" pitchFamily="49" charset="0"/>
+              </a:rPr>
+              <a:t>nologin</a:t>
+            </a:r>
+            <a:endParaRPr lang="en-US" dirty="0">
+              <a:solidFill>
+                <a:srgbClr val="0070C0"/>
+              </a:solidFill>
+              <a:latin typeface="Consolas" panose="020B0609020204030204" pitchFamily="49" charset="0"/>
+              <a:cs typeface="Consolas" panose="020B0609020204030204" pitchFamily="49" charset="0"/>
+            </a:endParaRPr>
+          </a:p>
+          <a:p>
+            <a:r>
+              <a:rPr lang="en-US" dirty="0" smtClean="0">
+                <a:solidFill>
+                  <a:srgbClr val="0070C0"/>
+                </a:solidFill>
+                <a:latin typeface="Consolas" panose="020B0609020204030204" pitchFamily="49" charset="0"/>
+                <a:cs typeface="Consolas" panose="020B0609020204030204" pitchFamily="49" charset="0"/>
+              </a:rPr>
+              <a:t>nobody:x:65534:65534:nobody</a:t>
+            </a:r>
+            <a:r>
+              <a:rPr lang="en-US" dirty="0">
+                <a:solidFill>
+                  <a:srgbClr val="0070C0"/>
+                </a:solidFill>
+                <a:latin typeface="Consolas" panose="020B0609020204030204" pitchFamily="49" charset="0"/>
+                <a:cs typeface="Consolas" panose="020B0609020204030204" pitchFamily="49" charset="0"/>
+              </a:rPr>
+              <a:t>:/nonexistent:/</a:t>
+            </a:r>
+            <a:r>
+              <a:rPr lang="en-US" dirty="0" err="1">
+                <a:solidFill>
+                  <a:srgbClr val="0070C0"/>
+                </a:solidFill>
+                <a:latin typeface="Consolas" panose="020B0609020204030204" pitchFamily="49" charset="0"/>
+                <a:cs typeface="Consolas" panose="020B0609020204030204" pitchFamily="49" charset="0"/>
+              </a:rPr>
+              <a:t>usr</a:t>
+            </a:r>
+            <a:r>
+              <a:rPr lang="en-US" dirty="0">
+                <a:solidFill>
+                  <a:srgbClr val="0070C0"/>
+                </a:solidFill>
+                <a:latin typeface="Consolas" panose="020B0609020204030204" pitchFamily="49" charset="0"/>
+                <a:cs typeface="Consolas" panose="020B0609020204030204" pitchFamily="49" charset="0"/>
+              </a:rPr>
+              <a:t>/</a:t>
+            </a:r>
+            <a:r>
+              <a:rPr lang="en-US" dirty="0" err="1">
+                <a:solidFill>
+                  <a:srgbClr val="0070C0"/>
+                </a:solidFill>
+                <a:latin typeface="Consolas" panose="020B0609020204030204" pitchFamily="49" charset="0"/>
+                <a:cs typeface="Consolas" panose="020B0609020204030204" pitchFamily="49" charset="0"/>
+              </a:rPr>
+              <a:t>sbin</a:t>
+            </a:r>
+            <a:r>
+              <a:rPr lang="en-US" dirty="0">
+                <a:solidFill>
+                  <a:srgbClr val="0070C0"/>
+                </a:solidFill>
+                <a:latin typeface="Consolas" panose="020B0609020204030204" pitchFamily="49" charset="0"/>
+                <a:cs typeface="Consolas" panose="020B0609020204030204" pitchFamily="49" charset="0"/>
+              </a:rPr>
+              <a:t>/</a:t>
+            </a:r>
+            <a:r>
+              <a:rPr lang="en-US" dirty="0" err="1">
+                <a:solidFill>
+                  <a:srgbClr val="0070C0"/>
+                </a:solidFill>
+                <a:latin typeface="Consolas" panose="020B0609020204030204" pitchFamily="49" charset="0"/>
+                <a:cs typeface="Consolas" panose="020B0609020204030204" pitchFamily="49" charset="0"/>
+              </a:rPr>
+              <a:t>nologin</a:t>
+            </a:r>
+            <a:endParaRPr lang="en-US" dirty="0">
+              <a:solidFill>
+                <a:srgbClr val="0070C0"/>
+              </a:solidFill>
+              <a:latin typeface="Consolas" panose="020B0609020204030204" pitchFamily="49" charset="0"/>
+              <a:cs typeface="Consolas" panose="020B0609020204030204" pitchFamily="49" charset="0"/>
+            </a:endParaRPr>
+          </a:p>
+          <a:p>
+            <a:r>
+              <a:rPr lang="en-US" dirty="0">
+                <a:solidFill>
+                  <a:srgbClr val="0070C0"/>
+                </a:solidFill>
+                <a:latin typeface="Consolas" panose="020B0609020204030204" pitchFamily="49" charset="0"/>
+                <a:cs typeface="Consolas" panose="020B0609020204030204" pitchFamily="49" charset="0"/>
+              </a:rPr>
+              <a:t>libuuid:x:100:101::/</a:t>
+            </a:r>
+            <a:r>
+              <a:rPr lang="en-US" dirty="0" err="1">
+                <a:solidFill>
+                  <a:srgbClr val="0070C0"/>
+                </a:solidFill>
+                <a:latin typeface="Consolas" panose="020B0609020204030204" pitchFamily="49" charset="0"/>
+                <a:cs typeface="Consolas" panose="020B0609020204030204" pitchFamily="49" charset="0"/>
+              </a:rPr>
+              <a:t>var</a:t>
+            </a:r>
+            <a:r>
+              <a:rPr lang="en-US" dirty="0">
+                <a:solidFill>
+                  <a:srgbClr val="0070C0"/>
+                </a:solidFill>
+                <a:latin typeface="Consolas" panose="020B0609020204030204" pitchFamily="49" charset="0"/>
+                <a:cs typeface="Consolas" panose="020B0609020204030204" pitchFamily="49" charset="0"/>
+              </a:rPr>
+              <a:t>/lib/</a:t>
+            </a:r>
+            <a:r>
+              <a:rPr lang="en-US" dirty="0" err="1">
+                <a:solidFill>
+                  <a:srgbClr val="0070C0"/>
+                </a:solidFill>
+                <a:latin typeface="Consolas" panose="020B0609020204030204" pitchFamily="49" charset="0"/>
+                <a:cs typeface="Consolas" panose="020B0609020204030204" pitchFamily="49" charset="0"/>
+              </a:rPr>
+              <a:t>libuuid</a:t>
+            </a:r>
+            <a:r>
+              <a:rPr lang="en-US" dirty="0" smtClean="0">
+                <a:solidFill>
+                  <a:srgbClr val="0070C0"/>
+                </a:solidFill>
+                <a:latin typeface="Consolas" panose="020B0609020204030204" pitchFamily="49" charset="0"/>
+                <a:cs typeface="Consolas" panose="020B0609020204030204" pitchFamily="49" charset="0"/>
+              </a:rPr>
+              <a:t>:</a:t>
+            </a:r>
+          </a:p>
+          <a:p>
+            <a:r>
+              <a:rPr lang="en-US" dirty="0" smtClean="0">
+                <a:solidFill>
+                  <a:srgbClr val="0070C0"/>
+                </a:solidFill>
+                <a:latin typeface="Consolas" panose="020B0609020204030204" pitchFamily="49" charset="0"/>
+                <a:cs typeface="Consolas" panose="020B0609020204030204" pitchFamily="49" charset="0"/>
+              </a:rPr>
+              <a:t>...</a:t>
+            </a:r>
+            <a:endParaRPr lang="en-US" dirty="0">
+              <a:solidFill>
+                <a:srgbClr val="0070C0"/>
+              </a:solidFill>
+              <a:latin typeface="Consolas" panose="020B0609020204030204" pitchFamily="49" charset="0"/>
+              <a:cs typeface="Consolas" panose="020B0609020204030204" pitchFamily="49" charset="0"/>
+            </a:endParaRPr>
+          </a:p>
+          <a:p>
+            <a:r>
+              <a:rPr lang="en-US" dirty="0">
+                <a:solidFill>
+                  <a:srgbClr val="0070C0"/>
+                </a:solidFill>
+                <a:latin typeface="Consolas" panose="020B0609020204030204" pitchFamily="49" charset="0"/>
+                <a:cs typeface="Consolas" panose="020B0609020204030204" pitchFamily="49" charset="0"/>
+              </a:rPr>
+              <a:t>syslog:x:101:104::/home/syslog:/bin/false</a:t>
+            </a:r>
+          </a:p>
+          <a:p>
+            <a:r>
+              <a:rPr lang="en-US" dirty="0" smtClean="0">
+                <a:solidFill>
+                  <a:srgbClr val="0070C0"/>
+                </a:solidFill>
+                <a:latin typeface="Consolas" panose="020B0609020204030204" pitchFamily="49" charset="0"/>
+                <a:cs typeface="Consolas" panose="020B0609020204030204" pitchFamily="49" charset="0"/>
+              </a:rPr>
+              <a:t>kernoops:x:106:65534:Kernel </a:t>
+            </a:r>
+            <a:r>
+              <a:rPr lang="en-US" dirty="0">
+                <a:solidFill>
+                  <a:srgbClr val="0070C0"/>
+                </a:solidFill>
+                <a:latin typeface="Consolas" panose="020B0609020204030204" pitchFamily="49" charset="0"/>
+                <a:cs typeface="Consolas" panose="020B0609020204030204" pitchFamily="49" charset="0"/>
+              </a:rPr>
+              <a:t>Oops </a:t>
+            </a:r>
+            <a:r>
+              <a:rPr lang="en-US" dirty="0" smtClean="0">
+                <a:solidFill>
+                  <a:srgbClr val="0070C0"/>
+                </a:solidFill>
+                <a:latin typeface="Consolas" panose="020B0609020204030204" pitchFamily="49" charset="0"/>
+                <a:cs typeface="Consolas" panose="020B0609020204030204" pitchFamily="49" charset="0"/>
+              </a:rPr>
+              <a:t>Tracking</a:t>
+            </a:r>
+          </a:p>
+          <a:p>
+            <a:r>
+              <a:rPr lang="en-US" dirty="0" smtClean="0">
+                <a:solidFill>
+                  <a:srgbClr val="0070C0"/>
+                </a:solidFill>
+                <a:latin typeface="Consolas" panose="020B0609020204030204" pitchFamily="49" charset="0"/>
+                <a:cs typeface="Consolas" panose="020B0609020204030204" pitchFamily="49" charset="0"/>
+              </a:rPr>
+              <a:t>bioboost:x:1000:1000:Nico </a:t>
+            </a:r>
+            <a:r>
+              <a:rPr lang="en-US" dirty="0">
+                <a:solidFill>
+                  <a:srgbClr val="0070C0"/>
+                </a:solidFill>
+                <a:latin typeface="Consolas" panose="020B0609020204030204" pitchFamily="49" charset="0"/>
+                <a:cs typeface="Consolas" panose="020B0609020204030204" pitchFamily="49" charset="0"/>
+              </a:rPr>
+              <a:t>De Witte,,,:/home/</a:t>
+            </a:r>
+            <a:r>
+              <a:rPr lang="en-US" dirty="0" err="1">
+                <a:solidFill>
+                  <a:srgbClr val="0070C0"/>
+                </a:solidFill>
+                <a:latin typeface="Consolas" panose="020B0609020204030204" pitchFamily="49" charset="0"/>
+                <a:cs typeface="Consolas" panose="020B0609020204030204" pitchFamily="49" charset="0"/>
+              </a:rPr>
+              <a:t>bioboost</a:t>
+            </a:r>
+            <a:r>
+              <a:rPr lang="en-US" dirty="0">
+                <a:solidFill>
+                  <a:srgbClr val="0070C0"/>
+                </a:solidFill>
+                <a:latin typeface="Consolas" panose="020B0609020204030204" pitchFamily="49" charset="0"/>
+                <a:cs typeface="Consolas" panose="020B0609020204030204" pitchFamily="49" charset="0"/>
+              </a:rPr>
+              <a:t>:/bin/bash</a:t>
+            </a:r>
+          </a:p>
+          <a:p>
+            <a:r>
+              <a:rPr lang="en-US" dirty="0">
+                <a:solidFill>
+                  <a:srgbClr val="0070C0"/>
+                </a:solidFill>
+                <a:latin typeface="Consolas" panose="020B0609020204030204" pitchFamily="49" charset="0"/>
+                <a:cs typeface="Consolas" panose="020B0609020204030204" pitchFamily="49" charset="0"/>
+              </a:rPr>
+              <a:t>vboxadd:x:999:1::/</a:t>
+            </a:r>
+            <a:r>
+              <a:rPr lang="en-US" dirty="0" err="1">
+                <a:solidFill>
+                  <a:srgbClr val="0070C0"/>
+                </a:solidFill>
+                <a:latin typeface="Consolas" panose="020B0609020204030204" pitchFamily="49" charset="0"/>
+                <a:cs typeface="Consolas" panose="020B0609020204030204" pitchFamily="49" charset="0"/>
+              </a:rPr>
+              <a:t>var</a:t>
+            </a:r>
+            <a:r>
+              <a:rPr lang="en-US" dirty="0">
+                <a:solidFill>
+                  <a:srgbClr val="0070C0"/>
+                </a:solidFill>
+                <a:latin typeface="Consolas" panose="020B0609020204030204" pitchFamily="49" charset="0"/>
+                <a:cs typeface="Consolas" panose="020B0609020204030204" pitchFamily="49" charset="0"/>
+              </a:rPr>
+              <a:t>/run/</a:t>
+            </a:r>
+            <a:r>
+              <a:rPr lang="en-US" dirty="0" err="1">
+                <a:solidFill>
+                  <a:srgbClr val="0070C0"/>
+                </a:solidFill>
+                <a:latin typeface="Consolas" panose="020B0609020204030204" pitchFamily="49" charset="0"/>
+                <a:cs typeface="Consolas" panose="020B0609020204030204" pitchFamily="49" charset="0"/>
+              </a:rPr>
+              <a:t>vboxadd</a:t>
+            </a:r>
+            <a:r>
+              <a:rPr lang="en-US" dirty="0">
+                <a:solidFill>
+                  <a:srgbClr val="0070C0"/>
+                </a:solidFill>
+                <a:latin typeface="Consolas" panose="020B0609020204030204" pitchFamily="49" charset="0"/>
+                <a:cs typeface="Consolas" panose="020B0609020204030204" pitchFamily="49" charset="0"/>
+              </a:rPr>
+              <a:t>:/bin/false</a:t>
+            </a:r>
+            <a:endParaRPr lang="en-US" dirty="0" smtClean="0">
+              <a:solidFill>
+                <a:srgbClr val="0070C0"/>
+              </a:solidFill>
+              <a:latin typeface="Consolas" panose="020B0609020204030204" pitchFamily="49" charset="0"/>
+              <a:cs typeface="Consolas" panose="020B0609020204030204" pitchFamily="49" charset="0"/>
+            </a:endParaRPr>
+          </a:p>
+        </p:txBody>
+      </p:sp>
     </p:spTree>
     <p:extLst>
       <p:ext uri="{BB962C8B-B14F-4D97-AF65-F5344CB8AC3E}">
-        <p14:creationId xmlns:p14="http://schemas.microsoft.com/office/powerpoint/2010/main" val="711743385"/>
+        <p14:creationId xmlns:p14="http://schemas.microsoft.com/office/powerpoint/2010/main" val="3835034960"/>
       </p:ext>
     </p:extLst>
   </p:cSld>
   <p:clrMapOvr>
     <a:masterClrMapping/>
   </p:clrMapOvr>
-  <mc:AlternateContent xmlns:mc="http://schemas.openxmlformats.org/markup-compatibility/2006" xmlns:p14="http://schemas.microsoft.com/office/powerpoint/2010/main">
-    <mc:Choice Requires="p14">
-      <p:transition spd="slow" p14:dur="2000"/>
-    </mc:Choice>
-    <mc:Fallback xmlns="">
-      <p:transition spd="slow"/>
-    </mc:Fallback>
-  </mc:AlternateContent>
 </p:sld>
 </file>
 
 <file path=ppt/slides/slide35.xml><?xml version="1.0" encoding="utf-8"?>
-<p:sld xmlns:a="http://schemas.openxmlformats.org/drawingml/2006/main" xmlns:r="http://schemas.openxmlformats.org/officeDocument/2006/relationships" xmlns:p="http://schemas.openxmlformats.org/presentationml/2006/main" show="0">
+<p:sld xmlns:a="http://schemas.openxmlformats.org/drawingml/2006/main" xmlns:r="http://schemas.openxmlformats.org/officeDocument/2006/relationships" xmlns:p="http://schemas.openxmlformats.org/presentationml/2006/main">
   <p:cSld>
     <p:spTree>
       <p:nvGrpSpPr>
@@ -13018,7 +13925,11 @@
           <a:bodyPr/>
           <a:lstStyle/>
           <a:p>
-            <a:endParaRPr lang="en-US"/>
+            <a:r>
+              <a:rPr lang="en-US" dirty="0" err="1" smtClean="0"/>
+              <a:t>Superuser</a:t>
+            </a:r>
+            <a:endParaRPr lang="en-US" dirty="0"/>
           </a:p>
         </p:txBody>
       </p:sp>
@@ -13039,14 +13950,146 @@
           <a:p>
             <a:r>
               <a:rPr lang="en-US" dirty="0"/>
-              <a:t>When we are talking about embedded Linux we actually are talking about the same kernel code running on millions of other systems. There is no separate code base for embedded systems. When we however build a Linux system for an embedded target we do exclude features we won’t be using and we are also cross-compiling the kernel to binary code that can run on the target system.</a:t>
-            </a:r>
-          </a:p>
-        </p:txBody>
-      </p:sp>
-      <p:sp>
-        <p:nvSpPr>
-          <p:cNvPr id="6" name="Slide Number Placeholder 5"/>
+              <a:t>In addition to the two user types, there is the </a:t>
+            </a:r>
+            <a:r>
+              <a:rPr lang="en-US" dirty="0" err="1">
+                <a:solidFill>
+                  <a:srgbClr val="0070C0"/>
+                </a:solidFill>
+              </a:rPr>
+              <a:t>superuser</a:t>
+            </a:r>
+            <a:r>
+              <a:rPr lang="en-US" dirty="0"/>
+              <a:t>, or </a:t>
+            </a:r>
+            <a:r>
+              <a:rPr lang="en-US" dirty="0">
+                <a:solidFill>
+                  <a:srgbClr val="0070C0"/>
+                </a:solidFill>
+              </a:rPr>
+              <a:t>root</a:t>
+            </a:r>
+            <a:r>
+              <a:rPr lang="en-US" dirty="0"/>
+              <a:t> user, that has the ability to override any file ownership and permission </a:t>
+            </a:r>
+            <a:r>
+              <a:rPr lang="en-US" dirty="0" smtClean="0"/>
+              <a:t>restrictions.</a:t>
+            </a:r>
+          </a:p>
+          <a:p>
+            <a:r>
+              <a:rPr lang="en-US" dirty="0" smtClean="0"/>
+              <a:t>In </a:t>
+            </a:r>
+            <a:r>
+              <a:rPr lang="en-US" dirty="0"/>
+              <a:t>practice, this means that the </a:t>
+            </a:r>
+            <a:r>
+              <a:rPr lang="en-US" dirty="0" err="1"/>
+              <a:t>superuser</a:t>
+            </a:r>
+            <a:r>
+              <a:rPr lang="en-US" dirty="0"/>
+              <a:t> has the </a:t>
+            </a:r>
+            <a:r>
+              <a:rPr lang="en-US" dirty="0">
+                <a:solidFill>
+                  <a:srgbClr val="00B050"/>
+                </a:solidFill>
+              </a:rPr>
+              <a:t>rights to access anything </a:t>
+            </a:r>
+            <a:r>
+              <a:rPr lang="en-US" dirty="0"/>
+              <a:t>on its own </a:t>
+            </a:r>
+            <a:r>
+              <a:rPr lang="en-US" dirty="0" smtClean="0"/>
+              <a:t>server.</a:t>
+            </a:r>
+          </a:p>
+          <a:p>
+            <a:r>
+              <a:rPr lang="en-US" dirty="0" smtClean="0"/>
+              <a:t>This </a:t>
+            </a:r>
+            <a:r>
+              <a:rPr lang="en-US" dirty="0"/>
+              <a:t>user is used to make system-wide changes, and must be kept secure.</a:t>
+            </a:r>
+          </a:p>
+          <a:p>
+            <a:endParaRPr lang="en-US" dirty="0" smtClean="0"/>
+          </a:p>
+          <a:p>
+            <a:r>
+              <a:rPr lang="en-US" dirty="0" smtClean="0"/>
+              <a:t>It </a:t>
+            </a:r>
+            <a:r>
+              <a:rPr lang="en-US" dirty="0"/>
+              <a:t>is also possible to configure other user accounts with the ability to assume "</a:t>
+            </a:r>
+            <a:r>
+              <a:rPr lang="en-US" dirty="0" err="1">
+                <a:solidFill>
+                  <a:srgbClr val="0070C0"/>
+                </a:solidFill>
+              </a:rPr>
+              <a:t>superuser</a:t>
+            </a:r>
+            <a:r>
+              <a:rPr lang="en-US" dirty="0">
+                <a:solidFill>
+                  <a:srgbClr val="0070C0"/>
+                </a:solidFill>
+              </a:rPr>
+              <a:t> rights</a:t>
+            </a:r>
+            <a:r>
+              <a:rPr lang="en-US" dirty="0" smtClean="0"/>
+              <a:t>".</a:t>
+            </a:r>
+          </a:p>
+          <a:p>
+            <a:pPr lvl="1"/>
+            <a:r>
+              <a:rPr lang="en-US" dirty="0" smtClean="0"/>
+              <a:t>Allowing the user to execute "</a:t>
+            </a:r>
+            <a:r>
+              <a:rPr lang="en-US" dirty="0" err="1" smtClean="0">
+                <a:solidFill>
+                  <a:srgbClr val="0070C0"/>
+                </a:solidFill>
+              </a:rPr>
+              <a:t>sudo</a:t>
+            </a:r>
+            <a:r>
+              <a:rPr lang="en-US" dirty="0" smtClean="0"/>
+              <a:t>" commands</a:t>
+            </a:r>
+          </a:p>
+          <a:p>
+            <a:pPr lvl="2"/>
+            <a:r>
+              <a:rPr lang="en-US" dirty="0" smtClean="0"/>
+              <a:t>More on this later</a:t>
+            </a:r>
+            <a:endParaRPr lang="en-US" dirty="0"/>
+          </a:p>
+        </p:txBody>
+      </p:sp>
+      <p:sp>
+        <p:nvSpPr>
+          <p:cNvPr id="3" name="Slide Number Placeholder 2"/>
           <p:cNvSpPr>
             <a:spLocks noGrp="1"/>
           </p:cNvSpPr>
@@ -13070,26 +14113,18 @@
     </p:spTree>
     <p:extLst>
       <p:ext uri="{BB962C8B-B14F-4D97-AF65-F5344CB8AC3E}">
-        <p14:creationId xmlns:p14="http://schemas.microsoft.com/office/powerpoint/2010/main" val="2255797779"/>
+        <p14:creationId xmlns:p14="http://schemas.microsoft.com/office/powerpoint/2010/main" val="1945154085"/>
       </p:ext>
     </p:extLst>
   </p:cSld>
   <p:clrMapOvr>
     <a:masterClrMapping/>
   </p:clrMapOvr>
-  <mc:AlternateContent xmlns:mc="http://schemas.openxmlformats.org/markup-compatibility/2006" xmlns:p14="http://schemas.microsoft.com/office/powerpoint/2010/main">
-    <mc:Choice Requires="p14">
-      <p:transition spd="slow" p14:dur="2000"/>
-    </mc:Choice>
-    <mc:Fallback xmlns="">
-      <p:transition spd="slow"/>
-    </mc:Fallback>
-  </mc:AlternateContent>
 </p:sld>
 </file>
 
 <file path=ppt/slides/slide36.xml><?xml version="1.0" encoding="utf-8"?>
-<p:sld xmlns:a="http://schemas.openxmlformats.org/drawingml/2006/main" xmlns:r="http://schemas.openxmlformats.org/officeDocument/2006/relationships" xmlns:p="http://schemas.openxmlformats.org/presentationml/2006/main" show="0">
+<p:sld xmlns:a="http://schemas.openxmlformats.org/drawingml/2006/main" xmlns:r="http://schemas.openxmlformats.org/officeDocument/2006/relationships" xmlns:p="http://schemas.openxmlformats.org/presentationml/2006/main">
   <p:cSld>
     <p:spTree>
       <p:nvGrpSpPr>
@@ -13107,7 +14142,7 @@
       </p:grpSpPr>
       <p:sp>
         <p:nvSpPr>
-          <p:cNvPr id="2" name="Title 1"/>
+          <p:cNvPr id="4" name="Title 3"/>
           <p:cNvSpPr>
             <a:spLocks noGrp="1"/>
           </p:cNvSpPr>
@@ -13121,16 +14156,19 @@
           <a:lstStyle/>
           <a:p>
             <a:r>
-              <a:rPr lang="en-US" dirty="0" smtClean="0"/>
-              <a:t>Setting up an Embedded System</a:t>
-            </a:r>
+              <a:rPr lang="en-US" dirty="0"/>
+              <a:t>Viewing Ownership and Permissions</a:t>
+            </a:r>
+            <a:br>
+              <a:rPr lang="en-US" dirty="0"/>
+            </a:br>
             <a:endParaRPr lang="en-US" dirty="0"/>
           </a:p>
         </p:txBody>
       </p:sp>
       <p:sp>
         <p:nvSpPr>
-          <p:cNvPr id="3" name="Content Placeholder 2"/>
+          <p:cNvPr id="5" name="Content Placeholder 4"/>
           <p:cNvSpPr>
             <a:spLocks noGrp="1"/>
           </p:cNvSpPr>
@@ -13144,264 +14182,81 @@
           <a:lstStyle/>
           <a:p>
             <a:r>
-              <a:rPr lang="en-US" dirty="0"/>
-              <a:t>To </a:t>
-            </a:r>
-            <a:r>
-              <a:rPr lang="en-US" dirty="0" smtClean="0"/>
-              <a:t>setup an </a:t>
-            </a:r>
-            <a:r>
-              <a:rPr lang="en-US" dirty="0"/>
-              <a:t>embedded Linux system we have multiple choices:</a:t>
-            </a:r>
-          </a:p>
-          <a:p>
-            <a:pPr lvl="1"/>
-            <a:r>
-              <a:rPr lang="en-US" dirty="0"/>
-              <a:t>Use a </a:t>
-            </a:r>
-            <a:r>
-              <a:rPr lang="en-US" dirty="0">
-                <a:solidFill>
-                  <a:srgbClr val="00B050"/>
-                </a:solidFill>
-              </a:rPr>
-              <a:t>pre-built binary </a:t>
-            </a:r>
-            <a:r>
-              <a:rPr lang="en-US" dirty="0"/>
-              <a:t>distribution such as </a:t>
-            </a:r>
-            <a:r>
-              <a:rPr lang="en-US" dirty="0" err="1" smtClean="0"/>
-              <a:t>Raspbian</a:t>
-            </a:r>
-            <a:r>
-              <a:rPr lang="en-US" dirty="0" smtClean="0"/>
-              <a:t>, </a:t>
-            </a:r>
-            <a:r>
-              <a:rPr lang="en-US" dirty="0"/>
-              <a:t>Ubuntu or Fedora</a:t>
-            </a:r>
-          </a:p>
-          <a:p>
-            <a:pPr lvl="1"/>
-            <a:r>
-              <a:rPr lang="en-US" dirty="0">
-                <a:solidFill>
-                  <a:srgbClr val="00B050"/>
-                </a:solidFill>
-              </a:rPr>
-              <a:t>Quick </a:t>
-            </a:r>
-            <a:r>
-              <a:rPr lang="en-US" dirty="0"/>
-              <a:t>to set </a:t>
-            </a:r>
-            <a:r>
-              <a:rPr lang="en-US" dirty="0" smtClean="0"/>
-              <a:t>up, but </a:t>
+              <a:rPr lang="en-US" dirty="0" smtClean="0"/>
+              <a:t>In </a:t>
+            </a:r>
+            <a:r>
+              <a:rPr lang="en-US" dirty="0"/>
+              <a:t>Linux, each and every file is owned by a single user and a single group, and has its own access permissions</a:t>
+            </a:r>
+            <a:r>
+              <a:rPr lang="en-US" dirty="0" smtClean="0"/>
+              <a:t>.</a:t>
+            </a:r>
+            <a:endParaRPr lang="en-US" dirty="0"/>
+          </a:p>
+          <a:p>
+            <a:r>
+              <a:rPr lang="en-US" dirty="0"/>
+              <a:t>The most common way to view the permissions of a file is to use </a:t>
+            </a:r>
+            <a:r>
+              <a:rPr lang="en-US" dirty="0" smtClean="0"/>
+              <a:t>"</a:t>
             </a:r>
             <a:r>
               <a:rPr lang="en-US" dirty="0" smtClean="0">
                 <a:solidFill>
-                  <a:srgbClr val="00B050"/>
-                </a:solidFill>
-              </a:rPr>
-              <a:t>not </a:t>
-            </a:r>
-            <a:r>
-              <a:rPr lang="en-US" dirty="0">
-                <a:solidFill>
-                  <a:srgbClr val="00B050"/>
-                </a:solidFill>
-              </a:rPr>
-              <a:t>very </a:t>
-            </a:r>
-            <a:r>
-              <a:rPr lang="en-US" dirty="0" smtClean="0">
-                <a:solidFill>
-                  <a:srgbClr val="00B050"/>
-                </a:solidFill>
-              </a:rPr>
-              <a:t>flexible</a:t>
-            </a:r>
-            <a:r>
-              <a:rPr lang="en-US" dirty="0" smtClean="0"/>
-              <a:t>: support </a:t>
-            </a:r>
-            <a:r>
-              <a:rPr lang="en-US" dirty="0"/>
-              <a:t>for only a few architectures, no flexibility on package configuration, no easy way to rebuild the entire system automatically.</a:t>
+                  <a:srgbClr val="0070C0"/>
+                </a:solidFill>
+              </a:rPr>
+              <a:t>ls</a:t>
+            </a:r>
+            <a:r>
+              <a:rPr lang="en-US" dirty="0" smtClean="0"/>
+              <a:t>" </a:t>
+            </a:r>
+            <a:r>
+              <a:rPr lang="en-US" dirty="0"/>
+              <a:t>with the long listing </a:t>
+            </a:r>
+            <a:r>
+              <a:rPr lang="en-US" dirty="0" smtClean="0"/>
+              <a:t>option</a:t>
             </a:r>
           </a:p>
           <a:p>
             <a:endParaRPr lang="en-US" dirty="0"/>
           </a:p>
           <a:p>
-            <a:r>
-              <a:rPr lang="en-US" dirty="0">
-                <a:solidFill>
-                  <a:srgbClr val="00B050"/>
-                </a:solidFill>
-              </a:rPr>
-              <a:t>Build</a:t>
-            </a:r>
-            <a:r>
-              <a:rPr lang="en-US" dirty="0"/>
-              <a:t> all system components </a:t>
-            </a:r>
-            <a:r>
-              <a:rPr lang="en-US" dirty="0">
-                <a:solidFill>
-                  <a:srgbClr val="00B050"/>
-                </a:solidFill>
-              </a:rPr>
-              <a:t>manually</a:t>
-            </a:r>
-          </a:p>
-          <a:p>
-            <a:pPr lvl="1"/>
-            <a:r>
-              <a:rPr lang="en-US" dirty="0"/>
-              <a:t>Highly </a:t>
-            </a:r>
-            <a:r>
-              <a:rPr lang="en-US" dirty="0">
-                <a:solidFill>
-                  <a:srgbClr val="00B050"/>
-                </a:solidFill>
-              </a:rPr>
-              <a:t>flexible</a:t>
-            </a:r>
-            <a:r>
-              <a:rPr lang="en-US" dirty="0"/>
-              <a:t>, but </a:t>
-            </a:r>
-            <a:r>
-              <a:rPr lang="en-US" dirty="0">
-                <a:solidFill>
-                  <a:srgbClr val="00B050"/>
-                </a:solidFill>
-              </a:rPr>
-              <a:t>painful</a:t>
-            </a:r>
-            <a:r>
-              <a:rPr lang="en-US" dirty="0"/>
-              <a:t> and </a:t>
-            </a:r>
-            <a:r>
-              <a:rPr lang="en-US" dirty="0">
-                <a:solidFill>
-                  <a:srgbClr val="00B050"/>
-                </a:solidFill>
-              </a:rPr>
-              <a:t>inefficient</a:t>
-            </a:r>
-            <a:r>
-              <a:rPr lang="en-US" dirty="0"/>
-              <a:t>: need to handle complex cross-compilation issues, understand inter-package dependencies, not reproducible.</a:t>
-            </a:r>
-          </a:p>
-          <a:p>
+            <a:endParaRPr lang="en-US" dirty="0" smtClean="0"/>
+          </a:p>
+          <a:p>
+            <a:r>
+              <a:rPr lang="en-US" dirty="0" smtClean="0"/>
+              <a:t>If </a:t>
+            </a:r>
+            <a:r>
+              <a:rPr lang="en-US" dirty="0"/>
+              <a:t>you want to view the permissions of all of the files in your current directory, run the command without an </a:t>
+            </a:r>
+            <a:r>
+              <a:rPr lang="en-US" dirty="0" smtClean="0"/>
+              <a:t>argument</a:t>
+            </a:r>
             <a:endParaRPr lang="en-US" dirty="0"/>
           </a:p>
           <a:p>
-            <a:r>
-              <a:rPr lang="en-US" dirty="0"/>
-              <a:t>Use an automated build system, that builds the entire system from source</a:t>
-            </a:r>
-          </a:p>
-          <a:p>
-            <a:pPr lvl="1"/>
-            <a:r>
-              <a:rPr lang="en-US" dirty="0">
-                <a:solidFill>
-                  <a:srgbClr val="00B050"/>
-                </a:solidFill>
-              </a:rPr>
-              <a:t>Automated</a:t>
-            </a:r>
-            <a:r>
-              <a:rPr lang="en-US" dirty="0"/>
-              <a:t>, </a:t>
-            </a:r>
-            <a:r>
-              <a:rPr lang="en-US" dirty="0">
-                <a:solidFill>
-                  <a:srgbClr val="00B050"/>
-                </a:solidFill>
-              </a:rPr>
-              <a:t>flexible</a:t>
-            </a:r>
-            <a:r>
-              <a:rPr lang="en-US" dirty="0"/>
-              <a:t>, handle most cross-compilation issues</a:t>
-            </a:r>
-          </a:p>
-          <a:p>
-            <a:pPr lvl="1"/>
-            <a:r>
-              <a:rPr lang="en-US" dirty="0"/>
-              <a:t>Examples: </a:t>
-            </a:r>
-            <a:r>
-              <a:rPr lang="en-US" dirty="0" err="1"/>
-              <a:t>Buildroot</a:t>
-            </a:r>
-            <a:r>
-              <a:rPr lang="en-US" dirty="0"/>
-              <a:t>, </a:t>
-            </a:r>
-            <a:r>
-              <a:rPr lang="en-US" dirty="0" err="1"/>
-              <a:t>OpenWRT</a:t>
-            </a:r>
-            <a:r>
-              <a:rPr lang="en-US" dirty="0"/>
-              <a:t>, </a:t>
-            </a:r>
-            <a:r>
-              <a:rPr lang="en-US" dirty="0" err="1"/>
-              <a:t>PTXdist</a:t>
-            </a:r>
-            <a:r>
-              <a:rPr lang="en-US" dirty="0"/>
-              <a:t>, </a:t>
-            </a:r>
-            <a:r>
-              <a:rPr lang="en-US" dirty="0" err="1"/>
-              <a:t>OpenBricks</a:t>
-            </a:r>
-            <a:r>
-              <a:rPr lang="en-US" dirty="0"/>
-              <a:t>, </a:t>
-            </a:r>
-            <a:r>
-              <a:rPr lang="en-US" dirty="0" err="1"/>
-              <a:t>OpenEmbedded</a:t>
-            </a:r>
-            <a:r>
-              <a:rPr lang="en-US" dirty="0"/>
-              <a:t>, </a:t>
-            </a:r>
-            <a:r>
-              <a:rPr lang="en-US" dirty="0" err="1"/>
-              <a:t>Yocto</a:t>
-            </a:r>
-            <a:r>
-              <a:rPr lang="en-US" dirty="0"/>
-              <a:t>, etc.</a:t>
-            </a:r>
-          </a:p>
-        </p:txBody>
-      </p:sp>
-      <p:sp>
-        <p:nvSpPr>
-          <p:cNvPr id="4" name="Slide Number Placeholder 3"/>
+            <a:pPr marL="0" indent="0">
+              <a:buNone/>
+            </a:pPr>
+            <a:endParaRPr lang="en-US" dirty="0"/>
+          </a:p>
+        </p:txBody>
+      </p:sp>
+      <p:sp>
+        <p:nvSpPr>
+          <p:cNvPr id="3" name="Slide Number Placeholder 2"/>
           <p:cNvSpPr>
             <a:spLocks noGrp="1"/>
           </p:cNvSpPr>
@@ -13422,24 +14277,1777 @@
           </a:p>
         </p:txBody>
       </p:sp>
+      <p:sp>
+        <p:nvSpPr>
+          <p:cNvPr id="6" name="TextBox 5"/>
+          <p:cNvSpPr txBox="1"/>
+          <p:nvPr/>
+        </p:nvSpPr>
+        <p:spPr>
+          <a:xfrm>
+            <a:off x="2110625" y="2918886"/>
+            <a:ext cx="4922750" cy="369332"/>
+          </a:xfrm>
+          <a:prstGeom prst="rect">
+            <a:avLst/>
+          </a:prstGeom>
+        </p:spPr>
+        <p:style>
+          <a:lnRef idx="1">
+            <a:schemeClr val="dk1"/>
+          </a:lnRef>
+          <a:fillRef idx="2">
+            <a:schemeClr val="dk1"/>
+          </a:fillRef>
+          <a:effectRef idx="1">
+            <a:schemeClr val="dk1"/>
+          </a:effectRef>
+          <a:fontRef idx="minor">
+            <a:schemeClr val="dk1"/>
+          </a:fontRef>
+        </p:style>
+        <p:txBody>
+          <a:bodyPr wrap="square" rtlCol="0">
+            <a:spAutoFit/>
+          </a:bodyPr>
+          <a:lstStyle/>
+          <a:p>
+            <a:r>
+              <a:rPr lang="en-US" dirty="0" err="1" smtClean="0">
+                <a:solidFill>
+                  <a:srgbClr val="C00000"/>
+                </a:solidFill>
+                <a:latin typeface="Consolas" panose="020B0609020204030204" pitchFamily="49" charset="0"/>
+                <a:cs typeface="Consolas" panose="020B0609020204030204" pitchFamily="49" charset="0"/>
+              </a:rPr>
+              <a:t>bioboost@NDWMINT</a:t>
+            </a:r>
+            <a:r>
+              <a:rPr lang="en-US" dirty="0" smtClean="0">
+                <a:solidFill>
+                  <a:srgbClr val="C00000"/>
+                </a:solidFill>
+                <a:latin typeface="Consolas" panose="020B0609020204030204" pitchFamily="49" charset="0"/>
+                <a:cs typeface="Consolas" panose="020B0609020204030204" pitchFamily="49" charset="0"/>
+              </a:rPr>
+              <a:t> </a:t>
+            </a:r>
+            <a:r>
+              <a:rPr lang="en-US" dirty="0">
+                <a:solidFill>
+                  <a:srgbClr val="C00000"/>
+                </a:solidFill>
+                <a:latin typeface="Consolas" panose="020B0609020204030204" pitchFamily="49" charset="0"/>
+                <a:cs typeface="Consolas" panose="020B0609020204030204" pitchFamily="49" charset="0"/>
+              </a:rPr>
+              <a:t>~ $ </a:t>
+            </a:r>
+            <a:r>
+              <a:rPr lang="en-US" dirty="0">
+                <a:solidFill>
+                  <a:srgbClr val="00B050"/>
+                </a:solidFill>
+                <a:latin typeface="Consolas" panose="020B0609020204030204" pitchFamily="49" charset="0"/>
+                <a:cs typeface="Consolas" panose="020B0609020204030204" pitchFamily="49" charset="0"/>
+              </a:rPr>
+              <a:t>ls -l </a:t>
+            </a:r>
+            <a:r>
+              <a:rPr lang="en-US" dirty="0" smtClean="0">
+                <a:solidFill>
+                  <a:srgbClr val="00B050"/>
+                </a:solidFill>
+                <a:latin typeface="Consolas" panose="020B0609020204030204" pitchFamily="49" charset="0"/>
+                <a:cs typeface="Consolas" panose="020B0609020204030204" pitchFamily="49" charset="0"/>
+              </a:rPr>
+              <a:t>&lt;</a:t>
+            </a:r>
+            <a:r>
+              <a:rPr lang="en-US" dirty="0" err="1" smtClean="0">
+                <a:solidFill>
+                  <a:srgbClr val="00B050"/>
+                </a:solidFill>
+                <a:latin typeface="Consolas" panose="020B0609020204030204" pitchFamily="49" charset="0"/>
+                <a:cs typeface="Consolas" panose="020B0609020204030204" pitchFamily="49" charset="0"/>
+              </a:rPr>
+              <a:t>somefile</a:t>
+            </a:r>
+            <a:r>
+              <a:rPr lang="en-US" dirty="0" smtClean="0">
+                <a:solidFill>
+                  <a:srgbClr val="00B050"/>
+                </a:solidFill>
+                <a:latin typeface="Consolas" panose="020B0609020204030204" pitchFamily="49" charset="0"/>
+                <a:cs typeface="Consolas" panose="020B0609020204030204" pitchFamily="49" charset="0"/>
+              </a:rPr>
+              <a:t>&gt;</a:t>
+            </a:r>
+          </a:p>
+        </p:txBody>
+      </p:sp>
+      <p:sp>
+        <p:nvSpPr>
+          <p:cNvPr id="7" name="TextBox 6"/>
+          <p:cNvSpPr txBox="1"/>
+          <p:nvPr/>
+        </p:nvSpPr>
+        <p:spPr>
+          <a:xfrm>
+            <a:off x="2110625" y="4546019"/>
+            <a:ext cx="4922750" cy="369332"/>
+          </a:xfrm>
+          <a:prstGeom prst="rect">
+            <a:avLst/>
+          </a:prstGeom>
+        </p:spPr>
+        <p:style>
+          <a:lnRef idx="1">
+            <a:schemeClr val="dk1"/>
+          </a:lnRef>
+          <a:fillRef idx="2">
+            <a:schemeClr val="dk1"/>
+          </a:fillRef>
+          <a:effectRef idx="1">
+            <a:schemeClr val="dk1"/>
+          </a:effectRef>
+          <a:fontRef idx="minor">
+            <a:schemeClr val="dk1"/>
+          </a:fontRef>
+        </p:style>
+        <p:txBody>
+          <a:bodyPr wrap="square" rtlCol="0">
+            <a:spAutoFit/>
+          </a:bodyPr>
+          <a:lstStyle/>
+          <a:p>
+            <a:r>
+              <a:rPr lang="en-US" dirty="0" err="1" smtClean="0">
+                <a:solidFill>
+                  <a:srgbClr val="C00000"/>
+                </a:solidFill>
+                <a:latin typeface="Consolas" panose="020B0609020204030204" pitchFamily="49" charset="0"/>
+                <a:cs typeface="Consolas" panose="020B0609020204030204" pitchFamily="49" charset="0"/>
+              </a:rPr>
+              <a:t>bioboost@NDWMINT</a:t>
+            </a:r>
+            <a:r>
+              <a:rPr lang="en-US" dirty="0" smtClean="0">
+                <a:solidFill>
+                  <a:srgbClr val="C00000"/>
+                </a:solidFill>
+                <a:latin typeface="Consolas" panose="020B0609020204030204" pitchFamily="49" charset="0"/>
+                <a:cs typeface="Consolas" panose="020B0609020204030204" pitchFamily="49" charset="0"/>
+              </a:rPr>
+              <a:t> </a:t>
+            </a:r>
+            <a:r>
+              <a:rPr lang="en-US" dirty="0">
+                <a:solidFill>
+                  <a:srgbClr val="C00000"/>
+                </a:solidFill>
+                <a:latin typeface="Consolas" panose="020B0609020204030204" pitchFamily="49" charset="0"/>
+                <a:cs typeface="Consolas" panose="020B0609020204030204" pitchFamily="49" charset="0"/>
+              </a:rPr>
+              <a:t>~ $ </a:t>
+            </a:r>
+            <a:r>
+              <a:rPr lang="en-US" dirty="0" smtClean="0">
+                <a:solidFill>
+                  <a:srgbClr val="00B050"/>
+                </a:solidFill>
+                <a:latin typeface="Consolas" panose="020B0609020204030204" pitchFamily="49" charset="0"/>
+                <a:cs typeface="Consolas" panose="020B0609020204030204" pitchFamily="49" charset="0"/>
+              </a:rPr>
+              <a:t>ls</a:t>
+            </a:r>
+          </a:p>
+        </p:txBody>
+      </p:sp>
     </p:spTree>
     <p:extLst>
       <p:ext uri="{BB962C8B-B14F-4D97-AF65-F5344CB8AC3E}">
-        <p14:creationId xmlns:p14="http://schemas.microsoft.com/office/powerpoint/2010/main" val="2188926740"/>
+        <p14:creationId xmlns:p14="http://schemas.microsoft.com/office/powerpoint/2010/main" val="2766057701"/>
       </p:ext>
     </p:extLst>
   </p:cSld>
   <p:clrMapOvr>
     <a:masterClrMapping/>
   </p:clrMapOvr>
-  <mc:AlternateContent xmlns:mc="http://schemas.openxmlformats.org/markup-compatibility/2006" xmlns:p14="http://schemas.microsoft.com/office/powerpoint/2010/main">
-    <mc:Choice Requires="p14">
-      <p:transition spd="slow" p14:dur="2000"/>
-    </mc:Choice>
-    <mc:Fallback xmlns="">
-      <p:transition spd="slow"/>
-    </mc:Fallback>
-  </mc:AlternateContent>
+</p:sld>
+</file>
+
+<file path=ppt/slides/slide37.xml><?xml version="1.0" encoding="utf-8"?>
+<p:sld xmlns:a="http://schemas.openxmlformats.org/drawingml/2006/main" xmlns:r="http://schemas.openxmlformats.org/officeDocument/2006/relationships" xmlns:p="http://schemas.openxmlformats.org/presentationml/2006/main">
+  <p:cSld>
+    <p:spTree>
+      <p:nvGrpSpPr>
+        <p:cNvPr id="1" name=""/>
+        <p:cNvGrpSpPr/>
+        <p:nvPr/>
+      </p:nvGrpSpPr>
+      <p:grpSpPr>
+        <a:xfrm>
+          <a:off x="0" y="0"/>
+          <a:ext cx="0" cy="0"/>
+          <a:chOff x="0" y="0"/>
+          <a:chExt cx="0" cy="0"/>
+        </a:xfrm>
+      </p:grpSpPr>
+      <p:sp>
+        <p:nvSpPr>
+          <p:cNvPr id="2" name="Title 1"/>
+          <p:cNvSpPr>
+            <a:spLocks noGrp="1"/>
+          </p:cNvSpPr>
+          <p:nvPr>
+            <p:ph type="title"/>
+          </p:nvPr>
+        </p:nvSpPr>
+        <p:spPr/>
+        <p:txBody>
+          <a:bodyPr/>
+          <a:lstStyle/>
+          <a:p>
+            <a:r>
+              <a:rPr lang="en-US" dirty="0"/>
+              <a:t>Viewing Ownership and </a:t>
+            </a:r>
+            <a:r>
+              <a:rPr lang="en-US" dirty="0" smtClean="0"/>
+              <a:t>Permissions</a:t>
+            </a:r>
+            <a:endParaRPr lang="en-US" dirty="0"/>
+          </a:p>
+        </p:txBody>
+      </p:sp>
+      <p:sp>
+        <p:nvSpPr>
+          <p:cNvPr id="3" name="Content Placeholder 2"/>
+          <p:cNvSpPr>
+            <a:spLocks noGrp="1"/>
+          </p:cNvSpPr>
+          <p:nvPr>
+            <p:ph idx="1"/>
+          </p:nvPr>
+        </p:nvSpPr>
+        <p:spPr/>
+        <p:txBody>
+          <a:bodyPr/>
+          <a:lstStyle/>
+          <a:p>
+            <a:r>
+              <a:rPr lang="en-US" dirty="0" smtClean="0"/>
+              <a:t>Example</a:t>
+            </a:r>
+            <a:endParaRPr lang="en-US" dirty="0"/>
+          </a:p>
+        </p:txBody>
+      </p:sp>
+      <p:sp>
+        <p:nvSpPr>
+          <p:cNvPr id="4" name="Slide Number Placeholder 3"/>
+          <p:cNvSpPr>
+            <a:spLocks noGrp="1"/>
+          </p:cNvSpPr>
+          <p:nvPr>
+            <p:ph type="sldNum" sz="quarter" idx="12"/>
+          </p:nvPr>
+        </p:nvSpPr>
+        <p:spPr/>
+        <p:txBody>
+          <a:bodyPr/>
+          <a:lstStyle/>
+          <a:p>
+            <a:fld id="{52DB1A75-B9BE-46B1-B482-5F96E51FA4B2}" type="slidenum">
+              <a:rPr lang="en-US" smtClean="0"/>
+              <a:t>37</a:t>
+            </a:fld>
+            <a:endParaRPr lang="en-US"/>
+          </a:p>
+        </p:txBody>
+      </p:sp>
+      <p:grpSp>
+        <p:nvGrpSpPr>
+          <p:cNvPr id="23" name="Group 22"/>
+          <p:cNvGrpSpPr/>
+          <p:nvPr/>
+        </p:nvGrpSpPr>
+        <p:grpSpPr>
+          <a:xfrm>
+            <a:off x="457200" y="2122859"/>
+            <a:ext cx="8359256" cy="3783673"/>
+            <a:chOff x="457200" y="2122859"/>
+            <a:chExt cx="8359256" cy="3783673"/>
+          </a:xfrm>
+        </p:grpSpPr>
+        <p:sp>
+          <p:nvSpPr>
+            <p:cNvPr id="5" name="TextBox 4"/>
+            <p:cNvSpPr txBox="1"/>
+            <p:nvPr/>
+          </p:nvSpPr>
+          <p:spPr>
+            <a:xfrm>
+              <a:off x="457200" y="2122859"/>
+              <a:ext cx="8359256" cy="2862322"/>
+            </a:xfrm>
+            <a:prstGeom prst="rect">
+              <a:avLst/>
+            </a:prstGeom>
+          </p:spPr>
+          <p:style>
+            <a:lnRef idx="1">
+              <a:schemeClr val="dk1"/>
+            </a:lnRef>
+            <a:fillRef idx="2">
+              <a:schemeClr val="dk1"/>
+            </a:fillRef>
+            <a:effectRef idx="1">
+              <a:schemeClr val="dk1"/>
+            </a:effectRef>
+            <a:fontRef idx="minor">
+              <a:schemeClr val="dk1"/>
+            </a:fontRef>
+          </p:style>
+          <p:txBody>
+            <a:bodyPr wrap="square" rtlCol="0">
+              <a:spAutoFit/>
+            </a:bodyPr>
+            <a:lstStyle/>
+            <a:p>
+              <a:r>
+                <a:rPr lang="en-US" dirty="0" err="1" smtClean="0">
+                  <a:solidFill>
+                    <a:srgbClr val="C00000"/>
+                  </a:solidFill>
+                  <a:latin typeface="Consolas" panose="020B0609020204030204" pitchFamily="49" charset="0"/>
+                  <a:cs typeface="Consolas" panose="020B0609020204030204" pitchFamily="49" charset="0"/>
+                </a:rPr>
+                <a:t>bioboost@NDWMINT</a:t>
+              </a:r>
+              <a:r>
+                <a:rPr lang="en-US" dirty="0" smtClean="0">
+                  <a:solidFill>
+                    <a:srgbClr val="C00000"/>
+                  </a:solidFill>
+                  <a:latin typeface="Consolas" panose="020B0609020204030204" pitchFamily="49" charset="0"/>
+                  <a:cs typeface="Consolas" panose="020B0609020204030204" pitchFamily="49" charset="0"/>
+                </a:rPr>
+                <a:t> </a:t>
+              </a:r>
+              <a:r>
+                <a:rPr lang="en-US" dirty="0">
+                  <a:solidFill>
+                    <a:srgbClr val="C00000"/>
+                  </a:solidFill>
+                  <a:latin typeface="Consolas" panose="020B0609020204030204" pitchFamily="49" charset="0"/>
+                  <a:cs typeface="Consolas" panose="020B0609020204030204" pitchFamily="49" charset="0"/>
+                </a:rPr>
+                <a:t>~ $ </a:t>
+              </a:r>
+              <a:r>
+                <a:rPr lang="en-US" dirty="0" smtClean="0">
+                  <a:solidFill>
+                    <a:srgbClr val="00B050"/>
+                  </a:solidFill>
+                  <a:latin typeface="Consolas" panose="020B0609020204030204" pitchFamily="49" charset="0"/>
+                  <a:cs typeface="Consolas" panose="020B0609020204030204" pitchFamily="49" charset="0"/>
+                </a:rPr>
+                <a:t>ls -l</a:t>
+              </a:r>
+            </a:p>
+            <a:p>
+              <a:r>
+                <a:rPr lang="en-US" dirty="0">
+                  <a:solidFill>
+                    <a:srgbClr val="0070C0"/>
+                  </a:solidFill>
+                  <a:latin typeface="Consolas" panose="020B0609020204030204" pitchFamily="49" charset="0"/>
+                  <a:cs typeface="Consolas" panose="020B0609020204030204" pitchFamily="49" charset="0"/>
+                </a:rPr>
+                <a:t>total 36</a:t>
+              </a:r>
+            </a:p>
+            <a:p>
+              <a:r>
+                <a:rPr lang="en-US" dirty="0" err="1">
+                  <a:solidFill>
+                    <a:srgbClr val="0070C0"/>
+                  </a:solidFill>
+                  <a:latin typeface="Consolas" panose="020B0609020204030204" pitchFamily="49" charset="0"/>
+                  <a:cs typeface="Consolas" panose="020B0609020204030204" pitchFamily="49" charset="0"/>
+                </a:rPr>
+                <a:t>drwxr</a:t>
+              </a:r>
+              <a:r>
+                <a:rPr lang="en-US" dirty="0">
+                  <a:solidFill>
+                    <a:srgbClr val="0070C0"/>
+                  </a:solidFill>
+                  <a:latin typeface="Consolas" panose="020B0609020204030204" pitchFamily="49" charset="0"/>
+                  <a:cs typeface="Consolas" panose="020B0609020204030204" pitchFamily="49" charset="0"/>
+                </a:rPr>
+                <a:t>-</a:t>
+              </a:r>
+              <a:r>
+                <a:rPr lang="en-US" dirty="0" err="1">
+                  <a:solidFill>
+                    <a:srgbClr val="0070C0"/>
+                  </a:solidFill>
+                  <a:latin typeface="Consolas" panose="020B0609020204030204" pitchFamily="49" charset="0"/>
+                  <a:cs typeface="Consolas" panose="020B0609020204030204" pitchFamily="49" charset="0"/>
+                </a:rPr>
+                <a:t>xr</a:t>
+              </a:r>
+              <a:r>
+                <a:rPr lang="en-US" dirty="0">
+                  <a:solidFill>
+                    <a:srgbClr val="0070C0"/>
+                  </a:solidFill>
+                  <a:latin typeface="Consolas" panose="020B0609020204030204" pitchFamily="49" charset="0"/>
+                  <a:cs typeface="Consolas" panose="020B0609020204030204" pitchFamily="49" charset="0"/>
+                </a:rPr>
+                <a:t>-x 2 </a:t>
+              </a:r>
+              <a:r>
+                <a:rPr lang="en-US" dirty="0" err="1">
+                  <a:solidFill>
+                    <a:srgbClr val="0070C0"/>
+                  </a:solidFill>
+                  <a:latin typeface="Consolas" panose="020B0609020204030204" pitchFamily="49" charset="0"/>
+                  <a:cs typeface="Consolas" panose="020B0609020204030204" pitchFamily="49" charset="0"/>
+                </a:rPr>
+                <a:t>bioboost</a:t>
+              </a:r>
+              <a:r>
+                <a:rPr lang="en-US" dirty="0">
+                  <a:solidFill>
+                    <a:srgbClr val="0070C0"/>
+                  </a:solidFill>
+                  <a:latin typeface="Consolas" panose="020B0609020204030204" pitchFamily="49" charset="0"/>
+                  <a:cs typeface="Consolas" panose="020B0609020204030204" pitchFamily="49" charset="0"/>
+                </a:rPr>
+                <a:t> </a:t>
+              </a:r>
+              <a:r>
+                <a:rPr lang="en-US" dirty="0" err="1">
+                  <a:solidFill>
+                    <a:srgbClr val="0070C0"/>
+                  </a:solidFill>
+                  <a:latin typeface="Consolas" panose="020B0609020204030204" pitchFamily="49" charset="0"/>
+                  <a:cs typeface="Consolas" panose="020B0609020204030204" pitchFamily="49" charset="0"/>
+                </a:rPr>
+                <a:t>bioboost</a:t>
+              </a:r>
+              <a:r>
+                <a:rPr lang="en-US" dirty="0">
+                  <a:solidFill>
+                    <a:srgbClr val="0070C0"/>
+                  </a:solidFill>
+                  <a:latin typeface="Consolas" panose="020B0609020204030204" pitchFamily="49" charset="0"/>
+                  <a:cs typeface="Consolas" panose="020B0609020204030204" pitchFamily="49" charset="0"/>
+                </a:rPr>
+                <a:t> 4096 Sep 21 12:40 Desktop</a:t>
+              </a:r>
+            </a:p>
+            <a:p>
+              <a:r>
+                <a:rPr lang="en-US" dirty="0">
+                  <a:solidFill>
+                    <a:srgbClr val="0070C0"/>
+                  </a:solidFill>
+                  <a:latin typeface="Consolas" panose="020B0609020204030204" pitchFamily="49" charset="0"/>
+                  <a:cs typeface="Consolas" panose="020B0609020204030204" pitchFamily="49" charset="0"/>
+                </a:rPr>
+                <a:t>-</a:t>
+              </a:r>
+              <a:r>
+                <a:rPr lang="en-US" dirty="0" err="1">
+                  <a:solidFill>
+                    <a:srgbClr val="0070C0"/>
+                  </a:solidFill>
+                  <a:latin typeface="Consolas" panose="020B0609020204030204" pitchFamily="49" charset="0"/>
+                  <a:cs typeface="Consolas" panose="020B0609020204030204" pitchFamily="49" charset="0"/>
+                </a:rPr>
+                <a:t>rw</a:t>
+              </a:r>
+              <a:r>
+                <a:rPr lang="en-US" dirty="0">
+                  <a:solidFill>
+                    <a:srgbClr val="0070C0"/>
+                  </a:solidFill>
+                  <a:latin typeface="Consolas" panose="020B0609020204030204" pitchFamily="49" charset="0"/>
+                  <a:cs typeface="Consolas" panose="020B0609020204030204" pitchFamily="49" charset="0"/>
+                </a:rPr>
+                <a:t>-r--r-- 1 </a:t>
+              </a:r>
+              <a:r>
+                <a:rPr lang="en-US" dirty="0" err="1">
+                  <a:solidFill>
+                    <a:srgbClr val="0070C0"/>
+                  </a:solidFill>
+                  <a:latin typeface="Consolas" panose="020B0609020204030204" pitchFamily="49" charset="0"/>
+                  <a:cs typeface="Consolas" panose="020B0609020204030204" pitchFamily="49" charset="0"/>
+                </a:rPr>
+                <a:t>bioboost</a:t>
+              </a:r>
+              <a:r>
+                <a:rPr lang="en-US" dirty="0">
+                  <a:solidFill>
+                    <a:srgbClr val="0070C0"/>
+                  </a:solidFill>
+                  <a:latin typeface="Consolas" panose="020B0609020204030204" pitchFamily="49" charset="0"/>
+                  <a:cs typeface="Consolas" panose="020B0609020204030204" pitchFamily="49" charset="0"/>
+                </a:rPr>
+                <a:t> </a:t>
+              </a:r>
+              <a:r>
+                <a:rPr lang="en-US" dirty="0" err="1">
+                  <a:solidFill>
+                    <a:srgbClr val="0070C0"/>
+                  </a:solidFill>
+                  <a:latin typeface="Consolas" panose="020B0609020204030204" pitchFamily="49" charset="0"/>
+                  <a:cs typeface="Consolas" panose="020B0609020204030204" pitchFamily="49" charset="0"/>
+                </a:rPr>
+                <a:t>bioboost</a:t>
+              </a:r>
+              <a:r>
+                <a:rPr lang="en-US" dirty="0">
+                  <a:solidFill>
+                    <a:srgbClr val="0070C0"/>
+                  </a:solidFill>
+                  <a:latin typeface="Consolas" panose="020B0609020204030204" pitchFamily="49" charset="0"/>
+                  <a:cs typeface="Consolas" panose="020B0609020204030204" pitchFamily="49" charset="0"/>
+                </a:rPr>
+                <a:t>   78 Sep 24 15:24 </a:t>
+              </a:r>
+              <a:r>
+                <a:rPr lang="en-US" dirty="0" err="1">
+                  <a:solidFill>
+                    <a:srgbClr val="0070C0"/>
+                  </a:solidFill>
+                  <a:latin typeface="Consolas" panose="020B0609020204030204" pitchFamily="49" charset="0"/>
+                  <a:cs typeface="Consolas" panose="020B0609020204030204" pitchFamily="49" charset="0"/>
+                </a:rPr>
+                <a:t>hello_world.rb</a:t>
+              </a:r>
+              <a:endParaRPr lang="en-US" dirty="0">
+                <a:solidFill>
+                  <a:srgbClr val="0070C0"/>
+                </a:solidFill>
+                <a:latin typeface="Consolas" panose="020B0609020204030204" pitchFamily="49" charset="0"/>
+                <a:cs typeface="Consolas" panose="020B0609020204030204" pitchFamily="49" charset="0"/>
+              </a:endParaRPr>
+            </a:p>
+            <a:p>
+              <a:r>
+                <a:rPr lang="en-US" dirty="0" err="1">
+                  <a:solidFill>
+                    <a:srgbClr val="0070C0"/>
+                  </a:solidFill>
+                  <a:latin typeface="Consolas" panose="020B0609020204030204" pitchFamily="49" charset="0"/>
+                  <a:cs typeface="Consolas" panose="020B0609020204030204" pitchFamily="49" charset="0"/>
+                </a:rPr>
+                <a:t>drwxr</a:t>
+              </a:r>
+              <a:r>
+                <a:rPr lang="en-US" dirty="0">
+                  <a:solidFill>
+                    <a:srgbClr val="0070C0"/>
+                  </a:solidFill>
+                  <a:latin typeface="Consolas" panose="020B0609020204030204" pitchFamily="49" charset="0"/>
+                  <a:cs typeface="Consolas" panose="020B0609020204030204" pitchFamily="49" charset="0"/>
+                </a:rPr>
+                <a:t>-</a:t>
+              </a:r>
+              <a:r>
+                <a:rPr lang="en-US" dirty="0" err="1">
+                  <a:solidFill>
+                    <a:srgbClr val="0070C0"/>
+                  </a:solidFill>
+                  <a:latin typeface="Consolas" panose="020B0609020204030204" pitchFamily="49" charset="0"/>
+                  <a:cs typeface="Consolas" panose="020B0609020204030204" pitchFamily="49" charset="0"/>
+                </a:rPr>
+                <a:t>xr</a:t>
+              </a:r>
+              <a:r>
+                <a:rPr lang="en-US" dirty="0">
+                  <a:solidFill>
+                    <a:srgbClr val="0070C0"/>
+                  </a:solidFill>
+                  <a:latin typeface="Consolas" panose="020B0609020204030204" pitchFamily="49" charset="0"/>
+                  <a:cs typeface="Consolas" panose="020B0609020204030204" pitchFamily="49" charset="0"/>
+                </a:rPr>
+                <a:t>-x 2 </a:t>
+              </a:r>
+              <a:r>
+                <a:rPr lang="en-US" dirty="0" err="1">
+                  <a:solidFill>
+                    <a:srgbClr val="0070C0"/>
+                  </a:solidFill>
+                  <a:latin typeface="Consolas" panose="020B0609020204030204" pitchFamily="49" charset="0"/>
+                  <a:cs typeface="Consolas" panose="020B0609020204030204" pitchFamily="49" charset="0"/>
+                </a:rPr>
+                <a:t>bioboost</a:t>
+              </a:r>
+              <a:r>
+                <a:rPr lang="en-US" dirty="0">
+                  <a:solidFill>
+                    <a:srgbClr val="0070C0"/>
+                  </a:solidFill>
+                  <a:latin typeface="Consolas" panose="020B0609020204030204" pitchFamily="49" charset="0"/>
+                  <a:cs typeface="Consolas" panose="020B0609020204030204" pitchFamily="49" charset="0"/>
+                </a:rPr>
+                <a:t> </a:t>
+              </a:r>
+              <a:r>
+                <a:rPr lang="en-US" dirty="0" err="1">
+                  <a:solidFill>
+                    <a:srgbClr val="0070C0"/>
+                  </a:solidFill>
+                  <a:latin typeface="Consolas" panose="020B0609020204030204" pitchFamily="49" charset="0"/>
+                  <a:cs typeface="Consolas" panose="020B0609020204030204" pitchFamily="49" charset="0"/>
+                </a:rPr>
+                <a:t>bioboost</a:t>
+              </a:r>
+              <a:r>
+                <a:rPr lang="en-US" dirty="0">
+                  <a:solidFill>
+                    <a:srgbClr val="0070C0"/>
+                  </a:solidFill>
+                  <a:latin typeface="Consolas" panose="020B0609020204030204" pitchFamily="49" charset="0"/>
+                  <a:cs typeface="Consolas" panose="020B0609020204030204" pitchFamily="49" charset="0"/>
+                </a:rPr>
+                <a:t> 4096 Sep 21 12:40 Music</a:t>
+              </a:r>
+            </a:p>
+            <a:p>
+              <a:r>
+                <a:rPr lang="en-US" dirty="0" err="1">
+                  <a:solidFill>
+                    <a:srgbClr val="0070C0"/>
+                  </a:solidFill>
+                  <a:latin typeface="Consolas" panose="020B0609020204030204" pitchFamily="49" charset="0"/>
+                  <a:cs typeface="Consolas" panose="020B0609020204030204" pitchFamily="49" charset="0"/>
+                </a:rPr>
+                <a:t>drwxr</a:t>
+              </a:r>
+              <a:r>
+                <a:rPr lang="en-US" dirty="0">
+                  <a:solidFill>
+                    <a:srgbClr val="0070C0"/>
+                  </a:solidFill>
+                  <a:latin typeface="Consolas" panose="020B0609020204030204" pitchFamily="49" charset="0"/>
+                  <a:cs typeface="Consolas" panose="020B0609020204030204" pitchFamily="49" charset="0"/>
+                </a:rPr>
+                <a:t>-</a:t>
+              </a:r>
+              <a:r>
+                <a:rPr lang="en-US" dirty="0" err="1">
+                  <a:solidFill>
+                    <a:srgbClr val="0070C0"/>
+                  </a:solidFill>
+                  <a:latin typeface="Consolas" panose="020B0609020204030204" pitchFamily="49" charset="0"/>
+                  <a:cs typeface="Consolas" panose="020B0609020204030204" pitchFamily="49" charset="0"/>
+                </a:rPr>
+                <a:t>xr</a:t>
+              </a:r>
+              <a:r>
+                <a:rPr lang="en-US" dirty="0">
+                  <a:solidFill>
+                    <a:srgbClr val="0070C0"/>
+                  </a:solidFill>
+                  <a:latin typeface="Consolas" panose="020B0609020204030204" pitchFamily="49" charset="0"/>
+                  <a:cs typeface="Consolas" panose="020B0609020204030204" pitchFamily="49" charset="0"/>
+                </a:rPr>
+                <a:t>-x 2 </a:t>
+              </a:r>
+              <a:r>
+                <a:rPr lang="en-US" dirty="0" err="1">
+                  <a:solidFill>
+                    <a:srgbClr val="0070C0"/>
+                  </a:solidFill>
+                  <a:latin typeface="Consolas" panose="020B0609020204030204" pitchFamily="49" charset="0"/>
+                  <a:cs typeface="Consolas" panose="020B0609020204030204" pitchFamily="49" charset="0"/>
+                </a:rPr>
+                <a:t>bioboost</a:t>
+              </a:r>
+              <a:r>
+                <a:rPr lang="en-US" dirty="0">
+                  <a:solidFill>
+                    <a:srgbClr val="0070C0"/>
+                  </a:solidFill>
+                  <a:latin typeface="Consolas" panose="020B0609020204030204" pitchFamily="49" charset="0"/>
+                  <a:cs typeface="Consolas" panose="020B0609020204030204" pitchFamily="49" charset="0"/>
+                </a:rPr>
+                <a:t> </a:t>
+              </a:r>
+              <a:r>
+                <a:rPr lang="en-US" dirty="0" err="1">
+                  <a:solidFill>
+                    <a:srgbClr val="0070C0"/>
+                  </a:solidFill>
+                  <a:latin typeface="Consolas" panose="020B0609020204030204" pitchFamily="49" charset="0"/>
+                  <a:cs typeface="Consolas" panose="020B0609020204030204" pitchFamily="49" charset="0"/>
+                </a:rPr>
+                <a:t>bioboost</a:t>
+              </a:r>
+              <a:r>
+                <a:rPr lang="en-US" dirty="0">
+                  <a:solidFill>
+                    <a:srgbClr val="0070C0"/>
+                  </a:solidFill>
+                  <a:latin typeface="Consolas" panose="020B0609020204030204" pitchFamily="49" charset="0"/>
+                  <a:cs typeface="Consolas" panose="020B0609020204030204" pitchFamily="49" charset="0"/>
+                </a:rPr>
+                <a:t> 4096 Sep 21 12:40 Pictures</a:t>
+              </a:r>
+            </a:p>
+            <a:p>
+              <a:r>
+                <a:rPr lang="en-US" dirty="0">
+                  <a:solidFill>
+                    <a:srgbClr val="0070C0"/>
+                  </a:solidFill>
+                  <a:latin typeface="Consolas" panose="020B0609020204030204" pitchFamily="49" charset="0"/>
+                  <a:cs typeface="Consolas" panose="020B0609020204030204" pitchFamily="49" charset="0"/>
+                </a:rPr>
+                <a:t>-</a:t>
+              </a:r>
+              <a:r>
+                <a:rPr lang="en-US" dirty="0" err="1">
+                  <a:solidFill>
+                    <a:srgbClr val="0070C0"/>
+                  </a:solidFill>
+                  <a:latin typeface="Consolas" panose="020B0609020204030204" pitchFamily="49" charset="0"/>
+                  <a:cs typeface="Consolas" panose="020B0609020204030204" pitchFamily="49" charset="0"/>
+                </a:rPr>
+                <a:t>rw</a:t>
+              </a:r>
+              <a:r>
+                <a:rPr lang="en-US" dirty="0">
+                  <a:solidFill>
+                    <a:srgbClr val="0070C0"/>
+                  </a:solidFill>
+                  <a:latin typeface="Consolas" panose="020B0609020204030204" pitchFamily="49" charset="0"/>
+                  <a:cs typeface="Consolas" panose="020B0609020204030204" pitchFamily="49" charset="0"/>
+                </a:rPr>
+                <a:t>------- 1 </a:t>
+              </a:r>
+              <a:r>
+                <a:rPr lang="en-US" dirty="0" err="1">
+                  <a:solidFill>
+                    <a:srgbClr val="0070C0"/>
+                  </a:solidFill>
+                  <a:latin typeface="Consolas" panose="020B0609020204030204" pitchFamily="49" charset="0"/>
+                  <a:cs typeface="Consolas" panose="020B0609020204030204" pitchFamily="49" charset="0"/>
+                </a:rPr>
+                <a:t>bioboost</a:t>
+              </a:r>
+              <a:r>
+                <a:rPr lang="en-US" dirty="0">
+                  <a:solidFill>
+                    <a:srgbClr val="0070C0"/>
+                  </a:solidFill>
+                  <a:latin typeface="Consolas" panose="020B0609020204030204" pitchFamily="49" charset="0"/>
+                  <a:cs typeface="Consolas" panose="020B0609020204030204" pitchFamily="49" charset="0"/>
+                </a:rPr>
+                <a:t> </a:t>
+              </a:r>
+              <a:r>
+                <a:rPr lang="en-US" dirty="0" err="1">
+                  <a:solidFill>
+                    <a:srgbClr val="0070C0"/>
+                  </a:solidFill>
+                  <a:latin typeface="Consolas" panose="020B0609020204030204" pitchFamily="49" charset="0"/>
+                  <a:cs typeface="Consolas" panose="020B0609020204030204" pitchFamily="49" charset="0"/>
+                </a:rPr>
+                <a:t>bioboost</a:t>
+              </a:r>
+              <a:r>
+                <a:rPr lang="en-US" dirty="0">
+                  <a:solidFill>
+                    <a:srgbClr val="0070C0"/>
+                  </a:solidFill>
+                  <a:latin typeface="Consolas" panose="020B0609020204030204" pitchFamily="49" charset="0"/>
+                  <a:cs typeface="Consolas" panose="020B0609020204030204" pitchFamily="49" charset="0"/>
+                </a:rPr>
+                <a:t>    0 Sep 24 16:49 private.txt</a:t>
+              </a:r>
+            </a:p>
+            <a:p>
+              <a:r>
+                <a:rPr lang="en-US" dirty="0">
+                  <a:solidFill>
+                    <a:srgbClr val="0070C0"/>
+                  </a:solidFill>
+                  <a:latin typeface="Consolas" panose="020B0609020204030204" pitchFamily="49" charset="0"/>
+                  <a:cs typeface="Consolas" panose="020B0609020204030204" pitchFamily="49" charset="0"/>
+                </a:rPr>
+                <a:t>-</a:t>
+              </a:r>
+              <a:r>
+                <a:rPr lang="en-US" dirty="0" err="1">
+                  <a:solidFill>
+                    <a:srgbClr val="0070C0"/>
+                  </a:solidFill>
+                  <a:latin typeface="Consolas" panose="020B0609020204030204" pitchFamily="49" charset="0"/>
+                  <a:cs typeface="Consolas" panose="020B0609020204030204" pitchFamily="49" charset="0"/>
+                </a:rPr>
+                <a:t>rw-rw-rw</a:t>
+              </a:r>
+              <a:r>
+                <a:rPr lang="en-US" dirty="0">
+                  <a:solidFill>
+                    <a:srgbClr val="0070C0"/>
+                  </a:solidFill>
+                  <a:latin typeface="Consolas" panose="020B0609020204030204" pitchFamily="49" charset="0"/>
+                  <a:cs typeface="Consolas" panose="020B0609020204030204" pitchFamily="49" charset="0"/>
+                </a:rPr>
+                <a:t>- 1 </a:t>
+              </a:r>
+              <a:r>
+                <a:rPr lang="en-US" dirty="0" err="1">
+                  <a:solidFill>
+                    <a:srgbClr val="0070C0"/>
+                  </a:solidFill>
+                  <a:latin typeface="Consolas" panose="020B0609020204030204" pitchFamily="49" charset="0"/>
+                  <a:cs typeface="Consolas" panose="020B0609020204030204" pitchFamily="49" charset="0"/>
+                </a:rPr>
+                <a:t>bioboost</a:t>
+              </a:r>
+              <a:r>
+                <a:rPr lang="en-US" dirty="0">
+                  <a:solidFill>
+                    <a:srgbClr val="0070C0"/>
+                  </a:solidFill>
+                  <a:latin typeface="Consolas" panose="020B0609020204030204" pitchFamily="49" charset="0"/>
+                  <a:cs typeface="Consolas" panose="020B0609020204030204" pitchFamily="49" charset="0"/>
+                </a:rPr>
+                <a:t> </a:t>
+              </a:r>
+              <a:r>
+                <a:rPr lang="en-US" dirty="0" err="1">
+                  <a:solidFill>
+                    <a:srgbClr val="0070C0"/>
+                  </a:solidFill>
+                  <a:latin typeface="Consolas" panose="020B0609020204030204" pitchFamily="49" charset="0"/>
+                  <a:cs typeface="Consolas" panose="020B0609020204030204" pitchFamily="49" charset="0"/>
+                </a:rPr>
+                <a:t>bioboost</a:t>
+              </a:r>
+              <a:r>
+                <a:rPr lang="en-US" dirty="0">
+                  <a:solidFill>
+                    <a:srgbClr val="0070C0"/>
+                  </a:solidFill>
+                  <a:latin typeface="Consolas" panose="020B0609020204030204" pitchFamily="49" charset="0"/>
+                  <a:cs typeface="Consolas" panose="020B0609020204030204" pitchFamily="49" charset="0"/>
+                </a:rPr>
+                <a:t>    0 Sep 24 16:50 public.txt</a:t>
+              </a:r>
+            </a:p>
+            <a:p>
+              <a:r>
+                <a:rPr lang="en-US" dirty="0" err="1">
+                  <a:solidFill>
+                    <a:srgbClr val="0070C0"/>
+                  </a:solidFill>
+                  <a:latin typeface="Consolas" panose="020B0609020204030204" pitchFamily="49" charset="0"/>
+                  <a:cs typeface="Consolas" panose="020B0609020204030204" pitchFamily="49" charset="0"/>
+                </a:rPr>
+                <a:t>drwxr</a:t>
+              </a:r>
+              <a:r>
+                <a:rPr lang="en-US" dirty="0">
+                  <a:solidFill>
+                    <a:srgbClr val="0070C0"/>
+                  </a:solidFill>
+                  <a:latin typeface="Consolas" panose="020B0609020204030204" pitchFamily="49" charset="0"/>
+                  <a:cs typeface="Consolas" panose="020B0609020204030204" pitchFamily="49" charset="0"/>
+                </a:rPr>
+                <a:t>-</a:t>
+              </a:r>
+              <a:r>
+                <a:rPr lang="en-US" dirty="0" err="1">
+                  <a:solidFill>
+                    <a:srgbClr val="0070C0"/>
+                  </a:solidFill>
+                  <a:latin typeface="Consolas" panose="020B0609020204030204" pitchFamily="49" charset="0"/>
+                  <a:cs typeface="Consolas" panose="020B0609020204030204" pitchFamily="49" charset="0"/>
+                </a:rPr>
+                <a:t>xr</a:t>
+              </a:r>
+              <a:r>
+                <a:rPr lang="en-US" dirty="0">
+                  <a:solidFill>
+                    <a:srgbClr val="0070C0"/>
+                  </a:solidFill>
+                  <a:latin typeface="Consolas" panose="020B0609020204030204" pitchFamily="49" charset="0"/>
+                  <a:cs typeface="Consolas" panose="020B0609020204030204" pitchFamily="49" charset="0"/>
+                </a:rPr>
+                <a:t>-x 2 </a:t>
+              </a:r>
+              <a:r>
+                <a:rPr lang="en-US" dirty="0" err="1">
+                  <a:solidFill>
+                    <a:srgbClr val="0070C0"/>
+                  </a:solidFill>
+                  <a:latin typeface="Consolas" panose="020B0609020204030204" pitchFamily="49" charset="0"/>
+                  <a:cs typeface="Consolas" panose="020B0609020204030204" pitchFamily="49" charset="0"/>
+                </a:rPr>
+                <a:t>bioboost</a:t>
+              </a:r>
+              <a:r>
+                <a:rPr lang="en-US" dirty="0">
+                  <a:solidFill>
+                    <a:srgbClr val="0070C0"/>
+                  </a:solidFill>
+                  <a:latin typeface="Consolas" panose="020B0609020204030204" pitchFamily="49" charset="0"/>
+                  <a:cs typeface="Consolas" panose="020B0609020204030204" pitchFamily="49" charset="0"/>
+                </a:rPr>
+                <a:t> </a:t>
+              </a:r>
+              <a:r>
+                <a:rPr lang="en-US" dirty="0" err="1">
+                  <a:solidFill>
+                    <a:srgbClr val="0070C0"/>
+                  </a:solidFill>
+                  <a:latin typeface="Consolas" panose="020B0609020204030204" pitchFamily="49" charset="0"/>
+                  <a:cs typeface="Consolas" panose="020B0609020204030204" pitchFamily="49" charset="0"/>
+                </a:rPr>
+                <a:t>bioboost</a:t>
+              </a:r>
+              <a:r>
+                <a:rPr lang="en-US" dirty="0">
+                  <a:solidFill>
+                    <a:srgbClr val="0070C0"/>
+                  </a:solidFill>
+                  <a:latin typeface="Consolas" panose="020B0609020204030204" pitchFamily="49" charset="0"/>
+                  <a:cs typeface="Consolas" panose="020B0609020204030204" pitchFamily="49" charset="0"/>
+                </a:rPr>
+                <a:t> 4096 Sep 21 12:40 Videos</a:t>
+              </a:r>
+            </a:p>
+            <a:p>
+              <a:r>
+                <a:rPr lang="en-US" dirty="0" smtClean="0">
+                  <a:solidFill>
+                    <a:srgbClr val="0070C0"/>
+                  </a:solidFill>
+                  <a:latin typeface="Consolas" panose="020B0609020204030204" pitchFamily="49" charset="0"/>
+                  <a:cs typeface="Consolas" panose="020B0609020204030204" pitchFamily="49" charset="0"/>
+                </a:rPr>
+                <a:t>...</a:t>
+              </a:r>
+              <a:endParaRPr lang="en-US" dirty="0" smtClean="0">
+                <a:solidFill>
+                  <a:srgbClr val="00B050"/>
+                </a:solidFill>
+                <a:latin typeface="Consolas" panose="020B0609020204030204" pitchFamily="49" charset="0"/>
+                <a:cs typeface="Consolas" panose="020B0609020204030204" pitchFamily="49" charset="0"/>
+              </a:endParaRPr>
+            </a:p>
+          </p:txBody>
+        </p:sp>
+        <p:sp>
+          <p:nvSpPr>
+            <p:cNvPr id="6" name="Right Brace 5"/>
+            <p:cNvSpPr/>
+            <p:nvPr/>
+          </p:nvSpPr>
+          <p:spPr>
+            <a:xfrm rot="5400000">
+              <a:off x="1032322" y="4104707"/>
+              <a:ext cx="275019" cy="1263072"/>
+            </a:xfrm>
+            <a:prstGeom prst="rightBrace">
+              <a:avLst>
+                <a:gd name="adj1" fmla="val 13154"/>
+                <a:gd name="adj2" fmla="val 29005"/>
+              </a:avLst>
+            </a:prstGeom>
+          </p:spPr>
+          <p:style>
+            <a:lnRef idx="3">
+              <a:schemeClr val="accent2"/>
+            </a:lnRef>
+            <a:fillRef idx="0">
+              <a:schemeClr val="accent2"/>
+            </a:fillRef>
+            <a:effectRef idx="2">
+              <a:schemeClr val="accent2"/>
+            </a:effectRef>
+            <a:fontRef idx="minor">
+              <a:schemeClr val="tx1"/>
+            </a:fontRef>
+          </p:style>
+          <p:txBody>
+            <a:bodyPr rtlCol="0" anchor="ctr"/>
+            <a:lstStyle/>
+            <a:p>
+              <a:pPr algn="ctr"/>
+              <a:endParaRPr lang="en-US"/>
+            </a:p>
+          </p:txBody>
+        </p:sp>
+        <p:cxnSp>
+          <p:nvCxnSpPr>
+            <p:cNvPr id="8" name="Straight Arrow Connector 7"/>
+            <p:cNvCxnSpPr>
+              <a:stCxn id="6" idx="1"/>
+            </p:cNvCxnSpPr>
+            <p:nvPr/>
+          </p:nvCxnSpPr>
+          <p:spPr>
+            <a:xfrm>
+              <a:off x="1435014" y="4873753"/>
+              <a:ext cx="594" cy="393191"/>
+            </a:xfrm>
+            <a:prstGeom prst="straightConnector1">
+              <a:avLst/>
+            </a:prstGeom>
+            <a:ln>
+              <a:tailEnd type="triangle"/>
+            </a:ln>
+          </p:spPr>
+          <p:style>
+            <a:lnRef idx="3">
+              <a:schemeClr val="accent2"/>
+            </a:lnRef>
+            <a:fillRef idx="0">
+              <a:schemeClr val="accent2"/>
+            </a:fillRef>
+            <a:effectRef idx="2">
+              <a:schemeClr val="accent2"/>
+            </a:effectRef>
+            <a:fontRef idx="minor">
+              <a:schemeClr val="tx1"/>
+            </a:fontRef>
+          </p:style>
+        </p:cxnSp>
+        <p:sp>
+          <p:nvSpPr>
+            <p:cNvPr id="9" name="TextBox 8"/>
+            <p:cNvSpPr txBox="1"/>
+            <p:nvPr/>
+          </p:nvSpPr>
+          <p:spPr>
+            <a:xfrm>
+              <a:off x="907465" y="5342135"/>
+              <a:ext cx="1055097" cy="369332"/>
+            </a:xfrm>
+            <a:prstGeom prst="rect">
+              <a:avLst/>
+            </a:prstGeom>
+            <a:noFill/>
+          </p:spPr>
+          <p:txBody>
+            <a:bodyPr wrap="none" rtlCol="0">
+              <a:spAutoFit/>
+            </a:bodyPr>
+            <a:lstStyle/>
+            <a:p>
+              <a:r>
+                <a:rPr lang="en-US" dirty="0" err="1" smtClean="0">
+                  <a:solidFill>
+                    <a:srgbClr val="C00000"/>
+                  </a:solidFill>
+                </a:rPr>
+                <a:t>Filemode</a:t>
+              </a:r>
+              <a:endParaRPr lang="en-US" dirty="0">
+                <a:solidFill>
+                  <a:srgbClr val="C00000"/>
+                </a:solidFill>
+              </a:endParaRPr>
+            </a:p>
+          </p:txBody>
+        </p:sp>
+        <p:sp>
+          <p:nvSpPr>
+            <p:cNvPr id="12" name="Right Brace 11"/>
+            <p:cNvSpPr/>
+            <p:nvPr/>
+          </p:nvSpPr>
+          <p:spPr>
+            <a:xfrm rot="5400000">
+              <a:off x="2557846" y="4222056"/>
+              <a:ext cx="275019" cy="1028376"/>
+            </a:xfrm>
+            <a:prstGeom prst="rightBrace">
+              <a:avLst>
+                <a:gd name="adj1" fmla="val 13154"/>
+                <a:gd name="adj2" fmla="val 29005"/>
+              </a:avLst>
+            </a:prstGeom>
+          </p:spPr>
+          <p:style>
+            <a:lnRef idx="3">
+              <a:schemeClr val="accent2"/>
+            </a:lnRef>
+            <a:fillRef idx="0">
+              <a:schemeClr val="accent2"/>
+            </a:fillRef>
+            <a:effectRef idx="2">
+              <a:schemeClr val="accent2"/>
+            </a:effectRef>
+            <a:fontRef idx="minor">
+              <a:schemeClr val="tx1"/>
+            </a:fontRef>
+          </p:style>
+          <p:txBody>
+            <a:bodyPr rtlCol="0" anchor="ctr"/>
+            <a:lstStyle/>
+            <a:p>
+              <a:pPr algn="ctr"/>
+              <a:endParaRPr lang="en-US"/>
+            </a:p>
+          </p:txBody>
+        </p:sp>
+        <p:cxnSp>
+          <p:nvCxnSpPr>
+            <p:cNvPr id="18" name="Straight Arrow Connector 17"/>
+            <p:cNvCxnSpPr>
+              <a:stCxn id="12" idx="1"/>
+            </p:cNvCxnSpPr>
+            <p:nvPr/>
+          </p:nvCxnSpPr>
+          <p:spPr>
+            <a:xfrm flipH="1">
+              <a:off x="2907792" y="4873754"/>
+              <a:ext cx="3472" cy="393190"/>
+            </a:xfrm>
+            <a:prstGeom prst="straightConnector1">
+              <a:avLst/>
+            </a:prstGeom>
+            <a:ln>
+              <a:tailEnd type="triangle"/>
+            </a:ln>
+          </p:spPr>
+          <p:style>
+            <a:lnRef idx="3">
+              <a:schemeClr val="accent2"/>
+            </a:lnRef>
+            <a:fillRef idx="0">
+              <a:schemeClr val="accent2"/>
+            </a:fillRef>
+            <a:effectRef idx="2">
+              <a:schemeClr val="accent2"/>
+            </a:effectRef>
+            <a:fontRef idx="minor">
+              <a:schemeClr val="tx1"/>
+            </a:fontRef>
+          </p:style>
+        </p:cxnSp>
+        <p:sp>
+          <p:nvSpPr>
+            <p:cNvPr id="19" name="TextBox 18"/>
+            <p:cNvSpPr txBox="1"/>
+            <p:nvPr/>
+          </p:nvSpPr>
+          <p:spPr>
+            <a:xfrm>
+              <a:off x="2394698" y="5260201"/>
+              <a:ext cx="929165" cy="646331"/>
+            </a:xfrm>
+            <a:prstGeom prst="rect">
+              <a:avLst/>
+            </a:prstGeom>
+            <a:noFill/>
+          </p:spPr>
+          <p:txBody>
+            <a:bodyPr wrap="none" rtlCol="0">
+              <a:spAutoFit/>
+            </a:bodyPr>
+            <a:lstStyle/>
+            <a:p>
+              <a:pPr algn="ctr"/>
+              <a:r>
+                <a:rPr lang="en-US" dirty="0" smtClean="0">
+                  <a:solidFill>
+                    <a:srgbClr val="C00000"/>
+                  </a:solidFill>
+                </a:rPr>
+                <a:t>User</a:t>
+              </a:r>
+            </a:p>
+            <a:p>
+              <a:pPr algn="ctr"/>
+              <a:r>
+                <a:rPr lang="en-US" dirty="0" smtClean="0">
+                  <a:solidFill>
+                    <a:srgbClr val="C00000"/>
+                  </a:solidFill>
+                </a:rPr>
+                <a:t>(owner)</a:t>
+              </a:r>
+              <a:endParaRPr lang="en-US" dirty="0">
+                <a:solidFill>
+                  <a:srgbClr val="C00000"/>
+                </a:solidFill>
+              </a:endParaRPr>
+            </a:p>
+          </p:txBody>
+        </p:sp>
+        <p:sp>
+          <p:nvSpPr>
+            <p:cNvPr id="20" name="Right Brace 19"/>
+            <p:cNvSpPr/>
+            <p:nvPr/>
+          </p:nvSpPr>
+          <p:spPr>
+            <a:xfrm rot="5400000">
+              <a:off x="3697070" y="4222056"/>
+              <a:ext cx="275019" cy="1028376"/>
+            </a:xfrm>
+            <a:prstGeom prst="rightBrace">
+              <a:avLst>
+                <a:gd name="adj1" fmla="val 13154"/>
+                <a:gd name="adj2" fmla="val 29005"/>
+              </a:avLst>
+            </a:prstGeom>
+          </p:spPr>
+          <p:style>
+            <a:lnRef idx="3">
+              <a:schemeClr val="accent2"/>
+            </a:lnRef>
+            <a:fillRef idx="0">
+              <a:schemeClr val="accent2"/>
+            </a:fillRef>
+            <a:effectRef idx="2">
+              <a:schemeClr val="accent2"/>
+            </a:effectRef>
+            <a:fontRef idx="minor">
+              <a:schemeClr val="tx1"/>
+            </a:fontRef>
+          </p:style>
+          <p:txBody>
+            <a:bodyPr rtlCol="0" anchor="ctr"/>
+            <a:lstStyle/>
+            <a:p>
+              <a:pPr algn="ctr"/>
+              <a:endParaRPr lang="en-US"/>
+            </a:p>
+          </p:txBody>
+        </p:sp>
+        <p:cxnSp>
+          <p:nvCxnSpPr>
+            <p:cNvPr id="21" name="Straight Arrow Connector 20"/>
+            <p:cNvCxnSpPr>
+              <a:stCxn id="20" idx="1"/>
+            </p:cNvCxnSpPr>
+            <p:nvPr/>
+          </p:nvCxnSpPr>
+          <p:spPr>
+            <a:xfrm flipH="1">
+              <a:off x="4047016" y="4873754"/>
+              <a:ext cx="3472" cy="393190"/>
+            </a:xfrm>
+            <a:prstGeom prst="straightConnector1">
+              <a:avLst/>
+            </a:prstGeom>
+            <a:ln>
+              <a:tailEnd type="triangle"/>
+            </a:ln>
+          </p:spPr>
+          <p:style>
+            <a:lnRef idx="3">
+              <a:schemeClr val="accent2"/>
+            </a:lnRef>
+            <a:fillRef idx="0">
+              <a:schemeClr val="accent2"/>
+            </a:fillRef>
+            <a:effectRef idx="2">
+              <a:schemeClr val="accent2"/>
+            </a:effectRef>
+            <a:fontRef idx="minor">
+              <a:schemeClr val="tx1"/>
+            </a:fontRef>
+          </p:style>
+        </p:cxnSp>
+        <p:sp>
+          <p:nvSpPr>
+            <p:cNvPr id="22" name="TextBox 21"/>
+            <p:cNvSpPr txBox="1"/>
+            <p:nvPr/>
+          </p:nvSpPr>
+          <p:spPr>
+            <a:xfrm>
+              <a:off x="3612278" y="5260201"/>
+              <a:ext cx="772456" cy="369332"/>
+            </a:xfrm>
+            <a:prstGeom prst="rect">
+              <a:avLst/>
+            </a:prstGeom>
+            <a:noFill/>
+          </p:spPr>
+          <p:txBody>
+            <a:bodyPr wrap="none" rtlCol="0">
+              <a:spAutoFit/>
+            </a:bodyPr>
+            <a:lstStyle/>
+            <a:p>
+              <a:pPr algn="ctr"/>
+              <a:r>
+                <a:rPr lang="en-US" dirty="0" smtClean="0">
+                  <a:solidFill>
+                    <a:srgbClr val="C00000"/>
+                  </a:solidFill>
+                </a:rPr>
+                <a:t>Group</a:t>
+              </a:r>
+              <a:endParaRPr lang="en-US" dirty="0">
+                <a:solidFill>
+                  <a:srgbClr val="C00000"/>
+                </a:solidFill>
+              </a:endParaRPr>
+            </a:p>
+          </p:txBody>
+        </p:sp>
+      </p:grpSp>
+    </p:spTree>
+    <p:extLst>
+      <p:ext uri="{BB962C8B-B14F-4D97-AF65-F5344CB8AC3E}">
+        <p14:creationId xmlns:p14="http://schemas.microsoft.com/office/powerpoint/2010/main" val="1509581981"/>
+      </p:ext>
+    </p:extLst>
+  </p:cSld>
+  <p:clrMapOvr>
+    <a:masterClrMapping/>
+  </p:clrMapOvr>
+</p:sld>
+</file>
+
+<file path=ppt/slides/slide38.xml><?xml version="1.0" encoding="utf-8"?>
+<p:sld xmlns:a="http://schemas.openxmlformats.org/drawingml/2006/main" xmlns:r="http://schemas.openxmlformats.org/officeDocument/2006/relationships" xmlns:p="http://schemas.openxmlformats.org/presentationml/2006/main">
+  <p:cSld>
+    <p:spTree>
+      <p:nvGrpSpPr>
+        <p:cNvPr id="1" name=""/>
+        <p:cNvGrpSpPr/>
+        <p:nvPr/>
+      </p:nvGrpSpPr>
+      <p:grpSpPr>
+        <a:xfrm>
+          <a:off x="0" y="0"/>
+          <a:ext cx="0" cy="0"/>
+          <a:chOff x="0" y="0"/>
+          <a:chExt cx="0" cy="0"/>
+        </a:xfrm>
+      </p:grpSpPr>
+      <p:sp>
+        <p:nvSpPr>
+          <p:cNvPr id="2" name="Title 1"/>
+          <p:cNvSpPr>
+            <a:spLocks noGrp="1"/>
+          </p:cNvSpPr>
+          <p:nvPr>
+            <p:ph type="title"/>
+          </p:nvPr>
+        </p:nvSpPr>
+        <p:spPr/>
+        <p:txBody>
+          <a:bodyPr/>
+          <a:lstStyle/>
+          <a:p>
+            <a:r>
+              <a:rPr lang="en-US" dirty="0" smtClean="0"/>
+              <a:t>The </a:t>
+            </a:r>
+            <a:r>
+              <a:rPr lang="en-US" dirty="0" err="1" smtClean="0"/>
+              <a:t>Filemode</a:t>
+            </a:r>
+            <a:endParaRPr lang="en-US" dirty="0"/>
+          </a:p>
+        </p:txBody>
+      </p:sp>
+      <p:sp>
+        <p:nvSpPr>
+          <p:cNvPr id="3" name="Content Placeholder 2"/>
+          <p:cNvSpPr>
+            <a:spLocks noGrp="1"/>
+          </p:cNvSpPr>
+          <p:nvPr>
+            <p:ph idx="1"/>
+          </p:nvPr>
+        </p:nvSpPr>
+        <p:spPr/>
+        <p:txBody>
+          <a:bodyPr/>
+          <a:lstStyle/>
+          <a:p>
+            <a:r>
+              <a:rPr lang="en-US" dirty="0" smtClean="0">
+                <a:solidFill>
+                  <a:srgbClr val="0070C0"/>
+                </a:solidFill>
+              </a:rPr>
+              <a:t>First character </a:t>
+            </a:r>
+            <a:r>
+              <a:rPr lang="en-US" dirty="0" smtClean="0"/>
+              <a:t>is the </a:t>
+            </a:r>
+            <a:r>
+              <a:rPr lang="en-US" dirty="0" smtClean="0">
+                <a:solidFill>
+                  <a:srgbClr val="0070C0"/>
+                </a:solidFill>
+              </a:rPr>
+              <a:t>file type</a:t>
+            </a:r>
+          </a:p>
+          <a:p>
+            <a:pPr lvl="1"/>
+            <a:r>
+              <a:rPr lang="en-US" dirty="0"/>
+              <a:t>-: regular file</a:t>
+            </a:r>
+          </a:p>
+          <a:p>
+            <a:pPr lvl="1"/>
+            <a:r>
+              <a:rPr lang="en-US" dirty="0"/>
+              <a:t>d: directory (a file of a specific format that lists other files)</a:t>
+            </a:r>
+          </a:p>
+          <a:p>
+            <a:pPr lvl="1"/>
+            <a:r>
+              <a:rPr lang="en-US" dirty="0"/>
+              <a:t>l: a hard or soft link (basically a shortcut to another file)</a:t>
+            </a:r>
+          </a:p>
+          <a:p>
+            <a:pPr lvl="1"/>
+            <a:r>
+              <a:rPr lang="en-US" dirty="0"/>
+              <a:t>c: a character device file</a:t>
+            </a:r>
+          </a:p>
+          <a:p>
+            <a:pPr lvl="1"/>
+            <a:r>
+              <a:rPr lang="en-US" dirty="0"/>
+              <a:t>b: a block device file</a:t>
+            </a:r>
+          </a:p>
+          <a:p>
+            <a:pPr lvl="1"/>
+            <a:r>
+              <a:rPr lang="en-US" dirty="0"/>
+              <a:t>p: a pipe file</a:t>
+            </a:r>
+          </a:p>
+          <a:p>
+            <a:pPr lvl="1"/>
+            <a:r>
+              <a:rPr lang="en-US" dirty="0"/>
+              <a:t>s: a socket file</a:t>
+            </a:r>
+          </a:p>
+        </p:txBody>
+      </p:sp>
+      <p:sp>
+        <p:nvSpPr>
+          <p:cNvPr id="4" name="Slide Number Placeholder 3"/>
+          <p:cNvSpPr>
+            <a:spLocks noGrp="1"/>
+          </p:cNvSpPr>
+          <p:nvPr>
+            <p:ph type="sldNum" sz="quarter" idx="12"/>
+          </p:nvPr>
+        </p:nvSpPr>
+        <p:spPr/>
+        <p:txBody>
+          <a:bodyPr/>
+          <a:lstStyle/>
+          <a:p>
+            <a:fld id="{52DB1A75-B9BE-46B1-B482-5F96E51FA4B2}" type="slidenum">
+              <a:rPr lang="en-US" smtClean="0"/>
+              <a:t>38</a:t>
+            </a:fld>
+            <a:endParaRPr lang="en-US"/>
+          </a:p>
+        </p:txBody>
+      </p:sp>
+      <p:pic>
+        <p:nvPicPr>
+          <p:cNvPr id="5" name="Picture 4" descr="Mode and permissions breakdown"/>
+          <p:cNvPicPr/>
+          <p:nvPr/>
+        </p:nvPicPr>
+        <p:blipFill>
+          <a:blip r:embed="rId2">
+            <a:extLst>
+              <a:ext uri="{28A0092B-C50C-407E-A947-70E740481C1C}">
+                <a14:useLocalDpi xmlns:a14="http://schemas.microsoft.com/office/drawing/2010/main" val="0"/>
+              </a:ext>
+            </a:extLst>
+          </a:blip>
+          <a:srcRect/>
+          <a:stretch>
+            <a:fillRect/>
+          </a:stretch>
+        </p:blipFill>
+        <p:spPr bwMode="auto">
+          <a:xfrm>
+            <a:off x="3864990" y="3206850"/>
+            <a:ext cx="4338883" cy="2272579"/>
+          </a:xfrm>
+          <a:prstGeom prst="rect">
+            <a:avLst/>
+          </a:prstGeom>
+          <a:noFill/>
+          <a:ln>
+            <a:noFill/>
+          </a:ln>
+        </p:spPr>
+      </p:pic>
+    </p:spTree>
+    <p:extLst>
+      <p:ext uri="{BB962C8B-B14F-4D97-AF65-F5344CB8AC3E}">
+        <p14:creationId xmlns:p14="http://schemas.microsoft.com/office/powerpoint/2010/main" val="3061745549"/>
+      </p:ext>
+    </p:extLst>
+  </p:cSld>
+  <p:clrMapOvr>
+    <a:masterClrMapping/>
+  </p:clrMapOvr>
+</p:sld>
+</file>
+
+<file path=ppt/slides/slide39.xml><?xml version="1.0" encoding="utf-8"?>
+<p:sld xmlns:a="http://schemas.openxmlformats.org/drawingml/2006/main" xmlns:r="http://schemas.openxmlformats.org/officeDocument/2006/relationships" xmlns:p="http://schemas.openxmlformats.org/presentationml/2006/main">
+  <p:cSld>
+    <p:spTree>
+      <p:nvGrpSpPr>
+        <p:cNvPr id="1" name=""/>
+        <p:cNvGrpSpPr/>
+        <p:nvPr/>
+      </p:nvGrpSpPr>
+      <p:grpSpPr>
+        <a:xfrm>
+          <a:off x="0" y="0"/>
+          <a:ext cx="0" cy="0"/>
+          <a:chOff x="0" y="0"/>
+          <a:chExt cx="0" cy="0"/>
+        </a:xfrm>
+      </p:grpSpPr>
+      <p:sp>
+        <p:nvSpPr>
+          <p:cNvPr id="2" name="Title 1"/>
+          <p:cNvSpPr>
+            <a:spLocks noGrp="1"/>
+          </p:cNvSpPr>
+          <p:nvPr>
+            <p:ph type="title"/>
+          </p:nvPr>
+        </p:nvSpPr>
+        <p:spPr/>
+        <p:txBody>
+          <a:bodyPr/>
+          <a:lstStyle/>
+          <a:p>
+            <a:r>
+              <a:rPr lang="en-US" dirty="0" smtClean="0"/>
+              <a:t>Permission Classes</a:t>
+            </a:r>
+            <a:endParaRPr lang="en-US" dirty="0"/>
+          </a:p>
+        </p:txBody>
+      </p:sp>
+      <p:sp>
+        <p:nvSpPr>
+          <p:cNvPr id="3" name="Content Placeholder 2"/>
+          <p:cNvSpPr>
+            <a:spLocks noGrp="1"/>
+          </p:cNvSpPr>
+          <p:nvPr>
+            <p:ph idx="1"/>
+          </p:nvPr>
+        </p:nvSpPr>
+        <p:spPr/>
+        <p:txBody>
+          <a:bodyPr>
+            <a:normAutofit/>
+          </a:bodyPr>
+          <a:lstStyle/>
+          <a:p>
+            <a:r>
+              <a:rPr lang="en-US" dirty="0" smtClean="0"/>
+              <a:t>The </a:t>
+            </a:r>
+            <a:r>
+              <a:rPr lang="en-US" dirty="0"/>
+              <a:t>next 9 characters make up the </a:t>
+            </a:r>
+            <a:r>
+              <a:rPr lang="en-US" dirty="0">
+                <a:solidFill>
+                  <a:srgbClr val="00B050"/>
+                </a:solidFill>
+              </a:rPr>
+              <a:t>permission classes</a:t>
+            </a:r>
+            <a:r>
+              <a:rPr lang="en-US" dirty="0"/>
+              <a:t>, </a:t>
+            </a:r>
+            <a:r>
+              <a:rPr lang="en-US" dirty="0" smtClean="0"/>
+              <a:t>namely</a:t>
+            </a:r>
+          </a:p>
+          <a:p>
+            <a:pPr lvl="1"/>
+            <a:r>
+              <a:rPr lang="en-US" dirty="0" smtClean="0">
+                <a:solidFill>
+                  <a:srgbClr val="00B050"/>
+                </a:solidFill>
+              </a:rPr>
+              <a:t>User</a:t>
+            </a:r>
+            <a:r>
+              <a:rPr lang="en-US" dirty="0"/>
+              <a:t>: The owner of a file belongs to this class</a:t>
+            </a:r>
+          </a:p>
+          <a:p>
+            <a:pPr lvl="1"/>
+            <a:r>
+              <a:rPr lang="en-US" dirty="0">
+                <a:solidFill>
+                  <a:srgbClr val="00B050"/>
+                </a:solidFill>
+              </a:rPr>
+              <a:t>Group</a:t>
+            </a:r>
+            <a:r>
+              <a:rPr lang="en-US" dirty="0"/>
+              <a:t>: The members of the file's group belong to this class</a:t>
+            </a:r>
+          </a:p>
+          <a:p>
+            <a:pPr lvl="1"/>
+            <a:r>
+              <a:rPr lang="en-US" dirty="0">
+                <a:solidFill>
+                  <a:srgbClr val="00B050"/>
+                </a:solidFill>
+              </a:rPr>
+              <a:t>Other</a:t>
+            </a:r>
+            <a:r>
+              <a:rPr lang="en-US" dirty="0"/>
+              <a:t>: Any users that are not part of the user or group classes belong to this class</a:t>
+            </a:r>
+            <a:r>
+              <a:rPr lang="en-US" dirty="0" smtClean="0"/>
+              <a:t>.</a:t>
+            </a:r>
+          </a:p>
+          <a:p>
+            <a:r>
+              <a:rPr lang="en-US" dirty="0"/>
+              <a:t>The </a:t>
+            </a:r>
+            <a:r>
+              <a:rPr lang="en-US" dirty="0">
+                <a:solidFill>
+                  <a:srgbClr val="0070C0"/>
+                </a:solidFill>
+              </a:rPr>
+              <a:t>order </a:t>
+            </a:r>
+            <a:r>
+              <a:rPr lang="en-US" dirty="0"/>
+              <a:t>of the classes</a:t>
+            </a:r>
+            <a:r>
+              <a:rPr lang="en-US" dirty="0">
+                <a:solidFill>
+                  <a:srgbClr val="0070C0"/>
+                </a:solidFill>
+              </a:rPr>
+              <a:t> is consistent </a:t>
+            </a:r>
+            <a:r>
+              <a:rPr lang="en-US" dirty="0"/>
+              <a:t>across all Linux distributions.</a:t>
+            </a:r>
+          </a:p>
+        </p:txBody>
+      </p:sp>
+      <p:sp>
+        <p:nvSpPr>
+          <p:cNvPr id="4" name="Slide Number Placeholder 3"/>
+          <p:cNvSpPr>
+            <a:spLocks noGrp="1"/>
+          </p:cNvSpPr>
+          <p:nvPr>
+            <p:ph type="sldNum" sz="quarter" idx="12"/>
+          </p:nvPr>
+        </p:nvSpPr>
+        <p:spPr/>
+        <p:txBody>
+          <a:bodyPr/>
+          <a:lstStyle/>
+          <a:p>
+            <a:fld id="{52DB1A75-B9BE-46B1-B482-5F96E51FA4B2}" type="slidenum">
+              <a:rPr lang="en-US" smtClean="0"/>
+              <a:t>39</a:t>
+            </a:fld>
+            <a:endParaRPr lang="en-US"/>
+          </a:p>
+        </p:txBody>
+      </p:sp>
+      <p:pic>
+        <p:nvPicPr>
+          <p:cNvPr id="6" name="Picture 5" descr="Mode and permissions breakdown"/>
+          <p:cNvPicPr/>
+          <p:nvPr/>
+        </p:nvPicPr>
+        <p:blipFill>
+          <a:blip r:embed="rId2">
+            <a:extLst>
+              <a:ext uri="{28A0092B-C50C-407E-A947-70E740481C1C}">
+                <a14:useLocalDpi xmlns:a14="http://schemas.microsoft.com/office/drawing/2010/main" val="0"/>
+              </a:ext>
+            </a:extLst>
+          </a:blip>
+          <a:srcRect/>
+          <a:stretch>
+            <a:fillRect/>
+          </a:stretch>
+        </p:blipFill>
+        <p:spPr bwMode="auto">
+          <a:xfrm>
+            <a:off x="2073898" y="3761111"/>
+            <a:ext cx="4515440" cy="2365054"/>
+          </a:xfrm>
+          <a:prstGeom prst="rect">
+            <a:avLst/>
+          </a:prstGeom>
+          <a:noFill/>
+          <a:ln>
+            <a:noFill/>
+          </a:ln>
+        </p:spPr>
+      </p:pic>
+    </p:spTree>
+    <p:extLst>
+      <p:ext uri="{BB962C8B-B14F-4D97-AF65-F5344CB8AC3E}">
+        <p14:creationId xmlns:p14="http://schemas.microsoft.com/office/powerpoint/2010/main" val="3092981052"/>
+      </p:ext>
+    </p:extLst>
+  </p:cSld>
+  <p:clrMapOvr>
+    <a:masterClrMapping/>
+  </p:clrMapOvr>
 </p:sld>
 </file>
 
@@ -13770,6 +16378,1953 @@
   <p:clrMapOvr>
     <a:masterClrMapping/>
   </p:clrMapOvr>
+</p:sld>
+</file>
+
+<file path=ppt/slides/slide40.xml><?xml version="1.0" encoding="utf-8"?>
+<p:sld xmlns:a="http://schemas.openxmlformats.org/drawingml/2006/main" xmlns:r="http://schemas.openxmlformats.org/officeDocument/2006/relationships" xmlns:p="http://schemas.openxmlformats.org/presentationml/2006/main">
+  <p:cSld>
+    <p:spTree>
+      <p:nvGrpSpPr>
+        <p:cNvPr id="1" name=""/>
+        <p:cNvGrpSpPr/>
+        <p:nvPr/>
+      </p:nvGrpSpPr>
+      <p:grpSpPr>
+        <a:xfrm>
+          <a:off x="0" y="0"/>
+          <a:ext cx="0" cy="0"/>
+          <a:chOff x="0" y="0"/>
+          <a:chExt cx="0" cy="0"/>
+        </a:xfrm>
+      </p:grpSpPr>
+      <p:sp>
+        <p:nvSpPr>
+          <p:cNvPr id="2" name="Title 1"/>
+          <p:cNvSpPr>
+            <a:spLocks noGrp="1"/>
+          </p:cNvSpPr>
+          <p:nvPr>
+            <p:ph type="title"/>
+          </p:nvPr>
+        </p:nvSpPr>
+        <p:spPr/>
+        <p:txBody>
+          <a:bodyPr/>
+          <a:lstStyle/>
+          <a:p>
+            <a:r>
+              <a:rPr lang="en-US" dirty="0" smtClean="0"/>
+              <a:t>Symbolic </a:t>
+            </a:r>
+            <a:r>
+              <a:rPr lang="en-US" dirty="0"/>
+              <a:t>Permissions</a:t>
+            </a:r>
+          </a:p>
+        </p:txBody>
+      </p:sp>
+      <p:sp>
+        <p:nvSpPr>
+          <p:cNvPr id="3" name="Content Placeholder 2"/>
+          <p:cNvSpPr>
+            <a:spLocks noGrp="1"/>
+          </p:cNvSpPr>
+          <p:nvPr>
+            <p:ph idx="1"/>
+          </p:nvPr>
+        </p:nvSpPr>
+        <p:spPr/>
+        <p:txBody>
+          <a:bodyPr/>
+          <a:lstStyle/>
+          <a:p>
+            <a:r>
+              <a:rPr lang="en-US" dirty="0"/>
+              <a:t>The next thing to pay attention to are the sets of three characters, or triads, as they denote the permissions, in symbolic form, that each class has for a given file.</a:t>
+            </a:r>
+          </a:p>
+          <a:p>
+            <a:pPr lvl="1"/>
+            <a:r>
+              <a:rPr lang="en-US" dirty="0"/>
+              <a:t>In each triad, read, write, and execute permissions are represented in the following way:</a:t>
+            </a:r>
+          </a:p>
+          <a:p>
+            <a:pPr lvl="2"/>
+            <a:r>
+              <a:rPr lang="en-US" dirty="0">
+                <a:solidFill>
+                  <a:srgbClr val="0070C0"/>
+                </a:solidFill>
+              </a:rPr>
+              <a:t>Read</a:t>
+            </a:r>
+            <a:r>
+              <a:rPr lang="en-US" dirty="0"/>
+              <a:t>: Indicated by an</a:t>
+            </a:r>
+            <a:r>
+              <a:rPr lang="en-US" dirty="0">
+                <a:solidFill>
+                  <a:srgbClr val="0070C0"/>
+                </a:solidFill>
+              </a:rPr>
+              <a:t> r </a:t>
+            </a:r>
+            <a:r>
+              <a:rPr lang="en-US" dirty="0"/>
+              <a:t>in the first position</a:t>
+            </a:r>
+          </a:p>
+          <a:p>
+            <a:pPr lvl="2"/>
+            <a:r>
+              <a:rPr lang="en-US" dirty="0">
+                <a:solidFill>
+                  <a:srgbClr val="0070C0"/>
+                </a:solidFill>
+              </a:rPr>
+              <a:t>Write</a:t>
+            </a:r>
+            <a:r>
+              <a:rPr lang="en-US" dirty="0"/>
+              <a:t>: Indicated by a </a:t>
+            </a:r>
+            <a:r>
+              <a:rPr lang="en-US" dirty="0">
+                <a:solidFill>
+                  <a:srgbClr val="0070C0"/>
+                </a:solidFill>
+              </a:rPr>
+              <a:t>w</a:t>
+            </a:r>
+            <a:r>
+              <a:rPr lang="en-US" dirty="0"/>
+              <a:t> in the second position</a:t>
+            </a:r>
+          </a:p>
+          <a:p>
+            <a:pPr lvl="2"/>
+            <a:r>
+              <a:rPr lang="en-US" dirty="0">
+                <a:solidFill>
+                  <a:srgbClr val="0070C0"/>
+                </a:solidFill>
+              </a:rPr>
+              <a:t>Execute</a:t>
+            </a:r>
+            <a:r>
+              <a:rPr lang="en-US" dirty="0"/>
+              <a:t>: Indicated by an</a:t>
+            </a:r>
+            <a:r>
+              <a:rPr lang="en-US" dirty="0">
+                <a:solidFill>
+                  <a:srgbClr val="0070C0"/>
+                </a:solidFill>
+              </a:rPr>
+              <a:t> x </a:t>
+            </a:r>
+            <a:r>
+              <a:rPr lang="en-US" dirty="0"/>
+              <a:t>in the third position. In some special cases, there may be a different character here.</a:t>
+            </a:r>
+          </a:p>
+          <a:p>
+            <a:pPr lvl="1"/>
+            <a:r>
+              <a:rPr lang="en-US" dirty="0"/>
+              <a:t>A </a:t>
+            </a:r>
+            <a:r>
+              <a:rPr lang="en-US" dirty="0">
+                <a:solidFill>
+                  <a:srgbClr val="0070C0"/>
+                </a:solidFill>
+              </a:rPr>
+              <a:t>hyphen </a:t>
+            </a:r>
+            <a:r>
+              <a:rPr lang="en-US" dirty="0"/>
+              <a:t>(-) in the place of one of these characters indicates that the respective </a:t>
+            </a:r>
+            <a:r>
+              <a:rPr lang="en-US" dirty="0">
+                <a:solidFill>
+                  <a:srgbClr val="0070C0"/>
+                </a:solidFill>
+              </a:rPr>
+              <a:t>permission is not available </a:t>
+            </a:r>
+            <a:r>
+              <a:rPr lang="en-US" dirty="0"/>
+              <a:t>for the respective class.</a:t>
+            </a:r>
+          </a:p>
+          <a:p>
+            <a:endParaRPr lang="en-US" dirty="0"/>
+          </a:p>
+        </p:txBody>
+      </p:sp>
+      <p:sp>
+        <p:nvSpPr>
+          <p:cNvPr id="4" name="Slide Number Placeholder 3"/>
+          <p:cNvSpPr>
+            <a:spLocks noGrp="1"/>
+          </p:cNvSpPr>
+          <p:nvPr>
+            <p:ph type="sldNum" sz="quarter" idx="12"/>
+          </p:nvPr>
+        </p:nvSpPr>
+        <p:spPr/>
+        <p:txBody>
+          <a:bodyPr/>
+          <a:lstStyle/>
+          <a:p>
+            <a:fld id="{52DB1A75-B9BE-46B1-B482-5F96E51FA4B2}" type="slidenum">
+              <a:rPr lang="en-US" smtClean="0"/>
+              <a:t>40</a:t>
+            </a:fld>
+            <a:endParaRPr lang="en-US"/>
+          </a:p>
+        </p:txBody>
+      </p:sp>
+    </p:spTree>
+    <p:extLst>
+      <p:ext uri="{BB962C8B-B14F-4D97-AF65-F5344CB8AC3E}">
+        <p14:creationId xmlns:p14="http://schemas.microsoft.com/office/powerpoint/2010/main" val="2317028803"/>
+      </p:ext>
+    </p:extLst>
+  </p:cSld>
+  <p:clrMapOvr>
+    <a:masterClrMapping/>
+  </p:clrMapOvr>
+</p:sld>
+</file>
+
+<file path=ppt/slides/slide41.xml><?xml version="1.0" encoding="utf-8"?>
+<p:sld xmlns:a="http://schemas.openxmlformats.org/drawingml/2006/main" xmlns:r="http://schemas.openxmlformats.org/officeDocument/2006/relationships" xmlns:p="http://schemas.openxmlformats.org/presentationml/2006/main">
+  <p:cSld>
+    <p:spTree>
+      <p:nvGrpSpPr>
+        <p:cNvPr id="1" name=""/>
+        <p:cNvGrpSpPr/>
+        <p:nvPr/>
+      </p:nvGrpSpPr>
+      <p:grpSpPr>
+        <a:xfrm>
+          <a:off x="0" y="0"/>
+          <a:ext cx="0" cy="0"/>
+          <a:chOff x="0" y="0"/>
+          <a:chExt cx="0" cy="0"/>
+        </a:xfrm>
+      </p:grpSpPr>
+      <p:sp>
+        <p:nvSpPr>
+          <p:cNvPr id="2" name="Title 1"/>
+          <p:cNvSpPr>
+            <a:spLocks noGrp="1"/>
+          </p:cNvSpPr>
+          <p:nvPr>
+            <p:ph type="title"/>
+          </p:nvPr>
+        </p:nvSpPr>
+        <p:spPr/>
+        <p:txBody>
+          <a:bodyPr/>
+          <a:lstStyle/>
+          <a:p>
+            <a:r>
+              <a:rPr lang="en-US" dirty="0" smtClean="0"/>
+              <a:t>Read, Write and Execute</a:t>
+            </a:r>
+            <a:endParaRPr lang="en-US" dirty="0"/>
+          </a:p>
+        </p:txBody>
+      </p:sp>
+      <p:sp>
+        <p:nvSpPr>
+          <p:cNvPr id="3" name="Content Placeholder 2"/>
+          <p:cNvSpPr>
+            <a:spLocks noGrp="1"/>
+          </p:cNvSpPr>
+          <p:nvPr>
+            <p:ph idx="1"/>
+          </p:nvPr>
+        </p:nvSpPr>
+        <p:spPr/>
+        <p:txBody>
+          <a:bodyPr>
+            <a:normAutofit/>
+          </a:bodyPr>
+          <a:lstStyle/>
+          <a:p>
+            <a:r>
+              <a:rPr lang="en-US" b="1" dirty="0" smtClean="0"/>
+              <a:t>Read</a:t>
+            </a:r>
+            <a:endParaRPr lang="en-US" b="1" dirty="0"/>
+          </a:p>
+          <a:p>
+            <a:pPr lvl="1"/>
+            <a:r>
+              <a:rPr lang="en-US" dirty="0" smtClean="0">
+                <a:solidFill>
+                  <a:srgbClr val="0070C0"/>
+                </a:solidFill>
+              </a:rPr>
+              <a:t>Normal file: </a:t>
+            </a:r>
+            <a:r>
+              <a:rPr lang="en-US" dirty="0" smtClean="0"/>
+              <a:t>allows </a:t>
+            </a:r>
+            <a:r>
+              <a:rPr lang="en-US" dirty="0"/>
+              <a:t>a user to view the contents of the file.</a:t>
+            </a:r>
+          </a:p>
+          <a:p>
+            <a:pPr lvl="1"/>
+            <a:r>
+              <a:rPr lang="en-US" dirty="0" smtClean="0">
+                <a:solidFill>
+                  <a:srgbClr val="00B050"/>
+                </a:solidFill>
+              </a:rPr>
+              <a:t>Directory: </a:t>
+            </a:r>
+            <a:r>
+              <a:rPr lang="en-US" dirty="0"/>
+              <a:t>allows a user to view the names of the file in the directory</a:t>
+            </a:r>
+            <a:r>
+              <a:rPr lang="en-US" dirty="0" smtClean="0"/>
+              <a:t>.</a:t>
+            </a:r>
+            <a:endParaRPr lang="en-US" dirty="0"/>
+          </a:p>
+          <a:p>
+            <a:r>
+              <a:rPr lang="en-US" b="1" dirty="0"/>
+              <a:t>Write</a:t>
+            </a:r>
+          </a:p>
+          <a:p>
+            <a:pPr lvl="1"/>
+            <a:r>
+              <a:rPr lang="en-US" dirty="0">
+                <a:solidFill>
+                  <a:srgbClr val="0070C0"/>
+                </a:solidFill>
+              </a:rPr>
+              <a:t>Normal file:</a:t>
+            </a:r>
+            <a:r>
+              <a:rPr lang="en-US" dirty="0"/>
+              <a:t> </a:t>
+            </a:r>
+            <a:r>
+              <a:rPr lang="en-US" dirty="0" smtClean="0"/>
+              <a:t>allows </a:t>
+            </a:r>
+            <a:r>
+              <a:rPr lang="en-US" dirty="0"/>
+              <a:t>a user to modify and delete the file.</a:t>
+            </a:r>
+          </a:p>
+          <a:p>
+            <a:pPr lvl="1"/>
+            <a:r>
+              <a:rPr lang="en-US" dirty="0">
+                <a:solidFill>
+                  <a:srgbClr val="00B050"/>
+                </a:solidFill>
+              </a:rPr>
+              <a:t>Directory: </a:t>
+            </a:r>
+            <a:r>
+              <a:rPr lang="en-US" dirty="0" smtClean="0"/>
+              <a:t>allows </a:t>
+            </a:r>
+            <a:r>
+              <a:rPr lang="en-US" dirty="0"/>
+              <a:t>a user to delete the directory, modify its contents (create, delete, and rename files in it), and modify the contents of files that the user can read</a:t>
+            </a:r>
+            <a:r>
+              <a:rPr lang="en-US" dirty="0" smtClean="0"/>
+              <a:t>.</a:t>
+            </a:r>
+            <a:endParaRPr lang="en-US" dirty="0"/>
+          </a:p>
+          <a:p>
+            <a:r>
+              <a:rPr lang="en-US" b="1" dirty="0" smtClean="0"/>
+              <a:t>Execute</a:t>
+            </a:r>
+            <a:endParaRPr lang="en-US" b="1" dirty="0"/>
+          </a:p>
+          <a:p>
+            <a:pPr lvl="1"/>
+            <a:r>
+              <a:rPr lang="en-US" dirty="0">
+                <a:solidFill>
+                  <a:srgbClr val="0070C0"/>
+                </a:solidFill>
+              </a:rPr>
+              <a:t>Normal file: </a:t>
+            </a:r>
+            <a:r>
+              <a:rPr lang="en-US" dirty="0" smtClean="0"/>
+              <a:t>allows </a:t>
+            </a:r>
+            <a:r>
+              <a:rPr lang="en-US" dirty="0"/>
+              <a:t>a user to execute a file (the user must also have read permission). As such, execute permissions must be set for executable programs and shell scripts before a user can run them.</a:t>
+            </a:r>
+          </a:p>
+          <a:p>
+            <a:pPr lvl="1"/>
+            <a:r>
+              <a:rPr lang="en-US" dirty="0">
+                <a:solidFill>
+                  <a:srgbClr val="00B050"/>
+                </a:solidFill>
+              </a:rPr>
+              <a:t>Directory: </a:t>
+            </a:r>
+            <a:r>
+              <a:rPr lang="en-US" dirty="0" smtClean="0"/>
+              <a:t>allows </a:t>
+            </a:r>
+            <a:r>
+              <a:rPr lang="en-US" dirty="0"/>
+              <a:t>a user to access, or traverse, into (i.e. cd) and access metadata about files in the directory (the information that is listed in an ls -l).</a:t>
+            </a:r>
+          </a:p>
+        </p:txBody>
+      </p:sp>
+      <p:sp>
+        <p:nvSpPr>
+          <p:cNvPr id="4" name="Slide Number Placeholder 3"/>
+          <p:cNvSpPr>
+            <a:spLocks noGrp="1"/>
+          </p:cNvSpPr>
+          <p:nvPr>
+            <p:ph type="sldNum" sz="quarter" idx="12"/>
+          </p:nvPr>
+        </p:nvSpPr>
+        <p:spPr/>
+        <p:txBody>
+          <a:bodyPr/>
+          <a:lstStyle/>
+          <a:p>
+            <a:fld id="{52DB1A75-B9BE-46B1-B482-5F96E51FA4B2}" type="slidenum">
+              <a:rPr lang="en-US" smtClean="0"/>
+              <a:t>41</a:t>
+            </a:fld>
+            <a:endParaRPr lang="en-US"/>
+          </a:p>
+        </p:txBody>
+      </p:sp>
+    </p:spTree>
+    <p:extLst>
+      <p:ext uri="{BB962C8B-B14F-4D97-AF65-F5344CB8AC3E}">
+        <p14:creationId xmlns:p14="http://schemas.microsoft.com/office/powerpoint/2010/main" val="1480717343"/>
+      </p:ext>
+    </p:extLst>
+  </p:cSld>
+  <p:clrMapOvr>
+    <a:masterClrMapping/>
+  </p:clrMapOvr>
+</p:sld>
+</file>
+
+<file path=ppt/slides/slide42.xml><?xml version="1.0" encoding="utf-8"?>
+<p:sld xmlns:a="http://schemas.openxmlformats.org/drawingml/2006/main" xmlns:r="http://schemas.openxmlformats.org/officeDocument/2006/relationships" xmlns:p="http://schemas.openxmlformats.org/presentationml/2006/main">
+  <p:cSld>
+    <p:spTree>
+      <p:nvGrpSpPr>
+        <p:cNvPr id="1" name=""/>
+        <p:cNvGrpSpPr/>
+        <p:nvPr/>
+      </p:nvGrpSpPr>
+      <p:grpSpPr>
+        <a:xfrm>
+          <a:off x="0" y="0"/>
+          <a:ext cx="0" cy="0"/>
+          <a:chOff x="0" y="0"/>
+          <a:chExt cx="0" cy="0"/>
+        </a:xfrm>
+      </p:grpSpPr>
+      <p:sp>
+        <p:nvSpPr>
+          <p:cNvPr id="2" name="Title 1"/>
+          <p:cNvSpPr>
+            <a:spLocks noGrp="1"/>
+          </p:cNvSpPr>
+          <p:nvPr>
+            <p:ph type="title"/>
+          </p:nvPr>
+        </p:nvSpPr>
+        <p:spPr/>
+        <p:txBody>
+          <a:bodyPr/>
+          <a:lstStyle/>
+          <a:p>
+            <a:r>
+              <a:rPr lang="en-US" dirty="0" smtClean="0"/>
+              <a:t>Examples</a:t>
+            </a:r>
+            <a:endParaRPr lang="en-US" dirty="0"/>
+          </a:p>
+        </p:txBody>
+      </p:sp>
+      <p:graphicFrame>
+        <p:nvGraphicFramePr>
+          <p:cNvPr id="5" name="Content Placeholder 4"/>
+          <p:cNvGraphicFramePr>
+            <a:graphicFrameLocks noGrp="1"/>
+          </p:cNvGraphicFramePr>
+          <p:nvPr>
+            <p:ph idx="1"/>
+            <p:extLst>
+              <p:ext uri="{D42A27DB-BD31-4B8C-83A1-F6EECF244321}">
+                <p14:modId xmlns:p14="http://schemas.microsoft.com/office/powerpoint/2010/main" val="3809650753"/>
+              </p:ext>
+            </p:extLst>
+          </p:nvPr>
+        </p:nvGraphicFramePr>
+        <p:xfrm>
+          <a:off x="457200" y="1223128"/>
+          <a:ext cx="8228318" cy="4602480"/>
+        </p:xfrm>
+        <a:graphic>
+          <a:graphicData uri="http://schemas.openxmlformats.org/drawingml/2006/table">
+            <a:tbl>
+              <a:tblPr>
+                <a:tableStyleId>{5DA37D80-6434-44D0-A028-1B22A696006F}</a:tableStyleId>
+              </a:tblPr>
+              <a:tblGrid>
+                <a:gridCol w="1484722"/>
+                <a:gridCol w="688156"/>
+                <a:gridCol w="1348033"/>
+                <a:gridCol w="4707407"/>
+              </a:tblGrid>
+              <a:tr h="370840">
+                <a:tc>
+                  <a:txBody>
+                    <a:bodyPr/>
+                    <a:lstStyle/>
+                    <a:p>
+                      <a:pPr algn="ctr"/>
+                      <a:r>
+                        <a:rPr lang="en-US" sz="1800" dirty="0" smtClean="0">
+                          <a:latin typeface="Consolas" panose="020B0609020204030204" pitchFamily="49" charset="0"/>
+                          <a:cs typeface="Consolas" panose="020B0609020204030204" pitchFamily="49" charset="0"/>
+                        </a:rPr>
+                        <a:t>-</a:t>
+                      </a:r>
+                      <a:r>
+                        <a:rPr lang="en-US" sz="1800" dirty="0" err="1" smtClean="0">
+                          <a:latin typeface="Consolas" panose="020B0609020204030204" pitchFamily="49" charset="0"/>
+                          <a:cs typeface="Consolas" panose="020B0609020204030204" pitchFamily="49" charset="0"/>
+                        </a:rPr>
+                        <a:t>rw</a:t>
+                      </a:r>
+                      <a:r>
+                        <a:rPr lang="en-US" sz="1800" dirty="0" smtClean="0">
+                          <a:latin typeface="Consolas" panose="020B0609020204030204" pitchFamily="49" charset="0"/>
+                          <a:cs typeface="Consolas" panose="020B0609020204030204" pitchFamily="49" charset="0"/>
+                        </a:rPr>
+                        <a:t>-------</a:t>
+                      </a:r>
+                      <a:endParaRPr lang="en-US" sz="1800" dirty="0">
+                        <a:latin typeface="Consolas" panose="020B0609020204030204" pitchFamily="49" charset="0"/>
+                        <a:cs typeface="Consolas" panose="020B0609020204030204" pitchFamily="49" charset="0"/>
+                      </a:endParaRPr>
+                    </a:p>
+                  </a:txBody>
+                  <a:tcPr marL="85318" marR="85318"/>
+                </a:tc>
+                <a:tc>
+                  <a:txBody>
+                    <a:bodyPr/>
+                    <a:lstStyle/>
+                    <a:p>
+                      <a:pPr algn="ctr"/>
+                      <a:r>
+                        <a:rPr lang="en-US" sz="1800" dirty="0" smtClean="0">
+                          <a:latin typeface="Consolas" panose="020B0609020204030204" pitchFamily="49" charset="0"/>
+                          <a:cs typeface="Consolas" panose="020B0609020204030204" pitchFamily="49" charset="0"/>
+                        </a:rPr>
+                        <a:t>mark</a:t>
+                      </a:r>
+                      <a:endParaRPr lang="en-US" sz="1800" dirty="0">
+                        <a:latin typeface="Consolas" panose="020B0609020204030204" pitchFamily="49" charset="0"/>
+                        <a:cs typeface="Consolas" panose="020B0609020204030204" pitchFamily="49" charset="0"/>
+                      </a:endParaRPr>
+                    </a:p>
+                  </a:txBody>
+                  <a:tcPr marL="85318" marR="85318"/>
+                </a:tc>
+                <a:tc>
+                  <a:txBody>
+                    <a:bodyPr/>
+                    <a:lstStyle/>
+                    <a:p>
+                      <a:pPr algn="ctr"/>
+                      <a:r>
+                        <a:rPr lang="en-US" sz="1800" dirty="0" smtClean="0">
+                          <a:latin typeface="Consolas" panose="020B0609020204030204" pitchFamily="49" charset="0"/>
+                          <a:cs typeface="Consolas" panose="020B0609020204030204" pitchFamily="49" charset="0"/>
+                        </a:rPr>
+                        <a:t>customers</a:t>
+                      </a:r>
+                      <a:endParaRPr lang="en-US" sz="1800" dirty="0">
+                        <a:latin typeface="Consolas" panose="020B0609020204030204" pitchFamily="49" charset="0"/>
+                        <a:cs typeface="Consolas" panose="020B0609020204030204" pitchFamily="49" charset="0"/>
+                      </a:endParaRPr>
+                    </a:p>
+                  </a:txBody>
+                  <a:tcPr marL="85318" marR="85318"/>
+                </a:tc>
+                <a:tc>
+                  <a:txBody>
+                    <a:bodyPr/>
+                    <a:lstStyle/>
+                    <a:p>
+                      <a:pPr algn="l"/>
+                      <a:r>
+                        <a:rPr lang="en-US" sz="1400" dirty="0" smtClean="0"/>
+                        <a:t>Mark (the</a:t>
+                      </a:r>
+                      <a:r>
+                        <a:rPr lang="en-US" sz="1400" baseline="0" dirty="0" smtClean="0"/>
+                        <a:t> owner)</a:t>
+                      </a:r>
+                      <a:r>
+                        <a:rPr lang="en-US" sz="1400" dirty="0" smtClean="0"/>
+                        <a:t> can read</a:t>
+                      </a:r>
+                      <a:r>
+                        <a:rPr lang="en-US" sz="1400" baseline="0" dirty="0" smtClean="0"/>
+                        <a:t> the file and can write to it. The customers group and others have no permissions.</a:t>
+                      </a:r>
+                      <a:endParaRPr lang="en-US" sz="1400" dirty="0"/>
+                    </a:p>
+                  </a:txBody>
+                  <a:tcPr marL="85318" marR="85318"/>
+                </a:tc>
+              </a:tr>
+              <a:tr h="370840">
+                <a:tc>
+                  <a:txBody>
+                    <a:bodyPr/>
+                    <a:lstStyle/>
+                    <a:p>
+                      <a:pPr algn="ctr"/>
+                      <a:r>
+                        <a:rPr lang="en-US" sz="1800" dirty="0" smtClean="0">
+                          <a:latin typeface="Consolas" panose="020B0609020204030204" pitchFamily="49" charset="0"/>
+                          <a:cs typeface="Consolas" panose="020B0609020204030204" pitchFamily="49" charset="0"/>
+                        </a:rPr>
+                        <a:t>-</a:t>
+                      </a:r>
+                      <a:r>
+                        <a:rPr lang="en-US" sz="1800" dirty="0" err="1" smtClean="0">
+                          <a:latin typeface="Consolas" panose="020B0609020204030204" pitchFamily="49" charset="0"/>
+                          <a:cs typeface="Consolas" panose="020B0609020204030204" pitchFamily="49" charset="0"/>
+                        </a:rPr>
+                        <a:t>rwxr</a:t>
+                      </a:r>
+                      <a:r>
+                        <a:rPr lang="en-US" sz="1800" dirty="0" smtClean="0">
+                          <a:latin typeface="Consolas" panose="020B0609020204030204" pitchFamily="49" charset="0"/>
+                          <a:cs typeface="Consolas" panose="020B0609020204030204" pitchFamily="49" charset="0"/>
+                        </a:rPr>
+                        <a:t>-x---</a:t>
+                      </a:r>
+                      <a:endParaRPr lang="en-US" sz="1800" dirty="0">
+                        <a:latin typeface="Consolas" panose="020B0609020204030204" pitchFamily="49" charset="0"/>
+                        <a:cs typeface="Consolas" panose="020B0609020204030204" pitchFamily="49" charset="0"/>
+                      </a:endParaRPr>
+                    </a:p>
+                  </a:txBody>
+                  <a:tcPr marL="85318" marR="85318"/>
+                </a:tc>
+                <a:tc>
+                  <a:txBody>
+                    <a:bodyPr/>
+                    <a:lstStyle/>
+                    <a:p>
+                      <a:pPr algn="ctr"/>
+                      <a:r>
+                        <a:rPr lang="en-US" sz="1800" dirty="0" smtClean="0">
+                          <a:latin typeface="Consolas" panose="020B0609020204030204" pitchFamily="49" charset="0"/>
+                          <a:cs typeface="Consolas" panose="020B0609020204030204" pitchFamily="49" charset="0"/>
+                        </a:rPr>
+                        <a:t>mark</a:t>
+                      </a:r>
+                      <a:endParaRPr lang="en-US" sz="1800" dirty="0">
+                        <a:latin typeface="Consolas" panose="020B0609020204030204" pitchFamily="49" charset="0"/>
+                        <a:cs typeface="Consolas" panose="020B0609020204030204" pitchFamily="49" charset="0"/>
+                      </a:endParaRPr>
+                    </a:p>
+                  </a:txBody>
+                  <a:tcPr marL="85318" marR="85318"/>
+                </a:tc>
+                <a:tc>
+                  <a:txBody>
+                    <a:bodyPr/>
+                    <a:lstStyle/>
+                    <a:p>
+                      <a:pPr algn="ctr"/>
+                      <a:r>
+                        <a:rPr lang="en-US" sz="1800" dirty="0" smtClean="0">
+                          <a:latin typeface="Consolas" panose="020B0609020204030204" pitchFamily="49" charset="0"/>
+                          <a:cs typeface="Consolas" panose="020B0609020204030204" pitchFamily="49" charset="0"/>
+                        </a:rPr>
+                        <a:t>customers</a:t>
+                      </a:r>
+                      <a:endParaRPr lang="en-US" sz="1800" dirty="0">
+                        <a:latin typeface="Consolas" panose="020B0609020204030204" pitchFamily="49" charset="0"/>
+                        <a:cs typeface="Consolas" panose="020B0609020204030204" pitchFamily="49" charset="0"/>
+                      </a:endParaRPr>
+                    </a:p>
+                  </a:txBody>
+                  <a:tcPr marL="85318" marR="85318"/>
+                </a:tc>
+                <a:tc>
+                  <a:txBody>
+                    <a:bodyPr/>
+                    <a:lstStyle/>
+                    <a:p>
+                      <a:pPr algn="l"/>
+                      <a:r>
+                        <a:rPr lang="en-US" sz="1400" dirty="0" smtClean="0"/>
+                        <a:t>Mark (the</a:t>
+                      </a:r>
+                      <a:r>
+                        <a:rPr lang="en-US" sz="1400" baseline="0" dirty="0" smtClean="0"/>
+                        <a:t> owner)</a:t>
+                      </a:r>
+                      <a:r>
+                        <a:rPr lang="en-US" sz="1400" dirty="0" smtClean="0"/>
+                        <a:t> has full file control (including execution). The users of the group customers</a:t>
+                      </a:r>
+                      <a:r>
+                        <a:rPr lang="en-US" sz="1400" baseline="0" dirty="0" smtClean="0"/>
+                        <a:t> can read and execute the file. Others have no permissions.</a:t>
+                      </a:r>
+                      <a:endParaRPr lang="en-US" sz="1400" dirty="0"/>
+                    </a:p>
+                  </a:txBody>
+                  <a:tcPr marL="85318" marR="85318"/>
+                </a:tc>
+              </a:tr>
+              <a:tr h="370840">
+                <a:tc>
+                  <a:txBody>
+                    <a:bodyPr/>
+                    <a:lstStyle/>
+                    <a:p>
+                      <a:pPr algn="ctr"/>
+                      <a:r>
+                        <a:rPr lang="en-US" sz="1800" dirty="0" err="1" smtClean="0">
+                          <a:latin typeface="Consolas" panose="020B0609020204030204" pitchFamily="49" charset="0"/>
+                          <a:cs typeface="Consolas" panose="020B0609020204030204" pitchFamily="49" charset="0"/>
+                        </a:rPr>
+                        <a:t>drwxr</a:t>
+                      </a:r>
+                      <a:r>
+                        <a:rPr lang="en-US" sz="1800" dirty="0" smtClean="0">
+                          <a:latin typeface="Consolas" panose="020B0609020204030204" pitchFamily="49" charset="0"/>
+                          <a:cs typeface="Consolas" panose="020B0609020204030204" pitchFamily="49" charset="0"/>
+                        </a:rPr>
+                        <a:t>-x---</a:t>
+                      </a:r>
+                      <a:endParaRPr lang="en-US" sz="1800" dirty="0">
+                        <a:latin typeface="Consolas" panose="020B0609020204030204" pitchFamily="49" charset="0"/>
+                        <a:cs typeface="Consolas" panose="020B0609020204030204" pitchFamily="49" charset="0"/>
+                      </a:endParaRPr>
+                    </a:p>
+                  </a:txBody>
+                  <a:tcPr marL="85318" marR="85318"/>
+                </a:tc>
+                <a:tc>
+                  <a:txBody>
+                    <a:bodyPr/>
+                    <a:lstStyle/>
+                    <a:p>
+                      <a:pPr algn="ctr"/>
+                      <a:r>
+                        <a:rPr lang="en-US" sz="1800" dirty="0" smtClean="0">
+                          <a:latin typeface="Consolas" panose="020B0609020204030204" pitchFamily="49" charset="0"/>
+                          <a:cs typeface="Consolas" panose="020B0609020204030204" pitchFamily="49" charset="0"/>
+                        </a:rPr>
+                        <a:t>mark</a:t>
+                      </a:r>
+                      <a:endParaRPr lang="en-US" sz="1800" dirty="0">
+                        <a:latin typeface="Consolas" panose="020B0609020204030204" pitchFamily="49" charset="0"/>
+                        <a:cs typeface="Consolas" panose="020B0609020204030204" pitchFamily="49" charset="0"/>
+                      </a:endParaRPr>
+                    </a:p>
+                  </a:txBody>
+                  <a:tcPr marL="85318" marR="85318"/>
+                </a:tc>
+                <a:tc>
+                  <a:txBody>
+                    <a:bodyPr/>
+                    <a:lstStyle/>
+                    <a:p>
+                      <a:pPr algn="ctr"/>
+                      <a:r>
+                        <a:rPr lang="en-US" sz="1800" dirty="0" smtClean="0">
+                          <a:latin typeface="Consolas" panose="020B0609020204030204" pitchFamily="49" charset="0"/>
+                          <a:cs typeface="Consolas" panose="020B0609020204030204" pitchFamily="49" charset="0"/>
+                        </a:rPr>
+                        <a:t>www-data</a:t>
+                      </a:r>
+                      <a:endParaRPr lang="en-US" sz="1800" dirty="0">
+                        <a:latin typeface="Consolas" panose="020B0609020204030204" pitchFamily="49" charset="0"/>
+                        <a:cs typeface="Consolas" panose="020B0609020204030204" pitchFamily="49" charset="0"/>
+                      </a:endParaRPr>
+                    </a:p>
+                  </a:txBody>
+                  <a:tcPr marL="85318" marR="85318"/>
+                </a:tc>
+                <a:tc>
+                  <a:txBody>
+                    <a:bodyPr/>
+                    <a:lstStyle/>
+                    <a:p>
+                      <a:pPr algn="l"/>
+                      <a:r>
+                        <a:rPr lang="en-US" sz="1400" dirty="0" smtClean="0"/>
+                        <a:t>Mark (the owner) of</a:t>
+                      </a:r>
+                      <a:r>
+                        <a:rPr lang="en-US" sz="1400" baseline="0" dirty="0" smtClean="0"/>
+                        <a:t> the directory has full control. The www-data group users can read and traverse the directory. Other can not.</a:t>
+                      </a:r>
+                      <a:endParaRPr lang="en-US" sz="1400" dirty="0"/>
+                    </a:p>
+                  </a:txBody>
+                  <a:tcPr marL="85318" marR="85318"/>
+                </a:tc>
+              </a:tr>
+              <a:tr h="370840">
+                <a:tc>
+                  <a:txBody>
+                    <a:bodyPr/>
+                    <a:lstStyle/>
+                    <a:p>
+                      <a:pPr algn="ctr"/>
+                      <a:r>
+                        <a:rPr lang="en-US" sz="1800" dirty="0" err="1" smtClean="0">
+                          <a:latin typeface="Consolas" panose="020B0609020204030204" pitchFamily="49" charset="0"/>
+                          <a:cs typeface="Consolas" panose="020B0609020204030204" pitchFamily="49" charset="0"/>
+                        </a:rPr>
+                        <a:t>drwx</a:t>
+                      </a:r>
+                      <a:r>
+                        <a:rPr lang="en-US" sz="1800" dirty="0" smtClean="0">
+                          <a:latin typeface="Consolas" panose="020B0609020204030204" pitchFamily="49" charset="0"/>
+                          <a:cs typeface="Consolas" panose="020B0609020204030204" pitchFamily="49" charset="0"/>
+                        </a:rPr>
+                        <a:t>--x---</a:t>
+                      </a:r>
+                      <a:endParaRPr lang="en-US" sz="1800" dirty="0">
+                        <a:latin typeface="Consolas" panose="020B0609020204030204" pitchFamily="49" charset="0"/>
+                        <a:cs typeface="Consolas" panose="020B0609020204030204" pitchFamily="49" charset="0"/>
+                      </a:endParaRPr>
+                    </a:p>
+                  </a:txBody>
+                  <a:tcPr marL="85318" marR="85318"/>
+                </a:tc>
+                <a:tc>
+                  <a:txBody>
+                    <a:bodyPr/>
+                    <a:lstStyle/>
+                    <a:p>
+                      <a:pPr algn="ctr"/>
+                      <a:r>
+                        <a:rPr lang="en-US" sz="1800" dirty="0" smtClean="0">
+                          <a:latin typeface="Consolas" panose="020B0609020204030204" pitchFamily="49" charset="0"/>
+                          <a:cs typeface="Consolas" panose="020B0609020204030204" pitchFamily="49" charset="0"/>
+                        </a:rPr>
+                        <a:t>mark</a:t>
+                      </a:r>
+                      <a:endParaRPr lang="en-US" sz="1800" dirty="0">
+                        <a:latin typeface="Consolas" panose="020B0609020204030204" pitchFamily="49" charset="0"/>
+                        <a:cs typeface="Consolas" panose="020B0609020204030204" pitchFamily="49" charset="0"/>
+                      </a:endParaRPr>
+                    </a:p>
+                  </a:txBody>
+                  <a:tcPr marL="85318" marR="85318"/>
+                </a:tc>
+                <a:tc>
+                  <a:txBody>
+                    <a:bodyPr/>
+                    <a:lstStyle/>
+                    <a:p>
+                      <a:pPr algn="ctr"/>
+                      <a:r>
+                        <a:rPr lang="en-US" sz="1800" dirty="0" smtClean="0">
+                          <a:latin typeface="Consolas" panose="020B0609020204030204" pitchFamily="49" charset="0"/>
+                          <a:cs typeface="Consolas" panose="020B0609020204030204" pitchFamily="49" charset="0"/>
+                        </a:rPr>
+                        <a:t>customers</a:t>
+                      </a:r>
+                      <a:endParaRPr lang="en-US" sz="1800" dirty="0">
+                        <a:latin typeface="Consolas" panose="020B0609020204030204" pitchFamily="49" charset="0"/>
+                        <a:cs typeface="Consolas" panose="020B0609020204030204" pitchFamily="49" charset="0"/>
+                      </a:endParaRPr>
+                    </a:p>
+                  </a:txBody>
+                  <a:tcPr marL="85318" marR="85318"/>
+                </a:tc>
+                <a:tc>
+                  <a:txBody>
+                    <a:bodyPr/>
+                    <a:lstStyle/>
+                    <a:p>
+                      <a:pPr marL="0" marR="0" indent="0" algn="l" defTabSz="342900" rtl="0" eaLnBrk="1" fontAlgn="auto" latinLnBrk="0" hangingPunct="1">
+                        <a:lnSpc>
+                          <a:spcPct val="100000"/>
+                        </a:lnSpc>
+                        <a:spcBef>
+                          <a:spcPts val="0"/>
+                        </a:spcBef>
+                        <a:spcAft>
+                          <a:spcPts val="0"/>
+                        </a:spcAft>
+                        <a:buClrTx/>
+                        <a:buSzTx/>
+                        <a:buFontTx/>
+                        <a:buNone/>
+                        <a:tabLst/>
+                        <a:defRPr/>
+                      </a:pPr>
+                      <a:r>
+                        <a:rPr lang="en-US" sz="1400" dirty="0" smtClean="0"/>
+                        <a:t>Mark (the owner) of</a:t>
+                      </a:r>
+                      <a:r>
+                        <a:rPr lang="en-US" sz="1400" baseline="0" dirty="0" smtClean="0"/>
+                        <a:t> the directory has full control. The customers can 'cd' into the directory but cannot 'ls' to show the content.</a:t>
+                      </a:r>
+                      <a:endParaRPr lang="en-US" sz="1400" dirty="0"/>
+                    </a:p>
+                  </a:txBody>
+                  <a:tcPr marL="85318" marR="85318"/>
+                </a:tc>
+              </a:tr>
+              <a:tr h="370840">
+                <a:tc>
+                  <a:txBody>
+                    <a:bodyPr/>
+                    <a:lstStyle/>
+                    <a:p>
+                      <a:pPr marL="0" marR="0" indent="0" algn="ctr" defTabSz="342900" rtl="0" eaLnBrk="1" fontAlgn="auto" latinLnBrk="0" hangingPunct="1">
+                        <a:lnSpc>
+                          <a:spcPct val="100000"/>
+                        </a:lnSpc>
+                        <a:spcBef>
+                          <a:spcPts val="0"/>
+                        </a:spcBef>
+                        <a:spcAft>
+                          <a:spcPts val="0"/>
+                        </a:spcAft>
+                        <a:buClrTx/>
+                        <a:buSzTx/>
+                        <a:buFontTx/>
+                        <a:buNone/>
+                        <a:tabLst/>
+                        <a:defRPr/>
+                      </a:pPr>
+                      <a:r>
+                        <a:rPr lang="en-US" sz="1800" dirty="0" err="1" smtClean="0">
+                          <a:latin typeface="Consolas" panose="020B0609020204030204" pitchFamily="49" charset="0"/>
+                          <a:cs typeface="Consolas" panose="020B0609020204030204" pitchFamily="49" charset="0"/>
+                        </a:rPr>
+                        <a:t>drwx</a:t>
+                      </a:r>
+                      <a:r>
+                        <a:rPr lang="en-US" sz="1800" dirty="0" smtClean="0">
+                          <a:latin typeface="Consolas" panose="020B0609020204030204" pitchFamily="49" charset="0"/>
+                          <a:cs typeface="Consolas" panose="020B0609020204030204" pitchFamily="49" charset="0"/>
+                        </a:rPr>
+                        <a:t>-</a:t>
+                      </a:r>
+                      <a:r>
+                        <a:rPr lang="en-US" sz="1800" dirty="0" err="1" smtClean="0">
+                          <a:latin typeface="Consolas" panose="020B0609020204030204" pitchFamily="49" charset="0"/>
+                          <a:cs typeface="Consolas" panose="020B0609020204030204" pitchFamily="49" charset="0"/>
+                        </a:rPr>
+                        <a:t>wx</a:t>
+                      </a:r>
+                      <a:r>
+                        <a:rPr lang="en-US" sz="1800" dirty="0" smtClean="0">
+                          <a:latin typeface="Consolas" panose="020B0609020204030204" pitchFamily="49" charset="0"/>
+                          <a:cs typeface="Consolas" panose="020B0609020204030204" pitchFamily="49" charset="0"/>
+                        </a:rPr>
+                        <a:t>---</a:t>
+                      </a:r>
+                    </a:p>
+                  </a:txBody>
+                  <a:tcPr marL="85318" marR="85318"/>
+                </a:tc>
+                <a:tc>
+                  <a:txBody>
+                    <a:bodyPr/>
+                    <a:lstStyle/>
+                    <a:p>
+                      <a:pPr algn="ctr"/>
+                      <a:r>
+                        <a:rPr lang="en-US" sz="1800" dirty="0" smtClean="0">
+                          <a:latin typeface="Consolas" panose="020B0609020204030204" pitchFamily="49" charset="0"/>
+                          <a:cs typeface="Consolas" panose="020B0609020204030204" pitchFamily="49" charset="0"/>
+                        </a:rPr>
+                        <a:t>mark</a:t>
+                      </a:r>
+                      <a:endParaRPr lang="en-US" sz="1800" dirty="0">
+                        <a:latin typeface="Consolas" panose="020B0609020204030204" pitchFamily="49" charset="0"/>
+                        <a:cs typeface="Consolas" panose="020B0609020204030204" pitchFamily="49" charset="0"/>
+                      </a:endParaRPr>
+                    </a:p>
+                  </a:txBody>
+                  <a:tcPr marL="85318" marR="85318"/>
+                </a:tc>
+                <a:tc>
+                  <a:txBody>
+                    <a:bodyPr/>
+                    <a:lstStyle/>
+                    <a:p>
+                      <a:pPr algn="ctr"/>
+                      <a:r>
+                        <a:rPr lang="en-US" sz="1800" dirty="0" smtClean="0">
+                          <a:latin typeface="Consolas" panose="020B0609020204030204" pitchFamily="49" charset="0"/>
+                          <a:cs typeface="Consolas" panose="020B0609020204030204" pitchFamily="49" charset="0"/>
+                        </a:rPr>
+                        <a:t>customers</a:t>
+                      </a:r>
+                      <a:endParaRPr lang="en-US" sz="1800" dirty="0">
+                        <a:latin typeface="Consolas" panose="020B0609020204030204" pitchFamily="49" charset="0"/>
+                        <a:cs typeface="Consolas" panose="020B0609020204030204" pitchFamily="49" charset="0"/>
+                      </a:endParaRPr>
+                    </a:p>
+                  </a:txBody>
+                  <a:tcPr marL="85318" marR="85318"/>
+                </a:tc>
+                <a:tc>
+                  <a:txBody>
+                    <a:bodyPr/>
+                    <a:lstStyle/>
+                    <a:p>
+                      <a:pPr marL="0" marR="0" indent="0" algn="l" defTabSz="342900" rtl="0" eaLnBrk="1" fontAlgn="auto" latinLnBrk="0" hangingPunct="1">
+                        <a:lnSpc>
+                          <a:spcPct val="100000"/>
+                        </a:lnSpc>
+                        <a:spcBef>
+                          <a:spcPts val="0"/>
+                        </a:spcBef>
+                        <a:spcAft>
+                          <a:spcPts val="0"/>
+                        </a:spcAft>
+                        <a:buClrTx/>
+                        <a:buSzTx/>
+                        <a:buFontTx/>
+                        <a:buNone/>
+                        <a:tabLst/>
+                        <a:defRPr/>
+                      </a:pPr>
+                      <a:r>
+                        <a:rPr lang="en-US" sz="1400" dirty="0" smtClean="0"/>
+                        <a:t>Mark (the owner) of</a:t>
+                      </a:r>
+                      <a:r>
+                        <a:rPr lang="en-US" sz="1400" baseline="0" dirty="0" smtClean="0"/>
+                        <a:t> the directory has full control. The customers can 'cd' into the directory but cannot 'ls' to show the content</a:t>
+                      </a:r>
+                      <a:r>
+                        <a:rPr lang="en-US" sz="1400" baseline="0" dirty="0" smtClean="0"/>
+                        <a:t>. They can however create and delete files in the directory.</a:t>
+                      </a:r>
+                      <a:r>
+                        <a:rPr lang="en-US" sz="1400" baseline="0" dirty="0"/>
+                        <a:t> </a:t>
+                      </a:r>
+                      <a:r>
+                        <a:rPr lang="en-US" sz="1400" baseline="0" dirty="0" smtClean="0"/>
+                        <a:t>Customer can even delete files he does not have read or write access too as long as he knows the name of the file.</a:t>
+                      </a:r>
+                    </a:p>
+                  </a:txBody>
+                  <a:tcPr marL="85318" marR="85318"/>
+                </a:tc>
+              </a:tr>
+              <a:tr h="370840">
+                <a:tc>
+                  <a:txBody>
+                    <a:bodyPr/>
+                    <a:lstStyle/>
+                    <a:p>
+                      <a:pPr marL="0" marR="0" indent="0" algn="ctr" defTabSz="342900" rtl="0" eaLnBrk="1" fontAlgn="auto" latinLnBrk="0" hangingPunct="1">
+                        <a:lnSpc>
+                          <a:spcPct val="100000"/>
+                        </a:lnSpc>
+                        <a:spcBef>
+                          <a:spcPts val="0"/>
+                        </a:spcBef>
+                        <a:spcAft>
+                          <a:spcPts val="0"/>
+                        </a:spcAft>
+                        <a:buClrTx/>
+                        <a:buSzTx/>
+                        <a:buFontTx/>
+                        <a:buNone/>
+                        <a:tabLst/>
+                        <a:defRPr/>
+                      </a:pPr>
+                      <a:r>
+                        <a:rPr lang="en-US" sz="1800" dirty="0" err="1" smtClean="0">
+                          <a:latin typeface="Consolas" panose="020B0609020204030204" pitchFamily="49" charset="0"/>
+                          <a:cs typeface="Consolas" panose="020B0609020204030204" pitchFamily="49" charset="0"/>
+                        </a:rPr>
+                        <a:t>drwxrw</a:t>
+                      </a:r>
+                      <a:r>
+                        <a:rPr lang="en-US" sz="1800" dirty="0" smtClean="0">
+                          <a:latin typeface="Consolas" panose="020B0609020204030204" pitchFamily="49" charset="0"/>
+                          <a:cs typeface="Consolas" panose="020B0609020204030204" pitchFamily="49" charset="0"/>
+                        </a:rPr>
+                        <a:t>----</a:t>
+                      </a:r>
+                    </a:p>
+                  </a:txBody>
+                  <a:tcPr marL="85318" marR="85318"/>
+                </a:tc>
+                <a:tc>
+                  <a:txBody>
+                    <a:bodyPr/>
+                    <a:lstStyle/>
+                    <a:p>
+                      <a:pPr algn="ctr"/>
+                      <a:r>
+                        <a:rPr lang="en-US" sz="1800" dirty="0" smtClean="0">
+                          <a:latin typeface="Consolas" panose="020B0609020204030204" pitchFamily="49" charset="0"/>
+                          <a:cs typeface="Consolas" panose="020B0609020204030204" pitchFamily="49" charset="0"/>
+                        </a:rPr>
+                        <a:t>mark</a:t>
+                      </a:r>
+                      <a:endParaRPr lang="en-US" sz="1800" dirty="0">
+                        <a:latin typeface="Consolas" panose="020B0609020204030204" pitchFamily="49" charset="0"/>
+                        <a:cs typeface="Consolas" panose="020B0609020204030204" pitchFamily="49" charset="0"/>
+                      </a:endParaRPr>
+                    </a:p>
+                  </a:txBody>
+                  <a:tcPr marL="85318" marR="85318"/>
+                </a:tc>
+                <a:tc>
+                  <a:txBody>
+                    <a:bodyPr/>
+                    <a:lstStyle/>
+                    <a:p>
+                      <a:pPr algn="ctr"/>
+                      <a:r>
+                        <a:rPr lang="en-US" sz="1800" dirty="0" smtClean="0">
+                          <a:latin typeface="Consolas" panose="020B0609020204030204" pitchFamily="49" charset="0"/>
+                          <a:cs typeface="Consolas" panose="020B0609020204030204" pitchFamily="49" charset="0"/>
+                        </a:rPr>
+                        <a:t>customers</a:t>
+                      </a:r>
+                      <a:endParaRPr lang="en-US" sz="1800" dirty="0">
+                        <a:latin typeface="Consolas" panose="020B0609020204030204" pitchFamily="49" charset="0"/>
+                        <a:cs typeface="Consolas" panose="020B0609020204030204" pitchFamily="49" charset="0"/>
+                      </a:endParaRPr>
+                    </a:p>
+                  </a:txBody>
+                  <a:tcPr marL="85318" marR="85318"/>
+                </a:tc>
+                <a:tc>
+                  <a:txBody>
+                    <a:bodyPr/>
+                    <a:lstStyle/>
+                    <a:p>
+                      <a:pPr marL="0" marR="0" indent="0" algn="l" defTabSz="342900" rtl="0" eaLnBrk="1" fontAlgn="auto" latinLnBrk="0" hangingPunct="1">
+                        <a:lnSpc>
+                          <a:spcPct val="100000"/>
+                        </a:lnSpc>
+                        <a:spcBef>
+                          <a:spcPts val="0"/>
+                        </a:spcBef>
+                        <a:spcAft>
+                          <a:spcPts val="0"/>
+                        </a:spcAft>
+                        <a:buClrTx/>
+                        <a:buSzTx/>
+                        <a:buFontTx/>
+                        <a:buNone/>
+                        <a:tabLst/>
+                        <a:defRPr/>
+                      </a:pPr>
+                      <a:r>
+                        <a:rPr lang="en-US" sz="1400" baseline="0" dirty="0" smtClean="0"/>
+                        <a:t>Customers can list the directory content but cannot cd into the </a:t>
+                      </a:r>
+                      <a:r>
+                        <a:rPr lang="en-US" sz="1400" baseline="0" dirty="0" err="1" smtClean="0"/>
+                        <a:t>dir</a:t>
+                      </a:r>
+                      <a:r>
+                        <a:rPr lang="en-US" sz="1400" baseline="0" dirty="0" smtClean="0"/>
+                        <a:t> or access any of the files.</a:t>
+                      </a:r>
+                    </a:p>
+                  </a:txBody>
+                  <a:tcPr marL="85318" marR="85318"/>
+                </a:tc>
+              </a:tr>
+            </a:tbl>
+          </a:graphicData>
+        </a:graphic>
+      </p:graphicFrame>
+      <p:sp>
+        <p:nvSpPr>
+          <p:cNvPr id="4" name="Slide Number Placeholder 3"/>
+          <p:cNvSpPr>
+            <a:spLocks noGrp="1"/>
+          </p:cNvSpPr>
+          <p:nvPr>
+            <p:ph type="sldNum" sz="quarter" idx="12"/>
+          </p:nvPr>
+        </p:nvSpPr>
+        <p:spPr/>
+        <p:txBody>
+          <a:bodyPr/>
+          <a:lstStyle/>
+          <a:p>
+            <a:fld id="{52DB1A75-B9BE-46B1-B482-5F96E51FA4B2}" type="slidenum">
+              <a:rPr lang="en-US" smtClean="0"/>
+              <a:t>42</a:t>
+            </a:fld>
+            <a:endParaRPr lang="en-US"/>
+          </a:p>
+        </p:txBody>
+      </p:sp>
+    </p:spTree>
+    <p:extLst>
+      <p:ext uri="{BB962C8B-B14F-4D97-AF65-F5344CB8AC3E}">
+        <p14:creationId xmlns:p14="http://schemas.microsoft.com/office/powerpoint/2010/main" val="4219215525"/>
+      </p:ext>
+    </p:extLst>
+  </p:cSld>
+  <p:clrMapOvr>
+    <a:masterClrMapping/>
+  </p:clrMapOvr>
+</p:sld>
+</file>
+
+<file path=ppt/slides/slide43.xml><?xml version="1.0" encoding="utf-8"?>
+<p:sld xmlns:a="http://schemas.openxmlformats.org/drawingml/2006/main" xmlns:r="http://schemas.openxmlformats.org/officeDocument/2006/relationships" xmlns:p="http://schemas.openxmlformats.org/presentationml/2006/main">
+  <p:cSld>
+    <p:spTree>
+      <p:nvGrpSpPr>
+        <p:cNvPr id="1" name=""/>
+        <p:cNvGrpSpPr/>
+        <p:nvPr/>
+      </p:nvGrpSpPr>
+      <p:grpSpPr>
+        <a:xfrm>
+          <a:off x="0" y="0"/>
+          <a:ext cx="0" cy="0"/>
+          <a:chOff x="0" y="0"/>
+          <a:chExt cx="0" cy="0"/>
+        </a:xfrm>
+      </p:grpSpPr>
+      <p:sp>
+        <p:nvSpPr>
+          <p:cNvPr id="5" name="Title 4"/>
+          <p:cNvSpPr>
+            <a:spLocks noGrp="1"/>
+          </p:cNvSpPr>
+          <p:nvPr>
+            <p:ph type="ctrTitle"/>
+          </p:nvPr>
+        </p:nvSpPr>
+        <p:spPr/>
+        <p:txBody>
+          <a:bodyPr/>
+          <a:lstStyle/>
+          <a:p>
+            <a:r>
+              <a:rPr lang="en-US" dirty="0" smtClean="0"/>
+              <a:t>Linux Basics</a:t>
+            </a:r>
+            <a:endParaRPr lang="en-US" dirty="0"/>
+          </a:p>
+        </p:txBody>
+      </p:sp>
+      <p:sp>
+        <p:nvSpPr>
+          <p:cNvPr id="6" name="Subtitle 5"/>
+          <p:cNvSpPr>
+            <a:spLocks noGrp="1"/>
+          </p:cNvSpPr>
+          <p:nvPr>
+            <p:ph type="subTitle" idx="1"/>
+          </p:nvPr>
+        </p:nvSpPr>
+        <p:spPr/>
+        <p:txBody>
+          <a:bodyPr/>
+          <a:lstStyle/>
+          <a:p>
+            <a:r>
+              <a:rPr lang="en-US" dirty="0" err="1" smtClean="0"/>
+              <a:t>Debian</a:t>
+            </a:r>
+            <a:r>
+              <a:rPr lang="en-US" dirty="0" smtClean="0"/>
+              <a:t> Package Manager</a:t>
+            </a:r>
+            <a:endParaRPr lang="en-US" dirty="0"/>
+          </a:p>
+        </p:txBody>
+      </p:sp>
+      <p:sp>
+        <p:nvSpPr>
+          <p:cNvPr id="4" name="Slide Number Placeholder 3"/>
+          <p:cNvSpPr>
+            <a:spLocks noGrp="1"/>
+          </p:cNvSpPr>
+          <p:nvPr>
+            <p:ph type="sldNum" sz="quarter" idx="12"/>
+          </p:nvPr>
+        </p:nvSpPr>
+        <p:spPr/>
+        <p:txBody>
+          <a:bodyPr/>
+          <a:lstStyle/>
+          <a:p>
+            <a:fld id="{52DB1A75-B9BE-46B1-B482-5F96E51FA4B2}" type="slidenum">
+              <a:rPr lang="en-US" smtClean="0"/>
+              <a:t>43</a:t>
+            </a:fld>
+            <a:endParaRPr lang="en-US"/>
+          </a:p>
+        </p:txBody>
+      </p:sp>
+      <p:sp>
+        <p:nvSpPr>
+          <p:cNvPr id="9" name="TextBox 8"/>
+          <p:cNvSpPr txBox="1"/>
+          <p:nvPr/>
+        </p:nvSpPr>
+        <p:spPr>
+          <a:xfrm>
+            <a:off x="1865716" y="5259431"/>
+            <a:ext cx="5412568" cy="461665"/>
+          </a:xfrm>
+          <a:prstGeom prst="rect">
+            <a:avLst/>
+          </a:prstGeom>
+          <a:noFill/>
+        </p:spPr>
+        <p:txBody>
+          <a:bodyPr wrap="square" rtlCol="0">
+            <a:spAutoFit/>
+          </a:bodyPr>
+          <a:lstStyle/>
+          <a:p>
+            <a:r>
+              <a:rPr lang="en-US" sz="1200" dirty="0"/>
+              <a:t>While the information and examples presented here will be valid for most Linux distro’s, some information and commands may only work for </a:t>
+            </a:r>
+            <a:r>
+              <a:rPr lang="en-US" sz="1200" dirty="0" err="1"/>
+              <a:t>Debian</a:t>
+            </a:r>
+            <a:r>
+              <a:rPr lang="en-US" sz="1200" dirty="0"/>
+              <a:t> based distro’s.</a:t>
+            </a:r>
+          </a:p>
+        </p:txBody>
+      </p:sp>
+    </p:spTree>
+    <p:extLst>
+      <p:ext uri="{BB962C8B-B14F-4D97-AF65-F5344CB8AC3E}">
+        <p14:creationId xmlns:p14="http://schemas.microsoft.com/office/powerpoint/2010/main" val="1895619887"/>
+      </p:ext>
+    </p:extLst>
+  </p:cSld>
+  <p:clrMapOvr>
+    <a:masterClrMapping/>
+  </p:clrMapOvr>
+</p:sld>
+</file>
+
+<file path=ppt/slides/slide44.xml><?xml version="1.0" encoding="utf-8"?>
+<p:sld xmlns:a="http://schemas.openxmlformats.org/drawingml/2006/main" xmlns:r="http://schemas.openxmlformats.org/officeDocument/2006/relationships" xmlns:p="http://schemas.openxmlformats.org/presentationml/2006/main" show="0">
+  <p:cSld>
+    <p:spTree>
+      <p:nvGrpSpPr>
+        <p:cNvPr id="1" name=""/>
+        <p:cNvGrpSpPr/>
+        <p:nvPr/>
+      </p:nvGrpSpPr>
+      <p:grpSpPr>
+        <a:xfrm>
+          <a:off x="0" y="0"/>
+          <a:ext cx="0" cy="0"/>
+          <a:chOff x="0" y="0"/>
+          <a:chExt cx="0" cy="0"/>
+        </a:xfrm>
+      </p:grpSpPr>
+      <p:sp>
+        <p:nvSpPr>
+          <p:cNvPr id="4" name="Title 3"/>
+          <p:cNvSpPr>
+            <a:spLocks noGrp="1"/>
+          </p:cNvSpPr>
+          <p:nvPr>
+            <p:ph type="ctrTitle"/>
+          </p:nvPr>
+        </p:nvSpPr>
+        <p:spPr/>
+        <p:txBody>
+          <a:bodyPr/>
+          <a:lstStyle/>
+          <a:p>
+            <a:r>
+              <a:rPr lang="en-US" dirty="0"/>
+              <a:t>Booting the Raspberry Pi</a:t>
+            </a:r>
+          </a:p>
+        </p:txBody>
+      </p:sp>
+      <p:sp>
+        <p:nvSpPr>
+          <p:cNvPr id="5" name="Subtitle 4"/>
+          <p:cNvSpPr>
+            <a:spLocks noGrp="1"/>
+          </p:cNvSpPr>
+          <p:nvPr>
+            <p:ph type="subTitle" idx="1"/>
+          </p:nvPr>
+        </p:nvSpPr>
+        <p:spPr/>
+        <p:txBody>
+          <a:bodyPr/>
+          <a:lstStyle/>
+          <a:p>
+            <a:endParaRPr lang="en-US"/>
+          </a:p>
+        </p:txBody>
+      </p:sp>
+      <p:sp>
+        <p:nvSpPr>
+          <p:cNvPr id="6" name="Slide Number Placeholder 5"/>
+          <p:cNvSpPr>
+            <a:spLocks noGrp="1"/>
+          </p:cNvSpPr>
+          <p:nvPr>
+            <p:ph type="sldNum" sz="quarter" idx="12"/>
+          </p:nvPr>
+        </p:nvSpPr>
+        <p:spPr/>
+        <p:txBody>
+          <a:bodyPr/>
+          <a:lstStyle/>
+          <a:p>
+            <a:fld id="{52DB1A75-B9BE-46B1-B482-5F96E51FA4B2}" type="slidenum">
+              <a:rPr lang="en-US" smtClean="0"/>
+              <a:t>44</a:t>
+            </a:fld>
+            <a:endParaRPr lang="en-US"/>
+          </a:p>
+        </p:txBody>
+      </p:sp>
+    </p:spTree>
+    <p:extLst>
+      <p:ext uri="{BB962C8B-B14F-4D97-AF65-F5344CB8AC3E}">
+        <p14:creationId xmlns:p14="http://schemas.microsoft.com/office/powerpoint/2010/main" val="711743385"/>
+      </p:ext>
+    </p:extLst>
+  </p:cSld>
+  <p:clrMapOvr>
+    <a:masterClrMapping/>
+  </p:clrMapOvr>
+  <mc:AlternateContent xmlns:mc="http://schemas.openxmlformats.org/markup-compatibility/2006" xmlns:p14="http://schemas.microsoft.com/office/powerpoint/2010/main">
+    <mc:Choice Requires="p14">
+      <p:transition spd="slow" p14:dur="2000"/>
+    </mc:Choice>
+    <mc:Fallback xmlns="">
+      <p:transition spd="slow"/>
+    </mc:Fallback>
+  </mc:AlternateContent>
+</p:sld>
+</file>
+
+<file path=ppt/slides/slide45.xml><?xml version="1.0" encoding="utf-8"?>
+<p:sld xmlns:a="http://schemas.openxmlformats.org/drawingml/2006/main" xmlns:r="http://schemas.openxmlformats.org/officeDocument/2006/relationships" xmlns:p="http://schemas.openxmlformats.org/presentationml/2006/main" show="0">
+  <p:cSld>
+    <p:spTree>
+      <p:nvGrpSpPr>
+        <p:cNvPr id="1" name=""/>
+        <p:cNvGrpSpPr/>
+        <p:nvPr/>
+      </p:nvGrpSpPr>
+      <p:grpSpPr>
+        <a:xfrm>
+          <a:off x="0" y="0"/>
+          <a:ext cx="0" cy="0"/>
+          <a:chOff x="0" y="0"/>
+          <a:chExt cx="0" cy="0"/>
+        </a:xfrm>
+      </p:grpSpPr>
+      <p:sp>
+        <p:nvSpPr>
+          <p:cNvPr id="4" name="Title 3"/>
+          <p:cNvSpPr>
+            <a:spLocks noGrp="1"/>
+          </p:cNvSpPr>
+          <p:nvPr>
+            <p:ph type="title"/>
+          </p:nvPr>
+        </p:nvSpPr>
+        <p:spPr/>
+        <p:txBody>
+          <a:bodyPr/>
+          <a:lstStyle/>
+          <a:p>
+            <a:endParaRPr lang="en-US"/>
+          </a:p>
+        </p:txBody>
+      </p:sp>
+      <p:sp>
+        <p:nvSpPr>
+          <p:cNvPr id="5" name="Content Placeholder 4"/>
+          <p:cNvSpPr>
+            <a:spLocks noGrp="1"/>
+          </p:cNvSpPr>
+          <p:nvPr>
+            <p:ph idx="1"/>
+          </p:nvPr>
+        </p:nvSpPr>
+        <p:spPr/>
+        <p:txBody>
+          <a:bodyPr/>
+          <a:lstStyle/>
+          <a:p>
+            <a:r>
+              <a:rPr lang="en-US" dirty="0"/>
+              <a:t>When we are talking about embedded Linux we actually are talking about the same kernel code running on millions of other systems. There is no separate code base for embedded systems. When we however build a Linux system for an embedded target we do exclude features we won’t be using and we are also cross-compiling the kernel to binary code that can run on the target system.</a:t>
+            </a:r>
+          </a:p>
+        </p:txBody>
+      </p:sp>
+      <p:sp>
+        <p:nvSpPr>
+          <p:cNvPr id="6" name="Slide Number Placeholder 5"/>
+          <p:cNvSpPr>
+            <a:spLocks noGrp="1"/>
+          </p:cNvSpPr>
+          <p:nvPr>
+            <p:ph type="sldNum" sz="quarter" idx="12"/>
+          </p:nvPr>
+        </p:nvSpPr>
+        <p:spPr/>
+        <p:txBody>
+          <a:bodyPr/>
+          <a:lstStyle/>
+          <a:p>
+            <a:fld id="{52DB1A75-B9BE-46B1-B482-5F96E51FA4B2}" type="slidenum">
+              <a:rPr lang="en-US" smtClean="0"/>
+              <a:t>45</a:t>
+            </a:fld>
+            <a:endParaRPr lang="en-US"/>
+          </a:p>
+        </p:txBody>
+      </p:sp>
+    </p:spTree>
+    <p:extLst>
+      <p:ext uri="{BB962C8B-B14F-4D97-AF65-F5344CB8AC3E}">
+        <p14:creationId xmlns:p14="http://schemas.microsoft.com/office/powerpoint/2010/main" val="2255797779"/>
+      </p:ext>
+    </p:extLst>
+  </p:cSld>
+  <p:clrMapOvr>
+    <a:masterClrMapping/>
+  </p:clrMapOvr>
+  <mc:AlternateContent xmlns:mc="http://schemas.openxmlformats.org/markup-compatibility/2006" xmlns:p14="http://schemas.microsoft.com/office/powerpoint/2010/main">
+    <mc:Choice Requires="p14">
+      <p:transition spd="slow" p14:dur="2000"/>
+    </mc:Choice>
+    <mc:Fallback xmlns="">
+      <p:transition spd="slow"/>
+    </mc:Fallback>
+  </mc:AlternateContent>
+</p:sld>
+</file>
+
+<file path=ppt/slides/slide46.xml><?xml version="1.0" encoding="utf-8"?>
+<p:sld xmlns:a="http://schemas.openxmlformats.org/drawingml/2006/main" xmlns:r="http://schemas.openxmlformats.org/officeDocument/2006/relationships" xmlns:p="http://schemas.openxmlformats.org/presentationml/2006/main" show="0">
+  <p:cSld>
+    <p:spTree>
+      <p:nvGrpSpPr>
+        <p:cNvPr id="1" name=""/>
+        <p:cNvGrpSpPr/>
+        <p:nvPr/>
+      </p:nvGrpSpPr>
+      <p:grpSpPr>
+        <a:xfrm>
+          <a:off x="0" y="0"/>
+          <a:ext cx="0" cy="0"/>
+          <a:chOff x="0" y="0"/>
+          <a:chExt cx="0" cy="0"/>
+        </a:xfrm>
+      </p:grpSpPr>
+      <p:sp>
+        <p:nvSpPr>
+          <p:cNvPr id="2" name="Title 1"/>
+          <p:cNvSpPr>
+            <a:spLocks noGrp="1"/>
+          </p:cNvSpPr>
+          <p:nvPr>
+            <p:ph type="title"/>
+          </p:nvPr>
+        </p:nvSpPr>
+        <p:spPr/>
+        <p:txBody>
+          <a:bodyPr/>
+          <a:lstStyle/>
+          <a:p>
+            <a:r>
+              <a:rPr lang="en-US" dirty="0" smtClean="0"/>
+              <a:t>Setting up an Embedded System</a:t>
+            </a:r>
+            <a:endParaRPr lang="en-US" dirty="0"/>
+          </a:p>
+        </p:txBody>
+      </p:sp>
+      <p:sp>
+        <p:nvSpPr>
+          <p:cNvPr id="3" name="Content Placeholder 2"/>
+          <p:cNvSpPr>
+            <a:spLocks noGrp="1"/>
+          </p:cNvSpPr>
+          <p:nvPr>
+            <p:ph idx="1"/>
+          </p:nvPr>
+        </p:nvSpPr>
+        <p:spPr/>
+        <p:txBody>
+          <a:bodyPr/>
+          <a:lstStyle/>
+          <a:p>
+            <a:r>
+              <a:rPr lang="en-US" dirty="0"/>
+              <a:t>To </a:t>
+            </a:r>
+            <a:r>
+              <a:rPr lang="en-US" dirty="0" smtClean="0"/>
+              <a:t>setup an </a:t>
+            </a:r>
+            <a:r>
+              <a:rPr lang="en-US" dirty="0"/>
+              <a:t>embedded Linux system we have multiple choices:</a:t>
+            </a:r>
+          </a:p>
+          <a:p>
+            <a:pPr lvl="1"/>
+            <a:r>
+              <a:rPr lang="en-US" dirty="0"/>
+              <a:t>Use a </a:t>
+            </a:r>
+            <a:r>
+              <a:rPr lang="en-US" dirty="0">
+                <a:solidFill>
+                  <a:srgbClr val="00B050"/>
+                </a:solidFill>
+              </a:rPr>
+              <a:t>pre-built binary </a:t>
+            </a:r>
+            <a:r>
+              <a:rPr lang="en-US" dirty="0"/>
+              <a:t>distribution such as </a:t>
+            </a:r>
+            <a:r>
+              <a:rPr lang="en-US" dirty="0" err="1" smtClean="0"/>
+              <a:t>Raspbian</a:t>
+            </a:r>
+            <a:r>
+              <a:rPr lang="en-US" dirty="0" smtClean="0"/>
+              <a:t>, </a:t>
+            </a:r>
+            <a:r>
+              <a:rPr lang="en-US" dirty="0"/>
+              <a:t>Ubuntu or Fedora</a:t>
+            </a:r>
+          </a:p>
+          <a:p>
+            <a:pPr lvl="1"/>
+            <a:r>
+              <a:rPr lang="en-US" dirty="0">
+                <a:solidFill>
+                  <a:srgbClr val="00B050"/>
+                </a:solidFill>
+              </a:rPr>
+              <a:t>Quick </a:t>
+            </a:r>
+            <a:r>
+              <a:rPr lang="en-US" dirty="0"/>
+              <a:t>to set </a:t>
+            </a:r>
+            <a:r>
+              <a:rPr lang="en-US" dirty="0" smtClean="0"/>
+              <a:t>up, but </a:t>
+            </a:r>
+            <a:r>
+              <a:rPr lang="en-US" dirty="0" smtClean="0">
+                <a:solidFill>
+                  <a:srgbClr val="00B050"/>
+                </a:solidFill>
+              </a:rPr>
+              <a:t>not </a:t>
+            </a:r>
+            <a:r>
+              <a:rPr lang="en-US" dirty="0">
+                <a:solidFill>
+                  <a:srgbClr val="00B050"/>
+                </a:solidFill>
+              </a:rPr>
+              <a:t>very </a:t>
+            </a:r>
+            <a:r>
+              <a:rPr lang="en-US" dirty="0" smtClean="0">
+                <a:solidFill>
+                  <a:srgbClr val="00B050"/>
+                </a:solidFill>
+              </a:rPr>
+              <a:t>flexible</a:t>
+            </a:r>
+            <a:r>
+              <a:rPr lang="en-US" dirty="0" smtClean="0"/>
+              <a:t>: support </a:t>
+            </a:r>
+            <a:r>
+              <a:rPr lang="en-US" dirty="0"/>
+              <a:t>for only a few architectures, no flexibility on package configuration, no easy way to rebuild the entire system automatically.</a:t>
+            </a:r>
+          </a:p>
+          <a:p>
+            <a:endParaRPr lang="en-US" dirty="0"/>
+          </a:p>
+          <a:p>
+            <a:r>
+              <a:rPr lang="en-US" dirty="0">
+                <a:solidFill>
+                  <a:srgbClr val="00B050"/>
+                </a:solidFill>
+              </a:rPr>
+              <a:t>Build</a:t>
+            </a:r>
+            <a:r>
+              <a:rPr lang="en-US" dirty="0"/>
+              <a:t> all system components </a:t>
+            </a:r>
+            <a:r>
+              <a:rPr lang="en-US" dirty="0">
+                <a:solidFill>
+                  <a:srgbClr val="00B050"/>
+                </a:solidFill>
+              </a:rPr>
+              <a:t>manually</a:t>
+            </a:r>
+          </a:p>
+          <a:p>
+            <a:pPr lvl="1"/>
+            <a:r>
+              <a:rPr lang="en-US" dirty="0"/>
+              <a:t>Highly </a:t>
+            </a:r>
+            <a:r>
+              <a:rPr lang="en-US" dirty="0">
+                <a:solidFill>
+                  <a:srgbClr val="00B050"/>
+                </a:solidFill>
+              </a:rPr>
+              <a:t>flexible</a:t>
+            </a:r>
+            <a:r>
+              <a:rPr lang="en-US" dirty="0"/>
+              <a:t>, but </a:t>
+            </a:r>
+            <a:r>
+              <a:rPr lang="en-US" dirty="0">
+                <a:solidFill>
+                  <a:srgbClr val="00B050"/>
+                </a:solidFill>
+              </a:rPr>
+              <a:t>painful</a:t>
+            </a:r>
+            <a:r>
+              <a:rPr lang="en-US" dirty="0"/>
+              <a:t> and </a:t>
+            </a:r>
+            <a:r>
+              <a:rPr lang="en-US" dirty="0">
+                <a:solidFill>
+                  <a:srgbClr val="00B050"/>
+                </a:solidFill>
+              </a:rPr>
+              <a:t>inefficient</a:t>
+            </a:r>
+            <a:r>
+              <a:rPr lang="en-US" dirty="0"/>
+              <a:t>: need to handle complex cross-compilation issues, understand inter-package dependencies, not reproducible.</a:t>
+            </a:r>
+          </a:p>
+          <a:p>
+            <a:endParaRPr lang="en-US" dirty="0"/>
+          </a:p>
+          <a:p>
+            <a:r>
+              <a:rPr lang="en-US" dirty="0"/>
+              <a:t>Use an automated build system, that builds the entire system from source</a:t>
+            </a:r>
+          </a:p>
+          <a:p>
+            <a:pPr lvl="1"/>
+            <a:r>
+              <a:rPr lang="en-US" dirty="0">
+                <a:solidFill>
+                  <a:srgbClr val="00B050"/>
+                </a:solidFill>
+              </a:rPr>
+              <a:t>Automated</a:t>
+            </a:r>
+            <a:r>
+              <a:rPr lang="en-US" dirty="0"/>
+              <a:t>, </a:t>
+            </a:r>
+            <a:r>
+              <a:rPr lang="en-US" dirty="0">
+                <a:solidFill>
+                  <a:srgbClr val="00B050"/>
+                </a:solidFill>
+              </a:rPr>
+              <a:t>flexible</a:t>
+            </a:r>
+            <a:r>
+              <a:rPr lang="en-US" dirty="0"/>
+              <a:t>, handle most cross-compilation issues</a:t>
+            </a:r>
+          </a:p>
+          <a:p>
+            <a:pPr lvl="1"/>
+            <a:r>
+              <a:rPr lang="en-US" dirty="0"/>
+              <a:t>Examples: </a:t>
+            </a:r>
+            <a:r>
+              <a:rPr lang="en-US" dirty="0" err="1"/>
+              <a:t>Buildroot</a:t>
+            </a:r>
+            <a:r>
+              <a:rPr lang="en-US" dirty="0"/>
+              <a:t>, </a:t>
+            </a:r>
+            <a:r>
+              <a:rPr lang="en-US" dirty="0" err="1"/>
+              <a:t>OpenWRT</a:t>
+            </a:r>
+            <a:r>
+              <a:rPr lang="en-US" dirty="0"/>
+              <a:t>, </a:t>
+            </a:r>
+            <a:r>
+              <a:rPr lang="en-US" dirty="0" err="1"/>
+              <a:t>PTXdist</a:t>
+            </a:r>
+            <a:r>
+              <a:rPr lang="en-US" dirty="0"/>
+              <a:t>, </a:t>
+            </a:r>
+            <a:r>
+              <a:rPr lang="en-US" dirty="0" err="1"/>
+              <a:t>OpenBricks</a:t>
+            </a:r>
+            <a:r>
+              <a:rPr lang="en-US" dirty="0"/>
+              <a:t>, </a:t>
+            </a:r>
+            <a:r>
+              <a:rPr lang="en-US" dirty="0" err="1"/>
+              <a:t>OpenEmbedded</a:t>
+            </a:r>
+            <a:r>
+              <a:rPr lang="en-US" dirty="0"/>
+              <a:t>, </a:t>
+            </a:r>
+            <a:r>
+              <a:rPr lang="en-US" dirty="0" err="1"/>
+              <a:t>Yocto</a:t>
+            </a:r>
+            <a:r>
+              <a:rPr lang="en-US" dirty="0"/>
+              <a:t>, etc.</a:t>
+            </a:r>
+          </a:p>
+        </p:txBody>
+      </p:sp>
+      <p:sp>
+        <p:nvSpPr>
+          <p:cNvPr id="4" name="Slide Number Placeholder 3"/>
+          <p:cNvSpPr>
+            <a:spLocks noGrp="1"/>
+          </p:cNvSpPr>
+          <p:nvPr>
+            <p:ph type="sldNum" sz="quarter" idx="12"/>
+          </p:nvPr>
+        </p:nvSpPr>
+        <p:spPr/>
+        <p:txBody>
+          <a:bodyPr/>
+          <a:lstStyle/>
+          <a:p>
+            <a:fld id="{52DB1A75-B9BE-46B1-B482-5F96E51FA4B2}" type="slidenum">
+              <a:rPr lang="en-US" smtClean="0"/>
+              <a:t>46</a:t>
+            </a:fld>
+            <a:endParaRPr lang="en-US"/>
+          </a:p>
+        </p:txBody>
+      </p:sp>
+    </p:spTree>
+    <p:extLst>
+      <p:ext uri="{BB962C8B-B14F-4D97-AF65-F5344CB8AC3E}">
+        <p14:creationId xmlns:p14="http://schemas.microsoft.com/office/powerpoint/2010/main" val="2188926740"/>
+      </p:ext>
+    </p:extLst>
+  </p:cSld>
+  <p:clrMapOvr>
+    <a:masterClrMapping/>
+  </p:clrMapOvr>
+  <mc:AlternateContent xmlns:mc="http://schemas.openxmlformats.org/markup-compatibility/2006" xmlns:p14="http://schemas.microsoft.com/office/powerpoint/2010/main">
+    <mc:Choice Requires="p14">
+      <p:transition spd="slow" p14:dur="2000"/>
+    </mc:Choice>
+    <mc:Fallback xmlns="">
+      <p:transition spd="slow"/>
+    </mc:Fallback>
+  </mc:AlternateContent>
 </p:sld>
 </file>
 

--- a/slides/introduction_to_linux.pptx
+++ b/slides/introduction_to_linux.pptx
@@ -5,7 +5,7 @@
     <p:sldMasterId id="2147483660" r:id="rId1"/>
   </p:sldMasterIdLst>
   <p:notesMasterIdLst>
-    <p:notesMasterId r:id="rId48"/>
+    <p:notesMasterId r:id="rId58"/>
   </p:notesMasterIdLst>
   <p:sldIdLst>
     <p:sldId id="256" r:id="rId2"/>
@@ -51,9 +51,19 @@
     <p:sldId id="341" r:id="rId42"/>
     <p:sldId id="342" r:id="rId43"/>
     <p:sldId id="332" r:id="rId44"/>
-    <p:sldId id="300" r:id="rId45"/>
-    <p:sldId id="304" r:id="rId46"/>
-    <p:sldId id="299" r:id="rId47"/>
+    <p:sldId id="344" r:id="rId45"/>
+    <p:sldId id="343" r:id="rId46"/>
+    <p:sldId id="345" r:id="rId47"/>
+    <p:sldId id="346" r:id="rId48"/>
+    <p:sldId id="347" r:id="rId49"/>
+    <p:sldId id="348" r:id="rId50"/>
+    <p:sldId id="349" r:id="rId51"/>
+    <p:sldId id="350" r:id="rId52"/>
+    <p:sldId id="351" r:id="rId53"/>
+    <p:sldId id="352" r:id="rId54"/>
+    <p:sldId id="300" r:id="rId55"/>
+    <p:sldId id="304" r:id="rId56"/>
+    <p:sldId id="299" r:id="rId57"/>
   </p:sldIdLst>
   <p:sldSz cx="9144000" cy="6858000" type="screen4x3"/>
   <p:notesSz cx="7099300" cy="10234613"/>
@@ -242,7 +252,7 @@
           <a:p>
             <a:fld id="{7C42333B-93F9-44BD-828D-D8CC89BB8051}" type="datetimeFigureOut">
               <a:rPr lang="en-US" smtClean="0"/>
-              <a:t>9/24/2015</a:t>
+              <a:t>9/25/2015</a:t>
             </a:fld>
             <a:endParaRPr lang="en-US"/>
           </a:p>
@@ -903,7 +913,7 @@
           <a:p>
             <a:fld id="{7FDBF51A-AD7B-48B9-BD6C-0DEFB4E1088B}" type="datetime1">
               <a:rPr lang="en-US" smtClean="0"/>
-              <a:t>9/24/2015</a:t>
+              <a:t>9/25/2015</a:t>
             </a:fld>
             <a:endParaRPr lang="en-US"/>
           </a:p>
@@ -1042,7 +1052,7 @@
           <a:p>
             <a:fld id="{0D5F0973-A24E-4E51-AC53-0AF2185C47AF}" type="datetime1">
               <a:rPr lang="en-US" smtClean="0"/>
-              <a:t>9/24/2015</a:t>
+              <a:t>9/25/2015</a:t>
             </a:fld>
             <a:endParaRPr lang="en-US"/>
           </a:p>
@@ -1158,7 +1168,7 @@
           <a:p>
             <a:fld id="{C3A9A478-9E2E-4842-9E1D-95C5E13356D8}" type="datetime1">
               <a:rPr lang="en-US" smtClean="0"/>
-              <a:t>9/24/2015</a:t>
+              <a:t>9/25/2015</a:t>
             </a:fld>
             <a:endParaRPr lang="en-US"/>
           </a:p>
@@ -1456,7 +1466,7 @@
           <a:p>
             <a:fld id="{D248CA02-C1C1-4368-BDD9-8AD0D4FB83DE}" type="datetime1">
               <a:rPr lang="en-US" smtClean="0"/>
-              <a:t>9/24/2015</a:t>
+              <a:t>9/25/2015</a:t>
             </a:fld>
             <a:endParaRPr lang="en-US"/>
           </a:p>
@@ -1734,7 +1744,7 @@
           <a:p>
             <a:fld id="{C6ED301A-2145-43E1-863D-C0977C11DAC4}" type="datetime1">
               <a:rPr lang="en-US" smtClean="0"/>
-              <a:t>9/24/2015</a:t>
+              <a:t>9/25/2015</a:t>
             </a:fld>
             <a:endParaRPr lang="en-US"/>
           </a:p>
@@ -1925,7 +1935,7 @@
           <a:p>
             <a:fld id="{CEECE4E9-A09C-4A3A-872A-60197681C0E8}" type="datetime1">
               <a:rPr lang="en-US" smtClean="0"/>
-              <a:t>9/24/2015</a:t>
+              <a:t>9/25/2015</a:t>
             </a:fld>
             <a:endParaRPr lang="en-US"/>
           </a:p>
@@ -2126,7 +2136,7 @@
           <a:p>
             <a:fld id="{6E9A05D7-B596-47AE-9553-3890A22995BF}" type="datetime1">
               <a:rPr lang="en-US" smtClean="0"/>
-              <a:t>9/24/2015</a:t>
+              <a:t>9/25/2015</a:t>
             </a:fld>
             <a:endParaRPr lang="en-US"/>
           </a:p>
@@ -2389,7 +2399,7 @@
           <a:p>
             <a:fld id="{625ADD71-1C5F-4F7E-8D78-15C68348C390}" type="datetime1">
               <a:rPr lang="en-US" smtClean="0"/>
-              <a:t>9/24/2015</a:t>
+              <a:t>9/25/2015</a:t>
             </a:fld>
             <a:endParaRPr lang="en-US"/>
           </a:p>
@@ -2580,7 +2590,7 @@
           <a:p>
             <a:fld id="{0B328EE6-6A9B-40B0-A5EF-990F53AEF9DA}" type="datetime1">
               <a:rPr lang="en-US" smtClean="0"/>
-              <a:t>9/24/2015</a:t>
+              <a:t>9/25/2015</a:t>
             </a:fld>
             <a:endParaRPr lang="en-US"/>
           </a:p>
@@ -2776,7 +2786,7 @@
           <a:p>
             <a:fld id="{B4AFEB28-E49B-464B-9FE0-FB4552046618}" type="datetime1">
               <a:rPr lang="en-US" smtClean="0"/>
-              <a:t>9/24/2015</a:t>
+              <a:t>9/25/2015</a:t>
             </a:fld>
             <a:endParaRPr lang="en-US"/>
           </a:p>
@@ -2975,7 +2985,7 @@
           <a:p>
             <a:fld id="{F605F17B-680A-48C5-ADAF-14CE0D16BB75}" type="datetime1">
               <a:rPr lang="en-US" smtClean="0"/>
-              <a:t>9/24/2015</a:t>
+              <a:t>9/25/2015</a:t>
             </a:fld>
             <a:endParaRPr lang="en-US"/>
           </a:p>
@@ -3166,7 +3176,7 @@
           <a:p>
             <a:fld id="{E754C7F4-4B95-4CDF-B24E-B5EE227E4593}" type="datetime1">
               <a:rPr lang="en-US" smtClean="0"/>
-              <a:t>9/24/2015</a:t>
+              <a:t>9/25/2015</a:t>
             </a:fld>
             <a:endParaRPr lang="en-US"/>
           </a:p>
@@ -3433,7 +3443,7 @@
           <a:p>
             <a:fld id="{522D90DD-3F1D-4333-B251-10030ABE1E45}" type="datetime1">
               <a:rPr lang="en-US" smtClean="0"/>
-              <a:t>9/24/2015</a:t>
+              <a:t>9/25/2015</a:t>
             </a:fld>
             <a:endParaRPr lang="en-US"/>
           </a:p>
@@ -3742,7 +3752,7 @@
           <a:p>
             <a:fld id="{0371234B-895E-41E6-ADE7-FEE13FC2EF30}" type="datetime1">
               <a:rPr lang="en-US" smtClean="0"/>
-              <a:t>9/24/2015</a:t>
+              <a:t>9/25/2015</a:t>
             </a:fld>
             <a:endParaRPr lang="en-US"/>
           </a:p>
@@ -4185,7 +4195,7 @@
           <a:p>
             <a:fld id="{CAE48979-8F5D-4C7E-B73F-F6B6BB499E94}" type="datetime1">
               <a:rPr lang="en-US" smtClean="0"/>
-              <a:t>9/24/2015</a:t>
+              <a:t>9/25/2015</a:t>
             </a:fld>
             <a:endParaRPr lang="en-US"/>
           </a:p>
@@ -4442,7 +4452,7 @@
           <a:p>
             <a:fld id="{C63F0295-AD35-4898-97C4-7954EC9DDE31}" type="datetime1">
               <a:rPr lang="en-US" smtClean="0"/>
-              <a:t>9/24/2015</a:t>
+              <a:t>9/25/2015</a:t>
             </a:fld>
             <a:endParaRPr lang="en-US"/>
           </a:p>
@@ -17448,11 +17458,7 @@
                       </a:r>
                       <a:r>
                         <a:rPr lang="en-US" sz="1400" baseline="0" dirty="0" smtClean="0"/>
-                        <a:t> the directory has full control. The customers can 'cd' into the directory but cannot 'ls' to show the content</a:t>
-                      </a:r>
-                      <a:r>
-                        <a:rPr lang="en-US" sz="1400" baseline="0" dirty="0" smtClean="0"/>
-                        <a:t>. They can however create and delete files in the directory.</a:t>
+                        <a:t> the directory has full control. The customers can 'cd' into the directory but cannot 'ls' to show the content. They can however create and delete files in the directory.</a:t>
                       </a:r>
                       <a:r>
                         <a:rPr lang="en-US" sz="1400" baseline="0" dirty="0"/>
@@ -17770,7 +17776,7 @@
 </file>
 
 <file path=ppt/slides/slide44.xml><?xml version="1.0" encoding="utf-8"?>
-<p:sld xmlns:a="http://schemas.openxmlformats.org/drawingml/2006/main" xmlns:r="http://schemas.openxmlformats.org/officeDocument/2006/relationships" xmlns:p="http://schemas.openxmlformats.org/presentationml/2006/main" show="0">
+<p:sld xmlns:a="http://schemas.openxmlformats.org/drawingml/2006/main" xmlns:r="http://schemas.openxmlformats.org/officeDocument/2006/relationships" xmlns:p="http://schemas.openxmlformats.org/presentationml/2006/main">
   <p:cSld>
     <p:spTree>
       <p:nvGrpSpPr>
@@ -17788,12 +17794,12 @@
       </p:grpSpPr>
       <p:sp>
         <p:nvSpPr>
-          <p:cNvPr id="4" name="Title 3"/>
-          <p:cNvSpPr>
-            <a:spLocks noGrp="1"/>
-          </p:cNvSpPr>
-          <p:nvPr>
-            <p:ph type="ctrTitle"/>
+          <p:cNvPr id="5" name="Title 4"/>
+          <p:cNvSpPr>
+            <a:spLocks noGrp="1"/>
+          </p:cNvSpPr>
+          <p:nvPr>
+            <p:ph type="title"/>
           </p:nvPr>
         </p:nvSpPr>
         <p:spPr/>
@@ -17802,34 +17808,252 @@
           <a:lstStyle/>
           <a:p>
             <a:r>
-              <a:rPr lang="en-US" dirty="0"/>
-              <a:t>Booting the Raspberry Pi</a:t>
-            </a:r>
-          </a:p>
-        </p:txBody>
-      </p:sp>
-      <p:sp>
-        <p:nvSpPr>
-          <p:cNvPr id="5" name="Subtitle 4"/>
-          <p:cNvSpPr>
-            <a:spLocks noGrp="1"/>
-          </p:cNvSpPr>
-          <p:nvPr>
-            <p:ph type="subTitle" idx="1"/>
+              <a:rPr lang="en-US" dirty="0" smtClean="0"/>
+              <a:t>A Repository of Packages</a:t>
+            </a:r>
+            <a:endParaRPr lang="en-US" dirty="0"/>
+          </a:p>
+        </p:txBody>
+      </p:sp>
+      <p:sp>
+        <p:nvSpPr>
+          <p:cNvPr id="6" name="Content Placeholder 5"/>
+          <p:cNvSpPr>
+            <a:spLocks noGrp="1"/>
+          </p:cNvSpPr>
+          <p:nvPr>
+            <p:ph idx="1"/>
           </p:nvPr>
         </p:nvSpPr>
         <p:spPr/>
         <p:txBody>
-          <a:bodyPr/>
-          <a:lstStyle/>
-          <a:p>
-            <a:endParaRPr lang="en-US"/>
-          </a:p>
-        </p:txBody>
-      </p:sp>
-      <p:sp>
-        <p:nvSpPr>
-          <p:cNvPr id="6" name="Slide Number Placeholder 5"/>
+          <a:bodyPr>
+            <a:normAutofit/>
+          </a:bodyPr>
+          <a:lstStyle/>
+          <a:p>
+            <a:r>
+              <a:rPr lang="en-US" dirty="0"/>
+              <a:t>Every Linux distribution is different in terms of </a:t>
+            </a:r>
+            <a:r>
+              <a:rPr lang="en-US" dirty="0">
+                <a:solidFill>
+                  <a:srgbClr val="0070C0"/>
+                </a:solidFill>
+              </a:rPr>
+              <a:t>how software is </a:t>
+            </a:r>
+            <a:r>
+              <a:rPr lang="en-US" dirty="0" smtClean="0">
+                <a:solidFill>
+                  <a:srgbClr val="0070C0"/>
+                </a:solidFill>
+              </a:rPr>
+              <a:t>installed</a:t>
+            </a:r>
+            <a:r>
+              <a:rPr lang="en-US" dirty="0" smtClean="0"/>
+              <a:t>.</a:t>
+            </a:r>
+          </a:p>
+          <a:p>
+            <a:r>
+              <a:rPr lang="en-US" dirty="0" smtClean="0"/>
+              <a:t>Linux </a:t>
+            </a:r>
+            <a:r>
+              <a:rPr lang="en-US" dirty="0"/>
+              <a:t>distributions use different installation file types, package managers, and commands for </a:t>
+            </a:r>
+            <a:r>
+              <a:rPr lang="en-US" dirty="0" smtClean="0"/>
+              <a:t>installation.</a:t>
+            </a:r>
+          </a:p>
+          <a:p>
+            <a:r>
+              <a:rPr lang="en-US" dirty="0" smtClean="0"/>
+              <a:t>Even </a:t>
+            </a:r>
+            <a:r>
+              <a:rPr lang="en-US" dirty="0"/>
+              <a:t>within a single form of Linux, there are different types of package managers</a:t>
+            </a:r>
+            <a:r>
+              <a:rPr lang="en-US" dirty="0" smtClean="0"/>
+              <a:t>.</a:t>
+            </a:r>
+          </a:p>
+          <a:p>
+            <a:pPr lvl="1"/>
+            <a:r>
+              <a:rPr lang="en-US" dirty="0"/>
+              <a:t>A </a:t>
+            </a:r>
+            <a:r>
+              <a:rPr lang="en-US" dirty="0">
+                <a:solidFill>
+                  <a:srgbClr val="0070C0"/>
+                </a:solidFill>
+              </a:rPr>
+              <a:t>package manager </a:t>
+            </a:r>
+            <a:r>
+              <a:rPr lang="en-US" dirty="0"/>
+              <a:t>is software used to </a:t>
+            </a:r>
+            <a:r>
+              <a:rPr lang="en-US" dirty="0">
+                <a:solidFill>
+                  <a:srgbClr val="0070C0"/>
+                </a:solidFill>
+              </a:rPr>
+              <a:t>handle the installation</a:t>
+            </a:r>
+            <a:r>
+              <a:rPr lang="en-US" dirty="0"/>
+              <a:t>, removal, configuration, and updating of programs and drivers</a:t>
+            </a:r>
+            <a:r>
+              <a:rPr lang="en-US" dirty="0" smtClean="0"/>
+              <a:t>.</a:t>
+            </a:r>
+          </a:p>
+          <a:p>
+            <a:endParaRPr lang="en-US" dirty="0" smtClean="0"/>
+          </a:p>
+          <a:p>
+            <a:r>
+              <a:rPr lang="en-US" dirty="0" err="1" smtClean="0"/>
+              <a:t>Debian</a:t>
+            </a:r>
+            <a:r>
+              <a:rPr lang="en-US" dirty="0" smtClean="0"/>
+              <a:t> </a:t>
+            </a:r>
+            <a:r>
+              <a:rPr lang="en-US" dirty="0"/>
+              <a:t>files are usually downloaded by package managers from a software </a:t>
+            </a:r>
+            <a:r>
+              <a:rPr lang="en-US" dirty="0" smtClean="0"/>
+              <a:t>repository.</a:t>
+            </a:r>
+          </a:p>
+          <a:p>
+            <a:pPr lvl="1"/>
+            <a:r>
+              <a:rPr lang="en-US" dirty="0" smtClean="0"/>
+              <a:t>A </a:t>
+            </a:r>
+            <a:r>
+              <a:rPr lang="en-US" dirty="0" smtClean="0">
+                <a:solidFill>
+                  <a:srgbClr val="0070C0"/>
+                </a:solidFill>
+              </a:rPr>
+              <a:t>repository</a:t>
+            </a:r>
+            <a:r>
+              <a:rPr lang="en-US" dirty="0" smtClean="0"/>
+              <a:t> is a </a:t>
+            </a:r>
+            <a:r>
+              <a:rPr lang="en-US" dirty="0" smtClean="0">
+                <a:solidFill>
+                  <a:srgbClr val="0070C0"/>
+                </a:solidFill>
+              </a:rPr>
+              <a:t>collection </a:t>
+            </a:r>
+            <a:r>
+              <a:rPr lang="en-US" dirty="0"/>
+              <a:t>of </a:t>
+            </a:r>
+            <a:r>
+              <a:rPr lang="en-US" dirty="0" err="1">
+                <a:solidFill>
+                  <a:srgbClr val="0070C0"/>
+                </a:solidFill>
+              </a:rPr>
+              <a:t>Debian</a:t>
+            </a:r>
+            <a:r>
+              <a:rPr lang="en-US" dirty="0">
+                <a:solidFill>
+                  <a:srgbClr val="0070C0"/>
+                </a:solidFill>
+              </a:rPr>
+              <a:t> files </a:t>
+            </a:r>
+            <a:r>
+              <a:rPr lang="en-US" dirty="0"/>
+              <a:t>that typically comes from a </a:t>
+            </a:r>
+            <a:r>
+              <a:rPr lang="en-US" dirty="0" smtClean="0"/>
+              <a:t>server</a:t>
+            </a:r>
+          </a:p>
+          <a:p>
+            <a:endParaRPr lang="en-US" dirty="0" smtClean="0"/>
+          </a:p>
+          <a:p>
+            <a:r>
+              <a:rPr lang="en-US" dirty="0" err="1" smtClean="0"/>
+              <a:t>Debian</a:t>
+            </a:r>
+            <a:r>
+              <a:rPr lang="en-US" dirty="0" smtClean="0"/>
+              <a:t> </a:t>
+            </a:r>
+            <a:r>
+              <a:rPr lang="en-US" dirty="0"/>
+              <a:t>files are </a:t>
+            </a:r>
+            <a:r>
+              <a:rPr lang="en-US" dirty="0">
+                <a:solidFill>
+                  <a:srgbClr val="0070C0"/>
+                </a:solidFill>
+              </a:rPr>
+              <a:t>not required </a:t>
+            </a:r>
+            <a:r>
+              <a:rPr lang="en-US" dirty="0"/>
+              <a:t>to come from a repository, although most do</a:t>
+            </a:r>
+            <a:r>
+              <a:rPr lang="en-US" dirty="0" smtClean="0"/>
+              <a:t>.</a:t>
+            </a:r>
+          </a:p>
+          <a:p>
+            <a:pPr lvl="1"/>
+            <a:r>
+              <a:rPr lang="en-US" dirty="0" smtClean="0"/>
+              <a:t>Can be </a:t>
+            </a:r>
+            <a:r>
+              <a:rPr lang="en-US" dirty="0" smtClean="0">
+                <a:solidFill>
+                  <a:srgbClr val="0070C0"/>
+                </a:solidFill>
+              </a:rPr>
+              <a:t>manually downloaded</a:t>
+            </a:r>
+            <a:r>
+              <a:rPr lang="en-US" dirty="0" smtClean="0"/>
+              <a:t> too</a:t>
+            </a:r>
+            <a:endParaRPr lang="en-US" dirty="0"/>
+          </a:p>
+        </p:txBody>
+      </p:sp>
+      <p:sp>
+        <p:nvSpPr>
+          <p:cNvPr id="4" name="Slide Number Placeholder 3"/>
           <p:cNvSpPr>
             <a:spLocks noGrp="1"/>
           </p:cNvSpPr>
@@ -17853,26 +18077,18 @@
     </p:spTree>
     <p:extLst>
       <p:ext uri="{BB962C8B-B14F-4D97-AF65-F5344CB8AC3E}">
-        <p14:creationId xmlns:p14="http://schemas.microsoft.com/office/powerpoint/2010/main" val="711743385"/>
+        <p14:creationId xmlns:p14="http://schemas.microsoft.com/office/powerpoint/2010/main" val="1011228306"/>
       </p:ext>
     </p:extLst>
   </p:cSld>
   <p:clrMapOvr>
     <a:masterClrMapping/>
   </p:clrMapOvr>
-  <mc:AlternateContent xmlns:mc="http://schemas.openxmlformats.org/markup-compatibility/2006" xmlns:p14="http://schemas.microsoft.com/office/powerpoint/2010/main">
-    <mc:Choice Requires="p14">
-      <p:transition spd="slow" p14:dur="2000"/>
-    </mc:Choice>
-    <mc:Fallback xmlns="">
-      <p:transition spd="slow"/>
-    </mc:Fallback>
-  </mc:AlternateContent>
 </p:sld>
 </file>
 
 <file path=ppt/slides/slide45.xml><?xml version="1.0" encoding="utf-8"?>
-<p:sld xmlns:a="http://schemas.openxmlformats.org/drawingml/2006/main" xmlns:r="http://schemas.openxmlformats.org/officeDocument/2006/relationships" xmlns:p="http://schemas.openxmlformats.org/presentationml/2006/main" show="0">
+<p:sld xmlns:a="http://schemas.openxmlformats.org/drawingml/2006/main" xmlns:r="http://schemas.openxmlformats.org/officeDocument/2006/relationships" xmlns:p="http://schemas.openxmlformats.org/presentationml/2006/main">
   <p:cSld>
     <p:spTree>
       <p:nvGrpSpPr>
@@ -17890,7 +18106,7 @@
       </p:grpSpPr>
       <p:sp>
         <p:nvSpPr>
-          <p:cNvPr id="4" name="Title 3"/>
+          <p:cNvPr id="5" name="Title 4"/>
           <p:cNvSpPr>
             <a:spLocks noGrp="1"/>
           </p:cNvSpPr>
@@ -17903,13 +18119,21 @@
           <a:bodyPr/>
           <a:lstStyle/>
           <a:p>
-            <a:endParaRPr lang="en-US"/>
-          </a:p>
-        </p:txBody>
-      </p:sp>
-      <p:sp>
-        <p:nvSpPr>
-          <p:cNvPr id="5" name="Content Placeholder 4"/>
+            <a:r>
+              <a:rPr lang="en-US" dirty="0" err="1" smtClean="0"/>
+              <a:t>Debian</a:t>
+            </a:r>
+            <a:r>
+              <a:rPr lang="en-US" dirty="0" smtClean="0"/>
+              <a:t> and it's Packages</a:t>
+            </a:r>
+            <a:endParaRPr lang="en-US" dirty="0"/>
+          </a:p>
+        </p:txBody>
+      </p:sp>
+      <p:sp>
+        <p:nvSpPr>
+          <p:cNvPr id="6" name="Content Placeholder 5"/>
           <p:cNvSpPr>
             <a:spLocks noGrp="1"/>
           </p:cNvSpPr>
@@ -17919,19 +18143,223 @@
         </p:nvSpPr>
         <p:spPr/>
         <p:txBody>
-          <a:bodyPr/>
-          <a:lstStyle/>
-          <a:p>
-            <a:r>
-              <a:rPr lang="en-US" dirty="0"/>
-              <a:t>When we are talking about embedded Linux we actually are talking about the same kernel code running on millions of other systems. There is no separate code base for embedded systems. When we however build a Linux system for an embedded target we do exclude features we won’t be using and we are also cross-compiling the kernel to binary code that can run on the target system.</a:t>
-            </a:r>
-          </a:p>
-        </p:txBody>
-      </p:sp>
-      <p:sp>
-        <p:nvSpPr>
-          <p:cNvPr id="6" name="Slide Number Placeholder 5"/>
+          <a:bodyPr>
+            <a:normAutofit/>
+          </a:bodyPr>
+          <a:lstStyle/>
+          <a:p>
+            <a:r>
+              <a:rPr lang="en-US" dirty="0"/>
+              <a:t>Packages generally contain all of the files necessary to implement a set of related commands or </a:t>
+            </a:r>
+            <a:r>
+              <a:rPr lang="en-US" dirty="0" smtClean="0"/>
+              <a:t>features.</a:t>
+            </a:r>
+          </a:p>
+          <a:p>
+            <a:endParaRPr lang="en-US" dirty="0"/>
+          </a:p>
+          <a:p>
+            <a:r>
+              <a:rPr lang="en-US" dirty="0" smtClean="0"/>
+              <a:t>Two types of </a:t>
+            </a:r>
+            <a:r>
+              <a:rPr lang="en-US" dirty="0" err="1" smtClean="0"/>
+              <a:t>Debian</a:t>
+            </a:r>
+            <a:r>
+              <a:rPr lang="en-US" dirty="0" smtClean="0"/>
+              <a:t> packages</a:t>
+            </a:r>
+            <a:endParaRPr lang="en-US" dirty="0"/>
+          </a:p>
+          <a:p>
+            <a:pPr lvl="1"/>
+            <a:r>
+              <a:rPr lang="en-US" b="1" dirty="0" smtClean="0"/>
+              <a:t>Binary packages</a:t>
+            </a:r>
+          </a:p>
+          <a:p>
+            <a:pPr lvl="2"/>
+            <a:r>
+              <a:rPr lang="en-US" dirty="0" smtClean="0"/>
+              <a:t>Contain </a:t>
+            </a:r>
+            <a:r>
+              <a:rPr lang="en-US" dirty="0">
+                <a:solidFill>
+                  <a:srgbClr val="0070C0"/>
+                </a:solidFill>
+              </a:rPr>
+              <a:t>executables</a:t>
+            </a:r>
+            <a:r>
+              <a:rPr lang="en-US" dirty="0"/>
+              <a:t>, configuration files, man/info pages, copyright information, and other </a:t>
+            </a:r>
+            <a:r>
+              <a:rPr lang="en-US" dirty="0" smtClean="0"/>
+              <a:t>documentation.</a:t>
+            </a:r>
+          </a:p>
+          <a:p>
+            <a:pPr lvl="2"/>
+            <a:r>
+              <a:rPr lang="en-US" dirty="0" smtClean="0"/>
+              <a:t>Distributed </a:t>
+            </a:r>
+            <a:r>
+              <a:rPr lang="en-US" dirty="0"/>
+              <a:t>in a </a:t>
+            </a:r>
+            <a:r>
+              <a:rPr lang="en-US" dirty="0" err="1">
+                <a:solidFill>
+                  <a:srgbClr val="0070C0"/>
+                </a:solidFill>
+              </a:rPr>
+              <a:t>Debian</a:t>
+            </a:r>
+            <a:r>
+              <a:rPr lang="en-US" dirty="0">
+                <a:solidFill>
+                  <a:srgbClr val="0070C0"/>
+                </a:solidFill>
+              </a:rPr>
+              <a:t>-specific archive </a:t>
+            </a:r>
+            <a:r>
+              <a:rPr lang="en-US" dirty="0" smtClean="0"/>
+              <a:t>format (.deb file)</a:t>
+            </a:r>
+            <a:endParaRPr lang="en-US" dirty="0"/>
+          </a:p>
+          <a:p>
+            <a:pPr lvl="1"/>
+            <a:r>
+              <a:rPr lang="en-US" b="1" dirty="0"/>
+              <a:t>Source </a:t>
+            </a:r>
+            <a:r>
+              <a:rPr lang="en-US" b="1" dirty="0" smtClean="0"/>
+              <a:t>packages</a:t>
+            </a:r>
+            <a:endParaRPr lang="en-US" dirty="0" smtClean="0"/>
+          </a:p>
+          <a:p>
+            <a:pPr lvl="2"/>
+            <a:r>
+              <a:rPr lang="en-US" dirty="0" smtClean="0"/>
+              <a:t>consist </a:t>
+            </a:r>
+            <a:r>
+              <a:rPr lang="en-US" dirty="0"/>
+              <a:t>of a .</a:t>
+            </a:r>
+            <a:r>
+              <a:rPr lang="en-US" dirty="0" err="1"/>
+              <a:t>dsc</a:t>
+            </a:r>
+            <a:r>
+              <a:rPr lang="en-US" dirty="0"/>
+              <a:t> file describing the source </a:t>
+            </a:r>
+            <a:r>
+              <a:rPr lang="en-US" dirty="0" smtClean="0"/>
+              <a:t>package</a:t>
+            </a:r>
+          </a:p>
+          <a:p>
+            <a:pPr lvl="2"/>
+            <a:r>
+              <a:rPr lang="en-US" dirty="0" smtClean="0"/>
+              <a:t>a </a:t>
+            </a:r>
+            <a:r>
+              <a:rPr lang="en-US" dirty="0"/>
+              <a:t>.orig.tar.gz </a:t>
+            </a:r>
+            <a:r>
+              <a:rPr lang="en-US" dirty="0" smtClean="0"/>
+              <a:t>with original </a:t>
+            </a:r>
+            <a:r>
+              <a:rPr lang="en-US" dirty="0">
+                <a:solidFill>
+                  <a:srgbClr val="0070C0"/>
+                </a:solidFill>
+              </a:rPr>
+              <a:t>unmodified</a:t>
+            </a:r>
+            <a:r>
+              <a:rPr lang="en-US" dirty="0"/>
+              <a:t> </a:t>
+            </a:r>
+            <a:r>
+              <a:rPr lang="en-US" dirty="0" smtClean="0">
+                <a:solidFill>
+                  <a:srgbClr val="0070C0"/>
+                </a:solidFill>
+              </a:rPr>
+              <a:t>source</a:t>
+            </a:r>
+          </a:p>
+          <a:p>
+            <a:pPr lvl="2"/>
+            <a:r>
+              <a:rPr lang="en-US" dirty="0" smtClean="0"/>
+              <a:t>usually </a:t>
+            </a:r>
+            <a:r>
+              <a:rPr lang="en-US" dirty="0"/>
+              <a:t>a .diff.gz file that contains the </a:t>
+            </a:r>
+            <a:r>
+              <a:rPr lang="en-US" dirty="0" err="1">
+                <a:solidFill>
+                  <a:srgbClr val="0070C0"/>
+                </a:solidFill>
+              </a:rPr>
+              <a:t>Debian</a:t>
+            </a:r>
+            <a:r>
+              <a:rPr lang="en-US" dirty="0">
+                <a:solidFill>
+                  <a:srgbClr val="0070C0"/>
+                </a:solidFill>
+              </a:rPr>
+              <a:t>-specific</a:t>
+            </a:r>
+            <a:r>
+              <a:rPr lang="en-US" dirty="0"/>
+              <a:t> </a:t>
+            </a:r>
+            <a:r>
+              <a:rPr lang="en-US" dirty="0">
+                <a:solidFill>
+                  <a:srgbClr val="0070C0"/>
+                </a:solidFill>
+              </a:rPr>
+              <a:t>changes</a:t>
+            </a:r>
+            <a:r>
+              <a:rPr lang="en-US" dirty="0"/>
+              <a:t> to the original </a:t>
+            </a:r>
+            <a:r>
+              <a:rPr lang="en-US" dirty="0" smtClean="0"/>
+              <a:t>source</a:t>
+            </a:r>
+            <a:endParaRPr lang="en-US" dirty="0"/>
+          </a:p>
+        </p:txBody>
+      </p:sp>
+      <p:sp>
+        <p:nvSpPr>
+          <p:cNvPr id="4" name="Slide Number Placeholder 3"/>
           <p:cNvSpPr>
             <a:spLocks noGrp="1"/>
           </p:cNvSpPr>
@@ -17955,26 +18383,18 @@
     </p:spTree>
     <p:extLst>
       <p:ext uri="{BB962C8B-B14F-4D97-AF65-F5344CB8AC3E}">
-        <p14:creationId xmlns:p14="http://schemas.microsoft.com/office/powerpoint/2010/main" val="2255797779"/>
+        <p14:creationId xmlns:p14="http://schemas.microsoft.com/office/powerpoint/2010/main" val="244647979"/>
       </p:ext>
     </p:extLst>
   </p:cSld>
   <p:clrMapOvr>
     <a:masterClrMapping/>
   </p:clrMapOvr>
-  <mc:AlternateContent xmlns:mc="http://schemas.openxmlformats.org/markup-compatibility/2006" xmlns:p14="http://schemas.microsoft.com/office/powerpoint/2010/main">
-    <mc:Choice Requires="p14">
-      <p:transition spd="slow" p14:dur="2000"/>
-    </mc:Choice>
-    <mc:Fallback xmlns="">
-      <p:transition spd="slow"/>
-    </mc:Fallback>
-  </mc:AlternateContent>
 </p:sld>
 </file>
 
 <file path=ppt/slides/slide46.xml><?xml version="1.0" encoding="utf-8"?>
-<p:sld xmlns:a="http://schemas.openxmlformats.org/drawingml/2006/main" xmlns:r="http://schemas.openxmlformats.org/officeDocument/2006/relationships" xmlns:p="http://schemas.openxmlformats.org/presentationml/2006/main" show="0">
+<p:sld xmlns:a="http://schemas.openxmlformats.org/drawingml/2006/main" xmlns:r="http://schemas.openxmlformats.org/officeDocument/2006/relationships" xmlns:p="http://schemas.openxmlformats.org/presentationml/2006/main">
   <p:cSld>
     <p:spTree>
       <p:nvGrpSpPr>
@@ -17992,7 +18412,7 @@
       </p:grpSpPr>
       <p:sp>
         <p:nvSpPr>
-          <p:cNvPr id="2" name="Title 1"/>
+          <p:cNvPr id="5" name="Title 4"/>
           <p:cNvSpPr>
             <a:spLocks noGrp="1"/>
           </p:cNvSpPr>
@@ -18006,8 +18426,12 @@
           <a:lstStyle/>
           <a:p>
             <a:r>
-              <a:rPr lang="en-US" dirty="0" smtClean="0"/>
-              <a:t>Setting up an Embedded System</a:t>
+              <a:rPr lang="en-US" dirty="0" err="1" smtClean="0"/>
+              <a:t>Debian</a:t>
+            </a:r>
+            <a:r>
+              <a:rPr lang="en-US" dirty="0" smtClean="0"/>
+              <a:t> and it's Packages</a:t>
             </a:r>
             <a:endParaRPr lang="en-US" dirty="0"/>
           </a:p>
@@ -18015,7 +18439,7 @@
       </p:sp>
       <p:sp>
         <p:nvSpPr>
-          <p:cNvPr id="3" name="Content Placeholder 2"/>
+          <p:cNvPr id="6" name="Content Placeholder 5"/>
           <p:cNvSpPr>
             <a:spLocks noGrp="1"/>
           </p:cNvSpPr>
@@ -18025,262 +18449,173 @@
         </p:nvSpPr>
         <p:spPr/>
         <p:txBody>
-          <a:bodyPr/>
-          <a:lstStyle/>
-          <a:p>
-            <a:r>
-              <a:rPr lang="en-US" dirty="0"/>
-              <a:t>To </a:t>
-            </a:r>
-            <a:r>
-              <a:rPr lang="en-US" dirty="0" smtClean="0"/>
-              <a:t>setup an </a:t>
-            </a:r>
-            <a:r>
-              <a:rPr lang="en-US" dirty="0"/>
-              <a:t>embedded Linux system we have multiple choices:</a:t>
+          <a:bodyPr>
+            <a:normAutofit/>
+          </a:bodyPr>
+          <a:lstStyle/>
+          <a:p>
+            <a:r>
+              <a:rPr lang="en-US" dirty="0"/>
+              <a:t>Installation of software by the package system uses "</a:t>
+            </a:r>
+            <a:r>
+              <a:rPr lang="en-US" dirty="0">
+                <a:solidFill>
+                  <a:srgbClr val="0070C0"/>
+                </a:solidFill>
+              </a:rPr>
+              <a:t>dependencies</a:t>
+            </a:r>
+            <a:r>
+              <a:rPr lang="en-US" dirty="0"/>
+              <a:t>" which are carefully designed by the package maintainers</a:t>
+            </a:r>
+            <a:r>
+              <a:rPr lang="en-US" dirty="0" smtClean="0"/>
+              <a:t>.</a:t>
             </a:r>
           </a:p>
           <a:p>
             <a:pPr lvl="1"/>
             <a:r>
-              <a:rPr lang="en-US" dirty="0"/>
-              <a:t>Use a </a:t>
-            </a:r>
-            <a:r>
-              <a:rPr lang="en-US" dirty="0">
-                <a:solidFill>
-                  <a:srgbClr val="00B050"/>
-                </a:solidFill>
-              </a:rPr>
-              <a:t>pre-built binary </a:t>
-            </a:r>
-            <a:r>
-              <a:rPr lang="en-US" dirty="0"/>
-              <a:t>distribution such as </a:t>
+              <a:rPr lang="en-US" dirty="0" smtClean="0"/>
+              <a:t>Example</a:t>
+            </a:r>
+            <a:endParaRPr lang="en-US" dirty="0"/>
+          </a:p>
+          <a:p>
+            <a:pPr lvl="2"/>
+            <a:r>
+              <a:rPr lang="en-US" dirty="0" smtClean="0"/>
+              <a:t>GNU </a:t>
+            </a:r>
+            <a:r>
+              <a:rPr lang="en-US" dirty="0"/>
+              <a:t>C compiler (</a:t>
+            </a:r>
+            <a:r>
+              <a:rPr lang="en-US" dirty="0" err="1"/>
+              <a:t>gcc</a:t>
+            </a:r>
+            <a:r>
+              <a:rPr lang="en-US" dirty="0"/>
+              <a:t>) "depends" on the package </a:t>
+            </a:r>
+            <a:r>
+              <a:rPr lang="en-US" dirty="0" err="1"/>
+              <a:t>binutils</a:t>
+            </a:r>
+            <a:r>
+              <a:rPr lang="en-US" dirty="0"/>
+              <a:t> which includes the linker and </a:t>
+            </a:r>
+            <a:r>
+              <a:rPr lang="en-US" dirty="0" smtClean="0"/>
+              <a:t>assembler.</a:t>
+            </a:r>
+          </a:p>
+          <a:p>
+            <a:pPr lvl="2"/>
+            <a:r>
+              <a:rPr lang="en-US" dirty="0" smtClean="0"/>
+              <a:t>If </a:t>
+            </a:r>
+            <a:r>
+              <a:rPr lang="en-US" dirty="0"/>
+              <a:t>a user attempts to install </a:t>
+            </a:r>
+            <a:r>
+              <a:rPr lang="en-US" dirty="0" err="1"/>
+              <a:t>gcc</a:t>
+            </a:r>
+            <a:r>
+              <a:rPr lang="en-US" dirty="0"/>
+              <a:t> without having first installed </a:t>
+            </a:r>
+            <a:r>
+              <a:rPr lang="en-US" dirty="0" err="1"/>
+              <a:t>binutils</a:t>
+            </a:r>
+            <a:r>
+              <a:rPr lang="en-US" dirty="0"/>
+              <a:t>, the package management system (</a:t>
+            </a:r>
+            <a:r>
+              <a:rPr lang="en-US" dirty="0" err="1"/>
+              <a:t>dpkg</a:t>
+            </a:r>
+            <a:r>
+              <a:rPr lang="en-US" dirty="0"/>
+              <a:t>) will send an error message that it also needs </a:t>
+            </a:r>
+            <a:r>
+              <a:rPr lang="en-US" dirty="0" err="1"/>
+              <a:t>binutils</a:t>
+            </a:r>
+            <a:r>
+              <a:rPr lang="en-US" dirty="0"/>
+              <a:t>, and stop installing </a:t>
+            </a:r>
+            <a:r>
+              <a:rPr lang="en-US" dirty="0" err="1"/>
+              <a:t>gcc</a:t>
+            </a:r>
+            <a:r>
+              <a:rPr lang="en-US" dirty="0" smtClean="0"/>
+              <a:t>.</a:t>
+            </a:r>
+          </a:p>
+          <a:p>
+            <a:endParaRPr lang="en-US" dirty="0" smtClean="0"/>
+          </a:p>
+          <a:p>
+            <a:r>
+              <a:rPr lang="en-US" dirty="0" smtClean="0"/>
+              <a:t>Multiple tools exist to manage </a:t>
             </a:r>
             <a:r>
               <a:rPr lang="en-US" dirty="0" err="1" smtClean="0"/>
-              <a:t>Raspbian</a:t>
-            </a:r>
-            <a:r>
-              <a:rPr lang="en-US" dirty="0" smtClean="0"/>
-              <a:t>, </a:t>
-            </a:r>
-            <a:r>
-              <a:rPr lang="en-US" dirty="0"/>
-              <a:t>Ubuntu or Fedora</a:t>
+              <a:t>Debian</a:t>
+            </a:r>
+            <a:r>
+              <a:rPr lang="en-US" dirty="0" smtClean="0"/>
+              <a:t> packages</a:t>
             </a:r>
           </a:p>
           <a:p>
             <a:pPr lvl="1"/>
             <a:r>
-              <a:rPr lang="en-US" dirty="0">
-                <a:solidFill>
-                  <a:srgbClr val="00B050"/>
-                </a:solidFill>
-              </a:rPr>
-              <a:t>Quick </a:t>
-            </a:r>
-            <a:r>
-              <a:rPr lang="en-US" dirty="0"/>
-              <a:t>to set </a:t>
-            </a:r>
-            <a:r>
-              <a:rPr lang="en-US" dirty="0" smtClean="0"/>
-              <a:t>up, but </a:t>
-            </a:r>
-            <a:r>
-              <a:rPr lang="en-US" dirty="0" smtClean="0">
-                <a:solidFill>
-                  <a:srgbClr val="00B050"/>
-                </a:solidFill>
-              </a:rPr>
-              <a:t>not </a:t>
-            </a:r>
-            <a:r>
-              <a:rPr lang="en-US" dirty="0">
-                <a:solidFill>
-                  <a:srgbClr val="00B050"/>
-                </a:solidFill>
-              </a:rPr>
-              <a:t>very </a:t>
-            </a:r>
-            <a:r>
-              <a:rPr lang="en-US" dirty="0" smtClean="0">
-                <a:solidFill>
-                  <a:srgbClr val="00B050"/>
-                </a:solidFill>
-              </a:rPr>
-              <a:t>flexible</a:t>
-            </a:r>
-            <a:r>
-              <a:rPr lang="en-US" dirty="0" smtClean="0"/>
-              <a:t>: support </a:t>
-            </a:r>
-            <a:r>
-              <a:rPr lang="en-US" dirty="0"/>
-              <a:t>for only a few architectures, no flexibility on package configuration, no easy way to rebuild the entire system automatically.</a:t>
-            </a:r>
-          </a:p>
-          <a:p>
+              <a:rPr lang="en-US" dirty="0" smtClean="0"/>
+              <a:t>From </a:t>
+            </a:r>
+            <a:r>
+              <a:rPr lang="en-US" dirty="0"/>
+              <a:t>graphic or text-based interfaces to the low level tools used to install </a:t>
+            </a:r>
+            <a:r>
+              <a:rPr lang="en-US" dirty="0" smtClean="0"/>
+              <a:t>packages.</a:t>
+            </a:r>
+          </a:p>
+          <a:p>
+            <a:pPr lvl="1"/>
+            <a:r>
+              <a:rPr lang="en-US" dirty="0" err="1" smtClean="0"/>
+              <a:t>dpkg</a:t>
+            </a:r>
+            <a:r>
+              <a:rPr lang="en-US" dirty="0" smtClean="0"/>
+              <a:t>, APT, aptitude, </a:t>
+            </a:r>
+            <a:r>
+              <a:rPr lang="en-US" dirty="0" err="1" smtClean="0"/>
+              <a:t>dselect</a:t>
+            </a:r>
+            <a:r>
+              <a:rPr lang="en-US" dirty="0" smtClean="0"/>
+              <a:t>, …</a:t>
+            </a:r>
             <a:endParaRPr lang="en-US" dirty="0"/>
-          </a:p>
-          <a:p>
-            <a:r>
-              <a:rPr lang="en-US" dirty="0">
-                <a:solidFill>
-                  <a:srgbClr val="00B050"/>
-                </a:solidFill>
-              </a:rPr>
-              <a:t>Build</a:t>
-            </a:r>
-            <a:r>
-              <a:rPr lang="en-US" dirty="0"/>
-              <a:t> all system components </a:t>
-            </a:r>
-            <a:r>
-              <a:rPr lang="en-US" dirty="0">
-                <a:solidFill>
-                  <a:srgbClr val="00B050"/>
-                </a:solidFill>
-              </a:rPr>
-              <a:t>manually</a:t>
-            </a:r>
-          </a:p>
-          <a:p>
-            <a:pPr lvl="1"/>
-            <a:r>
-              <a:rPr lang="en-US" dirty="0"/>
-              <a:t>Highly </a:t>
-            </a:r>
-            <a:r>
-              <a:rPr lang="en-US" dirty="0">
-                <a:solidFill>
-                  <a:srgbClr val="00B050"/>
-                </a:solidFill>
-              </a:rPr>
-              <a:t>flexible</a:t>
-            </a:r>
-            <a:r>
-              <a:rPr lang="en-US" dirty="0"/>
-              <a:t>, but </a:t>
-            </a:r>
-            <a:r>
-              <a:rPr lang="en-US" dirty="0">
-                <a:solidFill>
-                  <a:srgbClr val="00B050"/>
-                </a:solidFill>
-              </a:rPr>
-              <a:t>painful</a:t>
-            </a:r>
-            <a:r>
-              <a:rPr lang="en-US" dirty="0"/>
-              <a:t> and </a:t>
-            </a:r>
-            <a:r>
-              <a:rPr lang="en-US" dirty="0">
-                <a:solidFill>
-                  <a:srgbClr val="00B050"/>
-                </a:solidFill>
-              </a:rPr>
-              <a:t>inefficient</a:t>
-            </a:r>
-            <a:r>
-              <a:rPr lang="en-US" dirty="0"/>
-              <a:t>: need to handle complex cross-compilation issues, understand inter-package dependencies, not reproducible.</a:t>
-            </a:r>
-          </a:p>
-          <a:p>
-            <a:endParaRPr lang="en-US" dirty="0"/>
-          </a:p>
-          <a:p>
-            <a:r>
-              <a:rPr lang="en-US" dirty="0"/>
-              <a:t>Use an automated build system, that builds the entire system from source</a:t>
-            </a:r>
-          </a:p>
-          <a:p>
-            <a:pPr lvl="1"/>
-            <a:r>
-              <a:rPr lang="en-US" dirty="0">
-                <a:solidFill>
-                  <a:srgbClr val="00B050"/>
-                </a:solidFill>
-              </a:rPr>
-              <a:t>Automated</a:t>
-            </a:r>
-            <a:r>
-              <a:rPr lang="en-US" dirty="0"/>
-              <a:t>, </a:t>
-            </a:r>
-            <a:r>
-              <a:rPr lang="en-US" dirty="0">
-                <a:solidFill>
-                  <a:srgbClr val="00B050"/>
-                </a:solidFill>
-              </a:rPr>
-              <a:t>flexible</a:t>
-            </a:r>
-            <a:r>
-              <a:rPr lang="en-US" dirty="0"/>
-              <a:t>, handle most cross-compilation issues</a:t>
-            </a:r>
-          </a:p>
-          <a:p>
-            <a:pPr lvl="1"/>
-            <a:r>
-              <a:rPr lang="en-US" dirty="0"/>
-              <a:t>Examples: </a:t>
-            </a:r>
-            <a:r>
-              <a:rPr lang="en-US" dirty="0" err="1"/>
-              <a:t>Buildroot</a:t>
-            </a:r>
-            <a:r>
-              <a:rPr lang="en-US" dirty="0"/>
-              <a:t>, </a:t>
-            </a:r>
-            <a:r>
-              <a:rPr lang="en-US" dirty="0" err="1"/>
-              <a:t>OpenWRT</a:t>
-            </a:r>
-            <a:r>
-              <a:rPr lang="en-US" dirty="0"/>
-              <a:t>, </a:t>
-            </a:r>
-            <a:r>
-              <a:rPr lang="en-US" dirty="0" err="1"/>
-              <a:t>PTXdist</a:t>
-            </a:r>
-            <a:r>
-              <a:rPr lang="en-US" dirty="0"/>
-              <a:t>, </a:t>
-            </a:r>
-            <a:r>
-              <a:rPr lang="en-US" dirty="0" err="1"/>
-              <a:t>OpenBricks</a:t>
-            </a:r>
-            <a:r>
-              <a:rPr lang="en-US" dirty="0"/>
-              <a:t>, </a:t>
-            </a:r>
-            <a:r>
-              <a:rPr lang="en-US" dirty="0" err="1"/>
-              <a:t>OpenEmbedded</a:t>
-            </a:r>
-            <a:r>
-              <a:rPr lang="en-US" dirty="0"/>
-              <a:t>, </a:t>
-            </a:r>
-            <a:r>
-              <a:rPr lang="en-US" dirty="0" err="1"/>
-              <a:t>Yocto</a:t>
-            </a:r>
-            <a:r>
-              <a:rPr lang="en-US" dirty="0"/>
-              <a:t>, etc.</a:t>
-            </a:r>
           </a:p>
         </p:txBody>
       </p:sp>
@@ -18310,21 +18645,1253 @@
     </p:spTree>
     <p:extLst>
       <p:ext uri="{BB962C8B-B14F-4D97-AF65-F5344CB8AC3E}">
-        <p14:creationId xmlns:p14="http://schemas.microsoft.com/office/powerpoint/2010/main" val="2188926740"/>
+        <p14:creationId xmlns:p14="http://schemas.microsoft.com/office/powerpoint/2010/main" val="2342943775"/>
       </p:ext>
     </p:extLst>
   </p:cSld>
   <p:clrMapOvr>
     <a:masterClrMapping/>
   </p:clrMapOvr>
-  <mc:AlternateContent xmlns:mc="http://schemas.openxmlformats.org/markup-compatibility/2006" xmlns:p14="http://schemas.microsoft.com/office/powerpoint/2010/main">
-    <mc:Choice Requires="p14">
-      <p:transition spd="slow" p14:dur="2000"/>
-    </mc:Choice>
-    <mc:Fallback xmlns="">
-      <p:transition spd="slow"/>
-    </mc:Fallback>
-  </mc:AlternateContent>
+</p:sld>
+</file>
+
+<file path=ppt/slides/slide47.xml><?xml version="1.0" encoding="utf-8"?>
+<p:sld xmlns:a="http://schemas.openxmlformats.org/drawingml/2006/main" xmlns:r="http://schemas.openxmlformats.org/officeDocument/2006/relationships" xmlns:p="http://schemas.openxmlformats.org/presentationml/2006/main">
+  <p:cSld>
+    <p:spTree>
+      <p:nvGrpSpPr>
+        <p:cNvPr id="1" name=""/>
+        <p:cNvGrpSpPr/>
+        <p:nvPr/>
+      </p:nvGrpSpPr>
+      <p:grpSpPr>
+        <a:xfrm>
+          <a:off x="0" y="0"/>
+          <a:ext cx="0" cy="0"/>
+          <a:chOff x="0" y="0"/>
+          <a:chExt cx="0" cy="0"/>
+        </a:xfrm>
+      </p:grpSpPr>
+      <p:sp>
+        <p:nvSpPr>
+          <p:cNvPr id="5" name="Title 4"/>
+          <p:cNvSpPr>
+            <a:spLocks noGrp="1"/>
+          </p:cNvSpPr>
+          <p:nvPr>
+            <p:ph type="title"/>
+          </p:nvPr>
+        </p:nvSpPr>
+        <p:spPr/>
+        <p:txBody>
+          <a:bodyPr/>
+          <a:lstStyle/>
+          <a:p>
+            <a:r>
+              <a:rPr lang="en-US" dirty="0"/>
+              <a:t>Advanced Package Tool</a:t>
+            </a:r>
+          </a:p>
+        </p:txBody>
+      </p:sp>
+      <p:sp>
+        <p:nvSpPr>
+          <p:cNvPr id="6" name="Content Placeholder 5"/>
+          <p:cNvSpPr>
+            <a:spLocks noGrp="1"/>
+          </p:cNvSpPr>
+          <p:nvPr>
+            <p:ph idx="1"/>
+          </p:nvPr>
+        </p:nvSpPr>
+        <p:spPr/>
+        <p:txBody>
+          <a:bodyPr>
+            <a:normAutofit/>
+          </a:bodyPr>
+          <a:lstStyle/>
+          <a:p>
+            <a:r>
+              <a:rPr lang="en-US" dirty="0" err="1" smtClean="0"/>
+              <a:t>dpkg</a:t>
+            </a:r>
+            <a:r>
+              <a:rPr lang="en-US" dirty="0" smtClean="0"/>
+              <a:t> </a:t>
+            </a:r>
+            <a:r>
+              <a:rPr lang="en-US" dirty="0"/>
+              <a:t>is the main package management </a:t>
+            </a:r>
+            <a:r>
+              <a:rPr lang="en-US" dirty="0" smtClean="0"/>
+              <a:t>program</a:t>
+            </a:r>
+          </a:p>
+          <a:p>
+            <a:pPr lvl="1"/>
+            <a:r>
+              <a:rPr lang="en-US" dirty="0" smtClean="0"/>
+              <a:t>Low level</a:t>
+            </a:r>
+            <a:endParaRPr lang="en-US" dirty="0"/>
+          </a:p>
+          <a:p>
+            <a:r>
+              <a:rPr lang="en-US" dirty="0"/>
+              <a:t>APT is the </a:t>
+            </a:r>
+            <a:r>
+              <a:rPr lang="en-US" dirty="0">
+                <a:solidFill>
+                  <a:srgbClr val="0070C0"/>
+                </a:solidFill>
+              </a:rPr>
+              <a:t>Advanced Package Tool</a:t>
+            </a:r>
+            <a:r>
+              <a:rPr lang="en-US" dirty="0"/>
+              <a:t> and provides the </a:t>
+            </a:r>
+            <a:r>
+              <a:rPr lang="en-US" dirty="0">
+                <a:solidFill>
+                  <a:srgbClr val="0070C0"/>
+                </a:solidFill>
+              </a:rPr>
+              <a:t>apt-get</a:t>
+            </a:r>
+            <a:r>
+              <a:rPr lang="en-US" dirty="0"/>
+              <a:t> </a:t>
+            </a:r>
+            <a:r>
+              <a:rPr lang="en-US" dirty="0" smtClean="0"/>
+              <a:t>program.</a:t>
+            </a:r>
+          </a:p>
+          <a:p>
+            <a:pPr lvl="1"/>
+            <a:r>
+              <a:rPr lang="en-US" dirty="0" smtClean="0"/>
+              <a:t>apt-get </a:t>
+            </a:r>
+            <a:r>
+              <a:rPr lang="en-US" dirty="0"/>
+              <a:t>provides a simple way to retrieve and install packages from multiple sources using the command </a:t>
+            </a:r>
+            <a:r>
+              <a:rPr lang="en-US" dirty="0" smtClean="0"/>
+              <a:t>line.</a:t>
+            </a:r>
+          </a:p>
+          <a:p>
+            <a:pPr lvl="1"/>
+            <a:r>
+              <a:rPr lang="en-US" dirty="0" smtClean="0"/>
+              <a:t>Unlike </a:t>
+            </a:r>
+            <a:r>
+              <a:rPr lang="en-US" dirty="0" err="1"/>
+              <a:t>dpkg</a:t>
+            </a:r>
+            <a:r>
+              <a:rPr lang="en-US" dirty="0"/>
+              <a:t>, apt-get does not understand .deb files, it works with the packages proper name and can only install .deb archives from a source specified in /</a:t>
+            </a:r>
+            <a:r>
+              <a:rPr lang="en-US" dirty="0" err="1" smtClean="0"/>
+              <a:t>etc</a:t>
+            </a:r>
+            <a:r>
+              <a:rPr lang="en-US" dirty="0" smtClean="0"/>
+              <a:t>/apt/</a:t>
+            </a:r>
+            <a:r>
+              <a:rPr lang="en-US" dirty="0" err="1" smtClean="0"/>
+              <a:t>sources.list</a:t>
+            </a:r>
+            <a:r>
+              <a:rPr lang="en-US" dirty="0" smtClean="0"/>
+              <a:t>.</a:t>
+            </a:r>
+          </a:p>
+          <a:p>
+            <a:pPr lvl="1"/>
+            <a:r>
+              <a:rPr lang="en-US" dirty="0" smtClean="0"/>
+              <a:t>apt-get </a:t>
+            </a:r>
+            <a:r>
+              <a:rPr lang="en-US" dirty="0"/>
+              <a:t>will call </a:t>
+            </a:r>
+            <a:r>
+              <a:rPr lang="en-US" dirty="0" err="1"/>
+              <a:t>dpkg</a:t>
+            </a:r>
+            <a:r>
+              <a:rPr lang="en-US" dirty="0"/>
+              <a:t> directly after downloading the .deb archives from the configured sources.</a:t>
+            </a:r>
+          </a:p>
+        </p:txBody>
+      </p:sp>
+      <p:sp>
+        <p:nvSpPr>
+          <p:cNvPr id="4" name="Slide Number Placeholder 3"/>
+          <p:cNvSpPr>
+            <a:spLocks noGrp="1"/>
+          </p:cNvSpPr>
+          <p:nvPr>
+            <p:ph type="sldNum" sz="quarter" idx="12"/>
+          </p:nvPr>
+        </p:nvSpPr>
+        <p:spPr/>
+        <p:txBody>
+          <a:bodyPr/>
+          <a:lstStyle/>
+          <a:p>
+            <a:fld id="{52DB1A75-B9BE-46B1-B482-5F96E51FA4B2}" type="slidenum">
+              <a:rPr lang="en-US" smtClean="0"/>
+              <a:t>47</a:t>
+            </a:fld>
+            <a:endParaRPr lang="en-US"/>
+          </a:p>
+        </p:txBody>
+      </p:sp>
+    </p:spTree>
+    <p:extLst>
+      <p:ext uri="{BB962C8B-B14F-4D97-AF65-F5344CB8AC3E}">
+        <p14:creationId xmlns:p14="http://schemas.microsoft.com/office/powerpoint/2010/main" val="2205491345"/>
+      </p:ext>
+    </p:extLst>
+  </p:cSld>
+  <p:clrMapOvr>
+    <a:masterClrMapping/>
+  </p:clrMapOvr>
+</p:sld>
+</file>
+
+<file path=ppt/slides/slide48.xml><?xml version="1.0" encoding="utf-8"?>
+<p:sld xmlns:a="http://schemas.openxmlformats.org/drawingml/2006/main" xmlns:r="http://schemas.openxmlformats.org/officeDocument/2006/relationships" xmlns:p="http://schemas.openxmlformats.org/presentationml/2006/main">
+  <p:cSld>
+    <p:spTree>
+      <p:nvGrpSpPr>
+        <p:cNvPr id="1" name=""/>
+        <p:cNvGrpSpPr/>
+        <p:nvPr/>
+      </p:nvGrpSpPr>
+      <p:grpSpPr>
+        <a:xfrm>
+          <a:off x="0" y="0"/>
+          <a:ext cx="0" cy="0"/>
+          <a:chOff x="0" y="0"/>
+          <a:chExt cx="0" cy="0"/>
+        </a:xfrm>
+      </p:grpSpPr>
+      <p:sp>
+        <p:nvSpPr>
+          <p:cNvPr id="2" name="Title 1"/>
+          <p:cNvSpPr>
+            <a:spLocks noGrp="1"/>
+          </p:cNvSpPr>
+          <p:nvPr>
+            <p:ph type="title"/>
+          </p:nvPr>
+        </p:nvSpPr>
+        <p:spPr/>
+        <p:txBody>
+          <a:bodyPr/>
+          <a:lstStyle/>
+          <a:p>
+            <a:r>
+              <a:rPr lang="en-US" dirty="0" smtClean="0"/>
+              <a:t>Using APT to Manage Your Packages</a:t>
+            </a:r>
+            <a:endParaRPr lang="en-US" dirty="0"/>
+          </a:p>
+        </p:txBody>
+      </p:sp>
+      <p:sp>
+        <p:nvSpPr>
+          <p:cNvPr id="3" name="Content Placeholder 2"/>
+          <p:cNvSpPr>
+            <a:spLocks noGrp="1"/>
+          </p:cNvSpPr>
+          <p:nvPr>
+            <p:ph idx="1"/>
+          </p:nvPr>
+        </p:nvSpPr>
+        <p:spPr/>
+        <p:txBody>
+          <a:bodyPr>
+            <a:normAutofit/>
+          </a:bodyPr>
+          <a:lstStyle/>
+          <a:p>
+            <a:r>
+              <a:rPr lang="en-US" dirty="0" smtClean="0"/>
+              <a:t>To </a:t>
+            </a:r>
+            <a:r>
+              <a:rPr lang="en-US" dirty="0">
+                <a:solidFill>
+                  <a:srgbClr val="0070C0"/>
+                </a:solidFill>
+              </a:rPr>
+              <a:t>update</a:t>
+            </a:r>
+            <a:r>
+              <a:rPr lang="en-US" dirty="0"/>
+              <a:t> the </a:t>
+            </a:r>
+            <a:r>
+              <a:rPr lang="en-US" dirty="0">
+                <a:solidFill>
+                  <a:srgbClr val="0070C0"/>
+                </a:solidFill>
+              </a:rPr>
+              <a:t>list</a:t>
+            </a:r>
+            <a:r>
+              <a:rPr lang="en-US" dirty="0"/>
+              <a:t> </a:t>
+            </a:r>
+            <a:r>
+              <a:rPr lang="en-US" dirty="0">
+                <a:solidFill>
+                  <a:srgbClr val="0070C0"/>
+                </a:solidFill>
+              </a:rPr>
+              <a:t>of</a:t>
+            </a:r>
+            <a:r>
+              <a:rPr lang="en-US" dirty="0"/>
+              <a:t> </a:t>
+            </a:r>
+            <a:r>
+              <a:rPr lang="en-US" dirty="0">
+                <a:solidFill>
+                  <a:srgbClr val="0070C0"/>
+                </a:solidFill>
+              </a:rPr>
+              <a:t>package</a:t>
+            </a:r>
+            <a:r>
+              <a:rPr lang="en-US" dirty="0"/>
+              <a:t> known by your system, you can </a:t>
+            </a:r>
+            <a:r>
+              <a:rPr lang="en-US" dirty="0" smtClean="0"/>
+              <a:t>run</a:t>
+            </a:r>
+          </a:p>
+          <a:p>
+            <a:endParaRPr lang="en-US" dirty="0"/>
+          </a:p>
+          <a:p>
+            <a:endParaRPr lang="en-US" dirty="0"/>
+          </a:p>
+          <a:p>
+            <a:pPr lvl="1"/>
+            <a:r>
+              <a:rPr lang="en-US" dirty="0" smtClean="0"/>
+              <a:t>Always run this command before installing packages to make sure you are using latest versions</a:t>
+            </a:r>
+          </a:p>
+          <a:p>
+            <a:pPr lvl="1"/>
+            <a:endParaRPr lang="en-US" dirty="0"/>
+          </a:p>
+          <a:p>
+            <a:r>
+              <a:rPr lang="en-US" dirty="0" smtClean="0"/>
+              <a:t>To </a:t>
+            </a:r>
+            <a:r>
+              <a:rPr lang="en-US" dirty="0">
+                <a:solidFill>
+                  <a:srgbClr val="0070C0"/>
+                </a:solidFill>
+              </a:rPr>
+              <a:t>upgrade</a:t>
+            </a:r>
+            <a:r>
+              <a:rPr lang="en-US" dirty="0"/>
+              <a:t> all the </a:t>
+            </a:r>
+            <a:r>
+              <a:rPr lang="en-US" dirty="0">
+                <a:solidFill>
+                  <a:srgbClr val="0070C0"/>
+                </a:solidFill>
+              </a:rPr>
+              <a:t>packages</a:t>
+            </a:r>
+            <a:r>
+              <a:rPr lang="en-US" dirty="0"/>
+              <a:t> on your system (without installing extra packages or removing packages), </a:t>
+            </a:r>
+            <a:r>
+              <a:rPr lang="en-US" dirty="0" smtClean="0"/>
+              <a:t>run</a:t>
+            </a:r>
+          </a:p>
+          <a:p>
+            <a:pPr lvl="1"/>
+            <a:endParaRPr lang="en-US" dirty="0" smtClean="0"/>
+          </a:p>
+          <a:p>
+            <a:pPr lvl="1"/>
+            <a:endParaRPr lang="en-US" dirty="0"/>
+          </a:p>
+          <a:p>
+            <a:pPr lvl="1"/>
+            <a:endParaRPr lang="en-US" dirty="0" smtClean="0"/>
+          </a:p>
+          <a:p>
+            <a:r>
+              <a:rPr lang="en-US" dirty="0" smtClean="0"/>
+              <a:t>These commands must be run with </a:t>
+            </a:r>
+            <a:r>
+              <a:rPr lang="en-US" dirty="0" smtClean="0">
+                <a:solidFill>
+                  <a:srgbClr val="0070C0"/>
+                </a:solidFill>
+              </a:rPr>
+              <a:t>root privileges</a:t>
+            </a:r>
+            <a:r>
+              <a:rPr lang="en-US" dirty="0" smtClean="0"/>
+              <a:t>, so use '</a:t>
+            </a:r>
+            <a:r>
+              <a:rPr lang="en-US" dirty="0" err="1" smtClean="0"/>
+              <a:t>sudo</a:t>
+            </a:r>
+            <a:r>
+              <a:rPr lang="en-US" dirty="0" smtClean="0"/>
+              <a:t>'</a:t>
+            </a:r>
+            <a:endParaRPr lang="en-US" dirty="0"/>
+          </a:p>
+        </p:txBody>
+      </p:sp>
+      <p:sp>
+        <p:nvSpPr>
+          <p:cNvPr id="4" name="Slide Number Placeholder 3"/>
+          <p:cNvSpPr>
+            <a:spLocks noGrp="1"/>
+          </p:cNvSpPr>
+          <p:nvPr>
+            <p:ph type="sldNum" sz="quarter" idx="12"/>
+          </p:nvPr>
+        </p:nvSpPr>
+        <p:spPr/>
+        <p:txBody>
+          <a:bodyPr/>
+          <a:lstStyle/>
+          <a:p>
+            <a:fld id="{52DB1A75-B9BE-46B1-B482-5F96E51FA4B2}" type="slidenum">
+              <a:rPr lang="en-US" smtClean="0"/>
+              <a:t>48</a:t>
+            </a:fld>
+            <a:endParaRPr lang="en-US"/>
+          </a:p>
+        </p:txBody>
+      </p:sp>
+      <p:sp>
+        <p:nvSpPr>
+          <p:cNvPr id="5" name="TextBox 4"/>
+          <p:cNvSpPr txBox="1"/>
+          <p:nvPr/>
+        </p:nvSpPr>
+        <p:spPr>
+          <a:xfrm>
+            <a:off x="2200597" y="2065294"/>
+            <a:ext cx="4742803" cy="369332"/>
+          </a:xfrm>
+          <a:prstGeom prst="rect">
+            <a:avLst/>
+          </a:prstGeom>
+        </p:spPr>
+        <p:style>
+          <a:lnRef idx="1">
+            <a:schemeClr val="dk1"/>
+          </a:lnRef>
+          <a:fillRef idx="2">
+            <a:schemeClr val="dk1"/>
+          </a:fillRef>
+          <a:effectRef idx="1">
+            <a:schemeClr val="dk1"/>
+          </a:effectRef>
+          <a:fontRef idx="minor">
+            <a:schemeClr val="dk1"/>
+          </a:fontRef>
+        </p:style>
+        <p:txBody>
+          <a:bodyPr wrap="square" rtlCol="0">
+            <a:spAutoFit/>
+          </a:bodyPr>
+          <a:lstStyle/>
+          <a:p>
+            <a:r>
+              <a:rPr lang="en-US" dirty="0" err="1" smtClean="0">
+                <a:solidFill>
+                  <a:srgbClr val="C00000"/>
+                </a:solidFill>
+                <a:latin typeface="Consolas" panose="020B0609020204030204" pitchFamily="49" charset="0"/>
+                <a:cs typeface="Consolas" panose="020B0609020204030204" pitchFamily="49" charset="0"/>
+              </a:rPr>
+              <a:t>bioboost@NDWMINT</a:t>
+            </a:r>
+            <a:r>
+              <a:rPr lang="en-US" dirty="0" smtClean="0">
+                <a:solidFill>
+                  <a:srgbClr val="C00000"/>
+                </a:solidFill>
+                <a:latin typeface="Consolas" panose="020B0609020204030204" pitchFamily="49" charset="0"/>
+                <a:cs typeface="Consolas" panose="020B0609020204030204" pitchFamily="49" charset="0"/>
+              </a:rPr>
+              <a:t> </a:t>
+            </a:r>
+            <a:r>
+              <a:rPr lang="en-US" dirty="0">
+                <a:solidFill>
+                  <a:srgbClr val="C00000"/>
+                </a:solidFill>
+                <a:latin typeface="Consolas" panose="020B0609020204030204" pitchFamily="49" charset="0"/>
+                <a:cs typeface="Consolas" panose="020B0609020204030204" pitchFamily="49" charset="0"/>
+              </a:rPr>
+              <a:t>~ </a:t>
+            </a:r>
+            <a:r>
+              <a:rPr lang="en-US" dirty="0" smtClean="0">
+                <a:solidFill>
+                  <a:srgbClr val="C00000"/>
+                </a:solidFill>
+                <a:latin typeface="Consolas" panose="020B0609020204030204" pitchFamily="49" charset="0"/>
+                <a:cs typeface="Consolas" panose="020B0609020204030204" pitchFamily="49" charset="0"/>
+              </a:rPr>
+              <a:t>$</a:t>
+            </a:r>
+            <a:r>
+              <a:rPr lang="en-US" dirty="0" smtClean="0">
+                <a:solidFill>
+                  <a:srgbClr val="00B050"/>
+                </a:solidFill>
+                <a:latin typeface="Consolas" panose="020B0609020204030204" pitchFamily="49" charset="0"/>
+                <a:cs typeface="Consolas" panose="020B0609020204030204" pitchFamily="49" charset="0"/>
+              </a:rPr>
+              <a:t> </a:t>
+            </a:r>
+            <a:r>
+              <a:rPr lang="en-US" dirty="0">
+                <a:solidFill>
+                  <a:srgbClr val="00B050"/>
+                </a:solidFill>
+                <a:latin typeface="Consolas" panose="020B0609020204030204" pitchFamily="49" charset="0"/>
+                <a:cs typeface="Consolas" panose="020B0609020204030204" pitchFamily="49" charset="0"/>
+              </a:rPr>
+              <a:t>apt-get update</a:t>
+            </a:r>
+            <a:endParaRPr lang="en-US" dirty="0">
+              <a:solidFill>
+                <a:srgbClr val="0070C0"/>
+              </a:solidFill>
+              <a:latin typeface="Consolas" panose="020B0609020204030204" pitchFamily="49" charset="0"/>
+              <a:cs typeface="Consolas" panose="020B0609020204030204" pitchFamily="49" charset="0"/>
+            </a:endParaRPr>
+          </a:p>
+        </p:txBody>
+      </p:sp>
+      <p:sp>
+        <p:nvSpPr>
+          <p:cNvPr id="6" name="TextBox 5"/>
+          <p:cNvSpPr txBox="1"/>
+          <p:nvPr/>
+        </p:nvSpPr>
+        <p:spPr>
+          <a:xfrm>
+            <a:off x="2200597" y="4430542"/>
+            <a:ext cx="4742803" cy="369332"/>
+          </a:xfrm>
+          <a:prstGeom prst="rect">
+            <a:avLst/>
+          </a:prstGeom>
+        </p:spPr>
+        <p:style>
+          <a:lnRef idx="1">
+            <a:schemeClr val="dk1"/>
+          </a:lnRef>
+          <a:fillRef idx="2">
+            <a:schemeClr val="dk1"/>
+          </a:fillRef>
+          <a:effectRef idx="1">
+            <a:schemeClr val="dk1"/>
+          </a:effectRef>
+          <a:fontRef idx="minor">
+            <a:schemeClr val="dk1"/>
+          </a:fontRef>
+        </p:style>
+        <p:txBody>
+          <a:bodyPr wrap="square" rtlCol="0">
+            <a:spAutoFit/>
+          </a:bodyPr>
+          <a:lstStyle/>
+          <a:p>
+            <a:r>
+              <a:rPr lang="en-US" dirty="0" err="1" smtClean="0">
+                <a:solidFill>
+                  <a:srgbClr val="C00000"/>
+                </a:solidFill>
+                <a:latin typeface="Consolas" panose="020B0609020204030204" pitchFamily="49" charset="0"/>
+                <a:cs typeface="Consolas" panose="020B0609020204030204" pitchFamily="49" charset="0"/>
+              </a:rPr>
+              <a:t>bioboost@NDWMINT</a:t>
+            </a:r>
+            <a:r>
+              <a:rPr lang="en-US" dirty="0" smtClean="0">
+                <a:solidFill>
+                  <a:srgbClr val="C00000"/>
+                </a:solidFill>
+                <a:latin typeface="Consolas" panose="020B0609020204030204" pitchFamily="49" charset="0"/>
+                <a:cs typeface="Consolas" panose="020B0609020204030204" pitchFamily="49" charset="0"/>
+              </a:rPr>
+              <a:t> </a:t>
+            </a:r>
+            <a:r>
+              <a:rPr lang="en-US" dirty="0">
+                <a:solidFill>
+                  <a:srgbClr val="C00000"/>
+                </a:solidFill>
+                <a:latin typeface="Consolas" panose="020B0609020204030204" pitchFamily="49" charset="0"/>
+                <a:cs typeface="Consolas" panose="020B0609020204030204" pitchFamily="49" charset="0"/>
+              </a:rPr>
+              <a:t>~ </a:t>
+            </a:r>
+            <a:r>
+              <a:rPr lang="en-US" dirty="0" smtClean="0">
+                <a:solidFill>
+                  <a:srgbClr val="C00000"/>
+                </a:solidFill>
+                <a:latin typeface="Consolas" panose="020B0609020204030204" pitchFamily="49" charset="0"/>
+                <a:cs typeface="Consolas" panose="020B0609020204030204" pitchFamily="49" charset="0"/>
+              </a:rPr>
+              <a:t>$</a:t>
+            </a:r>
+            <a:r>
+              <a:rPr lang="en-US" dirty="0" smtClean="0">
+                <a:solidFill>
+                  <a:srgbClr val="00B050"/>
+                </a:solidFill>
+                <a:latin typeface="Consolas" panose="020B0609020204030204" pitchFamily="49" charset="0"/>
+                <a:cs typeface="Consolas" panose="020B0609020204030204" pitchFamily="49" charset="0"/>
+              </a:rPr>
+              <a:t> </a:t>
+            </a:r>
+            <a:r>
+              <a:rPr lang="en-US" dirty="0">
+                <a:solidFill>
+                  <a:srgbClr val="00B050"/>
+                </a:solidFill>
+                <a:latin typeface="Consolas" panose="020B0609020204030204" pitchFamily="49" charset="0"/>
+                <a:cs typeface="Consolas" panose="020B0609020204030204" pitchFamily="49" charset="0"/>
+              </a:rPr>
+              <a:t>apt-get </a:t>
+            </a:r>
+            <a:r>
+              <a:rPr lang="en-US" dirty="0" smtClean="0">
+                <a:solidFill>
+                  <a:srgbClr val="00B050"/>
+                </a:solidFill>
+                <a:latin typeface="Consolas" panose="020B0609020204030204" pitchFamily="49" charset="0"/>
+                <a:cs typeface="Consolas" panose="020B0609020204030204" pitchFamily="49" charset="0"/>
+              </a:rPr>
+              <a:t>upgrade</a:t>
+            </a:r>
+            <a:endParaRPr lang="en-US" dirty="0">
+              <a:solidFill>
+                <a:srgbClr val="0070C0"/>
+              </a:solidFill>
+              <a:latin typeface="Consolas" panose="020B0609020204030204" pitchFamily="49" charset="0"/>
+              <a:cs typeface="Consolas" panose="020B0609020204030204" pitchFamily="49" charset="0"/>
+            </a:endParaRPr>
+          </a:p>
+        </p:txBody>
+      </p:sp>
+    </p:spTree>
+    <p:extLst>
+      <p:ext uri="{BB962C8B-B14F-4D97-AF65-F5344CB8AC3E}">
+        <p14:creationId xmlns:p14="http://schemas.microsoft.com/office/powerpoint/2010/main" val="2167949943"/>
+      </p:ext>
+    </p:extLst>
+  </p:cSld>
+  <p:clrMapOvr>
+    <a:masterClrMapping/>
+  </p:clrMapOvr>
+</p:sld>
+</file>
+
+<file path=ppt/slides/slide49.xml><?xml version="1.0" encoding="utf-8"?>
+<p:sld xmlns:a="http://schemas.openxmlformats.org/drawingml/2006/main" xmlns:r="http://schemas.openxmlformats.org/officeDocument/2006/relationships" xmlns:p="http://schemas.openxmlformats.org/presentationml/2006/main">
+  <p:cSld>
+    <p:spTree>
+      <p:nvGrpSpPr>
+        <p:cNvPr id="1" name=""/>
+        <p:cNvGrpSpPr/>
+        <p:nvPr/>
+      </p:nvGrpSpPr>
+      <p:grpSpPr>
+        <a:xfrm>
+          <a:off x="0" y="0"/>
+          <a:ext cx="0" cy="0"/>
+          <a:chOff x="0" y="0"/>
+          <a:chExt cx="0" cy="0"/>
+        </a:xfrm>
+      </p:grpSpPr>
+      <p:sp>
+        <p:nvSpPr>
+          <p:cNvPr id="2" name="Title 1"/>
+          <p:cNvSpPr>
+            <a:spLocks noGrp="1"/>
+          </p:cNvSpPr>
+          <p:nvPr>
+            <p:ph type="title"/>
+          </p:nvPr>
+        </p:nvSpPr>
+        <p:spPr/>
+        <p:txBody>
+          <a:bodyPr/>
+          <a:lstStyle/>
+          <a:p>
+            <a:r>
+              <a:rPr lang="en-US" dirty="0" smtClean="0"/>
+              <a:t>Using APT to Manage Your Packages</a:t>
+            </a:r>
+            <a:endParaRPr lang="en-US" dirty="0"/>
+          </a:p>
+        </p:txBody>
+      </p:sp>
+      <p:sp>
+        <p:nvSpPr>
+          <p:cNvPr id="3" name="Content Placeholder 2"/>
+          <p:cNvSpPr>
+            <a:spLocks noGrp="1"/>
+          </p:cNvSpPr>
+          <p:nvPr>
+            <p:ph idx="1"/>
+          </p:nvPr>
+        </p:nvSpPr>
+        <p:spPr/>
+        <p:txBody>
+          <a:bodyPr>
+            <a:normAutofit/>
+          </a:bodyPr>
+          <a:lstStyle/>
+          <a:p>
+            <a:r>
+              <a:rPr lang="en-US" dirty="0" smtClean="0"/>
+              <a:t>To install a package you can use</a:t>
+            </a:r>
+          </a:p>
+          <a:p>
+            <a:endParaRPr lang="en-US" dirty="0"/>
+          </a:p>
+          <a:p>
+            <a:endParaRPr lang="en-US" dirty="0" smtClean="0"/>
+          </a:p>
+          <a:p>
+            <a:pPr lvl="1"/>
+            <a:r>
+              <a:rPr lang="en-US" dirty="0" smtClean="0"/>
+              <a:t>This will also install the dependencies of the package</a:t>
+            </a:r>
+          </a:p>
+          <a:p>
+            <a:endParaRPr lang="en-US" dirty="0"/>
+          </a:p>
+          <a:p>
+            <a:r>
+              <a:rPr lang="en-US" dirty="0" smtClean="0"/>
+              <a:t>To </a:t>
+            </a:r>
+            <a:r>
+              <a:rPr lang="en-US" dirty="0"/>
+              <a:t>remove the foo package from your system, </a:t>
+            </a:r>
+            <a:r>
+              <a:rPr lang="en-US" dirty="0" smtClean="0"/>
+              <a:t>run</a:t>
+            </a:r>
+            <a:endParaRPr lang="en-US" dirty="0"/>
+          </a:p>
+          <a:p>
+            <a:endParaRPr lang="en-US" dirty="0" smtClean="0"/>
+          </a:p>
+          <a:p>
+            <a:endParaRPr lang="en-US" dirty="0"/>
+          </a:p>
+          <a:p>
+            <a:endParaRPr lang="en-US" dirty="0" smtClean="0"/>
+          </a:p>
+          <a:p>
+            <a:r>
+              <a:rPr lang="en-US" dirty="0" smtClean="0"/>
+              <a:t>To </a:t>
+            </a:r>
+            <a:r>
+              <a:rPr lang="en-US" dirty="0"/>
+              <a:t>remove the foo package and its configuration files from your system, </a:t>
+            </a:r>
+            <a:r>
+              <a:rPr lang="en-US" dirty="0" smtClean="0"/>
+              <a:t>run</a:t>
+            </a:r>
+            <a:endParaRPr lang="en-US" dirty="0"/>
+          </a:p>
+        </p:txBody>
+      </p:sp>
+      <p:sp>
+        <p:nvSpPr>
+          <p:cNvPr id="4" name="Slide Number Placeholder 3"/>
+          <p:cNvSpPr>
+            <a:spLocks noGrp="1"/>
+          </p:cNvSpPr>
+          <p:nvPr>
+            <p:ph type="sldNum" sz="quarter" idx="12"/>
+          </p:nvPr>
+        </p:nvSpPr>
+        <p:spPr/>
+        <p:txBody>
+          <a:bodyPr/>
+          <a:lstStyle/>
+          <a:p>
+            <a:fld id="{52DB1A75-B9BE-46B1-B482-5F96E51FA4B2}" type="slidenum">
+              <a:rPr lang="en-US" smtClean="0"/>
+              <a:t>49</a:t>
+            </a:fld>
+            <a:endParaRPr lang="en-US"/>
+          </a:p>
+        </p:txBody>
+      </p:sp>
+      <p:sp>
+        <p:nvSpPr>
+          <p:cNvPr id="5" name="TextBox 4"/>
+          <p:cNvSpPr txBox="1"/>
+          <p:nvPr/>
+        </p:nvSpPr>
+        <p:spPr>
+          <a:xfrm>
+            <a:off x="1323126" y="2111014"/>
+            <a:ext cx="6497744" cy="369332"/>
+          </a:xfrm>
+          <a:prstGeom prst="rect">
+            <a:avLst/>
+          </a:prstGeom>
+        </p:spPr>
+        <p:style>
+          <a:lnRef idx="1">
+            <a:schemeClr val="dk1"/>
+          </a:lnRef>
+          <a:fillRef idx="2">
+            <a:schemeClr val="dk1"/>
+          </a:fillRef>
+          <a:effectRef idx="1">
+            <a:schemeClr val="dk1"/>
+          </a:effectRef>
+          <a:fontRef idx="minor">
+            <a:schemeClr val="dk1"/>
+          </a:fontRef>
+        </p:style>
+        <p:txBody>
+          <a:bodyPr wrap="square" rtlCol="0">
+            <a:spAutoFit/>
+          </a:bodyPr>
+          <a:lstStyle/>
+          <a:p>
+            <a:r>
+              <a:rPr lang="en-US" dirty="0" err="1" smtClean="0">
+                <a:solidFill>
+                  <a:srgbClr val="C00000"/>
+                </a:solidFill>
+                <a:latin typeface="Consolas" panose="020B0609020204030204" pitchFamily="49" charset="0"/>
+                <a:cs typeface="Consolas" panose="020B0609020204030204" pitchFamily="49" charset="0"/>
+              </a:rPr>
+              <a:t>bioboost@NDWMINT</a:t>
+            </a:r>
+            <a:r>
+              <a:rPr lang="en-US" dirty="0" smtClean="0">
+                <a:solidFill>
+                  <a:srgbClr val="C00000"/>
+                </a:solidFill>
+                <a:latin typeface="Consolas" panose="020B0609020204030204" pitchFamily="49" charset="0"/>
+                <a:cs typeface="Consolas" panose="020B0609020204030204" pitchFamily="49" charset="0"/>
+              </a:rPr>
+              <a:t> </a:t>
+            </a:r>
+            <a:r>
+              <a:rPr lang="en-US" dirty="0">
+                <a:solidFill>
+                  <a:srgbClr val="C00000"/>
+                </a:solidFill>
+                <a:latin typeface="Consolas" panose="020B0609020204030204" pitchFamily="49" charset="0"/>
+                <a:cs typeface="Consolas" panose="020B0609020204030204" pitchFamily="49" charset="0"/>
+              </a:rPr>
+              <a:t>~ </a:t>
+            </a:r>
+            <a:r>
+              <a:rPr lang="en-US" dirty="0" smtClean="0">
+                <a:solidFill>
+                  <a:srgbClr val="C00000"/>
+                </a:solidFill>
+                <a:latin typeface="Consolas" panose="020B0609020204030204" pitchFamily="49" charset="0"/>
+                <a:cs typeface="Consolas" panose="020B0609020204030204" pitchFamily="49" charset="0"/>
+              </a:rPr>
+              <a:t>$</a:t>
+            </a:r>
+            <a:r>
+              <a:rPr lang="en-US" dirty="0" smtClean="0">
+                <a:solidFill>
+                  <a:srgbClr val="00B050"/>
+                </a:solidFill>
+                <a:latin typeface="Consolas" panose="020B0609020204030204" pitchFamily="49" charset="0"/>
+                <a:cs typeface="Consolas" panose="020B0609020204030204" pitchFamily="49" charset="0"/>
+              </a:rPr>
+              <a:t> </a:t>
+            </a:r>
+            <a:r>
+              <a:rPr lang="en-US" dirty="0">
+                <a:solidFill>
+                  <a:srgbClr val="00B050"/>
+                </a:solidFill>
+                <a:latin typeface="Consolas" panose="020B0609020204030204" pitchFamily="49" charset="0"/>
+                <a:cs typeface="Consolas" panose="020B0609020204030204" pitchFamily="49" charset="0"/>
+              </a:rPr>
+              <a:t>apt-get </a:t>
+            </a:r>
+            <a:r>
+              <a:rPr lang="en-US" dirty="0" smtClean="0">
+                <a:solidFill>
+                  <a:srgbClr val="00B050"/>
+                </a:solidFill>
+                <a:latin typeface="Consolas" panose="020B0609020204030204" pitchFamily="49" charset="0"/>
+                <a:cs typeface="Consolas" panose="020B0609020204030204" pitchFamily="49" charset="0"/>
+              </a:rPr>
+              <a:t>install &lt;</a:t>
+            </a:r>
+            <a:r>
+              <a:rPr lang="en-US" dirty="0" err="1" smtClean="0">
+                <a:solidFill>
+                  <a:srgbClr val="00B050"/>
+                </a:solidFill>
+                <a:latin typeface="Consolas" panose="020B0609020204030204" pitchFamily="49" charset="0"/>
+                <a:cs typeface="Consolas" panose="020B0609020204030204" pitchFamily="49" charset="0"/>
+              </a:rPr>
+              <a:t>packagename</a:t>
+            </a:r>
+            <a:r>
+              <a:rPr lang="en-US" dirty="0" smtClean="0">
+                <a:solidFill>
+                  <a:srgbClr val="00B050"/>
+                </a:solidFill>
+                <a:latin typeface="Consolas" panose="020B0609020204030204" pitchFamily="49" charset="0"/>
+                <a:cs typeface="Consolas" panose="020B0609020204030204" pitchFamily="49" charset="0"/>
+              </a:rPr>
+              <a:t>&gt;</a:t>
+            </a:r>
+            <a:endParaRPr lang="en-US" dirty="0">
+              <a:solidFill>
+                <a:srgbClr val="0070C0"/>
+              </a:solidFill>
+              <a:latin typeface="Consolas" panose="020B0609020204030204" pitchFamily="49" charset="0"/>
+              <a:cs typeface="Consolas" panose="020B0609020204030204" pitchFamily="49" charset="0"/>
+            </a:endParaRPr>
+          </a:p>
+        </p:txBody>
+      </p:sp>
+      <p:sp>
+        <p:nvSpPr>
+          <p:cNvPr id="6" name="TextBox 5"/>
+          <p:cNvSpPr txBox="1"/>
+          <p:nvPr/>
+        </p:nvSpPr>
+        <p:spPr>
+          <a:xfrm>
+            <a:off x="1405069" y="3863183"/>
+            <a:ext cx="6486203" cy="369332"/>
+          </a:xfrm>
+          <a:prstGeom prst="rect">
+            <a:avLst/>
+          </a:prstGeom>
+        </p:spPr>
+        <p:style>
+          <a:lnRef idx="1">
+            <a:schemeClr val="dk1"/>
+          </a:lnRef>
+          <a:fillRef idx="2">
+            <a:schemeClr val="dk1"/>
+          </a:fillRef>
+          <a:effectRef idx="1">
+            <a:schemeClr val="dk1"/>
+          </a:effectRef>
+          <a:fontRef idx="minor">
+            <a:schemeClr val="dk1"/>
+          </a:fontRef>
+        </p:style>
+        <p:txBody>
+          <a:bodyPr wrap="square" rtlCol="0">
+            <a:spAutoFit/>
+          </a:bodyPr>
+          <a:lstStyle/>
+          <a:p>
+            <a:r>
+              <a:rPr lang="en-US" dirty="0" err="1" smtClean="0">
+                <a:solidFill>
+                  <a:srgbClr val="C00000"/>
+                </a:solidFill>
+                <a:latin typeface="Consolas" panose="020B0609020204030204" pitchFamily="49" charset="0"/>
+                <a:cs typeface="Consolas" panose="020B0609020204030204" pitchFamily="49" charset="0"/>
+              </a:rPr>
+              <a:t>bioboost@NDWMINT</a:t>
+            </a:r>
+            <a:r>
+              <a:rPr lang="en-US" dirty="0" smtClean="0">
+                <a:solidFill>
+                  <a:srgbClr val="C00000"/>
+                </a:solidFill>
+                <a:latin typeface="Consolas" panose="020B0609020204030204" pitchFamily="49" charset="0"/>
+                <a:cs typeface="Consolas" panose="020B0609020204030204" pitchFamily="49" charset="0"/>
+              </a:rPr>
+              <a:t> </a:t>
+            </a:r>
+            <a:r>
+              <a:rPr lang="en-US" dirty="0">
+                <a:solidFill>
+                  <a:srgbClr val="C00000"/>
+                </a:solidFill>
+                <a:latin typeface="Consolas" panose="020B0609020204030204" pitchFamily="49" charset="0"/>
+                <a:cs typeface="Consolas" panose="020B0609020204030204" pitchFamily="49" charset="0"/>
+              </a:rPr>
+              <a:t>~ </a:t>
+            </a:r>
+            <a:r>
+              <a:rPr lang="en-US" dirty="0" smtClean="0">
+                <a:solidFill>
+                  <a:srgbClr val="C00000"/>
+                </a:solidFill>
+                <a:latin typeface="Consolas" panose="020B0609020204030204" pitchFamily="49" charset="0"/>
+                <a:cs typeface="Consolas" panose="020B0609020204030204" pitchFamily="49" charset="0"/>
+              </a:rPr>
+              <a:t>$</a:t>
+            </a:r>
+            <a:r>
+              <a:rPr lang="en-US" dirty="0" smtClean="0">
+                <a:solidFill>
+                  <a:srgbClr val="00B050"/>
+                </a:solidFill>
+                <a:latin typeface="Consolas" panose="020B0609020204030204" pitchFamily="49" charset="0"/>
+                <a:cs typeface="Consolas" panose="020B0609020204030204" pitchFamily="49" charset="0"/>
+              </a:rPr>
+              <a:t> </a:t>
+            </a:r>
+            <a:r>
+              <a:rPr lang="en-US" dirty="0">
+                <a:solidFill>
+                  <a:srgbClr val="00B050"/>
+                </a:solidFill>
+                <a:latin typeface="Consolas" panose="020B0609020204030204" pitchFamily="49" charset="0"/>
+                <a:cs typeface="Consolas" panose="020B0609020204030204" pitchFamily="49" charset="0"/>
+              </a:rPr>
+              <a:t>apt-get </a:t>
+            </a:r>
+            <a:r>
+              <a:rPr lang="en-US" dirty="0" smtClean="0">
+                <a:solidFill>
+                  <a:srgbClr val="00B050"/>
+                </a:solidFill>
+                <a:latin typeface="Consolas" panose="020B0609020204030204" pitchFamily="49" charset="0"/>
+                <a:cs typeface="Consolas" panose="020B0609020204030204" pitchFamily="49" charset="0"/>
+              </a:rPr>
+              <a:t>remove &lt;</a:t>
+            </a:r>
+            <a:r>
+              <a:rPr lang="en-US" dirty="0" err="1" smtClean="0">
+                <a:solidFill>
+                  <a:srgbClr val="00B050"/>
+                </a:solidFill>
+                <a:latin typeface="Consolas" panose="020B0609020204030204" pitchFamily="49" charset="0"/>
+                <a:cs typeface="Consolas" panose="020B0609020204030204" pitchFamily="49" charset="0"/>
+              </a:rPr>
+              <a:t>packagename</a:t>
+            </a:r>
+            <a:r>
+              <a:rPr lang="en-US" dirty="0" smtClean="0">
+                <a:solidFill>
+                  <a:srgbClr val="00B050"/>
+                </a:solidFill>
+                <a:latin typeface="Consolas" panose="020B0609020204030204" pitchFamily="49" charset="0"/>
+                <a:cs typeface="Consolas" panose="020B0609020204030204" pitchFamily="49" charset="0"/>
+              </a:rPr>
+              <a:t>&gt;</a:t>
+            </a:r>
+            <a:endParaRPr lang="en-US" dirty="0">
+              <a:solidFill>
+                <a:srgbClr val="0070C0"/>
+              </a:solidFill>
+              <a:latin typeface="Consolas" panose="020B0609020204030204" pitchFamily="49" charset="0"/>
+              <a:cs typeface="Consolas" panose="020B0609020204030204" pitchFamily="49" charset="0"/>
+            </a:endParaRPr>
+          </a:p>
+        </p:txBody>
+      </p:sp>
+      <p:sp>
+        <p:nvSpPr>
+          <p:cNvPr id="7" name="TextBox 6"/>
+          <p:cNvSpPr txBox="1"/>
+          <p:nvPr/>
+        </p:nvSpPr>
+        <p:spPr>
+          <a:xfrm>
+            <a:off x="1405069" y="5118004"/>
+            <a:ext cx="6486203" cy="646331"/>
+          </a:xfrm>
+          <a:prstGeom prst="rect">
+            <a:avLst/>
+          </a:prstGeom>
+        </p:spPr>
+        <p:style>
+          <a:lnRef idx="1">
+            <a:schemeClr val="dk1"/>
+          </a:lnRef>
+          <a:fillRef idx="2">
+            <a:schemeClr val="dk1"/>
+          </a:fillRef>
+          <a:effectRef idx="1">
+            <a:schemeClr val="dk1"/>
+          </a:effectRef>
+          <a:fontRef idx="minor">
+            <a:schemeClr val="dk1"/>
+          </a:fontRef>
+        </p:style>
+        <p:txBody>
+          <a:bodyPr wrap="square" rtlCol="0">
+            <a:spAutoFit/>
+          </a:bodyPr>
+          <a:lstStyle/>
+          <a:p>
+            <a:r>
+              <a:rPr lang="en-US" dirty="0" err="1" smtClean="0">
+                <a:solidFill>
+                  <a:srgbClr val="C00000"/>
+                </a:solidFill>
+                <a:latin typeface="Consolas" panose="020B0609020204030204" pitchFamily="49" charset="0"/>
+                <a:cs typeface="Consolas" panose="020B0609020204030204" pitchFamily="49" charset="0"/>
+              </a:rPr>
+              <a:t>bioboost@NDWMINT</a:t>
+            </a:r>
+            <a:r>
+              <a:rPr lang="en-US" dirty="0" smtClean="0">
+                <a:solidFill>
+                  <a:srgbClr val="C00000"/>
+                </a:solidFill>
+                <a:latin typeface="Consolas" panose="020B0609020204030204" pitchFamily="49" charset="0"/>
+                <a:cs typeface="Consolas" panose="020B0609020204030204" pitchFamily="49" charset="0"/>
+              </a:rPr>
+              <a:t> </a:t>
+            </a:r>
+            <a:r>
+              <a:rPr lang="en-US" dirty="0">
+                <a:solidFill>
+                  <a:srgbClr val="C00000"/>
+                </a:solidFill>
+                <a:latin typeface="Consolas" panose="020B0609020204030204" pitchFamily="49" charset="0"/>
+                <a:cs typeface="Consolas" panose="020B0609020204030204" pitchFamily="49" charset="0"/>
+              </a:rPr>
+              <a:t>~ </a:t>
+            </a:r>
+            <a:r>
+              <a:rPr lang="en-US" dirty="0" smtClean="0">
+                <a:solidFill>
+                  <a:srgbClr val="C00000"/>
+                </a:solidFill>
+                <a:latin typeface="Consolas" panose="020B0609020204030204" pitchFamily="49" charset="0"/>
+                <a:cs typeface="Consolas" panose="020B0609020204030204" pitchFamily="49" charset="0"/>
+              </a:rPr>
+              <a:t>$</a:t>
+            </a:r>
+            <a:r>
+              <a:rPr lang="en-US" dirty="0" smtClean="0">
+                <a:solidFill>
+                  <a:srgbClr val="00B050"/>
+                </a:solidFill>
+                <a:latin typeface="Consolas" panose="020B0609020204030204" pitchFamily="49" charset="0"/>
+                <a:cs typeface="Consolas" panose="020B0609020204030204" pitchFamily="49" charset="0"/>
+              </a:rPr>
+              <a:t> </a:t>
+            </a:r>
+            <a:r>
+              <a:rPr lang="en-US" dirty="0">
+                <a:solidFill>
+                  <a:srgbClr val="00B050"/>
+                </a:solidFill>
+                <a:latin typeface="Consolas" panose="020B0609020204030204" pitchFamily="49" charset="0"/>
+                <a:cs typeface="Consolas" panose="020B0609020204030204" pitchFamily="49" charset="0"/>
+              </a:rPr>
+              <a:t>apt-get </a:t>
+            </a:r>
+            <a:r>
+              <a:rPr lang="en-US" dirty="0" smtClean="0">
+                <a:solidFill>
+                  <a:srgbClr val="00B050"/>
+                </a:solidFill>
+                <a:latin typeface="Consolas" panose="020B0609020204030204" pitchFamily="49" charset="0"/>
+                <a:cs typeface="Consolas" panose="020B0609020204030204" pitchFamily="49" charset="0"/>
+              </a:rPr>
+              <a:t>--purge remove &lt;</a:t>
+            </a:r>
+            <a:r>
+              <a:rPr lang="en-US" dirty="0" err="1" smtClean="0">
+                <a:solidFill>
+                  <a:srgbClr val="00B050"/>
+                </a:solidFill>
+                <a:latin typeface="Consolas" panose="020B0609020204030204" pitchFamily="49" charset="0"/>
+                <a:cs typeface="Consolas" panose="020B0609020204030204" pitchFamily="49" charset="0"/>
+              </a:rPr>
+              <a:t>packagename</a:t>
+            </a:r>
+            <a:r>
+              <a:rPr lang="en-US" dirty="0" smtClean="0">
+                <a:solidFill>
+                  <a:srgbClr val="00B050"/>
+                </a:solidFill>
+                <a:latin typeface="Consolas" panose="020B0609020204030204" pitchFamily="49" charset="0"/>
+                <a:cs typeface="Consolas" panose="020B0609020204030204" pitchFamily="49" charset="0"/>
+              </a:rPr>
+              <a:t>&gt;</a:t>
+            </a:r>
+            <a:endParaRPr lang="en-US" dirty="0">
+              <a:solidFill>
+                <a:srgbClr val="0070C0"/>
+              </a:solidFill>
+              <a:latin typeface="Consolas" panose="020B0609020204030204" pitchFamily="49" charset="0"/>
+              <a:cs typeface="Consolas" panose="020B0609020204030204" pitchFamily="49" charset="0"/>
+            </a:endParaRPr>
+          </a:p>
+        </p:txBody>
+      </p:sp>
+    </p:spTree>
+    <p:extLst>
+      <p:ext uri="{BB962C8B-B14F-4D97-AF65-F5344CB8AC3E}">
+        <p14:creationId xmlns:p14="http://schemas.microsoft.com/office/powerpoint/2010/main" val="1778081964"/>
+      </p:ext>
+    </p:extLst>
+  </p:cSld>
+  <p:clrMapOvr>
+    <a:masterClrMapping/>
+  </p:clrMapOvr>
 </p:sld>
 </file>
 
@@ -18630,6 +20197,1643 @@
   <p:clrMapOvr>
     <a:masterClrMapping/>
   </p:clrMapOvr>
+</p:sld>
+</file>
+
+<file path=ppt/slides/slide50.xml><?xml version="1.0" encoding="utf-8"?>
+<p:sld xmlns:a="http://schemas.openxmlformats.org/drawingml/2006/main" xmlns:r="http://schemas.openxmlformats.org/officeDocument/2006/relationships" xmlns:p="http://schemas.openxmlformats.org/presentationml/2006/main">
+  <p:cSld>
+    <p:spTree>
+      <p:nvGrpSpPr>
+        <p:cNvPr id="1" name=""/>
+        <p:cNvGrpSpPr/>
+        <p:nvPr/>
+      </p:nvGrpSpPr>
+      <p:grpSpPr>
+        <a:xfrm>
+          <a:off x="0" y="0"/>
+          <a:ext cx="0" cy="0"/>
+          <a:chOff x="0" y="0"/>
+          <a:chExt cx="0" cy="0"/>
+        </a:xfrm>
+      </p:grpSpPr>
+      <p:sp>
+        <p:nvSpPr>
+          <p:cNvPr id="2" name="Title 1"/>
+          <p:cNvSpPr>
+            <a:spLocks noGrp="1"/>
+          </p:cNvSpPr>
+          <p:nvPr>
+            <p:ph type="title"/>
+          </p:nvPr>
+        </p:nvSpPr>
+        <p:spPr/>
+        <p:txBody>
+          <a:bodyPr/>
+          <a:lstStyle/>
+          <a:p>
+            <a:r>
+              <a:rPr lang="en-US" dirty="0" smtClean="0"/>
+              <a:t>Using APT to Manage Your Packages</a:t>
+            </a:r>
+            <a:endParaRPr lang="en-US" dirty="0"/>
+          </a:p>
+        </p:txBody>
+      </p:sp>
+      <p:sp>
+        <p:nvSpPr>
+          <p:cNvPr id="3" name="Content Placeholder 2"/>
+          <p:cNvSpPr>
+            <a:spLocks noGrp="1"/>
+          </p:cNvSpPr>
+          <p:nvPr>
+            <p:ph idx="1"/>
+          </p:nvPr>
+        </p:nvSpPr>
+        <p:spPr/>
+        <p:txBody>
+          <a:bodyPr>
+            <a:normAutofit/>
+          </a:bodyPr>
+          <a:lstStyle/>
+          <a:p>
+            <a:r>
+              <a:rPr lang="en-US" dirty="0" smtClean="0"/>
+              <a:t>To </a:t>
+            </a:r>
+            <a:r>
+              <a:rPr lang="en-US" dirty="0"/>
+              <a:t>upgrade all the packages on your system, and, if needed for a package upgrade, installing extra packages or removing packages, </a:t>
+            </a:r>
+            <a:r>
+              <a:rPr lang="en-US" dirty="0" smtClean="0"/>
+              <a:t>run</a:t>
+            </a:r>
+          </a:p>
+          <a:p>
+            <a:endParaRPr lang="en-US" dirty="0"/>
+          </a:p>
+          <a:p>
+            <a:endParaRPr lang="en-US" dirty="0" smtClean="0"/>
+          </a:p>
+          <a:p>
+            <a:endParaRPr lang="en-US" dirty="0"/>
+          </a:p>
+          <a:p>
+            <a:r>
+              <a:rPr lang="en-US" dirty="0" smtClean="0"/>
+              <a:t>Some exercises</a:t>
+            </a:r>
+          </a:p>
+          <a:p>
+            <a:pPr lvl="1"/>
+            <a:r>
+              <a:rPr lang="en-US" dirty="0" smtClean="0"/>
+              <a:t>Install </a:t>
+            </a:r>
+            <a:r>
+              <a:rPr lang="en-US" dirty="0" err="1" smtClean="0"/>
+              <a:t>git</a:t>
+            </a:r>
+            <a:endParaRPr lang="en-US" dirty="0" smtClean="0"/>
+          </a:p>
+          <a:p>
+            <a:pPr lvl="1"/>
+            <a:r>
+              <a:rPr lang="en-US" dirty="0" smtClean="0"/>
+              <a:t>Install aptitude</a:t>
+            </a:r>
+          </a:p>
+          <a:p>
+            <a:pPr lvl="1"/>
+            <a:r>
+              <a:rPr lang="en-US" dirty="0" smtClean="0"/>
+              <a:t>Install ruby</a:t>
+            </a:r>
+            <a:endParaRPr lang="en-US" dirty="0"/>
+          </a:p>
+        </p:txBody>
+      </p:sp>
+      <p:sp>
+        <p:nvSpPr>
+          <p:cNvPr id="4" name="Slide Number Placeholder 3"/>
+          <p:cNvSpPr>
+            <a:spLocks noGrp="1"/>
+          </p:cNvSpPr>
+          <p:nvPr>
+            <p:ph type="sldNum" sz="quarter" idx="12"/>
+          </p:nvPr>
+        </p:nvSpPr>
+        <p:spPr/>
+        <p:txBody>
+          <a:bodyPr/>
+          <a:lstStyle/>
+          <a:p>
+            <a:fld id="{52DB1A75-B9BE-46B1-B482-5F96E51FA4B2}" type="slidenum">
+              <a:rPr lang="en-US" smtClean="0"/>
+              <a:t>50</a:t>
+            </a:fld>
+            <a:endParaRPr lang="en-US"/>
+          </a:p>
+        </p:txBody>
+      </p:sp>
+      <p:sp>
+        <p:nvSpPr>
+          <p:cNvPr id="5" name="TextBox 4"/>
+          <p:cNvSpPr txBox="1"/>
+          <p:nvPr/>
+        </p:nvSpPr>
+        <p:spPr>
+          <a:xfrm>
+            <a:off x="1786276" y="2458486"/>
+            <a:ext cx="5571448" cy="369332"/>
+          </a:xfrm>
+          <a:prstGeom prst="rect">
+            <a:avLst/>
+          </a:prstGeom>
+        </p:spPr>
+        <p:style>
+          <a:lnRef idx="1">
+            <a:schemeClr val="dk1"/>
+          </a:lnRef>
+          <a:fillRef idx="2">
+            <a:schemeClr val="dk1"/>
+          </a:fillRef>
+          <a:effectRef idx="1">
+            <a:schemeClr val="dk1"/>
+          </a:effectRef>
+          <a:fontRef idx="minor">
+            <a:schemeClr val="dk1"/>
+          </a:fontRef>
+        </p:style>
+        <p:txBody>
+          <a:bodyPr wrap="square" rtlCol="0">
+            <a:spAutoFit/>
+          </a:bodyPr>
+          <a:lstStyle/>
+          <a:p>
+            <a:r>
+              <a:rPr lang="en-US" dirty="0" err="1" smtClean="0">
+                <a:solidFill>
+                  <a:srgbClr val="C00000"/>
+                </a:solidFill>
+                <a:latin typeface="Consolas" panose="020B0609020204030204" pitchFamily="49" charset="0"/>
+                <a:cs typeface="Consolas" panose="020B0609020204030204" pitchFamily="49" charset="0"/>
+              </a:rPr>
+              <a:t>bioboost@NDWMINT</a:t>
+            </a:r>
+            <a:r>
+              <a:rPr lang="en-US" dirty="0" smtClean="0">
+                <a:solidFill>
+                  <a:srgbClr val="C00000"/>
+                </a:solidFill>
+                <a:latin typeface="Consolas" panose="020B0609020204030204" pitchFamily="49" charset="0"/>
+                <a:cs typeface="Consolas" panose="020B0609020204030204" pitchFamily="49" charset="0"/>
+              </a:rPr>
+              <a:t> </a:t>
+            </a:r>
+            <a:r>
+              <a:rPr lang="en-US" dirty="0">
+                <a:solidFill>
+                  <a:srgbClr val="C00000"/>
+                </a:solidFill>
+                <a:latin typeface="Consolas" panose="020B0609020204030204" pitchFamily="49" charset="0"/>
+                <a:cs typeface="Consolas" panose="020B0609020204030204" pitchFamily="49" charset="0"/>
+              </a:rPr>
+              <a:t>~ </a:t>
+            </a:r>
+            <a:r>
+              <a:rPr lang="en-US" dirty="0" smtClean="0">
+                <a:solidFill>
+                  <a:srgbClr val="C00000"/>
+                </a:solidFill>
+                <a:latin typeface="Consolas" panose="020B0609020204030204" pitchFamily="49" charset="0"/>
+                <a:cs typeface="Consolas" panose="020B0609020204030204" pitchFamily="49" charset="0"/>
+              </a:rPr>
+              <a:t>$</a:t>
+            </a:r>
+            <a:r>
+              <a:rPr lang="en-US" dirty="0">
+                <a:solidFill>
+                  <a:srgbClr val="00B050"/>
+                </a:solidFill>
+                <a:latin typeface="Consolas" panose="020B0609020204030204" pitchFamily="49" charset="0"/>
+                <a:cs typeface="Consolas" panose="020B0609020204030204" pitchFamily="49" charset="0"/>
+              </a:rPr>
+              <a:t> apt-get </a:t>
+            </a:r>
+            <a:r>
+              <a:rPr lang="en-US" dirty="0" err="1">
+                <a:solidFill>
+                  <a:srgbClr val="00B050"/>
+                </a:solidFill>
+                <a:latin typeface="Consolas" panose="020B0609020204030204" pitchFamily="49" charset="0"/>
+                <a:cs typeface="Consolas" panose="020B0609020204030204" pitchFamily="49" charset="0"/>
+              </a:rPr>
+              <a:t>dist</a:t>
+            </a:r>
+            <a:r>
+              <a:rPr lang="en-US" dirty="0">
+                <a:solidFill>
+                  <a:srgbClr val="00B050"/>
+                </a:solidFill>
+                <a:latin typeface="Consolas" panose="020B0609020204030204" pitchFamily="49" charset="0"/>
+                <a:cs typeface="Consolas" panose="020B0609020204030204" pitchFamily="49" charset="0"/>
+              </a:rPr>
+              <a:t>-upgrade</a:t>
+            </a:r>
+            <a:endParaRPr lang="en-US" dirty="0">
+              <a:solidFill>
+                <a:srgbClr val="0070C0"/>
+              </a:solidFill>
+              <a:latin typeface="Consolas" panose="020B0609020204030204" pitchFamily="49" charset="0"/>
+              <a:cs typeface="Consolas" panose="020B0609020204030204" pitchFamily="49" charset="0"/>
+            </a:endParaRPr>
+          </a:p>
+        </p:txBody>
+      </p:sp>
+    </p:spTree>
+    <p:extLst>
+      <p:ext uri="{BB962C8B-B14F-4D97-AF65-F5344CB8AC3E}">
+        <p14:creationId xmlns:p14="http://schemas.microsoft.com/office/powerpoint/2010/main" val="386464259"/>
+      </p:ext>
+    </p:extLst>
+  </p:cSld>
+  <p:clrMapOvr>
+    <a:masterClrMapping/>
+  </p:clrMapOvr>
+</p:sld>
+</file>
+
+<file path=ppt/slides/slide51.xml><?xml version="1.0" encoding="utf-8"?>
+<p:sld xmlns:a="http://schemas.openxmlformats.org/drawingml/2006/main" xmlns:r="http://schemas.openxmlformats.org/officeDocument/2006/relationships" xmlns:p="http://schemas.openxmlformats.org/presentationml/2006/main">
+  <p:cSld>
+    <p:spTree>
+      <p:nvGrpSpPr>
+        <p:cNvPr id="1" name=""/>
+        <p:cNvGrpSpPr/>
+        <p:nvPr/>
+      </p:nvGrpSpPr>
+      <p:grpSpPr>
+        <a:xfrm>
+          <a:off x="0" y="0"/>
+          <a:ext cx="0" cy="0"/>
+          <a:chOff x="0" y="0"/>
+          <a:chExt cx="0" cy="0"/>
+        </a:xfrm>
+      </p:grpSpPr>
+      <p:sp>
+        <p:nvSpPr>
+          <p:cNvPr id="2" name="Title 1"/>
+          <p:cNvSpPr>
+            <a:spLocks noGrp="1"/>
+          </p:cNvSpPr>
+          <p:nvPr>
+            <p:ph type="title"/>
+          </p:nvPr>
+        </p:nvSpPr>
+        <p:spPr/>
+        <p:txBody>
+          <a:bodyPr/>
+          <a:lstStyle/>
+          <a:p>
+            <a:r>
+              <a:rPr lang="en-US" dirty="0" smtClean="0"/>
+              <a:t>Aptitude</a:t>
+            </a:r>
+            <a:endParaRPr lang="en-US" dirty="0"/>
+          </a:p>
+        </p:txBody>
+      </p:sp>
+      <p:sp>
+        <p:nvSpPr>
+          <p:cNvPr id="3" name="Content Placeholder 2"/>
+          <p:cNvSpPr>
+            <a:spLocks noGrp="1"/>
+          </p:cNvSpPr>
+          <p:nvPr>
+            <p:ph idx="1"/>
+          </p:nvPr>
+        </p:nvSpPr>
+        <p:spPr/>
+        <p:txBody>
+          <a:bodyPr>
+            <a:normAutofit/>
+          </a:bodyPr>
+          <a:lstStyle/>
+          <a:p>
+            <a:r>
+              <a:rPr lang="en-US" dirty="0" smtClean="0"/>
+              <a:t>Aptitude </a:t>
+            </a:r>
+            <a:r>
+              <a:rPr lang="en-US" dirty="0"/>
+              <a:t>is a </a:t>
+            </a:r>
+            <a:r>
+              <a:rPr lang="en-US" dirty="0">
+                <a:solidFill>
+                  <a:srgbClr val="0070C0"/>
+                </a:solidFill>
+              </a:rPr>
+              <a:t>package manager </a:t>
+            </a:r>
+            <a:r>
+              <a:rPr lang="en-US" dirty="0"/>
+              <a:t>for </a:t>
+            </a:r>
+            <a:r>
+              <a:rPr lang="en-US" dirty="0" err="1"/>
+              <a:t>Debian</a:t>
+            </a:r>
+            <a:r>
+              <a:rPr lang="en-US" dirty="0"/>
+              <a:t> GNU/Linux systems that provides a </a:t>
+            </a:r>
+            <a:r>
+              <a:rPr lang="en-US" dirty="0">
+                <a:solidFill>
+                  <a:srgbClr val="0070C0"/>
+                </a:solidFill>
+              </a:rPr>
+              <a:t>frontend</a:t>
+            </a:r>
+            <a:r>
+              <a:rPr lang="en-US" dirty="0"/>
+              <a:t> to the </a:t>
+            </a:r>
+            <a:r>
+              <a:rPr lang="en-US" dirty="0">
+                <a:solidFill>
+                  <a:srgbClr val="0070C0"/>
+                </a:solidFill>
+              </a:rPr>
+              <a:t>apt</a:t>
+            </a:r>
+            <a:r>
+              <a:rPr lang="en-US" dirty="0"/>
+              <a:t> package management </a:t>
+            </a:r>
+            <a:r>
+              <a:rPr lang="en-US" dirty="0" smtClean="0"/>
+              <a:t>infrastructure.</a:t>
+            </a:r>
+          </a:p>
+          <a:p>
+            <a:pPr lvl="1"/>
+            <a:r>
+              <a:rPr lang="en-US" dirty="0" smtClean="0"/>
+              <a:t>Aptitude </a:t>
+            </a:r>
+            <a:r>
+              <a:rPr lang="en-US" dirty="0"/>
+              <a:t>is a </a:t>
+            </a:r>
+            <a:r>
+              <a:rPr lang="en-US" dirty="0" smtClean="0"/>
+              <a:t>text-based </a:t>
+            </a:r>
+            <a:r>
+              <a:rPr lang="en-US" dirty="0"/>
+              <a:t>interface using the </a:t>
+            </a:r>
+            <a:r>
+              <a:rPr lang="en-US" dirty="0">
+                <a:solidFill>
+                  <a:srgbClr val="0070C0"/>
+                </a:solidFill>
+              </a:rPr>
+              <a:t>curses</a:t>
+            </a:r>
+            <a:r>
+              <a:rPr lang="en-US" dirty="0"/>
+              <a:t> </a:t>
+            </a:r>
+            <a:r>
+              <a:rPr lang="en-US" dirty="0" smtClean="0"/>
+              <a:t>library</a:t>
+            </a:r>
+          </a:p>
+          <a:p>
+            <a:endParaRPr lang="en-US" dirty="0" smtClean="0"/>
+          </a:p>
+          <a:p>
+            <a:r>
+              <a:rPr lang="en-US" dirty="0" smtClean="0"/>
+              <a:t>Easy </a:t>
+            </a:r>
+            <a:r>
+              <a:rPr lang="en-US" dirty="0"/>
+              <a:t>access to all versions of a package.</a:t>
+            </a:r>
+          </a:p>
+          <a:p>
+            <a:r>
+              <a:rPr lang="en-US" dirty="0" smtClean="0"/>
+              <a:t>easy </a:t>
+            </a:r>
+            <a:r>
+              <a:rPr lang="en-US" dirty="0"/>
+              <a:t>to keep track of obsolete software by listing it under "Obsolete and Locally Created Packages".</a:t>
+            </a:r>
+          </a:p>
+          <a:p>
+            <a:r>
+              <a:rPr lang="en-US" dirty="0" smtClean="0"/>
+              <a:t>fairly </a:t>
+            </a:r>
+            <a:r>
+              <a:rPr lang="en-US" dirty="0"/>
+              <a:t>powerful system for searching particular packages and limiting the package </a:t>
+            </a:r>
+            <a:r>
+              <a:rPr lang="en-US" dirty="0" smtClean="0"/>
+              <a:t>display</a:t>
+            </a:r>
+          </a:p>
+          <a:p>
+            <a:r>
+              <a:rPr lang="en-US" dirty="0" smtClean="0"/>
+              <a:t>can </a:t>
+            </a:r>
+            <a:r>
+              <a:rPr lang="en-US" dirty="0"/>
+              <a:t>be used to install the predefined </a:t>
+            </a:r>
+            <a:r>
+              <a:rPr lang="en-US" dirty="0" smtClean="0"/>
+              <a:t>tasks</a:t>
+            </a:r>
+          </a:p>
+          <a:p>
+            <a:r>
+              <a:rPr lang="en-US" dirty="0" smtClean="0"/>
+              <a:t>Aptitude </a:t>
+            </a:r>
+            <a:r>
+              <a:rPr lang="en-US" dirty="0"/>
+              <a:t>in full screen mode has </a:t>
+            </a:r>
+            <a:r>
+              <a:rPr lang="en-US" dirty="0" err="1"/>
+              <a:t>su</a:t>
+            </a:r>
+            <a:r>
+              <a:rPr lang="en-US" dirty="0"/>
+              <a:t> functionality embedded and can be run by a normal </a:t>
+            </a:r>
+            <a:r>
+              <a:rPr lang="en-US" dirty="0" smtClean="0"/>
+              <a:t>user.</a:t>
+            </a:r>
+          </a:p>
+          <a:p>
+            <a:pPr lvl="1"/>
+            <a:r>
+              <a:rPr lang="en-US" dirty="0" smtClean="0"/>
+              <a:t>It </a:t>
+            </a:r>
+            <a:r>
+              <a:rPr lang="en-US" dirty="0"/>
+              <a:t>will call </a:t>
+            </a:r>
+            <a:r>
+              <a:rPr lang="en-US" dirty="0" err="1"/>
+              <a:t>su</a:t>
+            </a:r>
+            <a:r>
+              <a:rPr lang="en-US" dirty="0"/>
+              <a:t> (and ask for the root password, if any) when you really need administrative privileges</a:t>
+            </a:r>
+          </a:p>
+          <a:p>
+            <a:endParaRPr lang="en-US" dirty="0"/>
+          </a:p>
+        </p:txBody>
+      </p:sp>
+      <p:sp>
+        <p:nvSpPr>
+          <p:cNvPr id="4" name="Slide Number Placeholder 3"/>
+          <p:cNvSpPr>
+            <a:spLocks noGrp="1"/>
+          </p:cNvSpPr>
+          <p:nvPr>
+            <p:ph type="sldNum" sz="quarter" idx="12"/>
+          </p:nvPr>
+        </p:nvSpPr>
+        <p:spPr/>
+        <p:txBody>
+          <a:bodyPr/>
+          <a:lstStyle/>
+          <a:p>
+            <a:fld id="{52DB1A75-B9BE-46B1-B482-5F96E51FA4B2}" type="slidenum">
+              <a:rPr lang="en-US" smtClean="0"/>
+              <a:t>51</a:t>
+            </a:fld>
+            <a:endParaRPr lang="en-US"/>
+          </a:p>
+        </p:txBody>
+      </p:sp>
+    </p:spTree>
+    <p:extLst>
+      <p:ext uri="{BB962C8B-B14F-4D97-AF65-F5344CB8AC3E}">
+        <p14:creationId xmlns:p14="http://schemas.microsoft.com/office/powerpoint/2010/main" val="590676747"/>
+      </p:ext>
+    </p:extLst>
+  </p:cSld>
+  <p:clrMapOvr>
+    <a:masterClrMapping/>
+  </p:clrMapOvr>
+</p:sld>
+</file>
+
+<file path=ppt/slides/slide52.xml><?xml version="1.0" encoding="utf-8"?>
+<p:sld xmlns:a="http://schemas.openxmlformats.org/drawingml/2006/main" xmlns:r="http://schemas.openxmlformats.org/officeDocument/2006/relationships" xmlns:p="http://schemas.openxmlformats.org/presentationml/2006/main">
+  <p:cSld>
+    <p:spTree>
+      <p:nvGrpSpPr>
+        <p:cNvPr id="1" name=""/>
+        <p:cNvGrpSpPr/>
+        <p:nvPr/>
+      </p:nvGrpSpPr>
+      <p:grpSpPr>
+        <a:xfrm>
+          <a:off x="0" y="0"/>
+          <a:ext cx="0" cy="0"/>
+          <a:chOff x="0" y="0"/>
+          <a:chExt cx="0" cy="0"/>
+        </a:xfrm>
+      </p:grpSpPr>
+      <p:sp>
+        <p:nvSpPr>
+          <p:cNvPr id="2" name="Title 1"/>
+          <p:cNvSpPr>
+            <a:spLocks noGrp="1"/>
+          </p:cNvSpPr>
+          <p:nvPr>
+            <p:ph type="title"/>
+          </p:nvPr>
+        </p:nvSpPr>
+        <p:spPr/>
+        <p:txBody>
+          <a:bodyPr/>
+          <a:lstStyle/>
+          <a:p>
+            <a:r>
+              <a:rPr lang="en-US" dirty="0" smtClean="0"/>
+              <a:t>Aptitude</a:t>
+            </a:r>
+            <a:endParaRPr lang="en-US" dirty="0"/>
+          </a:p>
+        </p:txBody>
+      </p:sp>
+      <p:sp>
+        <p:nvSpPr>
+          <p:cNvPr id="3" name="Content Placeholder 2"/>
+          <p:cNvSpPr>
+            <a:spLocks noGrp="1"/>
+          </p:cNvSpPr>
+          <p:nvPr>
+            <p:ph idx="1"/>
+          </p:nvPr>
+        </p:nvSpPr>
+        <p:spPr/>
+        <p:txBody>
+          <a:bodyPr>
+            <a:normAutofit/>
+          </a:bodyPr>
+          <a:lstStyle/>
+          <a:p>
+            <a:r>
+              <a:rPr lang="en-US" dirty="0" smtClean="0"/>
+              <a:t>We will mainly use it for searching for packages</a:t>
+            </a:r>
+          </a:p>
+          <a:p>
+            <a:endParaRPr lang="en-US" dirty="0"/>
+          </a:p>
+          <a:p>
+            <a:endParaRPr lang="en-US" dirty="0" smtClean="0"/>
+          </a:p>
+          <a:p>
+            <a:endParaRPr lang="en-US" dirty="0"/>
+          </a:p>
+          <a:p>
+            <a:endParaRPr lang="en-US" dirty="0" smtClean="0"/>
+          </a:p>
+          <a:p>
+            <a:r>
+              <a:rPr lang="en-US" dirty="0" smtClean="0"/>
+              <a:t>Assignment</a:t>
+            </a:r>
+          </a:p>
+          <a:p>
+            <a:pPr lvl="1"/>
+            <a:r>
+              <a:rPr lang="en-US" dirty="0"/>
+              <a:t>Install the apache package and find out where the webpages are stored. Make sure you can view your </a:t>
+            </a:r>
+            <a:r>
+              <a:rPr lang="en-US" dirty="0" smtClean="0"/>
+              <a:t>website </a:t>
+            </a:r>
+            <a:r>
+              <a:rPr lang="en-US" dirty="0"/>
+              <a:t>from your host machine. Change the index.html page (you can use the </a:t>
+            </a:r>
+            <a:r>
+              <a:rPr lang="en-US" dirty="0" err="1"/>
+              <a:t>nano</a:t>
+            </a:r>
+            <a:r>
+              <a:rPr lang="en-US" dirty="0"/>
+              <a:t> editor for this) and add some cool things to it.</a:t>
+            </a:r>
+            <a:endParaRPr lang="en-US" dirty="0" smtClean="0"/>
+          </a:p>
+          <a:p>
+            <a:endParaRPr lang="en-US" dirty="0"/>
+          </a:p>
+        </p:txBody>
+      </p:sp>
+      <p:sp>
+        <p:nvSpPr>
+          <p:cNvPr id="4" name="Slide Number Placeholder 3"/>
+          <p:cNvSpPr>
+            <a:spLocks noGrp="1"/>
+          </p:cNvSpPr>
+          <p:nvPr>
+            <p:ph type="sldNum" sz="quarter" idx="12"/>
+          </p:nvPr>
+        </p:nvSpPr>
+        <p:spPr/>
+        <p:txBody>
+          <a:bodyPr/>
+          <a:lstStyle/>
+          <a:p>
+            <a:fld id="{52DB1A75-B9BE-46B1-B482-5F96E51FA4B2}" type="slidenum">
+              <a:rPr lang="en-US" smtClean="0"/>
+              <a:t>52</a:t>
+            </a:fld>
+            <a:endParaRPr lang="en-US"/>
+          </a:p>
+        </p:txBody>
+      </p:sp>
+      <p:sp>
+        <p:nvSpPr>
+          <p:cNvPr id="5" name="TextBox 4"/>
+          <p:cNvSpPr txBox="1"/>
+          <p:nvPr/>
+        </p:nvSpPr>
+        <p:spPr>
+          <a:xfrm>
+            <a:off x="1357843" y="2293894"/>
+            <a:ext cx="6428314" cy="369332"/>
+          </a:xfrm>
+          <a:prstGeom prst="rect">
+            <a:avLst/>
+          </a:prstGeom>
+        </p:spPr>
+        <p:style>
+          <a:lnRef idx="1">
+            <a:schemeClr val="dk1"/>
+          </a:lnRef>
+          <a:fillRef idx="2">
+            <a:schemeClr val="dk1"/>
+          </a:fillRef>
+          <a:effectRef idx="1">
+            <a:schemeClr val="dk1"/>
+          </a:effectRef>
+          <a:fontRef idx="minor">
+            <a:schemeClr val="dk1"/>
+          </a:fontRef>
+        </p:style>
+        <p:txBody>
+          <a:bodyPr wrap="square" rtlCol="0">
+            <a:spAutoFit/>
+          </a:bodyPr>
+          <a:lstStyle/>
+          <a:p>
+            <a:r>
+              <a:rPr lang="en-US" dirty="0" err="1" smtClean="0">
+                <a:solidFill>
+                  <a:srgbClr val="C00000"/>
+                </a:solidFill>
+                <a:latin typeface="Consolas" panose="020B0609020204030204" pitchFamily="49" charset="0"/>
+                <a:cs typeface="Consolas" panose="020B0609020204030204" pitchFamily="49" charset="0"/>
+              </a:rPr>
+              <a:t>bioboost@NDWMINT</a:t>
+            </a:r>
+            <a:r>
+              <a:rPr lang="en-US" dirty="0" smtClean="0">
+                <a:solidFill>
+                  <a:srgbClr val="C00000"/>
+                </a:solidFill>
+                <a:latin typeface="Consolas" panose="020B0609020204030204" pitchFamily="49" charset="0"/>
+                <a:cs typeface="Consolas" panose="020B0609020204030204" pitchFamily="49" charset="0"/>
+              </a:rPr>
+              <a:t> </a:t>
+            </a:r>
+            <a:r>
+              <a:rPr lang="en-US" dirty="0">
+                <a:solidFill>
+                  <a:srgbClr val="C00000"/>
+                </a:solidFill>
+                <a:latin typeface="Consolas" panose="020B0609020204030204" pitchFamily="49" charset="0"/>
+                <a:cs typeface="Consolas" panose="020B0609020204030204" pitchFamily="49" charset="0"/>
+              </a:rPr>
+              <a:t>~ </a:t>
+            </a:r>
+            <a:r>
+              <a:rPr lang="en-US" dirty="0" smtClean="0">
+                <a:solidFill>
+                  <a:srgbClr val="C00000"/>
+                </a:solidFill>
+                <a:latin typeface="Consolas" panose="020B0609020204030204" pitchFamily="49" charset="0"/>
+                <a:cs typeface="Consolas" panose="020B0609020204030204" pitchFamily="49" charset="0"/>
+              </a:rPr>
+              <a:t>$</a:t>
+            </a:r>
+            <a:r>
+              <a:rPr lang="en-US" dirty="0">
+                <a:solidFill>
+                  <a:srgbClr val="00B050"/>
+                </a:solidFill>
+                <a:latin typeface="Consolas" panose="020B0609020204030204" pitchFamily="49" charset="0"/>
+                <a:cs typeface="Consolas" panose="020B0609020204030204" pitchFamily="49" charset="0"/>
+              </a:rPr>
+              <a:t> </a:t>
+            </a:r>
+            <a:r>
+              <a:rPr lang="en-US" dirty="0" smtClean="0">
+                <a:solidFill>
+                  <a:srgbClr val="00B050"/>
+                </a:solidFill>
+                <a:latin typeface="Consolas" panose="020B0609020204030204" pitchFamily="49" charset="0"/>
+                <a:cs typeface="Consolas" panose="020B0609020204030204" pitchFamily="49" charset="0"/>
+              </a:rPr>
+              <a:t>aptitude search &lt;</a:t>
+            </a:r>
+            <a:r>
+              <a:rPr lang="en-US" dirty="0" err="1" smtClean="0">
+                <a:solidFill>
+                  <a:srgbClr val="00B050"/>
+                </a:solidFill>
+                <a:latin typeface="Consolas" panose="020B0609020204030204" pitchFamily="49" charset="0"/>
+                <a:cs typeface="Consolas" panose="020B0609020204030204" pitchFamily="49" charset="0"/>
+              </a:rPr>
+              <a:t>searchterm</a:t>
+            </a:r>
+            <a:r>
+              <a:rPr lang="en-US" dirty="0" smtClean="0">
+                <a:solidFill>
+                  <a:srgbClr val="00B050"/>
+                </a:solidFill>
+                <a:latin typeface="Consolas" panose="020B0609020204030204" pitchFamily="49" charset="0"/>
+                <a:cs typeface="Consolas" panose="020B0609020204030204" pitchFamily="49" charset="0"/>
+              </a:rPr>
+              <a:t>&gt;</a:t>
+            </a:r>
+            <a:endParaRPr lang="en-US" dirty="0">
+              <a:solidFill>
+                <a:srgbClr val="0070C0"/>
+              </a:solidFill>
+              <a:latin typeface="Consolas" panose="020B0609020204030204" pitchFamily="49" charset="0"/>
+              <a:cs typeface="Consolas" panose="020B0609020204030204" pitchFamily="49" charset="0"/>
+            </a:endParaRPr>
+          </a:p>
+        </p:txBody>
+      </p:sp>
+    </p:spTree>
+    <p:extLst>
+      <p:ext uri="{BB962C8B-B14F-4D97-AF65-F5344CB8AC3E}">
+        <p14:creationId xmlns:p14="http://schemas.microsoft.com/office/powerpoint/2010/main" val="1143321662"/>
+      </p:ext>
+    </p:extLst>
+  </p:cSld>
+  <p:clrMapOvr>
+    <a:masterClrMapping/>
+  </p:clrMapOvr>
+</p:sld>
+</file>
+
+<file path=ppt/slides/slide53.xml><?xml version="1.0" encoding="utf-8"?>
+<p:sld xmlns:a="http://schemas.openxmlformats.org/drawingml/2006/main" xmlns:r="http://schemas.openxmlformats.org/officeDocument/2006/relationships" xmlns:p="http://schemas.openxmlformats.org/presentationml/2006/main">
+  <p:cSld>
+    <p:spTree>
+      <p:nvGrpSpPr>
+        <p:cNvPr id="1" name=""/>
+        <p:cNvGrpSpPr/>
+        <p:nvPr/>
+      </p:nvGrpSpPr>
+      <p:grpSpPr>
+        <a:xfrm>
+          <a:off x="0" y="0"/>
+          <a:ext cx="0" cy="0"/>
+          <a:chOff x="0" y="0"/>
+          <a:chExt cx="0" cy="0"/>
+        </a:xfrm>
+      </p:grpSpPr>
+      <p:sp>
+        <p:nvSpPr>
+          <p:cNvPr id="2" name="Title 1"/>
+          <p:cNvSpPr>
+            <a:spLocks noGrp="1"/>
+          </p:cNvSpPr>
+          <p:nvPr>
+            <p:ph type="title"/>
+          </p:nvPr>
+        </p:nvSpPr>
+        <p:spPr/>
+        <p:txBody>
+          <a:bodyPr/>
+          <a:lstStyle/>
+          <a:p>
+            <a:r>
+              <a:rPr lang="en-US" dirty="0" smtClean="0"/>
+              <a:t>Would you like to know more ?</a:t>
+            </a:r>
+            <a:endParaRPr lang="en-US" dirty="0"/>
+          </a:p>
+        </p:txBody>
+      </p:sp>
+      <p:sp>
+        <p:nvSpPr>
+          <p:cNvPr id="3" name="Content Placeholder 2"/>
+          <p:cNvSpPr>
+            <a:spLocks noGrp="1"/>
+          </p:cNvSpPr>
+          <p:nvPr>
+            <p:ph idx="1"/>
+          </p:nvPr>
+        </p:nvSpPr>
+        <p:spPr/>
+        <p:txBody>
+          <a:bodyPr/>
+          <a:lstStyle/>
+          <a:p>
+            <a:endParaRPr lang="en-US" dirty="0" smtClean="0"/>
+          </a:p>
+          <a:p>
+            <a:endParaRPr lang="en-US" dirty="0"/>
+          </a:p>
+          <a:p>
+            <a:endParaRPr lang="en-US" dirty="0" smtClean="0"/>
+          </a:p>
+          <a:p>
+            <a:endParaRPr lang="en-US" dirty="0" smtClean="0"/>
+          </a:p>
+          <a:p>
+            <a:endParaRPr lang="en-US" dirty="0" smtClean="0"/>
+          </a:p>
+          <a:p>
+            <a:endParaRPr lang="en-US" dirty="0"/>
+          </a:p>
+          <a:p>
+            <a:endParaRPr lang="en-US" dirty="0" smtClean="0"/>
+          </a:p>
+          <a:p>
+            <a:endParaRPr lang="en-US" dirty="0"/>
+          </a:p>
+          <a:p>
+            <a:r>
+              <a:rPr lang="en-US" dirty="0" smtClean="0"/>
+              <a:t>Well then</a:t>
+            </a:r>
+            <a:endParaRPr lang="en-US" dirty="0"/>
+          </a:p>
+        </p:txBody>
+      </p:sp>
+      <p:sp>
+        <p:nvSpPr>
+          <p:cNvPr id="4" name="Slide Number Placeholder 3"/>
+          <p:cNvSpPr>
+            <a:spLocks noGrp="1"/>
+          </p:cNvSpPr>
+          <p:nvPr>
+            <p:ph type="sldNum" sz="quarter" idx="12"/>
+          </p:nvPr>
+        </p:nvSpPr>
+        <p:spPr/>
+        <p:txBody>
+          <a:bodyPr/>
+          <a:lstStyle/>
+          <a:p>
+            <a:fld id="{52DB1A75-B9BE-46B1-B482-5F96E51FA4B2}" type="slidenum">
+              <a:rPr lang="en-US" smtClean="0"/>
+              <a:t>53</a:t>
+            </a:fld>
+            <a:endParaRPr lang="en-US"/>
+          </a:p>
+        </p:txBody>
+      </p:sp>
+      <p:pic>
+        <p:nvPicPr>
+          <p:cNvPr id="1026" name="Picture 2" descr="http://nitehawkcinema.files.wordpress.com/2012/05/starship-troopers-wyltkm.jpg"/>
+          <p:cNvPicPr>
+            <a:picLocks noChangeAspect="1" noChangeArrowheads="1"/>
+          </p:cNvPicPr>
+          <p:nvPr/>
+        </p:nvPicPr>
+        <p:blipFill>
+          <a:blip r:embed="rId2">
+            <a:extLst>
+              <a:ext uri="{28A0092B-C50C-407E-A947-70E740481C1C}">
+                <a14:useLocalDpi xmlns:a14="http://schemas.microsoft.com/office/drawing/2010/main" val="0"/>
+              </a:ext>
+            </a:extLst>
+          </a:blip>
+          <a:srcRect/>
+          <a:stretch>
+            <a:fillRect/>
+          </a:stretch>
+        </p:blipFill>
+        <p:spPr bwMode="auto">
+          <a:xfrm>
+            <a:off x="1952625" y="1124712"/>
+            <a:ext cx="5238750" cy="2867025"/>
+          </a:xfrm>
+          <a:prstGeom prst="rect">
+            <a:avLst/>
+          </a:prstGeom>
+          <a:noFill/>
+          <a:extLst>
+            <a:ext uri="{909E8E84-426E-40DD-AFC4-6F175D3DCCD1}">
+              <a14:hiddenFill xmlns:a14="http://schemas.microsoft.com/office/drawing/2010/main">
+                <a:solidFill>
+                  <a:srgbClr val="FFFFFF"/>
+                </a:solidFill>
+              </a14:hiddenFill>
+            </a:ext>
+          </a:extLst>
+        </p:spPr>
+      </p:pic>
+      <p:grpSp>
+        <p:nvGrpSpPr>
+          <p:cNvPr id="7" name="Group 6"/>
+          <p:cNvGrpSpPr/>
+          <p:nvPr/>
+        </p:nvGrpSpPr>
+        <p:grpSpPr>
+          <a:xfrm>
+            <a:off x="3090799" y="4242815"/>
+            <a:ext cx="2313173" cy="2313173"/>
+            <a:chOff x="5413375" y="1752026"/>
+            <a:chExt cx="2857500" cy="2857500"/>
+          </a:xfrm>
+        </p:grpSpPr>
+        <p:pic>
+          <p:nvPicPr>
+            <p:cNvPr id="8" name="Picture 2" descr="http://matthewhailwood.co.nz/content/images/2014/Feb/rtfm_300x300.jpg"/>
+            <p:cNvPicPr>
+              <a:picLocks noChangeAspect="1" noChangeArrowheads="1"/>
+            </p:cNvPicPr>
+            <p:nvPr/>
+          </p:nvPicPr>
+          <p:blipFill>
+            <a:blip r:embed="rId3">
+              <a:extLst>
+                <a:ext uri="{28A0092B-C50C-407E-A947-70E740481C1C}">
+                  <a14:useLocalDpi xmlns:a14="http://schemas.microsoft.com/office/drawing/2010/main" val="0"/>
+                </a:ext>
+              </a:extLst>
+            </a:blip>
+            <a:srcRect/>
+            <a:stretch>
+              <a:fillRect/>
+            </a:stretch>
+          </p:blipFill>
+          <p:spPr bwMode="auto">
+            <a:xfrm>
+              <a:off x="5413375" y="1752026"/>
+              <a:ext cx="2857500" cy="2857500"/>
+            </a:xfrm>
+            <a:prstGeom prst="rect">
+              <a:avLst/>
+            </a:prstGeom>
+            <a:noFill/>
+            <a:extLst>
+              <a:ext uri="{909E8E84-426E-40DD-AFC4-6F175D3DCCD1}">
+                <a14:hiddenFill xmlns:a14="http://schemas.microsoft.com/office/drawing/2010/main">
+                  <a:solidFill>
+                    <a:srgbClr val="FFFFFF"/>
+                  </a:solidFill>
+                </a14:hiddenFill>
+              </a:ext>
+            </a:extLst>
+          </p:spPr>
+        </p:pic>
+        <p:pic>
+          <p:nvPicPr>
+            <p:cNvPr id="9" name="Picture 2" descr="http://imanweb.free.fr/rtfm/rtfm.jpg"/>
+            <p:cNvPicPr>
+              <a:picLocks noChangeAspect="1" noChangeArrowheads="1"/>
+            </p:cNvPicPr>
+            <p:nvPr/>
+          </p:nvPicPr>
+          <p:blipFill>
+            <a:blip r:embed="rId4" cstate="print">
+              <a:extLst>
+                <a:ext uri="{28A0092B-C50C-407E-A947-70E740481C1C}">
+                  <a14:useLocalDpi xmlns:a14="http://schemas.microsoft.com/office/drawing/2010/main" val="0"/>
+                </a:ext>
+              </a:extLst>
+            </a:blip>
+            <a:srcRect/>
+            <a:stretch>
+              <a:fillRect/>
+            </a:stretch>
+          </p:blipFill>
+          <p:spPr bwMode="auto">
+            <a:xfrm>
+              <a:off x="5464885" y="3600452"/>
+              <a:ext cx="2805990" cy="1009074"/>
+            </a:xfrm>
+            <a:prstGeom prst="rect">
+              <a:avLst/>
+            </a:prstGeom>
+            <a:noFill/>
+            <a:extLst>
+              <a:ext uri="{909E8E84-426E-40DD-AFC4-6F175D3DCCD1}">
+                <a14:hiddenFill xmlns:a14="http://schemas.microsoft.com/office/drawing/2010/main">
+                  <a:solidFill>
+                    <a:srgbClr val="FFFFFF"/>
+                  </a:solidFill>
+                </a14:hiddenFill>
+              </a:ext>
+            </a:extLst>
+          </p:spPr>
+        </p:pic>
+      </p:grpSp>
+    </p:spTree>
+    <p:extLst>
+      <p:ext uri="{BB962C8B-B14F-4D97-AF65-F5344CB8AC3E}">
+        <p14:creationId xmlns:p14="http://schemas.microsoft.com/office/powerpoint/2010/main" val="133995243"/>
+      </p:ext>
+    </p:extLst>
+  </p:cSld>
+  <p:clrMapOvr>
+    <a:masterClrMapping/>
+  </p:clrMapOvr>
+</p:sld>
+</file>
+
+<file path=ppt/slides/slide54.xml><?xml version="1.0" encoding="utf-8"?>
+<p:sld xmlns:a="http://schemas.openxmlformats.org/drawingml/2006/main" xmlns:r="http://schemas.openxmlformats.org/officeDocument/2006/relationships" xmlns:p="http://schemas.openxmlformats.org/presentationml/2006/main" show="0">
+  <p:cSld>
+    <p:spTree>
+      <p:nvGrpSpPr>
+        <p:cNvPr id="1" name=""/>
+        <p:cNvGrpSpPr/>
+        <p:nvPr/>
+      </p:nvGrpSpPr>
+      <p:grpSpPr>
+        <a:xfrm>
+          <a:off x="0" y="0"/>
+          <a:ext cx="0" cy="0"/>
+          <a:chOff x="0" y="0"/>
+          <a:chExt cx="0" cy="0"/>
+        </a:xfrm>
+      </p:grpSpPr>
+      <p:sp>
+        <p:nvSpPr>
+          <p:cNvPr id="4" name="Title 3"/>
+          <p:cNvSpPr>
+            <a:spLocks noGrp="1"/>
+          </p:cNvSpPr>
+          <p:nvPr>
+            <p:ph type="ctrTitle"/>
+          </p:nvPr>
+        </p:nvSpPr>
+        <p:spPr/>
+        <p:txBody>
+          <a:bodyPr/>
+          <a:lstStyle/>
+          <a:p>
+            <a:r>
+              <a:rPr lang="en-US" dirty="0"/>
+              <a:t>Booting the Raspberry Pi</a:t>
+            </a:r>
+          </a:p>
+        </p:txBody>
+      </p:sp>
+      <p:sp>
+        <p:nvSpPr>
+          <p:cNvPr id="5" name="Subtitle 4"/>
+          <p:cNvSpPr>
+            <a:spLocks noGrp="1"/>
+          </p:cNvSpPr>
+          <p:nvPr>
+            <p:ph type="subTitle" idx="1"/>
+          </p:nvPr>
+        </p:nvSpPr>
+        <p:spPr/>
+        <p:txBody>
+          <a:bodyPr/>
+          <a:lstStyle/>
+          <a:p>
+            <a:endParaRPr lang="en-US"/>
+          </a:p>
+        </p:txBody>
+      </p:sp>
+      <p:sp>
+        <p:nvSpPr>
+          <p:cNvPr id="6" name="Slide Number Placeholder 5"/>
+          <p:cNvSpPr>
+            <a:spLocks noGrp="1"/>
+          </p:cNvSpPr>
+          <p:nvPr>
+            <p:ph type="sldNum" sz="quarter" idx="12"/>
+          </p:nvPr>
+        </p:nvSpPr>
+        <p:spPr/>
+        <p:txBody>
+          <a:bodyPr/>
+          <a:lstStyle/>
+          <a:p>
+            <a:fld id="{52DB1A75-B9BE-46B1-B482-5F96E51FA4B2}" type="slidenum">
+              <a:rPr lang="en-US" smtClean="0"/>
+              <a:t>54</a:t>
+            </a:fld>
+            <a:endParaRPr lang="en-US"/>
+          </a:p>
+        </p:txBody>
+      </p:sp>
+    </p:spTree>
+    <p:extLst>
+      <p:ext uri="{BB962C8B-B14F-4D97-AF65-F5344CB8AC3E}">
+        <p14:creationId xmlns:p14="http://schemas.microsoft.com/office/powerpoint/2010/main" val="711743385"/>
+      </p:ext>
+    </p:extLst>
+  </p:cSld>
+  <p:clrMapOvr>
+    <a:masterClrMapping/>
+  </p:clrMapOvr>
+  <mc:AlternateContent xmlns:mc="http://schemas.openxmlformats.org/markup-compatibility/2006" xmlns:p14="http://schemas.microsoft.com/office/powerpoint/2010/main">
+    <mc:Choice Requires="p14">
+      <p:transition spd="slow" p14:dur="2000"/>
+    </mc:Choice>
+    <mc:Fallback xmlns="">
+      <p:transition spd="slow"/>
+    </mc:Fallback>
+  </mc:AlternateContent>
+</p:sld>
+</file>
+
+<file path=ppt/slides/slide55.xml><?xml version="1.0" encoding="utf-8"?>
+<p:sld xmlns:a="http://schemas.openxmlformats.org/drawingml/2006/main" xmlns:r="http://schemas.openxmlformats.org/officeDocument/2006/relationships" xmlns:p="http://schemas.openxmlformats.org/presentationml/2006/main" show="0">
+  <p:cSld>
+    <p:spTree>
+      <p:nvGrpSpPr>
+        <p:cNvPr id="1" name=""/>
+        <p:cNvGrpSpPr/>
+        <p:nvPr/>
+      </p:nvGrpSpPr>
+      <p:grpSpPr>
+        <a:xfrm>
+          <a:off x="0" y="0"/>
+          <a:ext cx="0" cy="0"/>
+          <a:chOff x="0" y="0"/>
+          <a:chExt cx="0" cy="0"/>
+        </a:xfrm>
+      </p:grpSpPr>
+      <p:sp>
+        <p:nvSpPr>
+          <p:cNvPr id="4" name="Title 3"/>
+          <p:cNvSpPr>
+            <a:spLocks noGrp="1"/>
+          </p:cNvSpPr>
+          <p:nvPr>
+            <p:ph type="title"/>
+          </p:nvPr>
+        </p:nvSpPr>
+        <p:spPr/>
+        <p:txBody>
+          <a:bodyPr/>
+          <a:lstStyle/>
+          <a:p>
+            <a:endParaRPr lang="en-US"/>
+          </a:p>
+        </p:txBody>
+      </p:sp>
+      <p:sp>
+        <p:nvSpPr>
+          <p:cNvPr id="5" name="Content Placeholder 4"/>
+          <p:cNvSpPr>
+            <a:spLocks noGrp="1"/>
+          </p:cNvSpPr>
+          <p:nvPr>
+            <p:ph idx="1"/>
+          </p:nvPr>
+        </p:nvSpPr>
+        <p:spPr/>
+        <p:txBody>
+          <a:bodyPr/>
+          <a:lstStyle/>
+          <a:p>
+            <a:r>
+              <a:rPr lang="en-US" dirty="0"/>
+              <a:t>When we are talking about embedded Linux we actually are talking about the same kernel code running on millions of other systems. There is no separate code base for embedded systems. When we however build a Linux system for an embedded target we do exclude features we won’t be using and we are also cross-compiling the kernel to binary code that can run on the target system.</a:t>
+            </a:r>
+          </a:p>
+        </p:txBody>
+      </p:sp>
+      <p:sp>
+        <p:nvSpPr>
+          <p:cNvPr id="6" name="Slide Number Placeholder 5"/>
+          <p:cNvSpPr>
+            <a:spLocks noGrp="1"/>
+          </p:cNvSpPr>
+          <p:nvPr>
+            <p:ph type="sldNum" sz="quarter" idx="12"/>
+          </p:nvPr>
+        </p:nvSpPr>
+        <p:spPr/>
+        <p:txBody>
+          <a:bodyPr/>
+          <a:lstStyle/>
+          <a:p>
+            <a:fld id="{52DB1A75-B9BE-46B1-B482-5F96E51FA4B2}" type="slidenum">
+              <a:rPr lang="en-US" smtClean="0"/>
+              <a:t>55</a:t>
+            </a:fld>
+            <a:endParaRPr lang="en-US"/>
+          </a:p>
+        </p:txBody>
+      </p:sp>
+    </p:spTree>
+    <p:extLst>
+      <p:ext uri="{BB962C8B-B14F-4D97-AF65-F5344CB8AC3E}">
+        <p14:creationId xmlns:p14="http://schemas.microsoft.com/office/powerpoint/2010/main" val="2255797779"/>
+      </p:ext>
+    </p:extLst>
+  </p:cSld>
+  <p:clrMapOvr>
+    <a:masterClrMapping/>
+  </p:clrMapOvr>
+  <mc:AlternateContent xmlns:mc="http://schemas.openxmlformats.org/markup-compatibility/2006" xmlns:p14="http://schemas.microsoft.com/office/powerpoint/2010/main">
+    <mc:Choice Requires="p14">
+      <p:transition spd="slow" p14:dur="2000"/>
+    </mc:Choice>
+    <mc:Fallback xmlns="">
+      <p:transition spd="slow"/>
+    </mc:Fallback>
+  </mc:AlternateContent>
+</p:sld>
+</file>
+
+<file path=ppt/slides/slide56.xml><?xml version="1.0" encoding="utf-8"?>
+<p:sld xmlns:a="http://schemas.openxmlformats.org/drawingml/2006/main" xmlns:r="http://schemas.openxmlformats.org/officeDocument/2006/relationships" xmlns:p="http://schemas.openxmlformats.org/presentationml/2006/main" show="0">
+  <p:cSld>
+    <p:spTree>
+      <p:nvGrpSpPr>
+        <p:cNvPr id="1" name=""/>
+        <p:cNvGrpSpPr/>
+        <p:nvPr/>
+      </p:nvGrpSpPr>
+      <p:grpSpPr>
+        <a:xfrm>
+          <a:off x="0" y="0"/>
+          <a:ext cx="0" cy="0"/>
+          <a:chOff x="0" y="0"/>
+          <a:chExt cx="0" cy="0"/>
+        </a:xfrm>
+      </p:grpSpPr>
+      <p:sp>
+        <p:nvSpPr>
+          <p:cNvPr id="2" name="Title 1"/>
+          <p:cNvSpPr>
+            <a:spLocks noGrp="1"/>
+          </p:cNvSpPr>
+          <p:nvPr>
+            <p:ph type="title"/>
+          </p:nvPr>
+        </p:nvSpPr>
+        <p:spPr/>
+        <p:txBody>
+          <a:bodyPr/>
+          <a:lstStyle/>
+          <a:p>
+            <a:r>
+              <a:rPr lang="en-US" dirty="0" smtClean="0"/>
+              <a:t>Setting up an Embedded System</a:t>
+            </a:r>
+            <a:endParaRPr lang="en-US" dirty="0"/>
+          </a:p>
+        </p:txBody>
+      </p:sp>
+      <p:sp>
+        <p:nvSpPr>
+          <p:cNvPr id="3" name="Content Placeholder 2"/>
+          <p:cNvSpPr>
+            <a:spLocks noGrp="1"/>
+          </p:cNvSpPr>
+          <p:nvPr>
+            <p:ph idx="1"/>
+          </p:nvPr>
+        </p:nvSpPr>
+        <p:spPr/>
+        <p:txBody>
+          <a:bodyPr/>
+          <a:lstStyle/>
+          <a:p>
+            <a:r>
+              <a:rPr lang="en-US" dirty="0"/>
+              <a:t>To </a:t>
+            </a:r>
+            <a:r>
+              <a:rPr lang="en-US" dirty="0" smtClean="0"/>
+              <a:t>setup an </a:t>
+            </a:r>
+            <a:r>
+              <a:rPr lang="en-US" dirty="0"/>
+              <a:t>embedded Linux system we have multiple choices:</a:t>
+            </a:r>
+          </a:p>
+          <a:p>
+            <a:pPr lvl="1"/>
+            <a:r>
+              <a:rPr lang="en-US" dirty="0"/>
+              <a:t>Use a </a:t>
+            </a:r>
+            <a:r>
+              <a:rPr lang="en-US" dirty="0">
+                <a:solidFill>
+                  <a:srgbClr val="00B050"/>
+                </a:solidFill>
+              </a:rPr>
+              <a:t>pre-built binary </a:t>
+            </a:r>
+            <a:r>
+              <a:rPr lang="en-US" dirty="0"/>
+              <a:t>distribution such as </a:t>
+            </a:r>
+            <a:r>
+              <a:rPr lang="en-US" dirty="0" err="1" smtClean="0"/>
+              <a:t>Raspbian</a:t>
+            </a:r>
+            <a:r>
+              <a:rPr lang="en-US" dirty="0" smtClean="0"/>
+              <a:t>, </a:t>
+            </a:r>
+            <a:r>
+              <a:rPr lang="en-US" dirty="0"/>
+              <a:t>Ubuntu or Fedora</a:t>
+            </a:r>
+          </a:p>
+          <a:p>
+            <a:pPr lvl="1"/>
+            <a:r>
+              <a:rPr lang="en-US" dirty="0">
+                <a:solidFill>
+                  <a:srgbClr val="00B050"/>
+                </a:solidFill>
+              </a:rPr>
+              <a:t>Quick </a:t>
+            </a:r>
+            <a:r>
+              <a:rPr lang="en-US" dirty="0"/>
+              <a:t>to set </a:t>
+            </a:r>
+            <a:r>
+              <a:rPr lang="en-US" dirty="0" smtClean="0"/>
+              <a:t>up, but </a:t>
+            </a:r>
+            <a:r>
+              <a:rPr lang="en-US" dirty="0" smtClean="0">
+                <a:solidFill>
+                  <a:srgbClr val="00B050"/>
+                </a:solidFill>
+              </a:rPr>
+              <a:t>not </a:t>
+            </a:r>
+            <a:r>
+              <a:rPr lang="en-US" dirty="0">
+                <a:solidFill>
+                  <a:srgbClr val="00B050"/>
+                </a:solidFill>
+              </a:rPr>
+              <a:t>very </a:t>
+            </a:r>
+            <a:r>
+              <a:rPr lang="en-US" dirty="0" smtClean="0">
+                <a:solidFill>
+                  <a:srgbClr val="00B050"/>
+                </a:solidFill>
+              </a:rPr>
+              <a:t>flexible</a:t>
+            </a:r>
+            <a:r>
+              <a:rPr lang="en-US" dirty="0" smtClean="0"/>
+              <a:t>: support </a:t>
+            </a:r>
+            <a:r>
+              <a:rPr lang="en-US" dirty="0"/>
+              <a:t>for only a few architectures, no flexibility on package configuration, no easy way to rebuild the entire system automatically.</a:t>
+            </a:r>
+          </a:p>
+          <a:p>
+            <a:endParaRPr lang="en-US" dirty="0"/>
+          </a:p>
+          <a:p>
+            <a:r>
+              <a:rPr lang="en-US" dirty="0">
+                <a:solidFill>
+                  <a:srgbClr val="00B050"/>
+                </a:solidFill>
+              </a:rPr>
+              <a:t>Build</a:t>
+            </a:r>
+            <a:r>
+              <a:rPr lang="en-US" dirty="0"/>
+              <a:t> all system components </a:t>
+            </a:r>
+            <a:r>
+              <a:rPr lang="en-US" dirty="0">
+                <a:solidFill>
+                  <a:srgbClr val="00B050"/>
+                </a:solidFill>
+              </a:rPr>
+              <a:t>manually</a:t>
+            </a:r>
+          </a:p>
+          <a:p>
+            <a:pPr lvl="1"/>
+            <a:r>
+              <a:rPr lang="en-US" dirty="0"/>
+              <a:t>Highly </a:t>
+            </a:r>
+            <a:r>
+              <a:rPr lang="en-US" dirty="0">
+                <a:solidFill>
+                  <a:srgbClr val="00B050"/>
+                </a:solidFill>
+              </a:rPr>
+              <a:t>flexible</a:t>
+            </a:r>
+            <a:r>
+              <a:rPr lang="en-US" dirty="0"/>
+              <a:t>, but </a:t>
+            </a:r>
+            <a:r>
+              <a:rPr lang="en-US" dirty="0">
+                <a:solidFill>
+                  <a:srgbClr val="00B050"/>
+                </a:solidFill>
+              </a:rPr>
+              <a:t>painful</a:t>
+            </a:r>
+            <a:r>
+              <a:rPr lang="en-US" dirty="0"/>
+              <a:t> and </a:t>
+            </a:r>
+            <a:r>
+              <a:rPr lang="en-US" dirty="0">
+                <a:solidFill>
+                  <a:srgbClr val="00B050"/>
+                </a:solidFill>
+              </a:rPr>
+              <a:t>inefficient</a:t>
+            </a:r>
+            <a:r>
+              <a:rPr lang="en-US" dirty="0"/>
+              <a:t>: need to handle complex cross-compilation issues, understand inter-package dependencies, not reproducible.</a:t>
+            </a:r>
+          </a:p>
+          <a:p>
+            <a:endParaRPr lang="en-US" dirty="0"/>
+          </a:p>
+          <a:p>
+            <a:r>
+              <a:rPr lang="en-US" dirty="0"/>
+              <a:t>Use an automated build system, that builds the entire system from source</a:t>
+            </a:r>
+          </a:p>
+          <a:p>
+            <a:pPr lvl="1"/>
+            <a:r>
+              <a:rPr lang="en-US" dirty="0">
+                <a:solidFill>
+                  <a:srgbClr val="00B050"/>
+                </a:solidFill>
+              </a:rPr>
+              <a:t>Automated</a:t>
+            </a:r>
+            <a:r>
+              <a:rPr lang="en-US" dirty="0"/>
+              <a:t>, </a:t>
+            </a:r>
+            <a:r>
+              <a:rPr lang="en-US" dirty="0">
+                <a:solidFill>
+                  <a:srgbClr val="00B050"/>
+                </a:solidFill>
+              </a:rPr>
+              <a:t>flexible</a:t>
+            </a:r>
+            <a:r>
+              <a:rPr lang="en-US" dirty="0"/>
+              <a:t>, handle most cross-compilation issues</a:t>
+            </a:r>
+          </a:p>
+          <a:p>
+            <a:pPr lvl="1"/>
+            <a:r>
+              <a:rPr lang="en-US" dirty="0"/>
+              <a:t>Examples: </a:t>
+            </a:r>
+            <a:r>
+              <a:rPr lang="en-US" dirty="0" err="1"/>
+              <a:t>Buildroot</a:t>
+            </a:r>
+            <a:r>
+              <a:rPr lang="en-US" dirty="0"/>
+              <a:t>, </a:t>
+            </a:r>
+            <a:r>
+              <a:rPr lang="en-US" dirty="0" err="1"/>
+              <a:t>OpenWRT</a:t>
+            </a:r>
+            <a:r>
+              <a:rPr lang="en-US" dirty="0"/>
+              <a:t>, </a:t>
+            </a:r>
+            <a:r>
+              <a:rPr lang="en-US" dirty="0" err="1"/>
+              <a:t>PTXdist</a:t>
+            </a:r>
+            <a:r>
+              <a:rPr lang="en-US" dirty="0"/>
+              <a:t>, </a:t>
+            </a:r>
+            <a:r>
+              <a:rPr lang="en-US" dirty="0" err="1"/>
+              <a:t>OpenBricks</a:t>
+            </a:r>
+            <a:r>
+              <a:rPr lang="en-US" dirty="0"/>
+              <a:t>, </a:t>
+            </a:r>
+            <a:r>
+              <a:rPr lang="en-US" dirty="0" err="1"/>
+              <a:t>OpenEmbedded</a:t>
+            </a:r>
+            <a:r>
+              <a:rPr lang="en-US" dirty="0"/>
+              <a:t>, </a:t>
+            </a:r>
+            <a:r>
+              <a:rPr lang="en-US" dirty="0" err="1"/>
+              <a:t>Yocto</a:t>
+            </a:r>
+            <a:r>
+              <a:rPr lang="en-US" dirty="0"/>
+              <a:t>, etc.</a:t>
+            </a:r>
+          </a:p>
+        </p:txBody>
+      </p:sp>
+      <p:sp>
+        <p:nvSpPr>
+          <p:cNvPr id="4" name="Slide Number Placeholder 3"/>
+          <p:cNvSpPr>
+            <a:spLocks noGrp="1"/>
+          </p:cNvSpPr>
+          <p:nvPr>
+            <p:ph type="sldNum" sz="quarter" idx="12"/>
+          </p:nvPr>
+        </p:nvSpPr>
+        <p:spPr/>
+        <p:txBody>
+          <a:bodyPr/>
+          <a:lstStyle/>
+          <a:p>
+            <a:fld id="{52DB1A75-B9BE-46B1-B482-5F96E51FA4B2}" type="slidenum">
+              <a:rPr lang="en-US" smtClean="0"/>
+              <a:t>56</a:t>
+            </a:fld>
+            <a:endParaRPr lang="en-US"/>
+          </a:p>
+        </p:txBody>
+      </p:sp>
+    </p:spTree>
+    <p:extLst>
+      <p:ext uri="{BB962C8B-B14F-4D97-AF65-F5344CB8AC3E}">
+        <p14:creationId xmlns:p14="http://schemas.microsoft.com/office/powerpoint/2010/main" val="2188926740"/>
+      </p:ext>
+    </p:extLst>
+  </p:cSld>
+  <p:clrMapOvr>
+    <a:masterClrMapping/>
+  </p:clrMapOvr>
+  <mc:AlternateContent xmlns:mc="http://schemas.openxmlformats.org/markup-compatibility/2006" xmlns:p14="http://schemas.microsoft.com/office/powerpoint/2010/main">
+    <mc:Choice Requires="p14">
+      <p:transition spd="slow" p14:dur="2000"/>
+    </mc:Choice>
+    <mc:Fallback xmlns="">
+      <p:transition spd="slow"/>
+    </mc:Fallback>
+  </mc:AlternateContent>
 </p:sld>
 </file>
 

--- a/slides/introduction_to_linux.pptx
+++ b/slides/introduction_to_linux.pptx
@@ -5,7 +5,7 @@
     <p:sldMasterId id="2147483660" r:id="rId1"/>
   </p:sldMasterIdLst>
   <p:notesMasterIdLst>
-    <p:notesMasterId r:id="rId58"/>
+    <p:notesMasterId r:id="rId55"/>
   </p:notesMasterIdLst>
   <p:sldIdLst>
     <p:sldId id="256" r:id="rId2"/>
@@ -61,9 +61,6 @@
     <p:sldId id="350" r:id="rId52"/>
     <p:sldId id="351" r:id="rId53"/>
     <p:sldId id="352" r:id="rId54"/>
-    <p:sldId id="300" r:id="rId55"/>
-    <p:sldId id="304" r:id="rId56"/>
-    <p:sldId id="299" r:id="rId57"/>
   </p:sldIdLst>
   <p:sldSz cx="9144000" cy="6858000" type="screen4x3"/>
   <p:notesSz cx="7099300" cy="10234613"/>
@@ -252,7 +249,7 @@
           <a:p>
             <a:fld id="{7C42333B-93F9-44BD-828D-D8CC89BB8051}" type="datetimeFigureOut">
               <a:rPr lang="en-US" smtClean="0"/>
-              <a:t>9/25/2015</a:t>
+              <a:t>9/27/2015</a:t>
             </a:fld>
             <a:endParaRPr lang="en-US"/>
           </a:p>
@@ -913,7 +910,7 @@
           <a:p>
             <a:fld id="{7FDBF51A-AD7B-48B9-BD6C-0DEFB4E1088B}" type="datetime1">
               <a:rPr lang="en-US" smtClean="0"/>
-              <a:t>9/25/2015</a:t>
+              <a:t>9/27/2015</a:t>
             </a:fld>
             <a:endParaRPr lang="en-US"/>
           </a:p>
@@ -1052,7 +1049,7 @@
           <a:p>
             <a:fld id="{0D5F0973-A24E-4E51-AC53-0AF2185C47AF}" type="datetime1">
               <a:rPr lang="en-US" smtClean="0"/>
-              <a:t>9/25/2015</a:t>
+              <a:t>9/27/2015</a:t>
             </a:fld>
             <a:endParaRPr lang="en-US"/>
           </a:p>
@@ -1168,7 +1165,7 @@
           <a:p>
             <a:fld id="{C3A9A478-9E2E-4842-9E1D-95C5E13356D8}" type="datetime1">
               <a:rPr lang="en-US" smtClean="0"/>
-              <a:t>9/25/2015</a:t>
+              <a:t>9/27/2015</a:t>
             </a:fld>
             <a:endParaRPr lang="en-US"/>
           </a:p>
@@ -1466,7 +1463,7 @@
           <a:p>
             <a:fld id="{D248CA02-C1C1-4368-BDD9-8AD0D4FB83DE}" type="datetime1">
               <a:rPr lang="en-US" smtClean="0"/>
-              <a:t>9/25/2015</a:t>
+              <a:t>9/27/2015</a:t>
             </a:fld>
             <a:endParaRPr lang="en-US"/>
           </a:p>
@@ -1744,7 +1741,7 @@
           <a:p>
             <a:fld id="{C6ED301A-2145-43E1-863D-C0977C11DAC4}" type="datetime1">
               <a:rPr lang="en-US" smtClean="0"/>
-              <a:t>9/25/2015</a:t>
+              <a:t>9/27/2015</a:t>
             </a:fld>
             <a:endParaRPr lang="en-US"/>
           </a:p>
@@ -1935,7 +1932,7 @@
           <a:p>
             <a:fld id="{CEECE4E9-A09C-4A3A-872A-60197681C0E8}" type="datetime1">
               <a:rPr lang="en-US" smtClean="0"/>
-              <a:t>9/25/2015</a:t>
+              <a:t>9/27/2015</a:t>
             </a:fld>
             <a:endParaRPr lang="en-US"/>
           </a:p>
@@ -2136,7 +2133,7 @@
           <a:p>
             <a:fld id="{6E9A05D7-B596-47AE-9553-3890A22995BF}" type="datetime1">
               <a:rPr lang="en-US" smtClean="0"/>
-              <a:t>9/25/2015</a:t>
+              <a:t>9/27/2015</a:t>
             </a:fld>
             <a:endParaRPr lang="en-US"/>
           </a:p>
@@ -2399,7 +2396,7 @@
           <a:p>
             <a:fld id="{625ADD71-1C5F-4F7E-8D78-15C68348C390}" type="datetime1">
               <a:rPr lang="en-US" smtClean="0"/>
-              <a:t>9/25/2015</a:t>
+              <a:t>9/27/2015</a:t>
             </a:fld>
             <a:endParaRPr lang="en-US"/>
           </a:p>
@@ -2590,7 +2587,7 @@
           <a:p>
             <a:fld id="{0B328EE6-6A9B-40B0-A5EF-990F53AEF9DA}" type="datetime1">
               <a:rPr lang="en-US" smtClean="0"/>
-              <a:t>9/25/2015</a:t>
+              <a:t>9/27/2015</a:t>
             </a:fld>
             <a:endParaRPr lang="en-US"/>
           </a:p>
@@ -2786,7 +2783,7 @@
           <a:p>
             <a:fld id="{B4AFEB28-E49B-464B-9FE0-FB4552046618}" type="datetime1">
               <a:rPr lang="en-US" smtClean="0"/>
-              <a:t>9/25/2015</a:t>
+              <a:t>9/27/2015</a:t>
             </a:fld>
             <a:endParaRPr lang="en-US"/>
           </a:p>
@@ -2985,7 +2982,7 @@
           <a:p>
             <a:fld id="{F605F17B-680A-48C5-ADAF-14CE0D16BB75}" type="datetime1">
               <a:rPr lang="en-US" smtClean="0"/>
-              <a:t>9/25/2015</a:t>
+              <a:t>9/27/2015</a:t>
             </a:fld>
             <a:endParaRPr lang="en-US"/>
           </a:p>
@@ -3176,7 +3173,7 @@
           <a:p>
             <a:fld id="{E754C7F4-4B95-4CDF-B24E-B5EE227E4593}" type="datetime1">
               <a:rPr lang="en-US" smtClean="0"/>
-              <a:t>9/25/2015</a:t>
+              <a:t>9/27/2015</a:t>
             </a:fld>
             <a:endParaRPr lang="en-US"/>
           </a:p>
@@ -3443,7 +3440,7 @@
           <a:p>
             <a:fld id="{522D90DD-3F1D-4333-B251-10030ABE1E45}" type="datetime1">
               <a:rPr lang="en-US" smtClean="0"/>
-              <a:t>9/25/2015</a:t>
+              <a:t>9/27/2015</a:t>
             </a:fld>
             <a:endParaRPr lang="en-US"/>
           </a:p>
@@ -3752,7 +3749,7 @@
           <a:p>
             <a:fld id="{0371234B-895E-41E6-ADE7-FEE13FC2EF30}" type="datetime1">
               <a:rPr lang="en-US" smtClean="0"/>
-              <a:t>9/25/2015</a:t>
+              <a:t>9/27/2015</a:t>
             </a:fld>
             <a:endParaRPr lang="en-US"/>
           </a:p>
@@ -4195,7 +4192,7 @@
           <a:p>
             <a:fld id="{CAE48979-8F5D-4C7E-B73F-F6B6BB499E94}" type="datetime1">
               <a:rPr lang="en-US" smtClean="0"/>
-              <a:t>9/25/2015</a:t>
+              <a:t>9/27/2015</a:t>
             </a:fld>
             <a:endParaRPr lang="en-US"/>
           </a:p>
@@ -4452,7 +4449,7 @@
           <a:p>
             <a:fld id="{C63F0295-AD35-4898-97C4-7954EC9DDE31}" type="datetime1">
               <a:rPr lang="en-US" smtClean="0"/>
-              <a:t>9/25/2015</a:t>
+              <a:t>9/27/2015</a:t>
             </a:fld>
             <a:endParaRPr lang="en-US"/>
           </a:p>
@@ -21278,565 +21275,6 @@
 </p:sld>
 </file>
 
-<file path=ppt/slides/slide54.xml><?xml version="1.0" encoding="utf-8"?>
-<p:sld xmlns:a="http://schemas.openxmlformats.org/drawingml/2006/main" xmlns:r="http://schemas.openxmlformats.org/officeDocument/2006/relationships" xmlns:p="http://schemas.openxmlformats.org/presentationml/2006/main" show="0">
-  <p:cSld>
-    <p:spTree>
-      <p:nvGrpSpPr>
-        <p:cNvPr id="1" name=""/>
-        <p:cNvGrpSpPr/>
-        <p:nvPr/>
-      </p:nvGrpSpPr>
-      <p:grpSpPr>
-        <a:xfrm>
-          <a:off x="0" y="0"/>
-          <a:ext cx="0" cy="0"/>
-          <a:chOff x="0" y="0"/>
-          <a:chExt cx="0" cy="0"/>
-        </a:xfrm>
-      </p:grpSpPr>
-      <p:sp>
-        <p:nvSpPr>
-          <p:cNvPr id="4" name="Title 3"/>
-          <p:cNvSpPr>
-            <a:spLocks noGrp="1"/>
-          </p:cNvSpPr>
-          <p:nvPr>
-            <p:ph type="ctrTitle"/>
-          </p:nvPr>
-        </p:nvSpPr>
-        <p:spPr/>
-        <p:txBody>
-          <a:bodyPr/>
-          <a:lstStyle/>
-          <a:p>
-            <a:r>
-              <a:rPr lang="en-US" dirty="0"/>
-              <a:t>Booting the Raspberry Pi</a:t>
-            </a:r>
-          </a:p>
-        </p:txBody>
-      </p:sp>
-      <p:sp>
-        <p:nvSpPr>
-          <p:cNvPr id="5" name="Subtitle 4"/>
-          <p:cNvSpPr>
-            <a:spLocks noGrp="1"/>
-          </p:cNvSpPr>
-          <p:nvPr>
-            <p:ph type="subTitle" idx="1"/>
-          </p:nvPr>
-        </p:nvSpPr>
-        <p:spPr/>
-        <p:txBody>
-          <a:bodyPr/>
-          <a:lstStyle/>
-          <a:p>
-            <a:endParaRPr lang="en-US"/>
-          </a:p>
-        </p:txBody>
-      </p:sp>
-      <p:sp>
-        <p:nvSpPr>
-          <p:cNvPr id="6" name="Slide Number Placeholder 5"/>
-          <p:cNvSpPr>
-            <a:spLocks noGrp="1"/>
-          </p:cNvSpPr>
-          <p:nvPr>
-            <p:ph type="sldNum" sz="quarter" idx="12"/>
-          </p:nvPr>
-        </p:nvSpPr>
-        <p:spPr/>
-        <p:txBody>
-          <a:bodyPr/>
-          <a:lstStyle/>
-          <a:p>
-            <a:fld id="{52DB1A75-B9BE-46B1-B482-5F96E51FA4B2}" type="slidenum">
-              <a:rPr lang="en-US" smtClean="0"/>
-              <a:t>54</a:t>
-            </a:fld>
-            <a:endParaRPr lang="en-US"/>
-          </a:p>
-        </p:txBody>
-      </p:sp>
-    </p:spTree>
-    <p:extLst>
-      <p:ext uri="{BB962C8B-B14F-4D97-AF65-F5344CB8AC3E}">
-        <p14:creationId xmlns:p14="http://schemas.microsoft.com/office/powerpoint/2010/main" val="711743385"/>
-      </p:ext>
-    </p:extLst>
-  </p:cSld>
-  <p:clrMapOvr>
-    <a:masterClrMapping/>
-  </p:clrMapOvr>
-  <mc:AlternateContent xmlns:mc="http://schemas.openxmlformats.org/markup-compatibility/2006" xmlns:p14="http://schemas.microsoft.com/office/powerpoint/2010/main">
-    <mc:Choice Requires="p14">
-      <p:transition spd="slow" p14:dur="2000"/>
-    </mc:Choice>
-    <mc:Fallback xmlns="">
-      <p:transition spd="slow"/>
-    </mc:Fallback>
-  </mc:AlternateContent>
-</p:sld>
-</file>
-
-<file path=ppt/slides/slide55.xml><?xml version="1.0" encoding="utf-8"?>
-<p:sld xmlns:a="http://schemas.openxmlformats.org/drawingml/2006/main" xmlns:r="http://schemas.openxmlformats.org/officeDocument/2006/relationships" xmlns:p="http://schemas.openxmlformats.org/presentationml/2006/main" show="0">
-  <p:cSld>
-    <p:spTree>
-      <p:nvGrpSpPr>
-        <p:cNvPr id="1" name=""/>
-        <p:cNvGrpSpPr/>
-        <p:nvPr/>
-      </p:nvGrpSpPr>
-      <p:grpSpPr>
-        <a:xfrm>
-          <a:off x="0" y="0"/>
-          <a:ext cx="0" cy="0"/>
-          <a:chOff x="0" y="0"/>
-          <a:chExt cx="0" cy="0"/>
-        </a:xfrm>
-      </p:grpSpPr>
-      <p:sp>
-        <p:nvSpPr>
-          <p:cNvPr id="4" name="Title 3"/>
-          <p:cNvSpPr>
-            <a:spLocks noGrp="1"/>
-          </p:cNvSpPr>
-          <p:nvPr>
-            <p:ph type="title"/>
-          </p:nvPr>
-        </p:nvSpPr>
-        <p:spPr/>
-        <p:txBody>
-          <a:bodyPr/>
-          <a:lstStyle/>
-          <a:p>
-            <a:endParaRPr lang="en-US"/>
-          </a:p>
-        </p:txBody>
-      </p:sp>
-      <p:sp>
-        <p:nvSpPr>
-          <p:cNvPr id="5" name="Content Placeholder 4"/>
-          <p:cNvSpPr>
-            <a:spLocks noGrp="1"/>
-          </p:cNvSpPr>
-          <p:nvPr>
-            <p:ph idx="1"/>
-          </p:nvPr>
-        </p:nvSpPr>
-        <p:spPr/>
-        <p:txBody>
-          <a:bodyPr/>
-          <a:lstStyle/>
-          <a:p>
-            <a:r>
-              <a:rPr lang="en-US" dirty="0"/>
-              <a:t>When we are talking about embedded Linux we actually are talking about the same kernel code running on millions of other systems. There is no separate code base for embedded systems. When we however build a Linux system for an embedded target we do exclude features we won’t be using and we are also cross-compiling the kernel to binary code that can run on the target system.</a:t>
-            </a:r>
-          </a:p>
-        </p:txBody>
-      </p:sp>
-      <p:sp>
-        <p:nvSpPr>
-          <p:cNvPr id="6" name="Slide Number Placeholder 5"/>
-          <p:cNvSpPr>
-            <a:spLocks noGrp="1"/>
-          </p:cNvSpPr>
-          <p:nvPr>
-            <p:ph type="sldNum" sz="quarter" idx="12"/>
-          </p:nvPr>
-        </p:nvSpPr>
-        <p:spPr/>
-        <p:txBody>
-          <a:bodyPr/>
-          <a:lstStyle/>
-          <a:p>
-            <a:fld id="{52DB1A75-B9BE-46B1-B482-5F96E51FA4B2}" type="slidenum">
-              <a:rPr lang="en-US" smtClean="0"/>
-              <a:t>55</a:t>
-            </a:fld>
-            <a:endParaRPr lang="en-US"/>
-          </a:p>
-        </p:txBody>
-      </p:sp>
-    </p:spTree>
-    <p:extLst>
-      <p:ext uri="{BB962C8B-B14F-4D97-AF65-F5344CB8AC3E}">
-        <p14:creationId xmlns:p14="http://schemas.microsoft.com/office/powerpoint/2010/main" val="2255797779"/>
-      </p:ext>
-    </p:extLst>
-  </p:cSld>
-  <p:clrMapOvr>
-    <a:masterClrMapping/>
-  </p:clrMapOvr>
-  <mc:AlternateContent xmlns:mc="http://schemas.openxmlformats.org/markup-compatibility/2006" xmlns:p14="http://schemas.microsoft.com/office/powerpoint/2010/main">
-    <mc:Choice Requires="p14">
-      <p:transition spd="slow" p14:dur="2000"/>
-    </mc:Choice>
-    <mc:Fallback xmlns="">
-      <p:transition spd="slow"/>
-    </mc:Fallback>
-  </mc:AlternateContent>
-</p:sld>
-</file>
-
-<file path=ppt/slides/slide56.xml><?xml version="1.0" encoding="utf-8"?>
-<p:sld xmlns:a="http://schemas.openxmlformats.org/drawingml/2006/main" xmlns:r="http://schemas.openxmlformats.org/officeDocument/2006/relationships" xmlns:p="http://schemas.openxmlformats.org/presentationml/2006/main" show="0">
-  <p:cSld>
-    <p:spTree>
-      <p:nvGrpSpPr>
-        <p:cNvPr id="1" name=""/>
-        <p:cNvGrpSpPr/>
-        <p:nvPr/>
-      </p:nvGrpSpPr>
-      <p:grpSpPr>
-        <a:xfrm>
-          <a:off x="0" y="0"/>
-          <a:ext cx="0" cy="0"/>
-          <a:chOff x="0" y="0"/>
-          <a:chExt cx="0" cy="0"/>
-        </a:xfrm>
-      </p:grpSpPr>
-      <p:sp>
-        <p:nvSpPr>
-          <p:cNvPr id="2" name="Title 1"/>
-          <p:cNvSpPr>
-            <a:spLocks noGrp="1"/>
-          </p:cNvSpPr>
-          <p:nvPr>
-            <p:ph type="title"/>
-          </p:nvPr>
-        </p:nvSpPr>
-        <p:spPr/>
-        <p:txBody>
-          <a:bodyPr/>
-          <a:lstStyle/>
-          <a:p>
-            <a:r>
-              <a:rPr lang="en-US" dirty="0" smtClean="0"/>
-              <a:t>Setting up an Embedded System</a:t>
-            </a:r>
-            <a:endParaRPr lang="en-US" dirty="0"/>
-          </a:p>
-        </p:txBody>
-      </p:sp>
-      <p:sp>
-        <p:nvSpPr>
-          <p:cNvPr id="3" name="Content Placeholder 2"/>
-          <p:cNvSpPr>
-            <a:spLocks noGrp="1"/>
-          </p:cNvSpPr>
-          <p:nvPr>
-            <p:ph idx="1"/>
-          </p:nvPr>
-        </p:nvSpPr>
-        <p:spPr/>
-        <p:txBody>
-          <a:bodyPr/>
-          <a:lstStyle/>
-          <a:p>
-            <a:r>
-              <a:rPr lang="en-US" dirty="0"/>
-              <a:t>To </a:t>
-            </a:r>
-            <a:r>
-              <a:rPr lang="en-US" dirty="0" smtClean="0"/>
-              <a:t>setup an </a:t>
-            </a:r>
-            <a:r>
-              <a:rPr lang="en-US" dirty="0"/>
-              <a:t>embedded Linux system we have multiple choices:</a:t>
-            </a:r>
-          </a:p>
-          <a:p>
-            <a:pPr lvl="1"/>
-            <a:r>
-              <a:rPr lang="en-US" dirty="0"/>
-              <a:t>Use a </a:t>
-            </a:r>
-            <a:r>
-              <a:rPr lang="en-US" dirty="0">
-                <a:solidFill>
-                  <a:srgbClr val="00B050"/>
-                </a:solidFill>
-              </a:rPr>
-              <a:t>pre-built binary </a:t>
-            </a:r>
-            <a:r>
-              <a:rPr lang="en-US" dirty="0"/>
-              <a:t>distribution such as </a:t>
-            </a:r>
-            <a:r>
-              <a:rPr lang="en-US" dirty="0" err="1" smtClean="0"/>
-              <a:t>Raspbian</a:t>
-            </a:r>
-            <a:r>
-              <a:rPr lang="en-US" dirty="0" smtClean="0"/>
-              <a:t>, </a:t>
-            </a:r>
-            <a:r>
-              <a:rPr lang="en-US" dirty="0"/>
-              <a:t>Ubuntu or Fedora</a:t>
-            </a:r>
-          </a:p>
-          <a:p>
-            <a:pPr lvl="1"/>
-            <a:r>
-              <a:rPr lang="en-US" dirty="0">
-                <a:solidFill>
-                  <a:srgbClr val="00B050"/>
-                </a:solidFill>
-              </a:rPr>
-              <a:t>Quick </a:t>
-            </a:r>
-            <a:r>
-              <a:rPr lang="en-US" dirty="0"/>
-              <a:t>to set </a:t>
-            </a:r>
-            <a:r>
-              <a:rPr lang="en-US" dirty="0" smtClean="0"/>
-              <a:t>up, but </a:t>
-            </a:r>
-            <a:r>
-              <a:rPr lang="en-US" dirty="0" smtClean="0">
-                <a:solidFill>
-                  <a:srgbClr val="00B050"/>
-                </a:solidFill>
-              </a:rPr>
-              <a:t>not </a:t>
-            </a:r>
-            <a:r>
-              <a:rPr lang="en-US" dirty="0">
-                <a:solidFill>
-                  <a:srgbClr val="00B050"/>
-                </a:solidFill>
-              </a:rPr>
-              <a:t>very </a:t>
-            </a:r>
-            <a:r>
-              <a:rPr lang="en-US" dirty="0" smtClean="0">
-                <a:solidFill>
-                  <a:srgbClr val="00B050"/>
-                </a:solidFill>
-              </a:rPr>
-              <a:t>flexible</a:t>
-            </a:r>
-            <a:r>
-              <a:rPr lang="en-US" dirty="0" smtClean="0"/>
-              <a:t>: support </a:t>
-            </a:r>
-            <a:r>
-              <a:rPr lang="en-US" dirty="0"/>
-              <a:t>for only a few architectures, no flexibility on package configuration, no easy way to rebuild the entire system automatically.</a:t>
-            </a:r>
-          </a:p>
-          <a:p>
-            <a:endParaRPr lang="en-US" dirty="0"/>
-          </a:p>
-          <a:p>
-            <a:r>
-              <a:rPr lang="en-US" dirty="0">
-                <a:solidFill>
-                  <a:srgbClr val="00B050"/>
-                </a:solidFill>
-              </a:rPr>
-              <a:t>Build</a:t>
-            </a:r>
-            <a:r>
-              <a:rPr lang="en-US" dirty="0"/>
-              <a:t> all system components </a:t>
-            </a:r>
-            <a:r>
-              <a:rPr lang="en-US" dirty="0">
-                <a:solidFill>
-                  <a:srgbClr val="00B050"/>
-                </a:solidFill>
-              </a:rPr>
-              <a:t>manually</a:t>
-            </a:r>
-          </a:p>
-          <a:p>
-            <a:pPr lvl="1"/>
-            <a:r>
-              <a:rPr lang="en-US" dirty="0"/>
-              <a:t>Highly </a:t>
-            </a:r>
-            <a:r>
-              <a:rPr lang="en-US" dirty="0">
-                <a:solidFill>
-                  <a:srgbClr val="00B050"/>
-                </a:solidFill>
-              </a:rPr>
-              <a:t>flexible</a:t>
-            </a:r>
-            <a:r>
-              <a:rPr lang="en-US" dirty="0"/>
-              <a:t>, but </a:t>
-            </a:r>
-            <a:r>
-              <a:rPr lang="en-US" dirty="0">
-                <a:solidFill>
-                  <a:srgbClr val="00B050"/>
-                </a:solidFill>
-              </a:rPr>
-              <a:t>painful</a:t>
-            </a:r>
-            <a:r>
-              <a:rPr lang="en-US" dirty="0"/>
-              <a:t> and </a:t>
-            </a:r>
-            <a:r>
-              <a:rPr lang="en-US" dirty="0">
-                <a:solidFill>
-                  <a:srgbClr val="00B050"/>
-                </a:solidFill>
-              </a:rPr>
-              <a:t>inefficient</a:t>
-            </a:r>
-            <a:r>
-              <a:rPr lang="en-US" dirty="0"/>
-              <a:t>: need to handle complex cross-compilation issues, understand inter-package dependencies, not reproducible.</a:t>
-            </a:r>
-          </a:p>
-          <a:p>
-            <a:endParaRPr lang="en-US" dirty="0"/>
-          </a:p>
-          <a:p>
-            <a:r>
-              <a:rPr lang="en-US" dirty="0"/>
-              <a:t>Use an automated build system, that builds the entire system from source</a:t>
-            </a:r>
-          </a:p>
-          <a:p>
-            <a:pPr lvl="1"/>
-            <a:r>
-              <a:rPr lang="en-US" dirty="0">
-                <a:solidFill>
-                  <a:srgbClr val="00B050"/>
-                </a:solidFill>
-              </a:rPr>
-              <a:t>Automated</a:t>
-            </a:r>
-            <a:r>
-              <a:rPr lang="en-US" dirty="0"/>
-              <a:t>, </a:t>
-            </a:r>
-            <a:r>
-              <a:rPr lang="en-US" dirty="0">
-                <a:solidFill>
-                  <a:srgbClr val="00B050"/>
-                </a:solidFill>
-              </a:rPr>
-              <a:t>flexible</a:t>
-            </a:r>
-            <a:r>
-              <a:rPr lang="en-US" dirty="0"/>
-              <a:t>, handle most cross-compilation issues</a:t>
-            </a:r>
-          </a:p>
-          <a:p>
-            <a:pPr lvl="1"/>
-            <a:r>
-              <a:rPr lang="en-US" dirty="0"/>
-              <a:t>Examples: </a:t>
-            </a:r>
-            <a:r>
-              <a:rPr lang="en-US" dirty="0" err="1"/>
-              <a:t>Buildroot</a:t>
-            </a:r>
-            <a:r>
-              <a:rPr lang="en-US" dirty="0"/>
-              <a:t>, </a:t>
-            </a:r>
-            <a:r>
-              <a:rPr lang="en-US" dirty="0" err="1"/>
-              <a:t>OpenWRT</a:t>
-            </a:r>
-            <a:r>
-              <a:rPr lang="en-US" dirty="0"/>
-              <a:t>, </a:t>
-            </a:r>
-            <a:r>
-              <a:rPr lang="en-US" dirty="0" err="1"/>
-              <a:t>PTXdist</a:t>
-            </a:r>
-            <a:r>
-              <a:rPr lang="en-US" dirty="0"/>
-              <a:t>, </a:t>
-            </a:r>
-            <a:r>
-              <a:rPr lang="en-US" dirty="0" err="1"/>
-              <a:t>OpenBricks</a:t>
-            </a:r>
-            <a:r>
-              <a:rPr lang="en-US" dirty="0"/>
-              <a:t>, </a:t>
-            </a:r>
-            <a:r>
-              <a:rPr lang="en-US" dirty="0" err="1"/>
-              <a:t>OpenEmbedded</a:t>
-            </a:r>
-            <a:r>
-              <a:rPr lang="en-US" dirty="0"/>
-              <a:t>, </a:t>
-            </a:r>
-            <a:r>
-              <a:rPr lang="en-US" dirty="0" err="1"/>
-              <a:t>Yocto</a:t>
-            </a:r>
-            <a:r>
-              <a:rPr lang="en-US" dirty="0"/>
-              <a:t>, etc.</a:t>
-            </a:r>
-          </a:p>
-        </p:txBody>
-      </p:sp>
-      <p:sp>
-        <p:nvSpPr>
-          <p:cNvPr id="4" name="Slide Number Placeholder 3"/>
-          <p:cNvSpPr>
-            <a:spLocks noGrp="1"/>
-          </p:cNvSpPr>
-          <p:nvPr>
-            <p:ph type="sldNum" sz="quarter" idx="12"/>
-          </p:nvPr>
-        </p:nvSpPr>
-        <p:spPr/>
-        <p:txBody>
-          <a:bodyPr/>
-          <a:lstStyle/>
-          <a:p>
-            <a:fld id="{52DB1A75-B9BE-46B1-B482-5F96E51FA4B2}" type="slidenum">
-              <a:rPr lang="en-US" smtClean="0"/>
-              <a:t>56</a:t>
-            </a:fld>
-            <a:endParaRPr lang="en-US"/>
-          </a:p>
-        </p:txBody>
-      </p:sp>
-    </p:spTree>
-    <p:extLst>
-      <p:ext uri="{BB962C8B-B14F-4D97-AF65-F5344CB8AC3E}">
-        <p14:creationId xmlns:p14="http://schemas.microsoft.com/office/powerpoint/2010/main" val="2188926740"/>
-      </p:ext>
-    </p:extLst>
-  </p:cSld>
-  <p:clrMapOvr>
-    <a:masterClrMapping/>
-  </p:clrMapOvr>
-  <mc:AlternateContent xmlns:mc="http://schemas.openxmlformats.org/markup-compatibility/2006" xmlns:p14="http://schemas.microsoft.com/office/powerpoint/2010/main">
-    <mc:Choice Requires="p14">
-      <p:transition spd="slow" p14:dur="2000"/>
-    </mc:Choice>
-    <mc:Fallback xmlns="">
-      <p:transition spd="slow"/>
-    </mc:Fallback>
-  </mc:AlternateContent>
-</p:sld>
-</file>
-
 <file path=ppt/slides/slide6.xml><?xml version="1.0" encoding="utf-8"?>
 <p:sld xmlns:a="http://schemas.openxmlformats.org/drawingml/2006/main" xmlns:r="http://schemas.openxmlformats.org/officeDocument/2006/relationships" xmlns:p="http://schemas.openxmlformats.org/presentationml/2006/main">
   <p:cSld>
@@ -22771,7 +22209,7 @@
               <a:pPr algn="ctr"/>
               <a:r>
                 <a:rPr lang="en-US" dirty="0" smtClean="0"/>
-                <a:t>Desktop PC</a:t>
+                <a:t>Server</a:t>
               </a:r>
               <a:endParaRPr lang="en-US" dirty="0"/>
             </a:p>
@@ -23104,9 +22542,32 @@
           </a:p>
         </p:txBody>
       </p:sp>
+      <p:sp>
+        <p:nvSpPr>
+          <p:cNvPr id="20" name="Slide Number Placeholder 19"/>
+          <p:cNvSpPr>
+            <a:spLocks noGrp="1"/>
+          </p:cNvSpPr>
+          <p:nvPr>
+            <p:ph type="sldNum" sz="quarter" idx="12"/>
+          </p:nvPr>
+        </p:nvSpPr>
+        <p:spPr/>
+        <p:txBody>
+          <a:bodyPr/>
+          <a:lstStyle/>
+          <a:p>
+            <a:fld id="{52DB1A75-B9BE-46B1-B482-5F96E51FA4B2}" type="slidenum">
+              <a:rPr lang="en-US" smtClean="0"/>
+              <a:t>9</a:t>
+            </a:fld>
+            <a:endParaRPr lang="en-US"/>
+          </a:p>
+        </p:txBody>
+      </p:sp>
       <p:pic>
         <p:nvPicPr>
-          <p:cNvPr id="19" name="Picture 18"/>
+          <p:cNvPr id="4" name="Picture 3"/>
           <p:cNvPicPr>
             <a:picLocks noChangeAspect="1"/>
           </p:cNvPicPr>
@@ -23120,37 +22581,14 @@
         </p:blipFill>
         <p:spPr>
           <a:xfrm>
-            <a:off x="2543633" y="3894932"/>
-            <a:ext cx="3976039" cy="2576170"/>
+            <a:off x="2660189" y="3730121"/>
+            <a:ext cx="3979801" cy="2578608"/>
           </a:xfrm>
           <a:prstGeom prst="rect">
             <a:avLst/>
           </a:prstGeom>
         </p:spPr>
       </p:pic>
-      <p:sp>
-        <p:nvSpPr>
-          <p:cNvPr id="20" name="Slide Number Placeholder 19"/>
-          <p:cNvSpPr>
-            <a:spLocks noGrp="1"/>
-          </p:cNvSpPr>
-          <p:nvPr>
-            <p:ph type="sldNum" sz="quarter" idx="12"/>
-          </p:nvPr>
-        </p:nvSpPr>
-        <p:spPr/>
-        <p:txBody>
-          <a:bodyPr/>
-          <a:lstStyle/>
-          <a:p>
-            <a:fld id="{52DB1A75-B9BE-46B1-B482-5F96E51FA4B2}" type="slidenum">
-              <a:rPr lang="en-US" smtClean="0"/>
-              <a:t>9</a:t>
-            </a:fld>
-            <a:endParaRPr lang="en-US"/>
-          </a:p>
-        </p:txBody>
-      </p:sp>
     </p:spTree>
     <p:extLst>
       <p:ext uri="{BB962C8B-B14F-4D97-AF65-F5344CB8AC3E}">

--- a/slides/introduction_to_linux.pptx
+++ b/slides/introduction_to_linux.pptx
@@ -4858,6 +4858,17 @@
             <a:r>
               <a:rPr lang="en-US" dirty="0" err="1" smtClean="0"/>
               <a:t>Technieken</a:t>
+            </a:r>
+            <a:r>
+              <a:rPr lang="en-US" dirty="0" smtClean="0"/>
+              <a:t/>
+            </a:r>
+            <a:br>
+              <a:rPr lang="en-US" dirty="0" smtClean="0"/>
+            </a:br>
+            <a:r>
+              <a:rPr lang="en-US" sz="1800" dirty="0" smtClean="0"/>
+              <a:t>2015 – 2016</a:t>
             </a:r>
             <a:endParaRPr lang="en-US" dirty="0"/>
           </a:p>

--- a/slides/introduction_to_linux.pptx
+++ b/slides/introduction_to_linux.pptx
@@ -249,7 +249,7 @@
           <a:p>
             <a:fld id="{7C42333B-93F9-44BD-828D-D8CC89BB8051}" type="datetimeFigureOut">
               <a:rPr lang="en-US" smtClean="0"/>
-              <a:t>9/27/2015</a:t>
+              <a:t>10/2/2015</a:t>
             </a:fld>
             <a:endParaRPr lang="en-US"/>
           </a:p>
@@ -910,7 +910,7 @@
           <a:p>
             <a:fld id="{7FDBF51A-AD7B-48B9-BD6C-0DEFB4E1088B}" type="datetime1">
               <a:rPr lang="en-US" smtClean="0"/>
-              <a:t>9/27/2015</a:t>
+              <a:t>10/2/2015</a:t>
             </a:fld>
             <a:endParaRPr lang="en-US"/>
           </a:p>
@@ -1049,7 +1049,7 @@
           <a:p>
             <a:fld id="{0D5F0973-A24E-4E51-AC53-0AF2185C47AF}" type="datetime1">
               <a:rPr lang="en-US" smtClean="0"/>
-              <a:t>9/27/2015</a:t>
+              <a:t>10/2/2015</a:t>
             </a:fld>
             <a:endParaRPr lang="en-US"/>
           </a:p>
@@ -1165,7 +1165,7 @@
           <a:p>
             <a:fld id="{C3A9A478-9E2E-4842-9E1D-95C5E13356D8}" type="datetime1">
               <a:rPr lang="en-US" smtClean="0"/>
-              <a:t>9/27/2015</a:t>
+              <a:t>10/2/2015</a:t>
             </a:fld>
             <a:endParaRPr lang="en-US"/>
           </a:p>
@@ -1463,7 +1463,7 @@
           <a:p>
             <a:fld id="{D248CA02-C1C1-4368-BDD9-8AD0D4FB83DE}" type="datetime1">
               <a:rPr lang="en-US" smtClean="0"/>
-              <a:t>9/27/2015</a:t>
+              <a:t>10/2/2015</a:t>
             </a:fld>
             <a:endParaRPr lang="en-US"/>
           </a:p>
@@ -1741,7 +1741,7 @@
           <a:p>
             <a:fld id="{C6ED301A-2145-43E1-863D-C0977C11DAC4}" type="datetime1">
               <a:rPr lang="en-US" smtClean="0"/>
-              <a:t>9/27/2015</a:t>
+              <a:t>10/2/2015</a:t>
             </a:fld>
             <a:endParaRPr lang="en-US"/>
           </a:p>
@@ -1932,7 +1932,7 @@
           <a:p>
             <a:fld id="{CEECE4E9-A09C-4A3A-872A-60197681C0E8}" type="datetime1">
               <a:rPr lang="en-US" smtClean="0"/>
-              <a:t>9/27/2015</a:t>
+              <a:t>10/2/2015</a:t>
             </a:fld>
             <a:endParaRPr lang="en-US"/>
           </a:p>
@@ -2133,7 +2133,7 @@
           <a:p>
             <a:fld id="{6E9A05D7-B596-47AE-9553-3890A22995BF}" type="datetime1">
               <a:rPr lang="en-US" smtClean="0"/>
-              <a:t>9/27/2015</a:t>
+              <a:t>10/2/2015</a:t>
             </a:fld>
             <a:endParaRPr lang="en-US"/>
           </a:p>
@@ -2396,7 +2396,7 @@
           <a:p>
             <a:fld id="{625ADD71-1C5F-4F7E-8D78-15C68348C390}" type="datetime1">
               <a:rPr lang="en-US" smtClean="0"/>
-              <a:t>9/27/2015</a:t>
+              <a:t>10/2/2015</a:t>
             </a:fld>
             <a:endParaRPr lang="en-US"/>
           </a:p>
@@ -2587,7 +2587,7 @@
           <a:p>
             <a:fld id="{0B328EE6-6A9B-40B0-A5EF-990F53AEF9DA}" type="datetime1">
               <a:rPr lang="en-US" smtClean="0"/>
-              <a:t>9/27/2015</a:t>
+              <a:t>10/2/2015</a:t>
             </a:fld>
             <a:endParaRPr lang="en-US"/>
           </a:p>
@@ -2783,7 +2783,7 @@
           <a:p>
             <a:fld id="{B4AFEB28-E49B-464B-9FE0-FB4552046618}" type="datetime1">
               <a:rPr lang="en-US" smtClean="0"/>
-              <a:t>9/27/2015</a:t>
+              <a:t>10/2/2015</a:t>
             </a:fld>
             <a:endParaRPr lang="en-US"/>
           </a:p>
@@ -2982,7 +2982,7 @@
           <a:p>
             <a:fld id="{F605F17B-680A-48C5-ADAF-14CE0D16BB75}" type="datetime1">
               <a:rPr lang="en-US" smtClean="0"/>
-              <a:t>9/27/2015</a:t>
+              <a:t>10/2/2015</a:t>
             </a:fld>
             <a:endParaRPr lang="en-US"/>
           </a:p>
@@ -3173,7 +3173,7 @@
           <a:p>
             <a:fld id="{E754C7F4-4B95-4CDF-B24E-B5EE227E4593}" type="datetime1">
               <a:rPr lang="en-US" smtClean="0"/>
-              <a:t>9/27/2015</a:t>
+              <a:t>10/2/2015</a:t>
             </a:fld>
             <a:endParaRPr lang="en-US"/>
           </a:p>
@@ -3440,7 +3440,7 @@
           <a:p>
             <a:fld id="{522D90DD-3F1D-4333-B251-10030ABE1E45}" type="datetime1">
               <a:rPr lang="en-US" smtClean="0"/>
-              <a:t>9/27/2015</a:t>
+              <a:t>10/2/2015</a:t>
             </a:fld>
             <a:endParaRPr lang="en-US"/>
           </a:p>
@@ -3749,7 +3749,7 @@
           <a:p>
             <a:fld id="{0371234B-895E-41E6-ADE7-FEE13FC2EF30}" type="datetime1">
               <a:rPr lang="en-US" smtClean="0"/>
-              <a:t>9/27/2015</a:t>
+              <a:t>10/2/2015</a:t>
             </a:fld>
             <a:endParaRPr lang="en-US"/>
           </a:p>
@@ -4192,7 +4192,7 @@
           <a:p>
             <a:fld id="{CAE48979-8F5D-4C7E-B73F-F6B6BB499E94}" type="datetime1">
               <a:rPr lang="en-US" smtClean="0"/>
-              <a:t>9/27/2015</a:t>
+              <a:t>10/2/2015</a:t>
             </a:fld>
             <a:endParaRPr lang="en-US"/>
           </a:p>
@@ -4449,7 +4449,7 @@
           <a:p>
             <a:fld id="{C63F0295-AD35-4898-97C4-7954EC9DDE31}" type="datetime1">
               <a:rPr lang="en-US" smtClean="0"/>
-              <a:t>9/27/2015</a:t>
+              <a:t>10/2/2015</a:t>
             </a:fld>
             <a:endParaRPr lang="en-US"/>
           </a:p>
@@ -4977,24 +4977,8 @@
               <a:t>The </a:t>
             </a:r>
             <a:r>
-              <a:rPr lang="en-US" dirty="0" err="1" smtClean="0"/>
-              <a:t>ke</a:t>
-            </a:r>
-            <a:r>
-              <a:rPr lang="en-US" dirty="0" err="1"/>
-              <a:t>The</a:t>
-            </a:r>
-            <a:r>
-              <a:rPr lang="en-US" dirty="0"/>
-              <a:t> Linux </a:t>
-            </a:r>
-            <a:r>
-              <a:rPr lang="en-US" dirty="0" err="1"/>
-              <a:t>Kernel</a:t>
-            </a:r>
-            <a:r>
-              <a:rPr lang="en-US" dirty="0" err="1" smtClean="0"/>
-              <a:t>rnel</a:t>
+              <a:rPr lang="en-US" smtClean="0"/>
+              <a:t>Linux Kernel</a:t>
             </a:r>
             <a:endParaRPr lang="en-US" dirty="0"/>
           </a:p>
